--- a/김용규 개인포폴.pptx
+++ b/김용규 개인포폴.pptx
@@ -134,7 +134,7 @@
   </p:defaultTextStyle>
   <p:extLst>
     <p:ext uri="{EFAFB233-063F-42B5-8137-9DF3F51BA10A}">
-      <p15:sldGuideLst xmlns:p15="http://schemas.microsoft.com/office/powerpoint/2012/main">
+      <p15:sldGuideLst xmlns:p15="http://schemas.microsoft.com/office/powerpoint/2012/main" xmlns="">
         <p15:guide id="1" orient="horz" pos="2160" userDrawn="1">
           <p15:clr>
             <a:srgbClr val="A4A3A4"/>
@@ -148,7 +148,7 @@
       </p15:sldGuideLst>
     </p:ext>
     <p:ext uri="{2D200454-40CA-4A62-9FC3-DE9A4176ACB9}">
-      <p15:notesGuideLst xmlns:p15="http://schemas.microsoft.com/office/powerpoint/2012/main"/>
+      <p15:notesGuideLst xmlns:p15="http://schemas.microsoft.com/office/powerpoint/2012/main" xmlns=""/>
     </p:ext>
   </p:extLst>
 </p:presentation>
@@ -690,7 +690,7 @@
           <p:cNvPr id="63" name="Picture 2" descr="Sky, Clouds, Sunlight, Dark, Cloudscape, Atmosphere">
             <a:extLst>
               <a:ext uri="{FF2B5EF4-FFF2-40B4-BE49-F238E27FC236}">
-                <a16:creationId xmlns:a16="http://schemas.microsoft.com/office/drawing/2014/main" id="{435E1FDC-DD2B-4769-B2E9-47DEE1E55CEA}"/>
+                <a16:creationId xmlns:a16="http://schemas.microsoft.com/office/drawing/2014/main" xmlns="" id="{435E1FDC-DD2B-4769-B2E9-47DEE1E55CEA}"/>
               </a:ext>
             </a:extLst>
           </p:cNvPr>
@@ -735,7 +735,7 @@
           <p:cNvPr id="17" name="사각형: 둥근 모서리 16">
             <a:extLst>
               <a:ext uri="{FF2B5EF4-FFF2-40B4-BE49-F238E27FC236}">
-                <a16:creationId xmlns:a16="http://schemas.microsoft.com/office/drawing/2014/main" id="{76A1FBA8-F3A3-4AF4-BBC5-3DA373CFFE22}"/>
+                <a16:creationId xmlns:a16="http://schemas.microsoft.com/office/drawing/2014/main" xmlns="" id="{76A1FBA8-F3A3-4AF4-BBC5-3DA373CFFE22}"/>
               </a:ext>
             </a:extLst>
           </p:cNvPr>
@@ -813,7 +813,7 @@
           <p:cNvPr id="48" name="자유형: 도형 47">
             <a:extLst>
               <a:ext uri="{FF2B5EF4-FFF2-40B4-BE49-F238E27FC236}">
-                <a16:creationId xmlns:a16="http://schemas.microsoft.com/office/drawing/2014/main" id="{5C68F233-B6B7-48FD-A5D7-1773C626ECDC}"/>
+                <a16:creationId xmlns:a16="http://schemas.microsoft.com/office/drawing/2014/main" xmlns="" id="{5C68F233-B6B7-48FD-A5D7-1773C626ECDC}"/>
               </a:ext>
             </a:extLst>
           </p:cNvPr>
@@ -1406,7 +1406,7 @@
           <p:cNvPr id="7" name="그룹 6">
             <a:extLst>
               <a:ext uri="{FF2B5EF4-FFF2-40B4-BE49-F238E27FC236}">
-                <a16:creationId xmlns:a16="http://schemas.microsoft.com/office/drawing/2014/main" id="{E706E258-96F6-45D7-99D2-59E3AD33EE42}"/>
+                <a16:creationId xmlns:a16="http://schemas.microsoft.com/office/drawing/2014/main" xmlns="" id="{E706E258-96F6-45D7-99D2-59E3AD33EE42}"/>
               </a:ext>
             </a:extLst>
           </p:cNvPr>
@@ -1439,7 +1439,7 @@
             <p:cNvPr id="6" name="사각형: 둥근 모서리 5">
               <a:extLst>
                 <a:ext uri="{FF2B5EF4-FFF2-40B4-BE49-F238E27FC236}">
-                  <a16:creationId xmlns:a16="http://schemas.microsoft.com/office/drawing/2014/main" id="{1F0F4EDB-23EC-4C4D-9E4B-52023C6FD34B}"/>
+                  <a16:creationId xmlns:a16="http://schemas.microsoft.com/office/drawing/2014/main" xmlns="" id="{1F0F4EDB-23EC-4C4D-9E4B-52023C6FD34B}"/>
                 </a:ext>
               </a:extLst>
             </p:cNvPr>
@@ -1515,7 +1515,7 @@
             <p:cNvPr id="20" name="사각형: 둥근 모서리 19">
               <a:extLst>
                 <a:ext uri="{FF2B5EF4-FFF2-40B4-BE49-F238E27FC236}">
-                  <a16:creationId xmlns:a16="http://schemas.microsoft.com/office/drawing/2014/main" id="{DB05B5EA-97B6-4097-8C62-938D897C1BEC}"/>
+                  <a16:creationId xmlns:a16="http://schemas.microsoft.com/office/drawing/2014/main" xmlns="" id="{DB05B5EA-97B6-4097-8C62-938D897C1BEC}"/>
                 </a:ext>
               </a:extLst>
             </p:cNvPr>
@@ -1579,7 +1579,7 @@
             <p:cNvPr id="21" name="사각형: 둥근 모서리 20">
               <a:extLst>
                 <a:ext uri="{FF2B5EF4-FFF2-40B4-BE49-F238E27FC236}">
-                  <a16:creationId xmlns:a16="http://schemas.microsoft.com/office/drawing/2014/main" id="{04091855-940D-4DBB-90DC-FBB1DE704E5D}"/>
+                  <a16:creationId xmlns:a16="http://schemas.microsoft.com/office/drawing/2014/main" xmlns="" id="{04091855-940D-4DBB-90DC-FBB1DE704E5D}"/>
                 </a:ext>
               </a:extLst>
             </p:cNvPr>
@@ -1643,7 +1643,7 @@
             <p:cNvPr id="22" name="사각형: 둥근 모서리 21">
               <a:extLst>
                 <a:ext uri="{FF2B5EF4-FFF2-40B4-BE49-F238E27FC236}">
-                  <a16:creationId xmlns:a16="http://schemas.microsoft.com/office/drawing/2014/main" id="{442D0F26-6AF0-44F2-B3DD-D6DBEB5BCCCE}"/>
+                  <a16:creationId xmlns:a16="http://schemas.microsoft.com/office/drawing/2014/main" xmlns="" id="{442D0F26-6AF0-44F2-B3DD-D6DBEB5BCCCE}"/>
                 </a:ext>
               </a:extLst>
             </p:cNvPr>
@@ -1708,7 +1708,7 @@
           <p:cNvPr id="2" name="제목 1">
             <a:extLst>
               <a:ext uri="{FF2B5EF4-FFF2-40B4-BE49-F238E27FC236}">
-                <a16:creationId xmlns:a16="http://schemas.microsoft.com/office/drawing/2014/main" id="{BBBBBB7A-F08C-440F-AFD0-680FCB6B493C}"/>
+                <a16:creationId xmlns:a16="http://schemas.microsoft.com/office/drawing/2014/main" xmlns="" id="{BBBBBB7A-F08C-440F-AFD0-680FCB6B493C}"/>
               </a:ext>
             </a:extLst>
           </p:cNvPr>
@@ -1793,7 +1793,7 @@
           <p:cNvPr id="5" name="바닥글 개체 틀 4">
             <a:extLst>
               <a:ext uri="{FF2B5EF4-FFF2-40B4-BE49-F238E27FC236}">
-                <a16:creationId xmlns:a16="http://schemas.microsoft.com/office/drawing/2014/main" id="{3AEE1168-EEE0-453E-A12E-E5D990D0159A}"/>
+                <a16:creationId xmlns:a16="http://schemas.microsoft.com/office/drawing/2014/main" xmlns="" id="{3AEE1168-EEE0-453E-A12E-E5D990D0159A}"/>
               </a:ext>
             </a:extLst>
           </p:cNvPr>
@@ -1858,7 +1858,7 @@
           <p:cNvPr id="24" name="직선 연결선 23">
             <a:extLst>
               <a:ext uri="{FF2B5EF4-FFF2-40B4-BE49-F238E27FC236}">
-                <a16:creationId xmlns:a16="http://schemas.microsoft.com/office/drawing/2014/main" id="{CED87F8F-C072-4750-B764-6F04BACF51F2}"/>
+                <a16:creationId xmlns:a16="http://schemas.microsoft.com/office/drawing/2014/main" xmlns="" id="{CED87F8F-C072-4750-B764-6F04BACF51F2}"/>
               </a:ext>
             </a:extLst>
           </p:cNvPr>
@@ -1901,7 +1901,7 @@
           <p:cNvPr id="41" name="그룹 40">
             <a:extLst>
               <a:ext uri="{FF2B5EF4-FFF2-40B4-BE49-F238E27FC236}">
-                <a16:creationId xmlns:a16="http://schemas.microsoft.com/office/drawing/2014/main" id="{1410053C-0779-4016-AD00-3C5086A7EE17}"/>
+                <a16:creationId xmlns:a16="http://schemas.microsoft.com/office/drawing/2014/main" xmlns="" id="{1410053C-0779-4016-AD00-3C5086A7EE17}"/>
               </a:ext>
             </a:extLst>
           </p:cNvPr>
@@ -1921,7 +1921,7 @@
             <p:cNvPr id="42" name="그룹 41">
               <a:extLst>
                 <a:ext uri="{FF2B5EF4-FFF2-40B4-BE49-F238E27FC236}">
-                  <a16:creationId xmlns:a16="http://schemas.microsoft.com/office/drawing/2014/main" id="{5A5B7BA7-9775-4E79-A269-7502B51D12DE}"/>
+                  <a16:creationId xmlns:a16="http://schemas.microsoft.com/office/drawing/2014/main" xmlns="" id="{5A5B7BA7-9775-4E79-A269-7502B51D12DE}"/>
                 </a:ext>
               </a:extLst>
             </p:cNvPr>
@@ -1941,7 +1941,7 @@
               <p:cNvPr id="43" name="직선 연결선 42">
                 <a:extLst>
                   <a:ext uri="{FF2B5EF4-FFF2-40B4-BE49-F238E27FC236}">
-                    <a16:creationId xmlns:a16="http://schemas.microsoft.com/office/drawing/2014/main" id="{D23D6512-6F9D-4880-B7D6-DE17DA009308}"/>
+                    <a16:creationId xmlns:a16="http://schemas.microsoft.com/office/drawing/2014/main" xmlns="" id="{D23D6512-6F9D-4880-B7D6-DE17DA009308}"/>
                   </a:ext>
                 </a:extLst>
               </p:cNvPr>
@@ -1985,7 +1985,7 @@
               <p:cNvPr id="44" name="직선 연결선 43">
                 <a:extLst>
                   <a:ext uri="{FF2B5EF4-FFF2-40B4-BE49-F238E27FC236}">
-                    <a16:creationId xmlns:a16="http://schemas.microsoft.com/office/drawing/2014/main" id="{38880B9F-9CD6-40EF-A0F3-D3B6632FD563}"/>
+                    <a16:creationId xmlns:a16="http://schemas.microsoft.com/office/drawing/2014/main" xmlns="" id="{38880B9F-9CD6-40EF-A0F3-D3B6632FD563}"/>
                   </a:ext>
                 </a:extLst>
               </p:cNvPr>
@@ -2031,7 +2031,7 @@
               <p:cNvPr id="46" name="직선 연결선 45">
                 <a:extLst>
                   <a:ext uri="{FF2B5EF4-FFF2-40B4-BE49-F238E27FC236}">
-                    <a16:creationId xmlns:a16="http://schemas.microsoft.com/office/drawing/2014/main" id="{00E38537-0A71-4F5F-9678-F39133CE9C5F}"/>
+                    <a16:creationId xmlns:a16="http://schemas.microsoft.com/office/drawing/2014/main" xmlns="" id="{00E38537-0A71-4F5F-9678-F39133CE9C5F}"/>
                   </a:ext>
                 </a:extLst>
               </p:cNvPr>
@@ -2078,7 +2078,7 @@
             <p:cNvPr id="38" name="직사각형 37">
               <a:extLst>
                 <a:ext uri="{FF2B5EF4-FFF2-40B4-BE49-F238E27FC236}">
-                  <a16:creationId xmlns:a16="http://schemas.microsoft.com/office/drawing/2014/main" id="{55A74D05-2A86-4D14-8255-B3CB785E48C8}"/>
+                  <a16:creationId xmlns:a16="http://schemas.microsoft.com/office/drawing/2014/main" xmlns="" id="{55A74D05-2A86-4D14-8255-B3CB785E48C8}"/>
                 </a:ext>
               </a:extLst>
             </p:cNvPr>
@@ -2131,7 +2131,7 @@
           <p:cNvPr id="62" name="텍스트 개체 틀 61">
             <a:extLst>
               <a:ext uri="{FF2B5EF4-FFF2-40B4-BE49-F238E27FC236}">
-                <a16:creationId xmlns:a16="http://schemas.microsoft.com/office/drawing/2014/main" id="{63960203-FBE0-478F-AA08-ACB023DF64D3}"/>
+                <a16:creationId xmlns:a16="http://schemas.microsoft.com/office/drawing/2014/main" xmlns="" id="{63960203-FBE0-478F-AA08-ACB023DF64D3}"/>
               </a:ext>
             </a:extLst>
           </p:cNvPr>
@@ -2209,7 +2209,7 @@
   </p:clrMapOvr>
   <p:extLst>
     <p:ext uri="{DCECCB84-F9BA-43D5-87BE-67443E8EF086}">
-      <p15:sldGuideLst xmlns:p15="http://schemas.microsoft.com/office/powerpoint/2012/main">
+      <p15:sldGuideLst xmlns:p15="http://schemas.microsoft.com/office/powerpoint/2012/main" xmlns="">
         <p15:guide id="1" orient="horz" pos="2160" userDrawn="1">
           <p15:clr>
             <a:srgbClr val="FBAE40"/>
@@ -2248,7 +2248,7 @@
           <p:cNvPr id="17" name="사각형: 둥근 모서리 16">
             <a:extLst>
               <a:ext uri="{FF2B5EF4-FFF2-40B4-BE49-F238E27FC236}">
-                <a16:creationId xmlns:a16="http://schemas.microsoft.com/office/drawing/2014/main" id="{76A1FBA8-F3A3-4AF4-BBC5-3DA373CFFE22}"/>
+                <a16:creationId xmlns:a16="http://schemas.microsoft.com/office/drawing/2014/main" xmlns="" id="{76A1FBA8-F3A3-4AF4-BBC5-3DA373CFFE22}"/>
               </a:ext>
             </a:extLst>
           </p:cNvPr>
@@ -2323,7 +2323,7 @@
           <p:cNvPr id="48" name="자유형: 도형 47">
             <a:extLst>
               <a:ext uri="{FF2B5EF4-FFF2-40B4-BE49-F238E27FC236}">
-                <a16:creationId xmlns:a16="http://schemas.microsoft.com/office/drawing/2014/main" id="{5C68F233-B6B7-48FD-A5D7-1773C626ECDC}"/>
+                <a16:creationId xmlns:a16="http://schemas.microsoft.com/office/drawing/2014/main" xmlns="" id="{5C68F233-B6B7-48FD-A5D7-1773C626ECDC}"/>
               </a:ext>
             </a:extLst>
           </p:cNvPr>
@@ -2916,7 +2916,7 @@
           <p:cNvPr id="7" name="그룹 6">
             <a:extLst>
               <a:ext uri="{FF2B5EF4-FFF2-40B4-BE49-F238E27FC236}">
-                <a16:creationId xmlns:a16="http://schemas.microsoft.com/office/drawing/2014/main" id="{E706E258-96F6-45D7-99D2-59E3AD33EE42}"/>
+                <a16:creationId xmlns:a16="http://schemas.microsoft.com/office/drawing/2014/main" xmlns="" id="{E706E258-96F6-45D7-99D2-59E3AD33EE42}"/>
               </a:ext>
             </a:extLst>
           </p:cNvPr>
@@ -2949,7 +2949,7 @@
             <p:cNvPr id="6" name="사각형: 둥근 모서리 5">
               <a:extLst>
                 <a:ext uri="{FF2B5EF4-FFF2-40B4-BE49-F238E27FC236}">
-                  <a16:creationId xmlns:a16="http://schemas.microsoft.com/office/drawing/2014/main" id="{1F0F4EDB-23EC-4C4D-9E4B-52023C6FD34B}"/>
+                  <a16:creationId xmlns:a16="http://schemas.microsoft.com/office/drawing/2014/main" xmlns="" id="{1F0F4EDB-23EC-4C4D-9E4B-52023C6FD34B}"/>
                 </a:ext>
               </a:extLst>
             </p:cNvPr>
@@ -3025,7 +3025,7 @@
             <p:cNvPr id="20" name="사각형: 둥근 모서리 19">
               <a:extLst>
                 <a:ext uri="{FF2B5EF4-FFF2-40B4-BE49-F238E27FC236}">
-                  <a16:creationId xmlns:a16="http://schemas.microsoft.com/office/drawing/2014/main" id="{DB05B5EA-97B6-4097-8C62-938D897C1BEC}"/>
+                  <a16:creationId xmlns:a16="http://schemas.microsoft.com/office/drawing/2014/main" xmlns="" id="{DB05B5EA-97B6-4097-8C62-938D897C1BEC}"/>
                 </a:ext>
               </a:extLst>
             </p:cNvPr>
@@ -3089,7 +3089,7 @@
             <p:cNvPr id="21" name="사각형: 둥근 모서리 20">
               <a:extLst>
                 <a:ext uri="{FF2B5EF4-FFF2-40B4-BE49-F238E27FC236}">
-                  <a16:creationId xmlns:a16="http://schemas.microsoft.com/office/drawing/2014/main" id="{04091855-940D-4DBB-90DC-FBB1DE704E5D}"/>
+                  <a16:creationId xmlns:a16="http://schemas.microsoft.com/office/drawing/2014/main" xmlns="" id="{04091855-940D-4DBB-90DC-FBB1DE704E5D}"/>
                 </a:ext>
               </a:extLst>
             </p:cNvPr>
@@ -3153,7 +3153,7 @@
             <p:cNvPr id="22" name="사각형: 둥근 모서리 21">
               <a:extLst>
                 <a:ext uri="{FF2B5EF4-FFF2-40B4-BE49-F238E27FC236}">
-                  <a16:creationId xmlns:a16="http://schemas.microsoft.com/office/drawing/2014/main" id="{442D0F26-6AF0-44F2-B3DD-D6DBEB5BCCCE}"/>
+                  <a16:creationId xmlns:a16="http://schemas.microsoft.com/office/drawing/2014/main" xmlns="" id="{442D0F26-6AF0-44F2-B3DD-D6DBEB5BCCCE}"/>
                 </a:ext>
               </a:extLst>
             </p:cNvPr>
@@ -3218,7 +3218,7 @@
           <p:cNvPr id="2" name="제목 1">
             <a:extLst>
               <a:ext uri="{FF2B5EF4-FFF2-40B4-BE49-F238E27FC236}">
-                <a16:creationId xmlns:a16="http://schemas.microsoft.com/office/drawing/2014/main" id="{BBBBBB7A-F08C-440F-AFD0-680FCB6B493C}"/>
+                <a16:creationId xmlns:a16="http://schemas.microsoft.com/office/drawing/2014/main" xmlns="" id="{BBBBBB7A-F08C-440F-AFD0-680FCB6B493C}"/>
               </a:ext>
             </a:extLst>
           </p:cNvPr>
@@ -3303,7 +3303,7 @@
           <p:cNvPr id="5" name="바닥글 개체 틀 4">
             <a:extLst>
               <a:ext uri="{FF2B5EF4-FFF2-40B4-BE49-F238E27FC236}">
-                <a16:creationId xmlns:a16="http://schemas.microsoft.com/office/drawing/2014/main" id="{3AEE1168-EEE0-453E-A12E-E5D990D0159A}"/>
+                <a16:creationId xmlns:a16="http://schemas.microsoft.com/office/drawing/2014/main" xmlns="" id="{3AEE1168-EEE0-453E-A12E-E5D990D0159A}"/>
               </a:ext>
             </a:extLst>
           </p:cNvPr>
@@ -3368,7 +3368,7 @@
           <p:cNvPr id="24" name="직선 연결선 23">
             <a:extLst>
               <a:ext uri="{FF2B5EF4-FFF2-40B4-BE49-F238E27FC236}">
-                <a16:creationId xmlns:a16="http://schemas.microsoft.com/office/drawing/2014/main" id="{CED87F8F-C072-4750-B764-6F04BACF51F2}"/>
+                <a16:creationId xmlns:a16="http://schemas.microsoft.com/office/drawing/2014/main" xmlns="" id="{CED87F8F-C072-4750-B764-6F04BACF51F2}"/>
               </a:ext>
             </a:extLst>
           </p:cNvPr>
@@ -3411,7 +3411,7 @@
           <p:cNvPr id="41" name="그룹 40">
             <a:extLst>
               <a:ext uri="{FF2B5EF4-FFF2-40B4-BE49-F238E27FC236}">
-                <a16:creationId xmlns:a16="http://schemas.microsoft.com/office/drawing/2014/main" id="{1410053C-0779-4016-AD00-3C5086A7EE17}"/>
+                <a16:creationId xmlns:a16="http://schemas.microsoft.com/office/drawing/2014/main" xmlns="" id="{1410053C-0779-4016-AD00-3C5086A7EE17}"/>
               </a:ext>
             </a:extLst>
           </p:cNvPr>
@@ -3431,7 +3431,7 @@
             <p:cNvPr id="42" name="그룹 41">
               <a:extLst>
                 <a:ext uri="{FF2B5EF4-FFF2-40B4-BE49-F238E27FC236}">
-                  <a16:creationId xmlns:a16="http://schemas.microsoft.com/office/drawing/2014/main" id="{5A5B7BA7-9775-4E79-A269-7502B51D12DE}"/>
+                  <a16:creationId xmlns:a16="http://schemas.microsoft.com/office/drawing/2014/main" xmlns="" id="{5A5B7BA7-9775-4E79-A269-7502B51D12DE}"/>
                 </a:ext>
               </a:extLst>
             </p:cNvPr>
@@ -3451,7 +3451,7 @@
               <p:cNvPr id="43" name="직선 연결선 42">
                 <a:extLst>
                   <a:ext uri="{FF2B5EF4-FFF2-40B4-BE49-F238E27FC236}">
-                    <a16:creationId xmlns:a16="http://schemas.microsoft.com/office/drawing/2014/main" id="{D23D6512-6F9D-4880-B7D6-DE17DA009308}"/>
+                    <a16:creationId xmlns:a16="http://schemas.microsoft.com/office/drawing/2014/main" xmlns="" id="{D23D6512-6F9D-4880-B7D6-DE17DA009308}"/>
                   </a:ext>
                 </a:extLst>
               </p:cNvPr>
@@ -3495,7 +3495,7 @@
               <p:cNvPr id="44" name="직선 연결선 43">
                 <a:extLst>
                   <a:ext uri="{FF2B5EF4-FFF2-40B4-BE49-F238E27FC236}">
-                    <a16:creationId xmlns:a16="http://schemas.microsoft.com/office/drawing/2014/main" id="{38880B9F-9CD6-40EF-A0F3-D3B6632FD563}"/>
+                    <a16:creationId xmlns:a16="http://schemas.microsoft.com/office/drawing/2014/main" xmlns="" id="{38880B9F-9CD6-40EF-A0F3-D3B6632FD563}"/>
                   </a:ext>
                 </a:extLst>
               </p:cNvPr>
@@ -3541,7 +3541,7 @@
               <p:cNvPr id="46" name="직선 연결선 45">
                 <a:extLst>
                   <a:ext uri="{FF2B5EF4-FFF2-40B4-BE49-F238E27FC236}">
-                    <a16:creationId xmlns:a16="http://schemas.microsoft.com/office/drawing/2014/main" id="{00E38537-0A71-4F5F-9678-F39133CE9C5F}"/>
+                    <a16:creationId xmlns:a16="http://schemas.microsoft.com/office/drawing/2014/main" xmlns="" id="{00E38537-0A71-4F5F-9678-F39133CE9C5F}"/>
                   </a:ext>
                 </a:extLst>
               </p:cNvPr>
@@ -3588,7 +3588,7 @@
             <p:cNvPr id="38" name="직사각형 37">
               <a:extLst>
                 <a:ext uri="{FF2B5EF4-FFF2-40B4-BE49-F238E27FC236}">
-                  <a16:creationId xmlns:a16="http://schemas.microsoft.com/office/drawing/2014/main" id="{55A74D05-2A86-4D14-8255-B3CB785E48C8}"/>
+                  <a16:creationId xmlns:a16="http://schemas.microsoft.com/office/drawing/2014/main" xmlns="" id="{55A74D05-2A86-4D14-8255-B3CB785E48C8}"/>
                 </a:ext>
               </a:extLst>
             </p:cNvPr>
@@ -3641,7 +3641,7 @@
           <p:cNvPr id="62" name="텍스트 개체 틀 61">
             <a:extLst>
               <a:ext uri="{FF2B5EF4-FFF2-40B4-BE49-F238E27FC236}">
-                <a16:creationId xmlns:a16="http://schemas.microsoft.com/office/drawing/2014/main" id="{63960203-FBE0-478F-AA08-ACB023DF64D3}"/>
+                <a16:creationId xmlns:a16="http://schemas.microsoft.com/office/drawing/2014/main" xmlns="" id="{63960203-FBE0-478F-AA08-ACB023DF64D3}"/>
               </a:ext>
             </a:extLst>
           </p:cNvPr>
@@ -3719,7 +3719,7 @@
   </p:clrMapOvr>
   <p:extLst>
     <p:ext uri="{DCECCB84-F9BA-43D5-87BE-67443E8EF086}">
-      <p15:sldGuideLst xmlns:p15="http://schemas.microsoft.com/office/powerpoint/2012/main">
+      <p15:sldGuideLst xmlns:p15="http://schemas.microsoft.com/office/powerpoint/2012/main" xmlns="">
         <p15:guide id="1" orient="horz" pos="2160">
           <p15:clr>
             <a:srgbClr val="FBAE40"/>
@@ -3758,7 +3758,7 @@
           <p:cNvPr id="4" name="그룹 3">
             <a:extLst>
               <a:ext uri="{FF2B5EF4-FFF2-40B4-BE49-F238E27FC236}">
-                <a16:creationId xmlns:a16="http://schemas.microsoft.com/office/drawing/2014/main" id="{E11AD74C-227B-4708-A483-C01540436A73}"/>
+                <a16:creationId xmlns:a16="http://schemas.microsoft.com/office/drawing/2014/main" xmlns="" id="{E11AD74C-227B-4708-A483-C01540436A73}"/>
               </a:ext>
             </a:extLst>
           </p:cNvPr>
@@ -3778,7 +3778,7 @@
             <p:cNvPr id="15" name="사각형: 둥근 모서리 14">
               <a:extLst>
                 <a:ext uri="{FF2B5EF4-FFF2-40B4-BE49-F238E27FC236}">
-                  <a16:creationId xmlns:a16="http://schemas.microsoft.com/office/drawing/2014/main" id="{2151C980-59AC-4808-9289-0CFDE54B5CD0}"/>
+                  <a16:creationId xmlns:a16="http://schemas.microsoft.com/office/drawing/2014/main" xmlns="" id="{2151C980-59AC-4808-9289-0CFDE54B5CD0}"/>
                 </a:ext>
               </a:extLst>
             </p:cNvPr>
@@ -3841,7 +3841,7 @@
             <p:cNvPr id="18" name="사각형: 둥근 모서리 17">
               <a:extLst>
                 <a:ext uri="{FF2B5EF4-FFF2-40B4-BE49-F238E27FC236}">
-                  <a16:creationId xmlns:a16="http://schemas.microsoft.com/office/drawing/2014/main" id="{05AEE337-28CE-472A-9209-FD2B9BD7E92B}"/>
+                  <a16:creationId xmlns:a16="http://schemas.microsoft.com/office/drawing/2014/main" xmlns="" id="{05AEE337-28CE-472A-9209-FD2B9BD7E92B}"/>
                 </a:ext>
               </a:extLst>
             </p:cNvPr>
@@ -3920,7 +3920,7 @@
           <p:cNvPr id="7" name="텍스트 개체 틀 6">
             <a:extLst>
               <a:ext uri="{FF2B5EF4-FFF2-40B4-BE49-F238E27FC236}">
-                <a16:creationId xmlns:a16="http://schemas.microsoft.com/office/drawing/2014/main" id="{FFA8623D-4C85-4360-8750-DA1D4CBC485F}"/>
+                <a16:creationId xmlns:a16="http://schemas.microsoft.com/office/drawing/2014/main" xmlns="" id="{FFA8623D-4C85-4360-8750-DA1D4CBC485F}"/>
               </a:ext>
             </a:extLst>
           </p:cNvPr>
@@ -4026,7 +4026,7 @@
           <p:cNvPr id="22" name="텍스트 개체 틀 6">
             <a:extLst>
               <a:ext uri="{FF2B5EF4-FFF2-40B4-BE49-F238E27FC236}">
-                <a16:creationId xmlns:a16="http://schemas.microsoft.com/office/drawing/2014/main" id="{BB2AEACD-342D-4D33-9465-D551F9750D75}"/>
+                <a16:creationId xmlns:a16="http://schemas.microsoft.com/office/drawing/2014/main" xmlns="" id="{BB2AEACD-342D-4D33-9465-D551F9750D75}"/>
               </a:ext>
             </a:extLst>
           </p:cNvPr>
@@ -4122,7 +4122,7 @@
           <p:cNvPr id="24" name="텍스트 개체 틀 6">
             <a:extLst>
               <a:ext uri="{FF2B5EF4-FFF2-40B4-BE49-F238E27FC236}">
-                <a16:creationId xmlns:a16="http://schemas.microsoft.com/office/drawing/2014/main" id="{74D627D5-65A5-4092-8615-F0BC3C41AAAE}"/>
+                <a16:creationId xmlns:a16="http://schemas.microsoft.com/office/drawing/2014/main" xmlns="" id="{74D627D5-65A5-4092-8615-F0BC3C41AAAE}"/>
               </a:ext>
             </a:extLst>
           </p:cNvPr>
@@ -4220,7 +4220,7 @@
           <p:cNvPr id="26" name="텍스트 개체 틀 6">
             <a:extLst>
               <a:ext uri="{FF2B5EF4-FFF2-40B4-BE49-F238E27FC236}">
-                <a16:creationId xmlns:a16="http://schemas.microsoft.com/office/drawing/2014/main" id="{5F4130BA-29F2-4070-AF69-B3F801117033}"/>
+                <a16:creationId xmlns:a16="http://schemas.microsoft.com/office/drawing/2014/main" xmlns="" id="{5F4130BA-29F2-4070-AF69-B3F801117033}"/>
               </a:ext>
             </a:extLst>
           </p:cNvPr>
@@ -4328,7 +4328,7 @@
           <p:cNvPr id="20" name="그룹 19">
             <a:extLst>
               <a:ext uri="{FF2B5EF4-FFF2-40B4-BE49-F238E27FC236}">
-                <a16:creationId xmlns:a16="http://schemas.microsoft.com/office/drawing/2014/main" id="{4D1FD33C-32B1-4DAE-9B75-E39AB9B05EAF}"/>
+                <a16:creationId xmlns:a16="http://schemas.microsoft.com/office/drawing/2014/main" xmlns="" id="{4D1FD33C-32B1-4DAE-9B75-E39AB9B05EAF}"/>
               </a:ext>
             </a:extLst>
           </p:cNvPr>
@@ -4348,7 +4348,7 @@
             <p:cNvPr id="21" name="그룹 20">
               <a:extLst>
                 <a:ext uri="{FF2B5EF4-FFF2-40B4-BE49-F238E27FC236}">
-                  <a16:creationId xmlns:a16="http://schemas.microsoft.com/office/drawing/2014/main" id="{671FE2FB-1706-46D1-A921-8D338F072DBA}"/>
+                  <a16:creationId xmlns:a16="http://schemas.microsoft.com/office/drawing/2014/main" xmlns="" id="{671FE2FB-1706-46D1-A921-8D338F072DBA}"/>
                 </a:ext>
               </a:extLst>
             </p:cNvPr>
@@ -4368,7 +4368,7 @@
               <p:cNvPr id="25" name="직선 연결선 24">
                 <a:extLst>
                   <a:ext uri="{FF2B5EF4-FFF2-40B4-BE49-F238E27FC236}">
-                    <a16:creationId xmlns:a16="http://schemas.microsoft.com/office/drawing/2014/main" id="{560EB4ED-A9F9-47E8-AE04-D2FCCA484126}"/>
+                    <a16:creationId xmlns:a16="http://schemas.microsoft.com/office/drawing/2014/main" xmlns="" id="{560EB4ED-A9F9-47E8-AE04-D2FCCA484126}"/>
                   </a:ext>
                 </a:extLst>
               </p:cNvPr>
@@ -4412,7 +4412,7 @@
               <p:cNvPr id="27" name="직선 연결선 26">
                 <a:extLst>
                   <a:ext uri="{FF2B5EF4-FFF2-40B4-BE49-F238E27FC236}">
-                    <a16:creationId xmlns:a16="http://schemas.microsoft.com/office/drawing/2014/main" id="{54AAB66E-AFFA-4EFD-AED3-9B12D853CEC0}"/>
+                    <a16:creationId xmlns:a16="http://schemas.microsoft.com/office/drawing/2014/main" xmlns="" id="{54AAB66E-AFFA-4EFD-AED3-9B12D853CEC0}"/>
                   </a:ext>
                 </a:extLst>
               </p:cNvPr>
@@ -4458,7 +4458,7 @@
               <p:cNvPr id="28" name="직선 연결선 27">
                 <a:extLst>
                   <a:ext uri="{FF2B5EF4-FFF2-40B4-BE49-F238E27FC236}">
-                    <a16:creationId xmlns:a16="http://schemas.microsoft.com/office/drawing/2014/main" id="{A5D76707-C407-4A65-A69E-E1FAEE564637}"/>
+                    <a16:creationId xmlns:a16="http://schemas.microsoft.com/office/drawing/2014/main" xmlns="" id="{A5D76707-C407-4A65-A69E-E1FAEE564637}"/>
                   </a:ext>
                 </a:extLst>
               </p:cNvPr>
@@ -4505,7 +4505,7 @@
             <p:cNvPr id="23" name="직사각형 22">
               <a:extLst>
                 <a:ext uri="{FF2B5EF4-FFF2-40B4-BE49-F238E27FC236}">
-                  <a16:creationId xmlns:a16="http://schemas.microsoft.com/office/drawing/2014/main" id="{A366BFDA-F2C5-4BD4-8906-772351C5CE50}"/>
+                  <a16:creationId xmlns:a16="http://schemas.microsoft.com/office/drawing/2014/main" xmlns="" id="{A366BFDA-F2C5-4BD4-8906-772351C5CE50}"/>
                 </a:ext>
               </a:extLst>
             </p:cNvPr>
@@ -4558,7 +4558,7 @@
           <p:cNvPr id="6" name="그룹 5">
             <a:extLst>
               <a:ext uri="{FF2B5EF4-FFF2-40B4-BE49-F238E27FC236}">
-                <a16:creationId xmlns:a16="http://schemas.microsoft.com/office/drawing/2014/main" id="{0B3EC0C1-0661-4161-ACC9-59CC6D882AEB}"/>
+                <a16:creationId xmlns:a16="http://schemas.microsoft.com/office/drawing/2014/main" xmlns="" id="{0B3EC0C1-0661-4161-ACC9-59CC6D882AEB}"/>
               </a:ext>
             </a:extLst>
           </p:cNvPr>
@@ -4578,7 +4578,7 @@
             <p:cNvPr id="30" name="직선 연결선 29">
               <a:extLst>
                 <a:ext uri="{FF2B5EF4-FFF2-40B4-BE49-F238E27FC236}">
-                  <a16:creationId xmlns:a16="http://schemas.microsoft.com/office/drawing/2014/main" id="{D1731E3C-46DC-4403-BD24-CF9D0D902B4F}"/>
+                  <a16:creationId xmlns:a16="http://schemas.microsoft.com/office/drawing/2014/main" xmlns="" id="{D1731E3C-46DC-4403-BD24-CF9D0D902B4F}"/>
                 </a:ext>
               </a:extLst>
             </p:cNvPr>
@@ -4624,7 +4624,7 @@
             <p:cNvPr id="31" name="직선 연결선 30">
               <a:extLst>
                 <a:ext uri="{FF2B5EF4-FFF2-40B4-BE49-F238E27FC236}">
-                  <a16:creationId xmlns:a16="http://schemas.microsoft.com/office/drawing/2014/main" id="{5A71D8D6-9B9A-4087-B3B6-44FCAE59C781}"/>
+                  <a16:creationId xmlns:a16="http://schemas.microsoft.com/office/drawing/2014/main" xmlns="" id="{5A71D8D6-9B9A-4087-B3B6-44FCAE59C781}"/>
                 </a:ext>
               </a:extLst>
             </p:cNvPr>
@@ -4670,7 +4670,7 @@
             <p:cNvPr id="32" name="직선 연결선 31">
               <a:extLst>
                 <a:ext uri="{FF2B5EF4-FFF2-40B4-BE49-F238E27FC236}">
-                  <a16:creationId xmlns:a16="http://schemas.microsoft.com/office/drawing/2014/main" id="{673DA5F2-D2FA-4CEB-AA19-270DEC9184D4}"/>
+                  <a16:creationId xmlns:a16="http://schemas.microsoft.com/office/drawing/2014/main" xmlns="" id="{673DA5F2-D2FA-4CEB-AA19-270DEC9184D4}"/>
                 </a:ext>
               </a:extLst>
             </p:cNvPr>
@@ -4717,7 +4717,7 @@
           <p:cNvPr id="33" name="텍스트 개체 틀 6">
             <a:extLst>
               <a:ext uri="{FF2B5EF4-FFF2-40B4-BE49-F238E27FC236}">
-                <a16:creationId xmlns:a16="http://schemas.microsoft.com/office/drawing/2014/main" id="{2A13CB7D-B45F-4A40-9D06-CBE69E47A5AD}"/>
+                <a16:creationId xmlns:a16="http://schemas.microsoft.com/office/drawing/2014/main" xmlns="" id="{2A13CB7D-B45F-4A40-9D06-CBE69E47A5AD}"/>
               </a:ext>
             </a:extLst>
           </p:cNvPr>
@@ -4790,7 +4790,7 @@
           <p:cNvPr id="46" name="텍스트 개체 틀 6">
             <a:extLst>
               <a:ext uri="{FF2B5EF4-FFF2-40B4-BE49-F238E27FC236}">
-                <a16:creationId xmlns:a16="http://schemas.microsoft.com/office/drawing/2014/main" id="{4EAA92E4-65FF-4A40-9DB5-C2F28612F554}"/>
+                <a16:creationId xmlns:a16="http://schemas.microsoft.com/office/drawing/2014/main" xmlns="" id="{4EAA92E4-65FF-4A40-9DB5-C2F28612F554}"/>
               </a:ext>
             </a:extLst>
           </p:cNvPr>
@@ -4898,7 +4898,7 @@
           <p:cNvPr id="47" name="텍스트 개체 틀 6">
             <a:extLst>
               <a:ext uri="{FF2B5EF4-FFF2-40B4-BE49-F238E27FC236}">
-                <a16:creationId xmlns:a16="http://schemas.microsoft.com/office/drawing/2014/main" id="{999D6DF6-B599-4081-A1E2-CEA80806AE50}"/>
+                <a16:creationId xmlns:a16="http://schemas.microsoft.com/office/drawing/2014/main" xmlns="" id="{999D6DF6-B599-4081-A1E2-CEA80806AE50}"/>
               </a:ext>
             </a:extLst>
           </p:cNvPr>
@@ -4971,7 +4971,7 @@
           <p:cNvPr id="48" name="텍스트 개체 틀 6">
             <a:extLst>
               <a:ext uri="{FF2B5EF4-FFF2-40B4-BE49-F238E27FC236}">
-                <a16:creationId xmlns:a16="http://schemas.microsoft.com/office/drawing/2014/main" id="{E2C9013A-A84F-4126-9AA1-6E761DE6C5D7}"/>
+                <a16:creationId xmlns:a16="http://schemas.microsoft.com/office/drawing/2014/main" xmlns="" id="{E2C9013A-A84F-4126-9AA1-6E761DE6C5D7}"/>
               </a:ext>
             </a:extLst>
           </p:cNvPr>
@@ -5079,7 +5079,7 @@
           <p:cNvPr id="49" name="텍스트 개체 틀 6">
             <a:extLst>
               <a:ext uri="{FF2B5EF4-FFF2-40B4-BE49-F238E27FC236}">
-                <a16:creationId xmlns:a16="http://schemas.microsoft.com/office/drawing/2014/main" id="{8532A8C0-3A36-40CE-884E-14A501A806F1}"/>
+                <a16:creationId xmlns:a16="http://schemas.microsoft.com/office/drawing/2014/main" xmlns="" id="{8532A8C0-3A36-40CE-884E-14A501A806F1}"/>
               </a:ext>
             </a:extLst>
           </p:cNvPr>
@@ -5152,7 +5152,7 @@
           <p:cNvPr id="10" name="직선 연결선 9">
             <a:extLst>
               <a:ext uri="{FF2B5EF4-FFF2-40B4-BE49-F238E27FC236}">
-                <a16:creationId xmlns:a16="http://schemas.microsoft.com/office/drawing/2014/main" id="{7BA49C03-7C89-4B18-8485-41D78404A05A}"/>
+                <a16:creationId xmlns:a16="http://schemas.microsoft.com/office/drawing/2014/main" xmlns="" id="{7BA49C03-7C89-4B18-8485-41D78404A05A}"/>
               </a:ext>
             </a:extLst>
           </p:cNvPr>
@@ -5195,7 +5195,7 @@
           <p:cNvPr id="50" name="텍스트 개체 틀 6">
             <a:extLst>
               <a:ext uri="{FF2B5EF4-FFF2-40B4-BE49-F238E27FC236}">
-                <a16:creationId xmlns:a16="http://schemas.microsoft.com/office/drawing/2014/main" id="{08F6EE6A-1191-4AF8-8223-5141CB1B34B4}"/>
+                <a16:creationId xmlns:a16="http://schemas.microsoft.com/office/drawing/2014/main" xmlns="" id="{08F6EE6A-1191-4AF8-8223-5141CB1B34B4}"/>
               </a:ext>
             </a:extLst>
           </p:cNvPr>
@@ -5298,7 +5298,7 @@
           <p:cNvPr id="51" name="텍스트 개체 틀 6">
             <a:extLst>
               <a:ext uri="{FF2B5EF4-FFF2-40B4-BE49-F238E27FC236}">
-                <a16:creationId xmlns:a16="http://schemas.microsoft.com/office/drawing/2014/main" id="{D9FB4C2C-11B8-4FD9-BDBC-7C42177D59CE}"/>
+                <a16:creationId xmlns:a16="http://schemas.microsoft.com/office/drawing/2014/main" xmlns="" id="{D9FB4C2C-11B8-4FD9-BDBC-7C42177D59CE}"/>
               </a:ext>
             </a:extLst>
           </p:cNvPr>
@@ -5403,7 +5403,7 @@
   </p:clrMapOvr>
   <p:extLst>
     <p:ext uri="{DCECCB84-F9BA-43D5-87BE-67443E8EF086}">
-      <p15:sldGuideLst xmlns:p15="http://schemas.microsoft.com/office/powerpoint/2012/main">
+      <p15:sldGuideLst xmlns:p15="http://schemas.microsoft.com/office/powerpoint/2012/main" xmlns="">
         <p15:guide id="1" orient="horz" pos="2160" userDrawn="1">
           <p15:clr>
             <a:srgbClr val="FBAE40"/>
@@ -5442,7 +5442,7 @@
           <p:cNvPr id="2050" name="Picture 2" descr="Sky, Clouds, Sunlight, Dark, Cloudscape, Atmosphere">
             <a:extLst>
               <a:ext uri="{FF2B5EF4-FFF2-40B4-BE49-F238E27FC236}">
-                <a16:creationId xmlns:a16="http://schemas.microsoft.com/office/drawing/2014/main" id="{748B13DB-FA87-474E-8DD7-6A0340AB327E}"/>
+                <a16:creationId xmlns:a16="http://schemas.microsoft.com/office/drawing/2014/main" xmlns="" id="{748B13DB-FA87-474E-8DD7-6A0340AB327E}"/>
               </a:ext>
             </a:extLst>
           </p:cNvPr>
@@ -5487,7 +5487,7 @@
           <p:cNvPr id="4" name="그룹 3">
             <a:extLst>
               <a:ext uri="{FF2B5EF4-FFF2-40B4-BE49-F238E27FC236}">
-                <a16:creationId xmlns:a16="http://schemas.microsoft.com/office/drawing/2014/main" id="{E11AD74C-227B-4708-A483-C01540436A73}"/>
+                <a16:creationId xmlns:a16="http://schemas.microsoft.com/office/drawing/2014/main" xmlns="" id="{E11AD74C-227B-4708-A483-C01540436A73}"/>
               </a:ext>
             </a:extLst>
           </p:cNvPr>
@@ -5507,7 +5507,7 @@
             <p:cNvPr id="15" name="사각형: 둥근 모서리 14">
               <a:extLst>
                 <a:ext uri="{FF2B5EF4-FFF2-40B4-BE49-F238E27FC236}">
-                  <a16:creationId xmlns:a16="http://schemas.microsoft.com/office/drawing/2014/main" id="{2151C980-59AC-4808-9289-0CFDE54B5CD0}"/>
+                  <a16:creationId xmlns:a16="http://schemas.microsoft.com/office/drawing/2014/main" xmlns="" id="{2151C980-59AC-4808-9289-0CFDE54B5CD0}"/>
                 </a:ext>
               </a:extLst>
             </p:cNvPr>
@@ -5570,7 +5570,7 @@
             <p:cNvPr id="18" name="사각형: 둥근 모서리 17">
               <a:extLst>
                 <a:ext uri="{FF2B5EF4-FFF2-40B4-BE49-F238E27FC236}">
-                  <a16:creationId xmlns:a16="http://schemas.microsoft.com/office/drawing/2014/main" id="{05AEE337-28CE-472A-9209-FD2B9BD7E92B}"/>
+                  <a16:creationId xmlns:a16="http://schemas.microsoft.com/office/drawing/2014/main" xmlns="" id="{05AEE337-28CE-472A-9209-FD2B9BD7E92B}"/>
                 </a:ext>
               </a:extLst>
             </p:cNvPr>
@@ -5649,7 +5649,7 @@
           <p:cNvPr id="7" name="텍스트 개체 틀 6">
             <a:extLst>
               <a:ext uri="{FF2B5EF4-FFF2-40B4-BE49-F238E27FC236}">
-                <a16:creationId xmlns:a16="http://schemas.microsoft.com/office/drawing/2014/main" id="{FFA8623D-4C85-4360-8750-DA1D4CBC485F}"/>
+                <a16:creationId xmlns:a16="http://schemas.microsoft.com/office/drawing/2014/main" xmlns="" id="{FFA8623D-4C85-4360-8750-DA1D4CBC485F}"/>
               </a:ext>
             </a:extLst>
           </p:cNvPr>
@@ -5755,7 +5755,7 @@
           <p:cNvPr id="22" name="텍스트 개체 틀 6">
             <a:extLst>
               <a:ext uri="{FF2B5EF4-FFF2-40B4-BE49-F238E27FC236}">
-                <a16:creationId xmlns:a16="http://schemas.microsoft.com/office/drawing/2014/main" id="{BB2AEACD-342D-4D33-9465-D551F9750D75}"/>
+                <a16:creationId xmlns:a16="http://schemas.microsoft.com/office/drawing/2014/main" xmlns="" id="{BB2AEACD-342D-4D33-9465-D551F9750D75}"/>
               </a:ext>
             </a:extLst>
           </p:cNvPr>
@@ -5844,7 +5844,7 @@
           <p:cNvPr id="24" name="텍스트 개체 틀 6">
             <a:extLst>
               <a:ext uri="{FF2B5EF4-FFF2-40B4-BE49-F238E27FC236}">
-                <a16:creationId xmlns:a16="http://schemas.microsoft.com/office/drawing/2014/main" id="{74D627D5-65A5-4092-8615-F0BC3C41AAAE}"/>
+                <a16:creationId xmlns:a16="http://schemas.microsoft.com/office/drawing/2014/main" xmlns="" id="{74D627D5-65A5-4092-8615-F0BC3C41AAAE}"/>
               </a:ext>
             </a:extLst>
           </p:cNvPr>
@@ -5942,7 +5942,7 @@
           <p:cNvPr id="26" name="텍스트 개체 틀 6">
             <a:extLst>
               <a:ext uri="{FF2B5EF4-FFF2-40B4-BE49-F238E27FC236}">
-                <a16:creationId xmlns:a16="http://schemas.microsoft.com/office/drawing/2014/main" id="{5F4130BA-29F2-4070-AF69-B3F801117033}"/>
+                <a16:creationId xmlns:a16="http://schemas.microsoft.com/office/drawing/2014/main" xmlns="" id="{5F4130BA-29F2-4070-AF69-B3F801117033}"/>
               </a:ext>
             </a:extLst>
           </p:cNvPr>
@@ -6050,7 +6050,7 @@
           <p:cNvPr id="20" name="그룹 19">
             <a:extLst>
               <a:ext uri="{FF2B5EF4-FFF2-40B4-BE49-F238E27FC236}">
-                <a16:creationId xmlns:a16="http://schemas.microsoft.com/office/drawing/2014/main" id="{4D1FD33C-32B1-4DAE-9B75-E39AB9B05EAF}"/>
+                <a16:creationId xmlns:a16="http://schemas.microsoft.com/office/drawing/2014/main" xmlns="" id="{4D1FD33C-32B1-4DAE-9B75-E39AB9B05EAF}"/>
               </a:ext>
             </a:extLst>
           </p:cNvPr>
@@ -6070,7 +6070,7 @@
             <p:cNvPr id="21" name="그룹 20">
               <a:extLst>
                 <a:ext uri="{FF2B5EF4-FFF2-40B4-BE49-F238E27FC236}">
-                  <a16:creationId xmlns:a16="http://schemas.microsoft.com/office/drawing/2014/main" id="{671FE2FB-1706-46D1-A921-8D338F072DBA}"/>
+                  <a16:creationId xmlns:a16="http://schemas.microsoft.com/office/drawing/2014/main" xmlns="" id="{671FE2FB-1706-46D1-A921-8D338F072DBA}"/>
                 </a:ext>
               </a:extLst>
             </p:cNvPr>
@@ -6090,7 +6090,7 @@
               <p:cNvPr id="25" name="직선 연결선 24">
                 <a:extLst>
                   <a:ext uri="{FF2B5EF4-FFF2-40B4-BE49-F238E27FC236}">
-                    <a16:creationId xmlns:a16="http://schemas.microsoft.com/office/drawing/2014/main" id="{560EB4ED-A9F9-47E8-AE04-D2FCCA484126}"/>
+                    <a16:creationId xmlns:a16="http://schemas.microsoft.com/office/drawing/2014/main" xmlns="" id="{560EB4ED-A9F9-47E8-AE04-D2FCCA484126}"/>
                   </a:ext>
                 </a:extLst>
               </p:cNvPr>
@@ -6134,7 +6134,7 @@
               <p:cNvPr id="27" name="직선 연결선 26">
                 <a:extLst>
                   <a:ext uri="{FF2B5EF4-FFF2-40B4-BE49-F238E27FC236}">
-                    <a16:creationId xmlns:a16="http://schemas.microsoft.com/office/drawing/2014/main" id="{54AAB66E-AFFA-4EFD-AED3-9B12D853CEC0}"/>
+                    <a16:creationId xmlns:a16="http://schemas.microsoft.com/office/drawing/2014/main" xmlns="" id="{54AAB66E-AFFA-4EFD-AED3-9B12D853CEC0}"/>
                   </a:ext>
                 </a:extLst>
               </p:cNvPr>
@@ -6180,7 +6180,7 @@
               <p:cNvPr id="28" name="직선 연결선 27">
                 <a:extLst>
                   <a:ext uri="{FF2B5EF4-FFF2-40B4-BE49-F238E27FC236}">
-                    <a16:creationId xmlns:a16="http://schemas.microsoft.com/office/drawing/2014/main" id="{A5D76707-C407-4A65-A69E-E1FAEE564637}"/>
+                    <a16:creationId xmlns:a16="http://schemas.microsoft.com/office/drawing/2014/main" xmlns="" id="{A5D76707-C407-4A65-A69E-E1FAEE564637}"/>
                   </a:ext>
                 </a:extLst>
               </p:cNvPr>
@@ -6227,7 +6227,7 @@
             <p:cNvPr id="23" name="직사각형 22">
               <a:extLst>
                 <a:ext uri="{FF2B5EF4-FFF2-40B4-BE49-F238E27FC236}">
-                  <a16:creationId xmlns:a16="http://schemas.microsoft.com/office/drawing/2014/main" id="{A366BFDA-F2C5-4BD4-8906-772351C5CE50}"/>
+                  <a16:creationId xmlns:a16="http://schemas.microsoft.com/office/drawing/2014/main" xmlns="" id="{A366BFDA-F2C5-4BD4-8906-772351C5CE50}"/>
                 </a:ext>
               </a:extLst>
             </p:cNvPr>
@@ -6280,7 +6280,7 @@
           <p:cNvPr id="6" name="그룹 5">
             <a:extLst>
               <a:ext uri="{FF2B5EF4-FFF2-40B4-BE49-F238E27FC236}">
-                <a16:creationId xmlns:a16="http://schemas.microsoft.com/office/drawing/2014/main" id="{0B3EC0C1-0661-4161-ACC9-59CC6D882AEB}"/>
+                <a16:creationId xmlns:a16="http://schemas.microsoft.com/office/drawing/2014/main" xmlns="" id="{0B3EC0C1-0661-4161-ACC9-59CC6D882AEB}"/>
               </a:ext>
             </a:extLst>
           </p:cNvPr>
@@ -6300,7 +6300,7 @@
             <p:cNvPr id="30" name="직선 연결선 29">
               <a:extLst>
                 <a:ext uri="{FF2B5EF4-FFF2-40B4-BE49-F238E27FC236}">
-                  <a16:creationId xmlns:a16="http://schemas.microsoft.com/office/drawing/2014/main" id="{D1731E3C-46DC-4403-BD24-CF9D0D902B4F}"/>
+                  <a16:creationId xmlns:a16="http://schemas.microsoft.com/office/drawing/2014/main" xmlns="" id="{D1731E3C-46DC-4403-BD24-CF9D0D902B4F}"/>
                 </a:ext>
               </a:extLst>
             </p:cNvPr>
@@ -6346,7 +6346,7 @@
             <p:cNvPr id="31" name="직선 연결선 30">
               <a:extLst>
                 <a:ext uri="{FF2B5EF4-FFF2-40B4-BE49-F238E27FC236}">
-                  <a16:creationId xmlns:a16="http://schemas.microsoft.com/office/drawing/2014/main" id="{5A71D8D6-9B9A-4087-B3B6-44FCAE59C781}"/>
+                  <a16:creationId xmlns:a16="http://schemas.microsoft.com/office/drawing/2014/main" xmlns="" id="{5A71D8D6-9B9A-4087-B3B6-44FCAE59C781}"/>
                 </a:ext>
               </a:extLst>
             </p:cNvPr>
@@ -6392,7 +6392,7 @@
             <p:cNvPr id="32" name="직선 연결선 31">
               <a:extLst>
                 <a:ext uri="{FF2B5EF4-FFF2-40B4-BE49-F238E27FC236}">
-                  <a16:creationId xmlns:a16="http://schemas.microsoft.com/office/drawing/2014/main" id="{673DA5F2-D2FA-4CEB-AA19-270DEC9184D4}"/>
+                  <a16:creationId xmlns:a16="http://schemas.microsoft.com/office/drawing/2014/main" xmlns="" id="{673DA5F2-D2FA-4CEB-AA19-270DEC9184D4}"/>
                 </a:ext>
               </a:extLst>
             </p:cNvPr>
@@ -6439,7 +6439,7 @@
           <p:cNvPr id="33" name="텍스트 개체 틀 6">
             <a:extLst>
               <a:ext uri="{FF2B5EF4-FFF2-40B4-BE49-F238E27FC236}">
-                <a16:creationId xmlns:a16="http://schemas.microsoft.com/office/drawing/2014/main" id="{2A13CB7D-B45F-4A40-9D06-CBE69E47A5AD}"/>
+                <a16:creationId xmlns:a16="http://schemas.microsoft.com/office/drawing/2014/main" xmlns="" id="{2A13CB7D-B45F-4A40-9D06-CBE69E47A5AD}"/>
               </a:ext>
             </a:extLst>
           </p:cNvPr>
@@ -6512,7 +6512,7 @@
           <p:cNvPr id="46" name="텍스트 개체 틀 6">
             <a:extLst>
               <a:ext uri="{FF2B5EF4-FFF2-40B4-BE49-F238E27FC236}">
-                <a16:creationId xmlns:a16="http://schemas.microsoft.com/office/drawing/2014/main" id="{4EAA92E4-65FF-4A40-9DB5-C2F28612F554}"/>
+                <a16:creationId xmlns:a16="http://schemas.microsoft.com/office/drawing/2014/main" xmlns="" id="{4EAA92E4-65FF-4A40-9DB5-C2F28612F554}"/>
               </a:ext>
             </a:extLst>
           </p:cNvPr>
@@ -6620,7 +6620,7 @@
           <p:cNvPr id="47" name="텍스트 개체 틀 6">
             <a:extLst>
               <a:ext uri="{FF2B5EF4-FFF2-40B4-BE49-F238E27FC236}">
-                <a16:creationId xmlns:a16="http://schemas.microsoft.com/office/drawing/2014/main" id="{999D6DF6-B599-4081-A1E2-CEA80806AE50}"/>
+                <a16:creationId xmlns:a16="http://schemas.microsoft.com/office/drawing/2014/main" xmlns="" id="{999D6DF6-B599-4081-A1E2-CEA80806AE50}"/>
               </a:ext>
             </a:extLst>
           </p:cNvPr>
@@ -6693,7 +6693,7 @@
           <p:cNvPr id="48" name="텍스트 개체 틀 6">
             <a:extLst>
               <a:ext uri="{FF2B5EF4-FFF2-40B4-BE49-F238E27FC236}">
-                <a16:creationId xmlns:a16="http://schemas.microsoft.com/office/drawing/2014/main" id="{E2C9013A-A84F-4126-9AA1-6E761DE6C5D7}"/>
+                <a16:creationId xmlns:a16="http://schemas.microsoft.com/office/drawing/2014/main" xmlns="" id="{E2C9013A-A84F-4126-9AA1-6E761DE6C5D7}"/>
               </a:ext>
             </a:extLst>
           </p:cNvPr>
@@ -6801,7 +6801,7 @@
           <p:cNvPr id="49" name="텍스트 개체 틀 6">
             <a:extLst>
               <a:ext uri="{FF2B5EF4-FFF2-40B4-BE49-F238E27FC236}">
-                <a16:creationId xmlns:a16="http://schemas.microsoft.com/office/drawing/2014/main" id="{8532A8C0-3A36-40CE-884E-14A501A806F1}"/>
+                <a16:creationId xmlns:a16="http://schemas.microsoft.com/office/drawing/2014/main" xmlns="" id="{8532A8C0-3A36-40CE-884E-14A501A806F1}"/>
               </a:ext>
             </a:extLst>
           </p:cNvPr>
@@ -6874,7 +6874,7 @@
           <p:cNvPr id="50" name="텍스트 개체 틀 6">
             <a:extLst>
               <a:ext uri="{FF2B5EF4-FFF2-40B4-BE49-F238E27FC236}">
-                <a16:creationId xmlns:a16="http://schemas.microsoft.com/office/drawing/2014/main" id="{08F6EE6A-1191-4AF8-8223-5141CB1B34B4}"/>
+                <a16:creationId xmlns:a16="http://schemas.microsoft.com/office/drawing/2014/main" xmlns="" id="{08F6EE6A-1191-4AF8-8223-5141CB1B34B4}"/>
               </a:ext>
             </a:extLst>
           </p:cNvPr>
@@ -6977,7 +6977,7 @@
           <p:cNvPr id="51" name="텍스트 개체 틀 6">
             <a:extLst>
               <a:ext uri="{FF2B5EF4-FFF2-40B4-BE49-F238E27FC236}">
-                <a16:creationId xmlns:a16="http://schemas.microsoft.com/office/drawing/2014/main" id="{D9FB4C2C-11B8-4FD9-BDBC-7C42177D59CE}"/>
+                <a16:creationId xmlns:a16="http://schemas.microsoft.com/office/drawing/2014/main" xmlns="" id="{D9FB4C2C-11B8-4FD9-BDBC-7C42177D59CE}"/>
               </a:ext>
             </a:extLst>
           </p:cNvPr>
@@ -7082,7 +7082,7 @@
   </p:clrMapOvr>
   <p:extLst>
     <p:ext uri="{DCECCB84-F9BA-43D5-87BE-67443E8EF086}">
-      <p15:sldGuideLst xmlns:p15="http://schemas.microsoft.com/office/powerpoint/2012/main">
+      <p15:sldGuideLst xmlns:p15="http://schemas.microsoft.com/office/powerpoint/2012/main" xmlns="">
         <p15:guide id="1" orient="horz" pos="2160">
           <p15:clr>
             <a:srgbClr val="FBAE40"/>
@@ -7121,7 +7121,7 @@
           <p:cNvPr id="9" name="사각형: 둥근 모서리 8">
             <a:extLst>
               <a:ext uri="{FF2B5EF4-FFF2-40B4-BE49-F238E27FC236}">
-                <a16:creationId xmlns:a16="http://schemas.microsoft.com/office/drawing/2014/main" id="{B2B2F600-4B88-4075-9AE8-0CE8D6576EE9}"/>
+                <a16:creationId xmlns:a16="http://schemas.microsoft.com/office/drawing/2014/main" xmlns="" id="{B2B2F600-4B88-4075-9AE8-0CE8D6576EE9}"/>
               </a:ext>
             </a:extLst>
           </p:cNvPr>
@@ -7185,7 +7185,7 @@
           <p:cNvPr id="13" name="사각형: 둥근 모서리 12">
             <a:extLst>
               <a:ext uri="{FF2B5EF4-FFF2-40B4-BE49-F238E27FC236}">
-                <a16:creationId xmlns:a16="http://schemas.microsoft.com/office/drawing/2014/main" id="{68DA5756-3FB0-47A2-90BF-B28A0FB53DB8}"/>
+                <a16:creationId xmlns:a16="http://schemas.microsoft.com/office/drawing/2014/main" xmlns="" id="{68DA5756-3FB0-47A2-90BF-B28A0FB53DB8}"/>
               </a:ext>
             </a:extLst>
           </p:cNvPr>
@@ -7267,7 +7267,7 @@
           <p:cNvPr id="14" name="사각형: 둥근 모서리 13">
             <a:extLst>
               <a:ext uri="{FF2B5EF4-FFF2-40B4-BE49-F238E27FC236}">
-                <a16:creationId xmlns:a16="http://schemas.microsoft.com/office/drawing/2014/main" id="{094E249F-7E2C-4E0C-9A4B-156253824B23}"/>
+                <a16:creationId xmlns:a16="http://schemas.microsoft.com/office/drawing/2014/main" xmlns="" id="{094E249F-7E2C-4E0C-9A4B-156253824B23}"/>
               </a:ext>
             </a:extLst>
           </p:cNvPr>
@@ -7331,7 +7331,7 @@
           <p:cNvPr id="22" name="텍스트 개체 틀 6">
             <a:extLst>
               <a:ext uri="{FF2B5EF4-FFF2-40B4-BE49-F238E27FC236}">
-                <a16:creationId xmlns:a16="http://schemas.microsoft.com/office/drawing/2014/main" id="{BB2AEACD-342D-4D33-9465-D551F9750D75}"/>
+                <a16:creationId xmlns:a16="http://schemas.microsoft.com/office/drawing/2014/main" xmlns="" id="{BB2AEACD-342D-4D33-9465-D551F9750D75}"/>
               </a:ext>
             </a:extLst>
           </p:cNvPr>
@@ -7420,7 +7420,7 @@
           <p:cNvPr id="24" name="텍스트 개체 틀 6">
             <a:extLst>
               <a:ext uri="{FF2B5EF4-FFF2-40B4-BE49-F238E27FC236}">
-                <a16:creationId xmlns:a16="http://schemas.microsoft.com/office/drawing/2014/main" id="{74D627D5-65A5-4092-8615-F0BC3C41AAAE}"/>
+                <a16:creationId xmlns:a16="http://schemas.microsoft.com/office/drawing/2014/main" xmlns="" id="{74D627D5-65A5-4092-8615-F0BC3C41AAAE}"/>
               </a:ext>
             </a:extLst>
           </p:cNvPr>
@@ -7511,7 +7511,7 @@
           <p:cNvPr id="11" name="바닥글 개체 틀 4">
             <a:extLst>
               <a:ext uri="{FF2B5EF4-FFF2-40B4-BE49-F238E27FC236}">
-                <a16:creationId xmlns:a16="http://schemas.microsoft.com/office/drawing/2014/main" id="{9E6A7A7E-A54C-42C7-BA60-6D5B3FF7B14F}"/>
+                <a16:creationId xmlns:a16="http://schemas.microsoft.com/office/drawing/2014/main" xmlns="" id="{9E6A7A7E-A54C-42C7-BA60-6D5B3FF7B14F}"/>
               </a:ext>
             </a:extLst>
           </p:cNvPr>
@@ -7576,7 +7576,7 @@
           <p:cNvPr id="3" name="직선 연결선 2">
             <a:extLst>
               <a:ext uri="{FF2B5EF4-FFF2-40B4-BE49-F238E27FC236}">
-                <a16:creationId xmlns:a16="http://schemas.microsoft.com/office/drawing/2014/main" id="{DFD41C2F-191A-4B12-8AE8-B811B0D228CB}"/>
+                <a16:creationId xmlns:a16="http://schemas.microsoft.com/office/drawing/2014/main" xmlns="" id="{DFD41C2F-191A-4B12-8AE8-B811B0D228CB}"/>
               </a:ext>
             </a:extLst>
           </p:cNvPr>
@@ -7624,7 +7624,7 @@
           <p:cNvPr id="17" name="그룹 16">
             <a:extLst>
               <a:ext uri="{FF2B5EF4-FFF2-40B4-BE49-F238E27FC236}">
-                <a16:creationId xmlns:a16="http://schemas.microsoft.com/office/drawing/2014/main" id="{F4902F68-8A10-4E40-B6BE-A41C173E982E}"/>
+                <a16:creationId xmlns:a16="http://schemas.microsoft.com/office/drawing/2014/main" xmlns="" id="{F4902F68-8A10-4E40-B6BE-A41C173E982E}"/>
               </a:ext>
             </a:extLst>
           </p:cNvPr>
@@ -7644,7 +7644,7 @@
             <p:cNvPr id="18" name="그룹 17">
               <a:extLst>
                 <a:ext uri="{FF2B5EF4-FFF2-40B4-BE49-F238E27FC236}">
-                  <a16:creationId xmlns:a16="http://schemas.microsoft.com/office/drawing/2014/main" id="{06EDFD82-316D-4049-B4E6-7F84C6515AF8}"/>
+                  <a16:creationId xmlns:a16="http://schemas.microsoft.com/office/drawing/2014/main" xmlns="" id="{06EDFD82-316D-4049-B4E6-7F84C6515AF8}"/>
                 </a:ext>
               </a:extLst>
             </p:cNvPr>
@@ -7664,7 +7664,7 @@
               <p:cNvPr id="20" name="직선 연결선 19">
                 <a:extLst>
                   <a:ext uri="{FF2B5EF4-FFF2-40B4-BE49-F238E27FC236}">
-                    <a16:creationId xmlns:a16="http://schemas.microsoft.com/office/drawing/2014/main" id="{7100FC74-90DC-4DDF-8882-DDFE34F7B9DF}"/>
+                    <a16:creationId xmlns:a16="http://schemas.microsoft.com/office/drawing/2014/main" xmlns="" id="{7100FC74-90DC-4DDF-8882-DDFE34F7B9DF}"/>
                   </a:ext>
                 </a:extLst>
               </p:cNvPr>
@@ -7708,7 +7708,7 @@
               <p:cNvPr id="21" name="직선 연결선 20">
                 <a:extLst>
                   <a:ext uri="{FF2B5EF4-FFF2-40B4-BE49-F238E27FC236}">
-                    <a16:creationId xmlns:a16="http://schemas.microsoft.com/office/drawing/2014/main" id="{1A2F31D2-21CD-4B88-B7D4-028D5348000F}"/>
+                    <a16:creationId xmlns:a16="http://schemas.microsoft.com/office/drawing/2014/main" xmlns="" id="{1A2F31D2-21CD-4B88-B7D4-028D5348000F}"/>
                   </a:ext>
                 </a:extLst>
               </p:cNvPr>
@@ -7754,7 +7754,7 @@
               <p:cNvPr id="23" name="직선 연결선 22">
                 <a:extLst>
                   <a:ext uri="{FF2B5EF4-FFF2-40B4-BE49-F238E27FC236}">
-                    <a16:creationId xmlns:a16="http://schemas.microsoft.com/office/drawing/2014/main" id="{C4D00BCA-97C1-4E95-99A4-E3FB36773A84}"/>
+                    <a16:creationId xmlns:a16="http://schemas.microsoft.com/office/drawing/2014/main" xmlns="" id="{C4D00BCA-97C1-4E95-99A4-E3FB36773A84}"/>
                   </a:ext>
                 </a:extLst>
               </p:cNvPr>
@@ -7801,7 +7801,7 @@
             <p:cNvPr id="19" name="직사각형 18">
               <a:extLst>
                 <a:ext uri="{FF2B5EF4-FFF2-40B4-BE49-F238E27FC236}">
-                  <a16:creationId xmlns:a16="http://schemas.microsoft.com/office/drawing/2014/main" id="{F42F6A84-42C5-446E-9B99-7C07A1A47E29}"/>
+                  <a16:creationId xmlns:a16="http://schemas.microsoft.com/office/drawing/2014/main" xmlns="" id="{F42F6A84-42C5-446E-9B99-7C07A1A47E29}"/>
                 </a:ext>
               </a:extLst>
             </p:cNvPr>
@@ -7861,7 +7861,7 @@
   </p:clrMapOvr>
   <p:extLst>
     <p:ext uri="{DCECCB84-F9BA-43D5-87BE-67443E8EF086}">
-      <p15:sldGuideLst xmlns:p15="http://schemas.microsoft.com/office/powerpoint/2012/main">
+      <p15:sldGuideLst xmlns:p15="http://schemas.microsoft.com/office/powerpoint/2012/main" xmlns="">
         <p15:guide id="1" orient="horz" pos="2160">
           <p15:clr>
             <a:srgbClr val="FBAE40"/>
@@ -7900,7 +7900,7 @@
           <p:cNvPr id="9" name="Picture 2" descr="Sky, Clouds, Sunlight, Dark, Cloudscape, Atmosphere">
             <a:extLst>
               <a:ext uri="{FF2B5EF4-FFF2-40B4-BE49-F238E27FC236}">
-                <a16:creationId xmlns:a16="http://schemas.microsoft.com/office/drawing/2014/main" id="{3B142573-56A3-424E-A533-DB01FE7746DA}"/>
+                <a16:creationId xmlns:a16="http://schemas.microsoft.com/office/drawing/2014/main" xmlns="" id="{3B142573-56A3-424E-A533-DB01FE7746DA}"/>
               </a:ext>
             </a:extLst>
           </p:cNvPr>
@@ -7945,7 +7945,7 @@
           <p:cNvPr id="8" name="사각형: 둥근 모서리 7">
             <a:extLst>
               <a:ext uri="{FF2B5EF4-FFF2-40B4-BE49-F238E27FC236}">
-                <a16:creationId xmlns:a16="http://schemas.microsoft.com/office/drawing/2014/main" id="{64794831-35E7-462D-82DC-A272C88E694E}"/>
+                <a16:creationId xmlns:a16="http://schemas.microsoft.com/office/drawing/2014/main" xmlns="" id="{64794831-35E7-462D-82DC-A272C88E694E}"/>
               </a:ext>
             </a:extLst>
           </p:cNvPr>
@@ -8129,7 +8129,7 @@
           <p:cNvPr id="25" name="텍스트 개체 틀 6">
             <a:extLst>
               <a:ext uri="{FF2B5EF4-FFF2-40B4-BE49-F238E27FC236}">
-                <a16:creationId xmlns:a16="http://schemas.microsoft.com/office/drawing/2014/main" id="{84CB924F-6795-4189-980F-73588D6FE941}"/>
+                <a16:creationId xmlns:a16="http://schemas.microsoft.com/office/drawing/2014/main" xmlns="" id="{84CB924F-6795-4189-980F-73588D6FE941}"/>
               </a:ext>
             </a:extLst>
           </p:cNvPr>
@@ -8218,7 +8218,7 @@
           <p:cNvPr id="35" name="텍스트 개체 틀 6">
             <a:extLst>
               <a:ext uri="{FF2B5EF4-FFF2-40B4-BE49-F238E27FC236}">
-                <a16:creationId xmlns:a16="http://schemas.microsoft.com/office/drawing/2014/main" id="{49995AE0-BD8F-4335-A9B2-8F1619182A05}"/>
+                <a16:creationId xmlns:a16="http://schemas.microsoft.com/office/drawing/2014/main" xmlns="" id="{49995AE0-BD8F-4335-A9B2-8F1619182A05}"/>
               </a:ext>
             </a:extLst>
           </p:cNvPr>
@@ -8301,7 +8301,7 @@
           <p:cNvPr id="7" name="텍스트 개체 틀 6">
             <a:extLst>
               <a:ext uri="{FF2B5EF4-FFF2-40B4-BE49-F238E27FC236}">
-                <a16:creationId xmlns:a16="http://schemas.microsoft.com/office/drawing/2014/main" id="{CAF04049-DFAB-44BC-92DC-952DCCA26128}"/>
+                <a16:creationId xmlns:a16="http://schemas.microsoft.com/office/drawing/2014/main" xmlns="" id="{CAF04049-DFAB-44BC-92DC-952DCCA26128}"/>
               </a:ext>
             </a:extLst>
           </p:cNvPr>
@@ -8407,7 +8407,7 @@
           <p:cNvPr id="10" name="그룹 9">
             <a:extLst>
               <a:ext uri="{FF2B5EF4-FFF2-40B4-BE49-F238E27FC236}">
-                <a16:creationId xmlns:a16="http://schemas.microsoft.com/office/drawing/2014/main" id="{35704156-36AA-49BD-BF83-121D73FD05CC}"/>
+                <a16:creationId xmlns:a16="http://schemas.microsoft.com/office/drawing/2014/main" xmlns="" id="{35704156-36AA-49BD-BF83-121D73FD05CC}"/>
               </a:ext>
             </a:extLst>
           </p:cNvPr>
@@ -8427,7 +8427,7 @@
             <p:cNvPr id="12" name="그룹 11">
               <a:extLst>
                 <a:ext uri="{FF2B5EF4-FFF2-40B4-BE49-F238E27FC236}">
-                  <a16:creationId xmlns:a16="http://schemas.microsoft.com/office/drawing/2014/main" id="{D499E869-5189-43BC-A3DE-9D80DA1D00EB}"/>
+                  <a16:creationId xmlns:a16="http://schemas.microsoft.com/office/drawing/2014/main" xmlns="" id="{D499E869-5189-43BC-A3DE-9D80DA1D00EB}"/>
                 </a:ext>
               </a:extLst>
             </p:cNvPr>
@@ -8447,7 +8447,7 @@
               <p:cNvPr id="14" name="직선 연결선 13">
                 <a:extLst>
                   <a:ext uri="{FF2B5EF4-FFF2-40B4-BE49-F238E27FC236}">
-                    <a16:creationId xmlns:a16="http://schemas.microsoft.com/office/drawing/2014/main" id="{72C22959-5C3E-469D-9DA0-A6197BA91556}"/>
+                    <a16:creationId xmlns:a16="http://schemas.microsoft.com/office/drawing/2014/main" xmlns="" id="{72C22959-5C3E-469D-9DA0-A6197BA91556}"/>
                   </a:ext>
                 </a:extLst>
               </p:cNvPr>
@@ -8491,7 +8491,7 @@
               <p:cNvPr id="15" name="직선 연결선 14">
                 <a:extLst>
                   <a:ext uri="{FF2B5EF4-FFF2-40B4-BE49-F238E27FC236}">
-                    <a16:creationId xmlns:a16="http://schemas.microsoft.com/office/drawing/2014/main" id="{4085D603-DCCA-4A54-BF4A-4903B752CC2F}"/>
+                    <a16:creationId xmlns:a16="http://schemas.microsoft.com/office/drawing/2014/main" xmlns="" id="{4085D603-DCCA-4A54-BF4A-4903B752CC2F}"/>
                   </a:ext>
                 </a:extLst>
               </p:cNvPr>
@@ -8537,7 +8537,7 @@
               <p:cNvPr id="16" name="직선 연결선 15">
                 <a:extLst>
                   <a:ext uri="{FF2B5EF4-FFF2-40B4-BE49-F238E27FC236}">
-                    <a16:creationId xmlns:a16="http://schemas.microsoft.com/office/drawing/2014/main" id="{3E1DA604-38D7-40E2-B993-BF3D38DA365F}"/>
+                    <a16:creationId xmlns:a16="http://schemas.microsoft.com/office/drawing/2014/main" xmlns="" id="{3E1DA604-38D7-40E2-B993-BF3D38DA365F}"/>
                   </a:ext>
                 </a:extLst>
               </p:cNvPr>
@@ -8584,7 +8584,7 @@
             <p:cNvPr id="13" name="직사각형 12">
               <a:extLst>
                 <a:ext uri="{FF2B5EF4-FFF2-40B4-BE49-F238E27FC236}">
-                  <a16:creationId xmlns:a16="http://schemas.microsoft.com/office/drawing/2014/main" id="{68521151-D021-46CC-8275-6664F43070EE}"/>
+                  <a16:creationId xmlns:a16="http://schemas.microsoft.com/office/drawing/2014/main" xmlns="" id="{68521151-D021-46CC-8275-6664F43070EE}"/>
                 </a:ext>
               </a:extLst>
             </p:cNvPr>
@@ -8637,7 +8637,7 @@
           <p:cNvPr id="17" name="그룹 16">
             <a:extLst>
               <a:ext uri="{FF2B5EF4-FFF2-40B4-BE49-F238E27FC236}">
-                <a16:creationId xmlns:a16="http://schemas.microsoft.com/office/drawing/2014/main" id="{E9F85922-6624-4552-B74D-313B5EBC76E8}"/>
+                <a16:creationId xmlns:a16="http://schemas.microsoft.com/office/drawing/2014/main" xmlns="" id="{E9F85922-6624-4552-B74D-313B5EBC76E8}"/>
               </a:ext>
             </a:extLst>
           </p:cNvPr>
@@ -8657,7 +8657,7 @@
             <p:cNvPr id="18" name="직선 연결선 17">
               <a:extLst>
                 <a:ext uri="{FF2B5EF4-FFF2-40B4-BE49-F238E27FC236}">
-                  <a16:creationId xmlns:a16="http://schemas.microsoft.com/office/drawing/2014/main" id="{44C62081-53FD-49B5-871C-BD36BC08B660}"/>
+                  <a16:creationId xmlns:a16="http://schemas.microsoft.com/office/drawing/2014/main" xmlns="" id="{44C62081-53FD-49B5-871C-BD36BC08B660}"/>
                 </a:ext>
               </a:extLst>
             </p:cNvPr>
@@ -8703,7 +8703,7 @@
             <p:cNvPr id="19" name="직선 연결선 18">
               <a:extLst>
                 <a:ext uri="{FF2B5EF4-FFF2-40B4-BE49-F238E27FC236}">
-                  <a16:creationId xmlns:a16="http://schemas.microsoft.com/office/drawing/2014/main" id="{B2AE8171-4F46-4967-ABFE-EE6EBED89D08}"/>
+                  <a16:creationId xmlns:a16="http://schemas.microsoft.com/office/drawing/2014/main" xmlns="" id="{B2AE8171-4F46-4967-ABFE-EE6EBED89D08}"/>
                 </a:ext>
               </a:extLst>
             </p:cNvPr>
@@ -8749,7 +8749,7 @@
             <p:cNvPr id="21" name="직선 연결선 20">
               <a:extLst>
                 <a:ext uri="{FF2B5EF4-FFF2-40B4-BE49-F238E27FC236}">
-                  <a16:creationId xmlns:a16="http://schemas.microsoft.com/office/drawing/2014/main" id="{779A5EB8-D580-4576-8362-4B8791101485}"/>
+                  <a16:creationId xmlns:a16="http://schemas.microsoft.com/office/drawing/2014/main" xmlns="" id="{779A5EB8-D580-4576-8362-4B8791101485}"/>
                 </a:ext>
               </a:extLst>
             </p:cNvPr>
@@ -8803,7 +8803,7 @@
   </p:clrMapOvr>
   <p:extLst>
     <p:ext uri="{DCECCB84-F9BA-43D5-87BE-67443E8EF086}">
-      <p15:sldGuideLst xmlns:p15="http://schemas.microsoft.com/office/powerpoint/2012/main">
+      <p15:sldGuideLst xmlns:p15="http://schemas.microsoft.com/office/powerpoint/2012/main" xmlns="">
         <p15:guide id="1" orient="horz" pos="2160">
           <p15:clr>
             <a:srgbClr val="FBAE40"/>
@@ -8853,7 +8853,7 @@
           <p:cNvPr id="8" name="사각형: 둥근 모서리 7">
             <a:extLst>
               <a:ext uri="{FF2B5EF4-FFF2-40B4-BE49-F238E27FC236}">
-                <a16:creationId xmlns:a16="http://schemas.microsoft.com/office/drawing/2014/main" id="{64794831-35E7-462D-82DC-A272C88E694E}"/>
+                <a16:creationId xmlns:a16="http://schemas.microsoft.com/office/drawing/2014/main" xmlns="" id="{64794831-35E7-462D-82DC-A272C88E694E}"/>
               </a:ext>
             </a:extLst>
           </p:cNvPr>
@@ -9035,7 +9035,7 @@
           <p:cNvPr id="25" name="텍스트 개체 틀 6">
             <a:extLst>
               <a:ext uri="{FF2B5EF4-FFF2-40B4-BE49-F238E27FC236}">
-                <a16:creationId xmlns:a16="http://schemas.microsoft.com/office/drawing/2014/main" id="{84CB924F-6795-4189-980F-73588D6FE941}"/>
+                <a16:creationId xmlns:a16="http://schemas.microsoft.com/office/drawing/2014/main" xmlns="" id="{84CB924F-6795-4189-980F-73588D6FE941}"/>
               </a:ext>
             </a:extLst>
           </p:cNvPr>
@@ -9124,7 +9124,7 @@
           <p:cNvPr id="7" name="텍스트 개체 틀 6">
             <a:extLst>
               <a:ext uri="{FF2B5EF4-FFF2-40B4-BE49-F238E27FC236}">
-                <a16:creationId xmlns:a16="http://schemas.microsoft.com/office/drawing/2014/main" id="{CAF04049-DFAB-44BC-92DC-952DCCA26128}"/>
+                <a16:creationId xmlns:a16="http://schemas.microsoft.com/office/drawing/2014/main" xmlns="" id="{CAF04049-DFAB-44BC-92DC-952DCCA26128}"/>
               </a:ext>
             </a:extLst>
           </p:cNvPr>
@@ -9230,7 +9230,7 @@
           <p:cNvPr id="10" name="그룹 9">
             <a:extLst>
               <a:ext uri="{FF2B5EF4-FFF2-40B4-BE49-F238E27FC236}">
-                <a16:creationId xmlns:a16="http://schemas.microsoft.com/office/drawing/2014/main" id="{35704156-36AA-49BD-BF83-121D73FD05CC}"/>
+                <a16:creationId xmlns:a16="http://schemas.microsoft.com/office/drawing/2014/main" xmlns="" id="{35704156-36AA-49BD-BF83-121D73FD05CC}"/>
               </a:ext>
             </a:extLst>
           </p:cNvPr>
@@ -9250,7 +9250,7 @@
             <p:cNvPr id="12" name="그룹 11">
               <a:extLst>
                 <a:ext uri="{FF2B5EF4-FFF2-40B4-BE49-F238E27FC236}">
-                  <a16:creationId xmlns:a16="http://schemas.microsoft.com/office/drawing/2014/main" id="{D499E869-5189-43BC-A3DE-9D80DA1D00EB}"/>
+                  <a16:creationId xmlns:a16="http://schemas.microsoft.com/office/drawing/2014/main" xmlns="" id="{D499E869-5189-43BC-A3DE-9D80DA1D00EB}"/>
                 </a:ext>
               </a:extLst>
             </p:cNvPr>
@@ -9270,7 +9270,7 @@
               <p:cNvPr id="14" name="직선 연결선 13">
                 <a:extLst>
                   <a:ext uri="{FF2B5EF4-FFF2-40B4-BE49-F238E27FC236}">
-                    <a16:creationId xmlns:a16="http://schemas.microsoft.com/office/drawing/2014/main" id="{72C22959-5C3E-469D-9DA0-A6197BA91556}"/>
+                    <a16:creationId xmlns:a16="http://schemas.microsoft.com/office/drawing/2014/main" xmlns="" id="{72C22959-5C3E-469D-9DA0-A6197BA91556}"/>
                   </a:ext>
                 </a:extLst>
               </p:cNvPr>
@@ -9314,7 +9314,7 @@
               <p:cNvPr id="15" name="직선 연결선 14">
                 <a:extLst>
                   <a:ext uri="{FF2B5EF4-FFF2-40B4-BE49-F238E27FC236}">
-                    <a16:creationId xmlns:a16="http://schemas.microsoft.com/office/drawing/2014/main" id="{4085D603-DCCA-4A54-BF4A-4903B752CC2F}"/>
+                    <a16:creationId xmlns:a16="http://schemas.microsoft.com/office/drawing/2014/main" xmlns="" id="{4085D603-DCCA-4A54-BF4A-4903B752CC2F}"/>
                   </a:ext>
                 </a:extLst>
               </p:cNvPr>
@@ -9360,7 +9360,7 @@
               <p:cNvPr id="16" name="직선 연결선 15">
                 <a:extLst>
                   <a:ext uri="{FF2B5EF4-FFF2-40B4-BE49-F238E27FC236}">
-                    <a16:creationId xmlns:a16="http://schemas.microsoft.com/office/drawing/2014/main" id="{3E1DA604-38D7-40E2-B993-BF3D38DA365F}"/>
+                    <a16:creationId xmlns:a16="http://schemas.microsoft.com/office/drawing/2014/main" xmlns="" id="{3E1DA604-38D7-40E2-B993-BF3D38DA365F}"/>
                   </a:ext>
                 </a:extLst>
               </p:cNvPr>
@@ -9407,7 +9407,7 @@
             <p:cNvPr id="13" name="직사각형 12">
               <a:extLst>
                 <a:ext uri="{FF2B5EF4-FFF2-40B4-BE49-F238E27FC236}">
-                  <a16:creationId xmlns:a16="http://schemas.microsoft.com/office/drawing/2014/main" id="{68521151-D021-46CC-8275-6664F43070EE}"/>
+                  <a16:creationId xmlns:a16="http://schemas.microsoft.com/office/drawing/2014/main" xmlns="" id="{68521151-D021-46CC-8275-6664F43070EE}"/>
                 </a:ext>
               </a:extLst>
             </p:cNvPr>
@@ -9460,7 +9460,7 @@
           <p:cNvPr id="17" name="그룹 16">
             <a:extLst>
               <a:ext uri="{FF2B5EF4-FFF2-40B4-BE49-F238E27FC236}">
-                <a16:creationId xmlns:a16="http://schemas.microsoft.com/office/drawing/2014/main" id="{E9F85922-6624-4552-B74D-313B5EBC76E8}"/>
+                <a16:creationId xmlns:a16="http://schemas.microsoft.com/office/drawing/2014/main" xmlns="" id="{E9F85922-6624-4552-B74D-313B5EBC76E8}"/>
               </a:ext>
             </a:extLst>
           </p:cNvPr>
@@ -9480,7 +9480,7 @@
             <p:cNvPr id="18" name="직선 연결선 17">
               <a:extLst>
                 <a:ext uri="{FF2B5EF4-FFF2-40B4-BE49-F238E27FC236}">
-                  <a16:creationId xmlns:a16="http://schemas.microsoft.com/office/drawing/2014/main" id="{44C62081-53FD-49B5-871C-BD36BC08B660}"/>
+                  <a16:creationId xmlns:a16="http://schemas.microsoft.com/office/drawing/2014/main" xmlns="" id="{44C62081-53FD-49B5-871C-BD36BC08B660}"/>
                 </a:ext>
               </a:extLst>
             </p:cNvPr>
@@ -9526,7 +9526,7 @@
             <p:cNvPr id="19" name="직선 연결선 18">
               <a:extLst>
                 <a:ext uri="{FF2B5EF4-FFF2-40B4-BE49-F238E27FC236}">
-                  <a16:creationId xmlns:a16="http://schemas.microsoft.com/office/drawing/2014/main" id="{B2AE8171-4F46-4967-ABFE-EE6EBED89D08}"/>
+                  <a16:creationId xmlns:a16="http://schemas.microsoft.com/office/drawing/2014/main" xmlns="" id="{B2AE8171-4F46-4967-ABFE-EE6EBED89D08}"/>
                 </a:ext>
               </a:extLst>
             </p:cNvPr>
@@ -9572,7 +9572,7 @@
             <p:cNvPr id="21" name="직선 연결선 20">
               <a:extLst>
                 <a:ext uri="{FF2B5EF4-FFF2-40B4-BE49-F238E27FC236}">
-                  <a16:creationId xmlns:a16="http://schemas.microsoft.com/office/drawing/2014/main" id="{779A5EB8-D580-4576-8362-4B8791101485}"/>
+                  <a16:creationId xmlns:a16="http://schemas.microsoft.com/office/drawing/2014/main" xmlns="" id="{779A5EB8-D580-4576-8362-4B8791101485}"/>
                 </a:ext>
               </a:extLst>
             </p:cNvPr>
@@ -9626,7 +9626,7 @@
   </p:clrMapOvr>
   <p:extLst>
     <p:ext uri="{DCECCB84-F9BA-43D5-87BE-67443E8EF086}">
-      <p15:sldGuideLst xmlns:p15="http://schemas.microsoft.com/office/powerpoint/2012/main">
+      <p15:sldGuideLst xmlns:p15="http://schemas.microsoft.com/office/powerpoint/2012/main" xmlns="">
         <p15:guide id="1" orient="horz" pos="2160">
           <p15:clr>
             <a:srgbClr val="FBAE40"/>
@@ -9942,7 +9942,7 @@
           <p:cNvPr id="7" name="그룹 6">
             <a:extLst>
               <a:ext uri="{FF2B5EF4-FFF2-40B4-BE49-F238E27FC236}">
-                <a16:creationId xmlns:a16="http://schemas.microsoft.com/office/drawing/2014/main" id="{B5CAD73D-6841-4F8A-A8DA-BCBBBF5FAA76}"/>
+                <a16:creationId xmlns:a16="http://schemas.microsoft.com/office/drawing/2014/main" xmlns="" id="{B5CAD73D-6841-4F8A-A8DA-BCBBBF5FAA76}"/>
               </a:ext>
             </a:extLst>
           </p:cNvPr>
@@ -9962,7 +9962,7 @@
             <p:cNvPr id="8" name="타원 7">
               <a:extLst>
                 <a:ext uri="{FF2B5EF4-FFF2-40B4-BE49-F238E27FC236}">
-                  <a16:creationId xmlns:a16="http://schemas.microsoft.com/office/drawing/2014/main" id="{1DFB0E20-C8CE-4430-96C3-36027DABB21B}"/>
+                  <a16:creationId xmlns:a16="http://schemas.microsoft.com/office/drawing/2014/main" xmlns="" id="{1DFB0E20-C8CE-4430-96C3-36027DABB21B}"/>
                 </a:ext>
               </a:extLst>
             </p:cNvPr>
@@ -10014,7 +10014,7 @@
             <p:cNvPr id="9" name="타원 8">
               <a:extLst>
                 <a:ext uri="{FF2B5EF4-FFF2-40B4-BE49-F238E27FC236}">
-                  <a16:creationId xmlns:a16="http://schemas.microsoft.com/office/drawing/2014/main" id="{21DD0F50-D095-49F0-A56C-1E01943D2C2C}"/>
+                  <a16:creationId xmlns:a16="http://schemas.microsoft.com/office/drawing/2014/main" xmlns="" id="{21DD0F50-D095-49F0-A56C-1E01943D2C2C}"/>
                 </a:ext>
               </a:extLst>
             </p:cNvPr>
@@ -10070,7 +10070,7 @@
             <p:cNvPr id="10" name="타원 9">
               <a:extLst>
                 <a:ext uri="{FF2B5EF4-FFF2-40B4-BE49-F238E27FC236}">
-                  <a16:creationId xmlns:a16="http://schemas.microsoft.com/office/drawing/2014/main" id="{F6AE4052-9AC0-4371-909E-F440521CAA49}"/>
+                  <a16:creationId xmlns:a16="http://schemas.microsoft.com/office/drawing/2014/main" xmlns="" id="{F6AE4052-9AC0-4371-909E-F440521CAA49}"/>
                 </a:ext>
               </a:extLst>
             </p:cNvPr>
@@ -10122,7 +10122,7 @@
             <p:cNvPr id="11" name="타원 10">
               <a:extLst>
                 <a:ext uri="{FF2B5EF4-FFF2-40B4-BE49-F238E27FC236}">
-                  <a16:creationId xmlns:a16="http://schemas.microsoft.com/office/drawing/2014/main" id="{CF1FF72C-B890-45E7-B9AE-CDCC3839DF46}"/>
+                  <a16:creationId xmlns:a16="http://schemas.microsoft.com/office/drawing/2014/main" xmlns="" id="{CF1FF72C-B890-45E7-B9AE-CDCC3839DF46}"/>
                 </a:ext>
               </a:extLst>
             </p:cNvPr>
@@ -10174,7 +10174,7 @@
             <p:cNvPr id="12" name="타원 11">
               <a:extLst>
                 <a:ext uri="{FF2B5EF4-FFF2-40B4-BE49-F238E27FC236}">
-                  <a16:creationId xmlns:a16="http://schemas.microsoft.com/office/drawing/2014/main" id="{9C7945F0-1E2E-454E-8C1C-D482BB131301}"/>
+                  <a16:creationId xmlns:a16="http://schemas.microsoft.com/office/drawing/2014/main" xmlns="" id="{9C7945F0-1E2E-454E-8C1C-D482BB131301}"/>
                 </a:ext>
               </a:extLst>
             </p:cNvPr>
@@ -10226,7 +10226,7 @@
             <p:cNvPr id="13" name="타원 12">
               <a:extLst>
                 <a:ext uri="{FF2B5EF4-FFF2-40B4-BE49-F238E27FC236}">
-                  <a16:creationId xmlns:a16="http://schemas.microsoft.com/office/drawing/2014/main" id="{A7A546ED-04CD-4197-B38D-0559847299C6}"/>
+                  <a16:creationId xmlns:a16="http://schemas.microsoft.com/office/drawing/2014/main" xmlns="" id="{A7A546ED-04CD-4197-B38D-0559847299C6}"/>
                 </a:ext>
               </a:extLst>
             </p:cNvPr>
@@ -10278,7 +10278,7 @@
             <p:cNvPr id="14" name="타원 13">
               <a:extLst>
                 <a:ext uri="{FF2B5EF4-FFF2-40B4-BE49-F238E27FC236}">
-                  <a16:creationId xmlns:a16="http://schemas.microsoft.com/office/drawing/2014/main" id="{ABE9A753-4825-44EA-AD76-F87F72314385}"/>
+                  <a16:creationId xmlns:a16="http://schemas.microsoft.com/office/drawing/2014/main" xmlns="" id="{ABE9A753-4825-44EA-AD76-F87F72314385}"/>
                 </a:ext>
               </a:extLst>
             </p:cNvPr>
@@ -10708,7 +10708,7 @@
           <p:cNvPr id="2" name="제목 1">
             <a:extLst>
               <a:ext uri="{FF2B5EF4-FFF2-40B4-BE49-F238E27FC236}">
-                <a16:creationId xmlns:a16="http://schemas.microsoft.com/office/drawing/2014/main" id="{D6558D88-1DBC-458D-AFE6-D6A4ED6FCA79}"/>
+                <a16:creationId xmlns:a16="http://schemas.microsoft.com/office/drawing/2014/main" xmlns="" id="{D6558D88-1DBC-458D-AFE6-D6A4ED6FCA79}"/>
               </a:ext>
             </a:extLst>
           </p:cNvPr>
@@ -10784,8 +10784,8 @@
                     <a:lumMod val="95000"/>
                   </a:schemeClr>
                 </a:solidFill>
-                <a:latin typeface="돋움" panose="020B0600000101010101" pitchFamily="50" charset="-127"/>
-                <a:ea typeface="돋움" panose="020B0600000101010101" pitchFamily="50" charset="-127"/>
+                <a:latin typeface="HY견고딕" pitchFamily="18" charset="-127"/>
+                <a:ea typeface="HY견고딕" pitchFamily="18" charset="-127"/>
               </a:rPr>
               <a:t>개인프로젝트</a:t>
             </a:r>
@@ -10795,8 +10795,8 @@
                   <a:lumMod val="95000"/>
                 </a:schemeClr>
               </a:solidFill>
-              <a:latin typeface="돋움" panose="020B0600000101010101" pitchFamily="50" charset="-127"/>
-              <a:ea typeface="돋움" panose="020B0600000101010101" pitchFamily="50" charset="-127"/>
+              <a:latin typeface="HY견고딕" pitchFamily="18" charset="-127"/>
+              <a:ea typeface="HY견고딕" pitchFamily="18" charset="-127"/>
             </a:endParaRPr>
           </a:p>
         </p:txBody>
@@ -10846,7 +10846,7 @@
           <p:cNvPr id="11" name="텍스트 개체 틀 10">
             <a:extLst>
               <a:ext uri="{FF2B5EF4-FFF2-40B4-BE49-F238E27FC236}">
-                <a16:creationId xmlns:a16="http://schemas.microsoft.com/office/drawing/2014/main" id="{6D3B08B9-2B63-4E3C-9511-DC51FDE2506E}"/>
+                <a16:creationId xmlns:a16="http://schemas.microsoft.com/office/drawing/2014/main" xmlns="" id="{6D3B08B9-2B63-4E3C-9511-DC51FDE2506E}"/>
               </a:ext>
             </a:extLst>
           </p:cNvPr>
@@ -10866,18 +10866,31 @@
           </a:p>
           <a:p>
             <a:r>
+              <a:rPr lang="ko-KR" altLang="en-US" sz="1800" b="1" dirty="0" smtClean="0">
+                <a:latin typeface="HY견고딕" pitchFamily="18" charset="-127"/>
+                <a:ea typeface="HY견고딕" pitchFamily="18" charset="-127"/>
+              </a:rPr>
+              <a:t>제작</a:t>
+            </a:r>
+            <a:r>
               <a:rPr lang="ko-KR" altLang="en-US" sz="1800" b="1" dirty="0" smtClean="0"/>
-              <a:t>제작 </a:t>
+              <a:t> </a:t>
             </a:r>
             <a:r>
               <a:rPr lang="en-US" altLang="ko-KR" sz="1800" b="1" dirty="0" smtClean="0"/>
               <a:t>: </a:t>
             </a:r>
             <a:r>
-              <a:rPr lang="ko-KR" altLang="en-US" sz="1800" b="1" dirty="0" smtClean="0"/>
+              <a:rPr lang="ko-KR" altLang="en-US" sz="1800" b="1" dirty="0" smtClean="0">
+                <a:latin typeface="HY견고딕" pitchFamily="18" charset="-127"/>
+                <a:ea typeface="HY견고딕" pitchFamily="18" charset="-127"/>
+              </a:rPr>
               <a:t>김용규</a:t>
             </a:r>
-            <a:endParaRPr lang="en-US" sz="1800" b="1" dirty="0"/>
+            <a:endParaRPr lang="en-US" sz="1800" b="1" dirty="0">
+              <a:latin typeface="HY견고딕" pitchFamily="18" charset="-127"/>
+              <a:ea typeface="HY견고딕" pitchFamily="18" charset="-127"/>
+            </a:endParaRPr>
           </a:p>
           <a:p>
             <a:r>
@@ -10949,7 +10962,7 @@
           <p:cNvPr id="8" name="텍스트 개체 틀 7">
             <a:extLst>
               <a:ext uri="{FF2B5EF4-FFF2-40B4-BE49-F238E27FC236}">
-                <a16:creationId xmlns:a16="http://schemas.microsoft.com/office/drawing/2014/main" id="{F941FAD0-2E99-4CAC-B16F-30C5DE050E43}"/>
+                <a16:creationId xmlns:a16="http://schemas.microsoft.com/office/drawing/2014/main" xmlns="" id="{F941FAD0-2E99-4CAC-B16F-30C5DE050E43}"/>
               </a:ext>
             </a:extLst>
           </p:cNvPr>
@@ -10984,7 +10997,7 @@
           <p:cNvPr id="9" name="텍스트 개체 틀 8">
             <a:extLst>
               <a:ext uri="{FF2B5EF4-FFF2-40B4-BE49-F238E27FC236}">
-                <a16:creationId xmlns:a16="http://schemas.microsoft.com/office/drawing/2014/main" id="{A07C0B61-375E-4330-850F-740158BE3674}"/>
+                <a16:creationId xmlns:a16="http://schemas.microsoft.com/office/drawing/2014/main" xmlns="" id="{A07C0B61-375E-4330-850F-740158BE3674}"/>
               </a:ext>
             </a:extLst>
           </p:cNvPr>
@@ -11017,7 +11030,7 @@
           <p:cNvPr id="7" name="텍스트 개체 틀 6">
             <a:extLst>
               <a:ext uri="{FF2B5EF4-FFF2-40B4-BE49-F238E27FC236}">
-                <a16:creationId xmlns:a16="http://schemas.microsoft.com/office/drawing/2014/main" id="{8E0EDBB3-D4FF-4E7B-A8D3-67AF82A4FCE9}"/>
+                <a16:creationId xmlns:a16="http://schemas.microsoft.com/office/drawing/2014/main" xmlns="" id="{8E0EDBB3-D4FF-4E7B-A8D3-67AF82A4FCE9}"/>
               </a:ext>
             </a:extLst>
           </p:cNvPr>
@@ -11060,7 +11073,7 @@
         <p:spPr>
           <a:xfrm>
             <a:off x="152399" y="4710553"/>
-            <a:ext cx="4321047" cy="1323439"/>
+            <a:ext cx="4321047" cy="738664"/>
           </a:xfrm>
           <a:prstGeom prst="rect">
             <a:avLst/>
@@ -11074,141 +11087,119 @@
           <a:lstStyle/>
           <a:p>
             <a:r>
-              <a:rPr lang="en-US" altLang="ko-KR" sz="1600" dirty="0" smtClean="0">
+              <a:rPr lang="en-US" altLang="ko-KR" sz="1400" dirty="0" smtClean="0">
                 <a:solidFill>
                   <a:schemeClr val="bg1">
                     <a:lumMod val="95000"/>
                   </a:schemeClr>
                 </a:solidFill>
-                <a:latin typeface="돋움" panose="020B0600000101010101" pitchFamily="50" charset="-127"/>
-                <a:ea typeface="돋움" panose="020B0600000101010101" pitchFamily="50" charset="-127"/>
-              </a:rPr>
-              <a:t>Header</a:t>
-            </a:r>
-            <a:r>
-              <a:rPr lang="ko-KR" altLang="en-US" sz="1600" dirty="0" smtClean="0">
+                <a:latin typeface="HY견고딕" pitchFamily="18" charset="-127"/>
+                <a:ea typeface="HY견고딕" pitchFamily="18" charset="-127"/>
+              </a:rPr>
+              <a:t>- Header</a:t>
+            </a:r>
+            <a:r>
+              <a:rPr lang="ko-KR" altLang="en-US" sz="1400" dirty="0" smtClean="0">
                 <a:solidFill>
                   <a:schemeClr val="bg1">
                     <a:lumMod val="95000"/>
                   </a:schemeClr>
                 </a:solidFill>
-                <a:latin typeface="돋움" panose="020B0600000101010101" pitchFamily="50" charset="-127"/>
-                <a:ea typeface="돋움" panose="020B0600000101010101" pitchFamily="50" charset="-127"/>
+                <a:latin typeface="HY견고딕" pitchFamily="18" charset="-127"/>
+                <a:ea typeface="HY견고딕" pitchFamily="18" charset="-127"/>
               </a:rPr>
               <a:t>를 시작버튼으로 지정하여 </a:t>
             </a:r>
-            <a:endParaRPr lang="en-US" altLang="ko-KR" sz="1600" dirty="0" smtClean="0">
+            <a:r>
+              <a:rPr lang="ko-KR" altLang="en-US" sz="1400" dirty="0" smtClean="0">
+                <a:solidFill>
+                  <a:schemeClr val="bg1">
+                    <a:lumMod val="95000"/>
+                  </a:schemeClr>
+                </a:solidFill>
+                <a:latin typeface="HY견고딕" pitchFamily="18" charset="-127"/>
+                <a:ea typeface="HY견고딕" pitchFamily="18" charset="-127"/>
+              </a:rPr>
+              <a:t>제작</a:t>
+            </a:r>
+            <a:endParaRPr lang="en-US" altLang="ko-KR" sz="1400" dirty="0" smtClean="0">
               <a:solidFill>
                 <a:schemeClr val="bg1">
                   <a:lumMod val="95000"/>
                 </a:schemeClr>
               </a:solidFill>
-              <a:latin typeface="돋움" panose="020B0600000101010101" pitchFamily="50" charset="-127"/>
-              <a:ea typeface="돋움" panose="020B0600000101010101" pitchFamily="50" charset="-127"/>
+              <a:latin typeface="HY견고딕" pitchFamily="18" charset="-127"/>
+              <a:ea typeface="HY견고딕" pitchFamily="18" charset="-127"/>
             </a:endParaRPr>
           </a:p>
           <a:p>
-            <a:endParaRPr lang="en-US" altLang="ko-KR" sz="1600" dirty="0">
+            <a:endParaRPr lang="en-US" altLang="ko-KR" sz="1400" dirty="0" smtClean="0">
               <a:solidFill>
                 <a:schemeClr val="bg1">
                   <a:lumMod val="95000"/>
                 </a:schemeClr>
               </a:solidFill>
-              <a:latin typeface="돋움" panose="020B0600000101010101" pitchFamily="50" charset="-127"/>
-              <a:ea typeface="돋움" panose="020B0600000101010101" pitchFamily="50" charset="-127"/>
+              <a:latin typeface="HY견고딕" pitchFamily="18" charset="-127"/>
+              <a:ea typeface="HY견고딕" pitchFamily="18" charset="-127"/>
             </a:endParaRPr>
           </a:p>
           <a:p>
             <a:r>
-              <a:rPr lang="ko-KR" altLang="en-US" sz="1600" dirty="0" smtClean="0">
+              <a:rPr lang="en-US" altLang="ko-KR" sz="1400" dirty="0" smtClean="0">
                 <a:solidFill>
                   <a:schemeClr val="bg1">
                     <a:lumMod val="95000"/>
                   </a:schemeClr>
                 </a:solidFill>
-                <a:latin typeface="돋움" panose="020B0600000101010101" pitchFamily="50" charset="-127"/>
-                <a:ea typeface="돋움" panose="020B0600000101010101" pitchFamily="50" charset="-127"/>
-              </a:rPr>
-              <a:t>제작하였으며</a:t>
-            </a:r>
-            <a:endParaRPr lang="en-US" altLang="ko-KR" sz="1600" dirty="0" smtClean="0">
+                <a:latin typeface="HY견고딕" pitchFamily="18" charset="-127"/>
+                <a:ea typeface="HY견고딕" pitchFamily="18" charset="-127"/>
+              </a:rPr>
+              <a:t>- </a:t>
+            </a:r>
+            <a:r>
+              <a:rPr lang="ko-KR" altLang="en-US" sz="1400" dirty="0" smtClean="0">
+                <a:solidFill>
+                  <a:schemeClr val="bg1">
+                    <a:lumMod val="95000"/>
+                  </a:schemeClr>
+                </a:solidFill>
+                <a:latin typeface="HY견고딕" pitchFamily="18" charset="-127"/>
+                <a:ea typeface="HY견고딕" pitchFamily="18" charset="-127"/>
+              </a:rPr>
+              <a:t>시작버튼은 </a:t>
+            </a:r>
+            <a:r>
+              <a:rPr lang="ko-KR" altLang="en-US" sz="1400" dirty="0" err="1" smtClean="0">
+                <a:solidFill>
+                  <a:schemeClr val="bg1">
+                    <a:lumMod val="95000"/>
+                  </a:schemeClr>
+                </a:solidFill>
+                <a:latin typeface="HY견고딕" pitchFamily="18" charset="-127"/>
+                <a:ea typeface="HY견고딕" pitchFamily="18" charset="-127"/>
+              </a:rPr>
+              <a:t>투뎁스로</a:t>
+            </a:r>
+            <a:r>
+              <a:rPr lang="ko-KR" altLang="en-US" sz="1400" dirty="0" smtClean="0">
+                <a:solidFill>
+                  <a:schemeClr val="bg1">
+                    <a:lumMod val="95000"/>
+                  </a:schemeClr>
+                </a:solidFill>
+                <a:latin typeface="HY견고딕" pitchFamily="18" charset="-127"/>
+                <a:ea typeface="HY견고딕" pitchFamily="18" charset="-127"/>
+              </a:rPr>
+              <a:t> 메뉴를 구성함</a:t>
+            </a:r>
+            <a:endParaRPr lang="ko-KR" altLang="en-US" sz="1400" dirty="0">
               <a:solidFill>
                 <a:schemeClr val="bg1">
                   <a:lumMod val="95000"/>
                 </a:schemeClr>
               </a:solidFill>
-              <a:latin typeface="돋움" panose="020B0600000101010101" pitchFamily="50" charset="-127"/>
-              <a:ea typeface="돋움" panose="020B0600000101010101" pitchFamily="50" charset="-127"/>
-            </a:endParaRPr>
-          </a:p>
-          <a:p>
-            <a:endParaRPr lang="en-US" altLang="ko-KR" sz="1600" dirty="0" smtClean="0">
-              <a:solidFill>
-                <a:schemeClr val="bg1">
-                  <a:lumMod val="95000"/>
-                </a:schemeClr>
-              </a:solidFill>
-              <a:latin typeface="돋움" panose="020B0600000101010101" pitchFamily="50" charset="-127"/>
-              <a:ea typeface="돋움" panose="020B0600000101010101" pitchFamily="50" charset="-127"/>
-            </a:endParaRPr>
-          </a:p>
-          <a:p>
-            <a:r>
-              <a:rPr lang="ko-KR" altLang="en-US" sz="1600" dirty="0" err="1" smtClean="0">
-                <a:solidFill>
-                  <a:schemeClr val="bg1">
-                    <a:lumMod val="95000"/>
-                  </a:schemeClr>
-                </a:solidFill>
-                <a:latin typeface="돋움" panose="020B0600000101010101" pitchFamily="50" charset="-127"/>
-                <a:ea typeface="돋움" panose="020B0600000101010101" pitchFamily="50" charset="-127"/>
-              </a:rPr>
-              <a:t>시작버튼은</a:t>
-            </a:r>
-            <a:r>
-              <a:rPr lang="ko-KR" altLang="en-US" sz="1600" dirty="0" smtClean="0">
-                <a:solidFill>
-                  <a:schemeClr val="bg1">
-                    <a:lumMod val="95000"/>
-                  </a:schemeClr>
-                </a:solidFill>
-                <a:latin typeface="돋움" panose="020B0600000101010101" pitchFamily="50" charset="-127"/>
-                <a:ea typeface="돋움" panose="020B0600000101010101" pitchFamily="50" charset="-127"/>
-              </a:rPr>
-              <a:t> </a:t>
-            </a:r>
-            <a:r>
-              <a:rPr lang="ko-KR" altLang="en-US" sz="1600" dirty="0" err="1" smtClean="0">
-                <a:solidFill>
-                  <a:schemeClr val="bg1">
-                    <a:lumMod val="95000"/>
-                  </a:schemeClr>
-                </a:solidFill>
-                <a:latin typeface="돋움" panose="020B0600000101010101" pitchFamily="50" charset="-127"/>
-                <a:ea typeface="돋움" panose="020B0600000101010101" pitchFamily="50" charset="-127"/>
-              </a:rPr>
-              <a:t>투뎁스로</a:t>
-            </a:r>
-            <a:r>
-              <a:rPr lang="ko-KR" altLang="en-US" sz="1600" dirty="0" smtClean="0">
-                <a:solidFill>
-                  <a:schemeClr val="bg1">
-                    <a:lumMod val="95000"/>
-                  </a:schemeClr>
-                </a:solidFill>
-                <a:latin typeface="돋움" panose="020B0600000101010101" pitchFamily="50" charset="-127"/>
-                <a:ea typeface="돋움" panose="020B0600000101010101" pitchFamily="50" charset="-127"/>
-              </a:rPr>
-              <a:t> 메뉴를 구성함</a:t>
-            </a:r>
-            <a:endParaRPr lang="ko-KR" altLang="en-US" sz="1600" dirty="0">
-              <a:solidFill>
-                <a:schemeClr val="bg1">
-                  <a:lumMod val="95000"/>
-                </a:schemeClr>
-              </a:solidFill>
-              <a:latin typeface="돋움" panose="020B0600000101010101" pitchFamily="50" charset="-127"/>
-              <a:ea typeface="돋움" panose="020B0600000101010101" pitchFamily="50" charset="-127"/>
+              <a:latin typeface="HY견고딕" pitchFamily="18" charset="-127"/>
+              <a:ea typeface="HY견고딕" pitchFamily="18" charset="-127"/>
             </a:endParaRPr>
           </a:p>
         </p:txBody>
@@ -11222,7 +11213,7 @@
         <p:spPr>
           <a:xfrm>
             <a:off x="5008075" y="4710553"/>
-            <a:ext cx="3765795" cy="830997"/>
+            <a:ext cx="3765795" cy="738664"/>
           </a:xfrm>
           <a:prstGeom prst="rect">
             <a:avLst/>
@@ -11236,107 +11227,131 @@
           <a:lstStyle/>
           <a:p>
             <a:r>
-              <a:rPr lang="ko-KR" altLang="en-US" sz="1600" dirty="0" err="1" smtClean="0">
+              <a:rPr lang="en-US" altLang="ko-KR" sz="1400" dirty="0" smtClean="0">
                 <a:solidFill>
                   <a:schemeClr val="bg1">
                     <a:lumMod val="95000"/>
                   </a:schemeClr>
                 </a:solidFill>
-                <a:latin typeface="돋움" panose="020B0600000101010101" pitchFamily="50" charset="-127"/>
-                <a:ea typeface="돋움" panose="020B0600000101010101" pitchFamily="50" charset="-127"/>
-              </a:rPr>
-              <a:t>시작버튼</a:t>
-            </a:r>
-            <a:r>
-              <a:rPr lang="ko-KR" altLang="en-US" sz="1600" dirty="0" smtClean="0">
+                <a:latin typeface="HY견고딕" pitchFamily="18" charset="-127"/>
+                <a:ea typeface="HY견고딕" pitchFamily="18" charset="-127"/>
+              </a:rPr>
+              <a:t>- </a:t>
+            </a:r>
+            <a:r>
+              <a:rPr lang="ko-KR" altLang="en-US" sz="1400" dirty="0" smtClean="0">
                 <a:solidFill>
                   <a:schemeClr val="bg1">
                     <a:lumMod val="95000"/>
                   </a:schemeClr>
                 </a:solidFill>
-                <a:latin typeface="돋움" panose="020B0600000101010101" pitchFamily="50" charset="-127"/>
-                <a:ea typeface="돋움" panose="020B0600000101010101" pitchFamily="50" charset="-127"/>
+                <a:latin typeface="HY견고딕" pitchFamily="18" charset="-127"/>
+                <a:ea typeface="HY견고딕" pitchFamily="18" charset="-127"/>
+              </a:rPr>
+              <a:t>시작버튼 </a:t>
+            </a:r>
+            <a:r>
+              <a:rPr lang="ko-KR" altLang="en-US" sz="1400" dirty="0" err="1" smtClean="0">
+                <a:solidFill>
+                  <a:schemeClr val="bg1">
+                    <a:lumMod val="95000"/>
+                  </a:schemeClr>
+                </a:solidFill>
+                <a:latin typeface="HY견고딕" pitchFamily="18" charset="-127"/>
+                <a:ea typeface="HY견고딕" pitchFamily="18" charset="-127"/>
+              </a:rPr>
+              <a:t>클릭시</a:t>
+            </a:r>
+            <a:r>
+              <a:rPr lang="ko-KR" altLang="en-US" sz="1400" dirty="0" smtClean="0">
+                <a:solidFill>
+                  <a:schemeClr val="bg1">
+                    <a:lumMod val="95000"/>
+                  </a:schemeClr>
+                </a:solidFill>
+                <a:latin typeface="HY견고딕" pitchFamily="18" charset="-127"/>
+                <a:ea typeface="HY견고딕" pitchFamily="18" charset="-127"/>
               </a:rPr>
               <a:t> </a:t>
             </a:r>
-            <a:r>
-              <a:rPr lang="ko-KR" altLang="en-US" sz="1600" dirty="0" err="1" smtClean="0">
-                <a:solidFill>
-                  <a:schemeClr val="bg1">
-                    <a:lumMod val="95000"/>
-                  </a:schemeClr>
-                </a:solidFill>
-                <a:latin typeface="돋움" panose="020B0600000101010101" pitchFamily="50" charset="-127"/>
-                <a:ea typeface="돋움" panose="020B0600000101010101" pitchFamily="50" charset="-127"/>
-              </a:rPr>
-              <a:t>클릭시</a:t>
-            </a:r>
-            <a:r>
-              <a:rPr lang="ko-KR" altLang="en-US" sz="1600" dirty="0" smtClean="0">
-                <a:solidFill>
-                  <a:schemeClr val="bg1">
-                    <a:lumMod val="95000"/>
-                  </a:schemeClr>
-                </a:solidFill>
-                <a:latin typeface="돋움" panose="020B0600000101010101" pitchFamily="50" charset="-127"/>
-                <a:ea typeface="돋움" panose="020B0600000101010101" pitchFamily="50" charset="-127"/>
-              </a:rPr>
-              <a:t> </a:t>
-            </a:r>
-            <a:endParaRPr lang="en-US" altLang="ko-KR" sz="1600" dirty="0" smtClean="0">
+            <a:endParaRPr lang="en-US" altLang="ko-KR" sz="1400" dirty="0" smtClean="0">
               <a:solidFill>
                 <a:schemeClr val="bg1">
                   <a:lumMod val="95000"/>
                 </a:schemeClr>
               </a:solidFill>
-              <a:latin typeface="돋움" panose="020B0600000101010101" pitchFamily="50" charset="-127"/>
-              <a:ea typeface="돋움" panose="020B0600000101010101" pitchFamily="50" charset="-127"/>
+              <a:latin typeface="HY견고딕" pitchFamily="18" charset="-127"/>
+              <a:ea typeface="HY견고딕" pitchFamily="18" charset="-127"/>
             </a:endParaRPr>
           </a:p>
           <a:p>
-            <a:endParaRPr lang="en-US" altLang="ko-KR" sz="1600" dirty="0">
+            <a:endParaRPr lang="en-US" altLang="ko-KR" sz="1400" dirty="0">
               <a:solidFill>
                 <a:schemeClr val="bg1">
                   <a:lumMod val="95000"/>
                 </a:schemeClr>
               </a:solidFill>
-              <a:latin typeface="돋움" panose="020B0600000101010101" pitchFamily="50" charset="-127"/>
-              <a:ea typeface="돋움" panose="020B0600000101010101" pitchFamily="50" charset="-127"/>
+              <a:latin typeface="HY견고딕" pitchFamily="18" charset="-127"/>
+              <a:ea typeface="HY견고딕" pitchFamily="18" charset="-127"/>
             </a:endParaRPr>
           </a:p>
           <a:p>
             <a:r>
-              <a:rPr lang="ko-KR" altLang="en-US" sz="1600" dirty="0" err="1" smtClean="0">
+              <a:rPr lang="ko-KR" altLang="en-US" sz="1400" dirty="0" smtClean="0">
                 <a:solidFill>
                   <a:schemeClr val="bg1">
                     <a:lumMod val="95000"/>
                   </a:schemeClr>
                 </a:solidFill>
-                <a:latin typeface="돋움" panose="020B0600000101010101" pitchFamily="50" charset="-127"/>
-                <a:ea typeface="돋움" panose="020B0600000101010101" pitchFamily="50" charset="-127"/>
+                <a:latin typeface="HY견고딕" pitchFamily="18" charset="-127"/>
+                <a:ea typeface="HY견고딕" pitchFamily="18" charset="-127"/>
+              </a:rPr>
+              <a:t>   </a:t>
+            </a:r>
+            <a:r>
+              <a:rPr lang="ko-KR" altLang="en-US" sz="1400" dirty="0" err="1" smtClean="0">
+                <a:solidFill>
+                  <a:schemeClr val="bg1">
+                    <a:lumMod val="95000"/>
+                  </a:schemeClr>
+                </a:solidFill>
+                <a:latin typeface="HY견고딕" pitchFamily="18" charset="-127"/>
+                <a:ea typeface="HY견고딕" pitchFamily="18" charset="-127"/>
               </a:rPr>
               <a:t>투뎁스로</a:t>
             </a:r>
             <a:r>
-              <a:rPr lang="ko-KR" altLang="en-US" sz="1600" dirty="0" smtClean="0">
+              <a:rPr lang="ko-KR" altLang="en-US" sz="1400" dirty="0" smtClean="0">
                 <a:solidFill>
                   <a:schemeClr val="bg1">
                     <a:lumMod val="95000"/>
                   </a:schemeClr>
                 </a:solidFill>
-                <a:latin typeface="돋움" panose="020B0600000101010101" pitchFamily="50" charset="-127"/>
-                <a:ea typeface="돋움" panose="020B0600000101010101" pitchFamily="50" charset="-127"/>
-              </a:rPr>
-              <a:t> 원하는 메뉴가 표시됨</a:t>
-            </a:r>
-            <a:endParaRPr lang="en-US" altLang="ko-KR" sz="1600" dirty="0">
+                <a:latin typeface="HY견고딕" pitchFamily="18" charset="-127"/>
+                <a:ea typeface="HY견고딕" pitchFamily="18" charset="-127"/>
+              </a:rPr>
+              <a:t> 메뉴가 </a:t>
+            </a:r>
+            <a:r>
+              <a:rPr lang="ko-KR" altLang="en-US" sz="1400" dirty="0" smtClean="0">
+                <a:solidFill>
+                  <a:schemeClr val="bg1">
+                    <a:lumMod val="95000"/>
+                  </a:schemeClr>
+                </a:solidFill>
+                <a:latin typeface="HY견고딕" pitchFamily="18" charset="-127"/>
+                <a:ea typeface="HY견고딕" pitchFamily="18" charset="-127"/>
+              </a:rPr>
+              <a:t>표시됨</a:t>
+            </a:r>
+            <a:endParaRPr lang="en-US" altLang="ko-KR" sz="1400" dirty="0">
               <a:solidFill>
                 <a:schemeClr val="bg1">
                   <a:lumMod val="95000"/>
                 </a:schemeClr>
               </a:solidFill>
-              <a:latin typeface="돋움" panose="020B0600000101010101" pitchFamily="50" charset="-127"/>
-              <a:ea typeface="돋움" panose="020B0600000101010101" pitchFamily="50" charset="-127"/>
+              <a:latin typeface="HY견고딕" pitchFamily="18" charset="-127"/>
+              <a:ea typeface="HY견고딕" pitchFamily="18" charset="-127"/>
             </a:endParaRPr>
           </a:p>
         </p:txBody>
@@ -11400,6 +11415,98 @@
           </a:prstGeom>
         </p:spPr>
       </p:pic>
+      <p:sp>
+        <p:nvSpPr>
+          <p:cNvPr id="2" name="직사각형 1"/>
+          <p:cNvSpPr/>
+          <p:nvPr/>
+        </p:nvSpPr>
+        <p:spPr>
+          <a:xfrm>
+            <a:off x="152398" y="3708875"/>
+            <a:ext cx="924371" cy="623843"/>
+          </a:xfrm>
+          <a:prstGeom prst="rect">
+            <a:avLst/>
+          </a:prstGeom>
+          <a:noFill/>
+          <a:ln w="57150">
+            <a:solidFill>
+              <a:srgbClr val="FF0000"/>
+            </a:solidFill>
+          </a:ln>
+        </p:spPr>
+        <p:style>
+          <a:lnRef idx="2">
+            <a:schemeClr val="accent1">
+              <a:shade val="50000"/>
+            </a:schemeClr>
+          </a:lnRef>
+          <a:fillRef idx="1">
+            <a:schemeClr val="accent1"/>
+          </a:fillRef>
+          <a:effectRef idx="0">
+            <a:schemeClr val="accent1"/>
+          </a:effectRef>
+          <a:fontRef idx="minor">
+            <a:schemeClr val="lt1"/>
+          </a:fontRef>
+        </p:style>
+        <p:txBody>
+          <a:bodyPr rtlCol="0" anchor="ctr"/>
+          <a:lstStyle/>
+          <a:p>
+            <a:pPr algn="ctr"/>
+            <a:endParaRPr lang="ko-KR" altLang="en-US"/>
+          </a:p>
+        </p:txBody>
+      </p:sp>
+      <p:sp>
+        <p:nvSpPr>
+          <p:cNvPr id="11" name="직사각형 10"/>
+          <p:cNvSpPr/>
+          <p:nvPr/>
+        </p:nvSpPr>
+        <p:spPr>
+          <a:xfrm>
+            <a:off x="4868252" y="3758726"/>
+            <a:ext cx="924371" cy="623843"/>
+          </a:xfrm>
+          <a:prstGeom prst="rect">
+            <a:avLst/>
+          </a:prstGeom>
+          <a:noFill/>
+          <a:ln w="57150">
+            <a:solidFill>
+              <a:srgbClr val="FF0000"/>
+            </a:solidFill>
+          </a:ln>
+        </p:spPr>
+        <p:style>
+          <a:lnRef idx="2">
+            <a:schemeClr val="accent1">
+              <a:shade val="50000"/>
+            </a:schemeClr>
+          </a:lnRef>
+          <a:fillRef idx="1">
+            <a:schemeClr val="accent1"/>
+          </a:fillRef>
+          <a:effectRef idx="0">
+            <a:schemeClr val="accent1"/>
+          </a:effectRef>
+          <a:fontRef idx="minor">
+            <a:schemeClr val="lt1"/>
+          </a:fontRef>
+        </p:style>
+        <p:txBody>
+          <a:bodyPr rtlCol="0" anchor="ctr"/>
+          <a:lstStyle/>
+          <a:p>
+            <a:pPr algn="ctr"/>
+            <a:endParaRPr lang="ko-KR" altLang="en-US"/>
+          </a:p>
+        </p:txBody>
+      </p:sp>
     </p:spTree>
     <p:extLst>
       <p:ext uri="{BB962C8B-B14F-4D97-AF65-F5344CB8AC3E}">
@@ -11442,7 +11549,7 @@
           <p:cNvPr id="8" name="텍스트 개체 틀 7">
             <a:extLst>
               <a:ext uri="{FF2B5EF4-FFF2-40B4-BE49-F238E27FC236}">
-                <a16:creationId xmlns:a16="http://schemas.microsoft.com/office/drawing/2014/main" id="{F941FAD0-2E99-4CAC-B16F-30C5DE050E43}"/>
+                <a16:creationId xmlns:a16="http://schemas.microsoft.com/office/drawing/2014/main" xmlns="" id="{F941FAD0-2E99-4CAC-B16F-30C5DE050E43}"/>
               </a:ext>
             </a:extLst>
           </p:cNvPr>
@@ -11477,7 +11584,7 @@
           <p:cNvPr id="9" name="텍스트 개체 틀 8">
             <a:extLst>
               <a:ext uri="{FF2B5EF4-FFF2-40B4-BE49-F238E27FC236}">
-                <a16:creationId xmlns:a16="http://schemas.microsoft.com/office/drawing/2014/main" id="{A07C0B61-375E-4330-850F-740158BE3674}"/>
+                <a16:creationId xmlns:a16="http://schemas.microsoft.com/office/drawing/2014/main" xmlns="" id="{A07C0B61-375E-4330-850F-740158BE3674}"/>
               </a:ext>
             </a:extLst>
           </p:cNvPr>
@@ -11510,7 +11617,7 @@
           <p:cNvPr id="7" name="텍스트 개체 틀 6">
             <a:extLst>
               <a:ext uri="{FF2B5EF4-FFF2-40B4-BE49-F238E27FC236}">
-                <a16:creationId xmlns:a16="http://schemas.microsoft.com/office/drawing/2014/main" id="{8E0EDBB3-D4FF-4E7B-A8D3-67AF82A4FCE9}"/>
+                <a16:creationId xmlns:a16="http://schemas.microsoft.com/office/drawing/2014/main" xmlns="" id="{8E0EDBB3-D4FF-4E7B-A8D3-67AF82A4FCE9}"/>
               </a:ext>
             </a:extLst>
           </p:cNvPr>
@@ -11552,8 +11659,8 @@
         </p:nvSpPr>
         <p:spPr>
           <a:xfrm>
-            <a:off x="362222" y="4464331"/>
-            <a:ext cx="4321047" cy="830997"/>
+            <a:off x="362222" y="5071083"/>
+            <a:ext cx="4321047" cy="738664"/>
           </a:xfrm>
           <a:prstGeom prst="rect">
             <a:avLst/>
@@ -11567,107 +11674,107 @@
           <a:lstStyle/>
           <a:p>
             <a:r>
-              <a:rPr lang="ko-KR" altLang="en-US" sz="1600" dirty="0" smtClean="0">
+              <a:rPr lang="en-US" altLang="ko-KR" sz="1400" dirty="0" smtClean="0">
                 <a:solidFill>
                   <a:schemeClr val="bg1">
                     <a:lumMod val="95000"/>
                   </a:schemeClr>
                 </a:solidFill>
-                <a:latin typeface="돋움" panose="020B0600000101010101" pitchFamily="50" charset="-127"/>
-                <a:ea typeface="돋움" panose="020B0600000101010101" pitchFamily="50" charset="-127"/>
-              </a:rPr>
-              <a:t>바탕화면의 아이콘 </a:t>
-            </a:r>
-            <a:r>
-              <a:rPr lang="ko-KR" altLang="en-US" sz="1600" dirty="0" err="1" smtClean="0">
+                <a:latin typeface="HY견고딕" pitchFamily="18" charset="-127"/>
+                <a:ea typeface="HY견고딕" pitchFamily="18" charset="-127"/>
+              </a:rPr>
+              <a:t>- </a:t>
+            </a:r>
+            <a:r>
+              <a:rPr lang="ko-KR" altLang="en-US" sz="1400" dirty="0" smtClean="0">
                 <a:solidFill>
                   <a:schemeClr val="bg1">
                     <a:lumMod val="95000"/>
                   </a:schemeClr>
                 </a:solidFill>
-                <a:latin typeface="돋움" panose="020B0600000101010101" pitchFamily="50" charset="-127"/>
-                <a:ea typeface="돋움" panose="020B0600000101010101" pitchFamily="50" charset="-127"/>
+                <a:latin typeface="HY견고딕" pitchFamily="18" charset="-127"/>
+                <a:ea typeface="HY견고딕" pitchFamily="18" charset="-127"/>
+              </a:rPr>
+              <a:t>아이콘을 </a:t>
+            </a:r>
+            <a:r>
+              <a:rPr lang="ko-KR" altLang="en-US" sz="1400" dirty="0" err="1" smtClean="0">
+                <a:solidFill>
+                  <a:schemeClr val="bg1">
+                    <a:lumMod val="95000"/>
+                  </a:schemeClr>
+                </a:solidFill>
+                <a:latin typeface="HY견고딕" pitchFamily="18" charset="-127"/>
+                <a:ea typeface="HY견고딕" pitchFamily="18" charset="-127"/>
               </a:rPr>
               <a:t>클릭시</a:t>
             </a:r>
             <a:r>
-              <a:rPr lang="ko-KR" altLang="en-US" sz="1600" dirty="0">
+              <a:rPr lang="ko-KR" altLang="en-US" sz="1400" dirty="0" smtClean="0">
                 <a:solidFill>
                   <a:schemeClr val="bg1">
                     <a:lumMod val="95000"/>
                   </a:schemeClr>
                 </a:solidFill>
-                <a:latin typeface="돋움" panose="020B0600000101010101" pitchFamily="50" charset="-127"/>
-                <a:ea typeface="돋움" panose="020B0600000101010101" pitchFamily="50" charset="-127"/>
-              </a:rPr>
-              <a:t> </a:t>
-            </a:r>
-            <a:r>
-              <a:rPr lang="ko-KR" altLang="en-US" sz="1600" dirty="0" smtClean="0">
-                <a:solidFill>
-                  <a:schemeClr val="bg1">
-                    <a:lumMod val="95000"/>
-                  </a:schemeClr>
-                </a:solidFill>
-                <a:latin typeface="돋움" panose="020B0600000101010101" pitchFamily="50" charset="-127"/>
-                <a:ea typeface="돋움" panose="020B0600000101010101" pitchFamily="50" charset="-127"/>
-              </a:rPr>
-              <a:t>아이콘에 해당하는 </a:t>
-            </a:r>
-            <a:endParaRPr lang="en-US" altLang="ko-KR" sz="1600" dirty="0" smtClean="0">
+                <a:latin typeface="HY견고딕" pitchFamily="18" charset="-127"/>
+                <a:ea typeface="HY견고딕" pitchFamily="18" charset="-127"/>
+              </a:rPr>
+              <a:t> 페이지 변경 없이 </a:t>
+            </a:r>
+            <a:endParaRPr lang="en-US" altLang="ko-KR" sz="1400" dirty="0" smtClean="0">
               <a:solidFill>
                 <a:schemeClr val="bg1">
                   <a:lumMod val="95000"/>
                 </a:schemeClr>
               </a:solidFill>
-              <a:latin typeface="돋움" panose="020B0600000101010101" pitchFamily="50" charset="-127"/>
-              <a:ea typeface="돋움" panose="020B0600000101010101" pitchFamily="50" charset="-127"/>
+              <a:latin typeface="HY견고딕" pitchFamily="18" charset="-127"/>
+              <a:ea typeface="HY견고딕" pitchFamily="18" charset="-127"/>
             </a:endParaRPr>
           </a:p>
           <a:p>
-            <a:endParaRPr lang="en-US" altLang="ko-KR" sz="1600" dirty="0">
+            <a:endParaRPr lang="en-US" altLang="ko-KR" sz="1400" dirty="0">
               <a:solidFill>
                 <a:schemeClr val="bg1">
                   <a:lumMod val="95000"/>
                 </a:schemeClr>
               </a:solidFill>
-              <a:latin typeface="돋움" panose="020B0600000101010101" pitchFamily="50" charset="-127"/>
-              <a:ea typeface="돋움" panose="020B0600000101010101" pitchFamily="50" charset="-127"/>
+              <a:latin typeface="HY견고딕" pitchFamily="18" charset="-127"/>
+              <a:ea typeface="HY견고딕" pitchFamily="18" charset="-127"/>
             </a:endParaRPr>
           </a:p>
           <a:p>
             <a:r>
-              <a:rPr lang="ko-KR" altLang="en-US" sz="1600" dirty="0" smtClean="0">
+              <a:rPr lang="en-US" altLang="ko-KR" sz="1400" dirty="0" smtClean="0">
                 <a:solidFill>
                   <a:schemeClr val="bg1">
                     <a:lumMod val="95000"/>
                   </a:schemeClr>
                 </a:solidFill>
-                <a:latin typeface="돋움" panose="020B0600000101010101" pitchFamily="50" charset="-127"/>
-                <a:ea typeface="돋움" panose="020B0600000101010101" pitchFamily="50" charset="-127"/>
-              </a:rPr>
-              <a:t>폴더가 </a:t>
-            </a:r>
-            <a:r>
-              <a:rPr lang="ko-KR" altLang="en-US" sz="1600" dirty="0" err="1" smtClean="0">
+                <a:latin typeface="HY견고딕" pitchFamily="18" charset="-127"/>
+                <a:ea typeface="HY견고딕" pitchFamily="18" charset="-127"/>
+              </a:rPr>
+              <a:t>- </a:t>
+            </a:r>
+            <a:r>
+              <a:rPr lang="ko-KR" altLang="en-US" sz="1400" dirty="0" smtClean="0">
                 <a:solidFill>
                   <a:schemeClr val="bg1">
                     <a:lumMod val="95000"/>
                   </a:schemeClr>
                 </a:solidFill>
-                <a:latin typeface="돋움" panose="020B0600000101010101" pitchFamily="50" charset="-127"/>
-                <a:ea typeface="돋움" panose="020B0600000101010101" pitchFamily="50" charset="-127"/>
-              </a:rPr>
-              <a:t>오픈됨</a:t>
-            </a:r>
-            <a:endParaRPr lang="ko-KR" altLang="en-US" sz="1600" dirty="0">
+                <a:latin typeface="HY견고딕" pitchFamily="18" charset="-127"/>
+                <a:ea typeface="HY견고딕" pitchFamily="18" charset="-127"/>
+              </a:rPr>
+              <a:t>아이콘에 해당하는 페이지가 표시됨</a:t>
+            </a:r>
+            <a:endParaRPr lang="en-US" altLang="ko-KR" sz="1400" dirty="0" smtClean="0">
               <a:solidFill>
                 <a:schemeClr val="bg1">
                   <a:lumMod val="95000"/>
                 </a:schemeClr>
               </a:solidFill>
-              <a:latin typeface="돋움" panose="020B0600000101010101" pitchFamily="50" charset="-127"/>
-              <a:ea typeface="돋움" panose="020B0600000101010101" pitchFamily="50" charset="-127"/>
+              <a:latin typeface="HY견고딕" pitchFamily="18" charset="-127"/>
+              <a:ea typeface="HY견고딕" pitchFamily="18" charset="-127"/>
             </a:endParaRPr>
           </a:p>
         </p:txBody>
@@ -11694,7 +11801,7 @@
         </p:blipFill>
         <p:spPr>
           <a:xfrm>
-            <a:off x="362223" y="1588275"/>
+            <a:off x="362222" y="2092476"/>
             <a:ext cx="4130756" cy="2667000"/>
           </a:xfrm>
           <a:prstGeom prst="rect">
@@ -11724,7 +11831,7 @@
         </p:blipFill>
         <p:spPr>
           <a:xfrm>
-            <a:off x="4846813" y="2574112"/>
+            <a:off x="4846813" y="3078314"/>
             <a:ext cx="3790950" cy="695325"/>
           </a:xfrm>
           <a:prstGeom prst="rect">
@@ -11740,8 +11847,8 @@
         </p:nvSpPr>
         <p:spPr>
           <a:xfrm>
-            <a:off x="4730448" y="4443727"/>
-            <a:ext cx="4321047" cy="830997"/>
+            <a:off x="4730448" y="5071083"/>
+            <a:ext cx="4321047" cy="738664"/>
           </a:xfrm>
           <a:prstGeom prst="rect">
             <a:avLst/>
@@ -11755,83 +11862,217 @@
           <a:lstStyle/>
           <a:p>
             <a:r>
-              <a:rPr lang="ko-KR" altLang="en-US" sz="1600" dirty="0" smtClean="0">
+              <a:rPr lang="en-US" altLang="ko-KR" sz="1400" dirty="0" smtClean="0">
                 <a:solidFill>
                   <a:schemeClr val="bg1">
                     <a:lumMod val="95000"/>
                   </a:schemeClr>
                 </a:solidFill>
-                <a:latin typeface="돋움" panose="020B0600000101010101" pitchFamily="50" charset="-127"/>
-                <a:ea typeface="돋움" panose="020B0600000101010101" pitchFamily="50" charset="-127"/>
-              </a:rPr>
-              <a:t>작업표시줄에 해당하는 </a:t>
-            </a:r>
-            <a:r>
-              <a:rPr lang="en-US" altLang="ko-KR" sz="1600" dirty="0" smtClean="0">
+                <a:latin typeface="HY견고딕" pitchFamily="18" charset="-127"/>
+                <a:ea typeface="HY견고딕" pitchFamily="18" charset="-127"/>
+              </a:rPr>
+              <a:t>- </a:t>
+            </a:r>
+            <a:r>
+              <a:rPr lang="ko-KR" altLang="en-US" sz="1400" dirty="0" smtClean="0">
                 <a:solidFill>
                   <a:schemeClr val="bg1">
                     <a:lumMod val="95000"/>
                   </a:schemeClr>
                 </a:solidFill>
-                <a:latin typeface="돋움" panose="020B0600000101010101" pitchFamily="50" charset="-127"/>
-                <a:ea typeface="돋움" panose="020B0600000101010101" pitchFamily="50" charset="-127"/>
+                <a:latin typeface="HY견고딕" pitchFamily="18" charset="-127"/>
+                <a:ea typeface="HY견고딕" pitchFamily="18" charset="-127"/>
+              </a:rPr>
+              <a:t>작업표시줄에 </a:t>
+            </a:r>
+            <a:r>
+              <a:rPr lang="ko-KR" altLang="en-US" sz="1400" dirty="0" smtClean="0">
+                <a:solidFill>
+                  <a:schemeClr val="bg1">
+                    <a:lumMod val="95000"/>
+                  </a:schemeClr>
+                </a:solidFill>
+                <a:latin typeface="HY견고딕" pitchFamily="18" charset="-127"/>
+                <a:ea typeface="HY견고딕" pitchFamily="18" charset="-127"/>
+              </a:rPr>
+              <a:t>해당하는 </a:t>
+            </a:r>
+            <a:r>
+              <a:rPr lang="en-US" altLang="ko-KR" sz="1400" dirty="0" smtClean="0">
+                <a:solidFill>
+                  <a:schemeClr val="bg1">
+                    <a:lumMod val="95000"/>
+                  </a:schemeClr>
+                </a:solidFill>
+                <a:latin typeface="HY견고딕" pitchFamily="18" charset="-127"/>
+                <a:ea typeface="HY견고딕" pitchFamily="18" charset="-127"/>
               </a:rPr>
               <a:t>footer</a:t>
             </a:r>
             <a:r>
-              <a:rPr lang="ko-KR" altLang="en-US" sz="1600" dirty="0" smtClean="0">
+              <a:rPr lang="ko-KR" altLang="en-US" sz="1400" dirty="0" smtClean="0">
                 <a:solidFill>
                   <a:schemeClr val="bg1">
                     <a:lumMod val="95000"/>
                   </a:schemeClr>
                 </a:solidFill>
-                <a:latin typeface="돋움" panose="020B0600000101010101" pitchFamily="50" charset="-127"/>
-                <a:ea typeface="돋움" panose="020B0600000101010101" pitchFamily="50" charset="-127"/>
-              </a:rPr>
-              <a:t>에  실행중인</a:t>
-            </a:r>
-            <a:endParaRPr lang="en-US" altLang="ko-KR" sz="1600" dirty="0" smtClean="0">
+                <a:latin typeface="HY견고딕" pitchFamily="18" charset="-127"/>
+                <a:ea typeface="HY견고딕" pitchFamily="18" charset="-127"/>
+              </a:rPr>
+              <a:t>에</a:t>
+            </a:r>
+            <a:endParaRPr lang="en-US" altLang="ko-KR" sz="1400" dirty="0" smtClean="0">
               <a:solidFill>
                 <a:schemeClr val="bg1">
                   <a:lumMod val="95000"/>
                 </a:schemeClr>
               </a:solidFill>
-              <a:latin typeface="돋움" panose="020B0600000101010101" pitchFamily="50" charset="-127"/>
-              <a:ea typeface="돋움" panose="020B0600000101010101" pitchFamily="50" charset="-127"/>
+              <a:latin typeface="HY견고딕" pitchFamily="18" charset="-127"/>
+              <a:ea typeface="HY견고딕" pitchFamily="18" charset="-127"/>
             </a:endParaRPr>
           </a:p>
           <a:p>
-            <a:endParaRPr lang="en-US" altLang="ko-KR" sz="1600" dirty="0" smtClean="0">
+            <a:pPr marL="285750" indent="-285750">
+              <a:buFontTx/>
+              <a:buChar char="-"/>
+            </a:pPr>
+            <a:endParaRPr lang="en-US" altLang="ko-KR" sz="1400" dirty="0" smtClean="0">
               <a:solidFill>
                 <a:schemeClr val="bg1">
                   <a:lumMod val="95000"/>
                 </a:schemeClr>
               </a:solidFill>
-              <a:latin typeface="돋움" panose="020B0600000101010101" pitchFamily="50" charset="-127"/>
-              <a:ea typeface="돋움" panose="020B0600000101010101" pitchFamily="50" charset="-127"/>
+              <a:latin typeface="HY견고딕" pitchFamily="18" charset="-127"/>
+              <a:ea typeface="HY견고딕" pitchFamily="18" charset="-127"/>
             </a:endParaRPr>
           </a:p>
           <a:p>
             <a:r>
-              <a:rPr lang="ko-KR" altLang="en-US" sz="1600" dirty="0" smtClean="0">
+              <a:rPr lang="en-US" altLang="ko-KR" sz="1400" dirty="0" smtClean="0">
                 <a:solidFill>
                   <a:schemeClr val="bg1">
                     <a:lumMod val="95000"/>
                   </a:schemeClr>
                 </a:solidFill>
-                <a:latin typeface="돋움" panose="020B0600000101010101" pitchFamily="50" charset="-127"/>
-                <a:ea typeface="돋움" panose="020B0600000101010101" pitchFamily="50" charset="-127"/>
-              </a:rPr>
-              <a:t>프로그램이 함께 표시됨</a:t>
-            </a:r>
-            <a:endParaRPr lang="ko-KR" altLang="en-US" sz="1600" dirty="0">
+                <a:latin typeface="HY견고딕" pitchFamily="18" charset="-127"/>
+                <a:ea typeface="HY견고딕" pitchFamily="18" charset="-127"/>
+              </a:rPr>
+              <a:t>- </a:t>
+            </a:r>
+            <a:r>
+              <a:rPr lang="ko-KR" altLang="en-US" sz="1400" dirty="0" smtClean="0">
+                <a:solidFill>
+                  <a:schemeClr val="bg1">
+                    <a:lumMod val="95000"/>
+                  </a:schemeClr>
+                </a:solidFill>
+                <a:latin typeface="HY견고딕" pitchFamily="18" charset="-127"/>
+                <a:ea typeface="HY견고딕" pitchFamily="18" charset="-127"/>
+              </a:rPr>
+              <a:t>실행중인 </a:t>
+            </a:r>
+            <a:r>
+              <a:rPr lang="ko-KR" altLang="en-US" sz="1400" dirty="0" smtClean="0">
+                <a:solidFill>
+                  <a:schemeClr val="bg1">
+                    <a:lumMod val="95000"/>
+                  </a:schemeClr>
+                </a:solidFill>
+                <a:latin typeface="HY견고딕" pitchFamily="18" charset="-127"/>
+                <a:ea typeface="HY견고딕" pitchFamily="18" charset="-127"/>
+              </a:rPr>
+              <a:t>프로그램이 </a:t>
+            </a:r>
+            <a:r>
+              <a:rPr lang="ko-KR" altLang="en-US" sz="1400" dirty="0" smtClean="0">
+                <a:solidFill>
+                  <a:schemeClr val="bg1">
+                    <a:lumMod val="95000"/>
+                  </a:schemeClr>
+                </a:solidFill>
+                <a:latin typeface="HY견고딕" pitchFamily="18" charset="-127"/>
+                <a:ea typeface="HY견고딕" pitchFamily="18" charset="-127"/>
+              </a:rPr>
+              <a:t>함께 표시됨</a:t>
+            </a:r>
+            <a:endParaRPr lang="ko-KR" altLang="en-US" sz="1400" dirty="0">
               <a:solidFill>
                 <a:schemeClr val="bg1">
                   <a:lumMod val="95000"/>
                 </a:schemeClr>
               </a:solidFill>
-              <a:latin typeface="돋움" panose="020B0600000101010101" pitchFamily="50" charset="-127"/>
-              <a:ea typeface="돋움" panose="020B0600000101010101" pitchFamily="50" charset="-127"/>
+              <a:latin typeface="HY견고딕" pitchFamily="18" charset="-127"/>
+              <a:ea typeface="HY견고딕" pitchFamily="18" charset="-127"/>
+            </a:endParaRPr>
+          </a:p>
+        </p:txBody>
+      </p:sp>
+      <p:sp>
+        <p:nvSpPr>
+          <p:cNvPr id="12" name="TextBox 11"/>
+          <p:cNvSpPr txBox="1"/>
+          <p:nvPr/>
+        </p:nvSpPr>
+        <p:spPr>
+          <a:xfrm>
+            <a:off x="2773813" y="1482553"/>
+            <a:ext cx="3686807" cy="307777"/>
+          </a:xfrm>
+          <a:prstGeom prst="rect">
+            <a:avLst/>
+          </a:prstGeom>
+          <a:noFill/>
+        </p:spPr>
+        <p:txBody>
+          <a:bodyPr wrap="square" rtlCol="0">
+            <a:spAutoFit/>
+          </a:bodyPr>
+          <a:lstStyle/>
+          <a:p>
+            <a:r>
+              <a:rPr lang="ko-KR" altLang="en-US" sz="1400" dirty="0" smtClean="0">
+                <a:solidFill>
+                  <a:schemeClr val="bg1">
+                    <a:lumMod val="95000"/>
+                  </a:schemeClr>
+                </a:solidFill>
+                <a:latin typeface="HY견고딕" pitchFamily="18" charset="-127"/>
+                <a:ea typeface="HY견고딕" pitchFamily="18" charset="-127"/>
+              </a:rPr>
+              <a:t>윈도우 </a:t>
+            </a:r>
+            <a:r>
+              <a:rPr lang="en-US" altLang="ko-KR" sz="1400" dirty="0" err="1" smtClean="0">
+                <a:solidFill>
+                  <a:schemeClr val="bg1">
+                    <a:lumMod val="95000"/>
+                  </a:schemeClr>
+                </a:solidFill>
+                <a:latin typeface="HY견고딕" pitchFamily="18" charset="-127"/>
+                <a:ea typeface="HY견고딕" pitchFamily="18" charset="-127"/>
+              </a:rPr>
+              <a:t>os</a:t>
+            </a:r>
+            <a:r>
+              <a:rPr lang="ko-KR" altLang="en-US" sz="1400" dirty="0" smtClean="0">
+                <a:solidFill>
+                  <a:schemeClr val="bg1">
+                    <a:lumMod val="95000"/>
+                  </a:schemeClr>
+                </a:solidFill>
+                <a:latin typeface="HY견고딕" pitchFamily="18" charset="-127"/>
+                <a:ea typeface="HY견고딕" pitchFamily="18" charset="-127"/>
+              </a:rPr>
+              <a:t>의 기본 기능을 최대한 반영함</a:t>
+            </a:r>
+            <a:endParaRPr lang="ko-KR" altLang="en-US" sz="1400" dirty="0">
+              <a:solidFill>
+                <a:schemeClr val="bg1">
+                  <a:lumMod val="95000"/>
+                </a:schemeClr>
+              </a:solidFill>
+              <a:latin typeface="HY견고딕" pitchFamily="18" charset="-127"/>
+              <a:ea typeface="HY견고딕" pitchFamily="18" charset="-127"/>
             </a:endParaRPr>
           </a:p>
         </p:txBody>
@@ -11878,7 +12119,7 @@
           <p:cNvPr id="8" name="텍스트 개체 틀 7">
             <a:extLst>
               <a:ext uri="{FF2B5EF4-FFF2-40B4-BE49-F238E27FC236}">
-                <a16:creationId xmlns:a16="http://schemas.microsoft.com/office/drawing/2014/main" id="{F941FAD0-2E99-4CAC-B16F-30C5DE050E43}"/>
+                <a16:creationId xmlns:a16="http://schemas.microsoft.com/office/drawing/2014/main" xmlns="" id="{F941FAD0-2E99-4CAC-B16F-30C5DE050E43}"/>
               </a:ext>
             </a:extLst>
           </p:cNvPr>
@@ -11913,7 +12154,7 @@
           <p:cNvPr id="9" name="텍스트 개체 틀 8">
             <a:extLst>
               <a:ext uri="{FF2B5EF4-FFF2-40B4-BE49-F238E27FC236}">
-                <a16:creationId xmlns:a16="http://schemas.microsoft.com/office/drawing/2014/main" id="{A07C0B61-375E-4330-850F-740158BE3674}"/>
+                <a16:creationId xmlns:a16="http://schemas.microsoft.com/office/drawing/2014/main" xmlns="" id="{A07C0B61-375E-4330-850F-740158BE3674}"/>
               </a:ext>
             </a:extLst>
           </p:cNvPr>
@@ -11946,7 +12187,7 @@
           <p:cNvPr id="7" name="텍스트 개체 틀 6">
             <a:extLst>
               <a:ext uri="{FF2B5EF4-FFF2-40B4-BE49-F238E27FC236}">
-                <a16:creationId xmlns:a16="http://schemas.microsoft.com/office/drawing/2014/main" id="{8E0EDBB3-D4FF-4E7B-A8D3-67AF82A4FCE9}"/>
+                <a16:creationId xmlns:a16="http://schemas.microsoft.com/office/drawing/2014/main" xmlns="" id="{8E0EDBB3-D4FF-4E7B-A8D3-67AF82A4FCE9}"/>
               </a:ext>
             </a:extLst>
           </p:cNvPr>
@@ -11988,8 +12229,8 @@
         </p:nvSpPr>
         <p:spPr>
           <a:xfrm>
-            <a:off x="4121422" y="2336999"/>
-            <a:ext cx="5158045" cy="1569660"/>
+            <a:off x="4719087" y="1472051"/>
+            <a:ext cx="5158045" cy="1415772"/>
           </a:xfrm>
           <a:prstGeom prst="rect">
             <a:avLst/>
@@ -12003,201 +12244,261 @@
           <a:lstStyle/>
           <a:p>
             <a:r>
-              <a:rPr lang="ko-KR" altLang="en-US" sz="1600" dirty="0" smtClean="0">
+              <a:rPr lang="en-US" altLang="ko-KR" sz="1400" dirty="0" smtClean="0">
                 <a:solidFill>
                   <a:schemeClr val="bg1">
                     <a:lumMod val="95000"/>
                   </a:schemeClr>
                 </a:solidFill>
-                <a:latin typeface="돋움" panose="020B0600000101010101" pitchFamily="50" charset="-127"/>
-                <a:ea typeface="돋움" panose="020B0600000101010101" pitchFamily="50" charset="-127"/>
-              </a:rPr>
-              <a:t>작업표시줄로 숨기기 </a:t>
-            </a:r>
-            <a:r>
-              <a:rPr lang="en-US" altLang="ko-KR" sz="1600" dirty="0" smtClean="0">
+                <a:latin typeface="HY견고딕" pitchFamily="18" charset="-127"/>
+                <a:ea typeface="HY견고딕" pitchFamily="18" charset="-127"/>
+              </a:rPr>
+              <a:t>- </a:t>
+            </a:r>
+            <a:r>
+              <a:rPr lang="ko-KR" altLang="en-US" sz="1400" dirty="0" smtClean="0">
                 <a:solidFill>
                   <a:schemeClr val="bg1">
                     <a:lumMod val="95000"/>
                   </a:schemeClr>
                 </a:solidFill>
-                <a:latin typeface="돋움" panose="020B0600000101010101" pitchFamily="50" charset="-127"/>
-                <a:ea typeface="돋움" panose="020B0600000101010101" pitchFamily="50" charset="-127"/>
+                <a:latin typeface="HY견고딕" pitchFamily="18" charset="-127"/>
+                <a:ea typeface="HY견고딕" pitchFamily="18" charset="-127"/>
+              </a:rPr>
+              <a:t>작업표시줄로 </a:t>
+            </a:r>
+            <a:r>
+              <a:rPr lang="ko-KR" altLang="en-US" sz="1400" dirty="0" smtClean="0">
+                <a:solidFill>
+                  <a:schemeClr val="bg1">
+                    <a:lumMod val="95000"/>
+                  </a:schemeClr>
+                </a:solidFill>
+                <a:latin typeface="HY견고딕" pitchFamily="18" charset="-127"/>
+                <a:ea typeface="HY견고딕" pitchFamily="18" charset="-127"/>
+              </a:rPr>
+              <a:t>숨기기 </a:t>
+            </a:r>
+            <a:r>
+              <a:rPr lang="en-US" altLang="ko-KR" sz="1400" dirty="0" smtClean="0">
+                <a:solidFill>
+                  <a:schemeClr val="bg1">
+                    <a:lumMod val="95000"/>
+                  </a:schemeClr>
+                </a:solidFill>
+                <a:latin typeface="HY견고딕" pitchFamily="18" charset="-127"/>
+                <a:ea typeface="HY견고딕" pitchFamily="18" charset="-127"/>
               </a:rPr>
               <a:t>/ </a:t>
             </a:r>
             <a:r>
-              <a:rPr lang="ko-KR" altLang="en-US" sz="1600" dirty="0" smtClean="0">
+              <a:rPr lang="ko-KR" altLang="en-US" sz="1400" dirty="0" smtClean="0">
                 <a:solidFill>
                   <a:schemeClr val="bg1">
                     <a:lumMod val="95000"/>
                   </a:schemeClr>
                 </a:solidFill>
-                <a:latin typeface="돋움" panose="020B0600000101010101" pitchFamily="50" charset="-127"/>
-                <a:ea typeface="돋움" panose="020B0600000101010101" pitchFamily="50" charset="-127"/>
+                <a:latin typeface="HY견고딕" pitchFamily="18" charset="-127"/>
+                <a:ea typeface="HY견고딕" pitchFamily="18" charset="-127"/>
               </a:rPr>
               <a:t>최소화 최대화 </a:t>
             </a:r>
             <a:r>
-              <a:rPr lang="en-US" altLang="ko-KR" sz="1600" dirty="0" smtClean="0">
+              <a:rPr lang="en-US" altLang="ko-KR" sz="1400" dirty="0" smtClean="0">
                 <a:solidFill>
                   <a:schemeClr val="bg1">
                     <a:lumMod val="95000"/>
                   </a:schemeClr>
                 </a:solidFill>
-                <a:latin typeface="돋움" panose="020B0600000101010101" pitchFamily="50" charset="-127"/>
-                <a:ea typeface="돋움" panose="020B0600000101010101" pitchFamily="50" charset="-127"/>
+                <a:latin typeface="HY견고딕" pitchFamily="18" charset="-127"/>
+                <a:ea typeface="HY견고딕" pitchFamily="18" charset="-127"/>
               </a:rPr>
               <a:t>/ </a:t>
             </a:r>
             <a:r>
-              <a:rPr lang="ko-KR" altLang="en-US" sz="1600" dirty="0" smtClean="0">
+              <a:rPr lang="ko-KR" altLang="en-US" sz="1400" dirty="0" smtClean="0">
                 <a:solidFill>
                   <a:schemeClr val="bg1">
                     <a:lumMod val="95000"/>
                   </a:schemeClr>
                 </a:solidFill>
-                <a:latin typeface="돋움" panose="020B0600000101010101" pitchFamily="50" charset="-127"/>
-                <a:ea typeface="돋움" panose="020B0600000101010101" pitchFamily="50" charset="-127"/>
+                <a:latin typeface="HY견고딕" pitchFamily="18" charset="-127"/>
+                <a:ea typeface="HY견고딕" pitchFamily="18" charset="-127"/>
               </a:rPr>
               <a:t>종료하기</a:t>
             </a:r>
-            <a:endParaRPr lang="en-US" altLang="ko-KR" sz="1600" dirty="0" smtClean="0">
+            <a:endParaRPr lang="en-US" altLang="ko-KR" sz="1400" dirty="0" smtClean="0">
               <a:solidFill>
                 <a:schemeClr val="bg1">
                   <a:lumMod val="95000"/>
                 </a:schemeClr>
               </a:solidFill>
-              <a:latin typeface="돋움" panose="020B0600000101010101" pitchFamily="50" charset="-127"/>
-              <a:ea typeface="돋움" panose="020B0600000101010101" pitchFamily="50" charset="-127"/>
+              <a:latin typeface="HY견고딕" pitchFamily="18" charset="-127"/>
+              <a:ea typeface="HY견고딕" pitchFamily="18" charset="-127"/>
             </a:endParaRPr>
           </a:p>
           <a:p>
-            <a:endParaRPr lang="en-US" altLang="ko-KR" sz="1600" dirty="0">
+            <a:endParaRPr lang="en-US" altLang="ko-KR" sz="1400" dirty="0">
               <a:solidFill>
                 <a:schemeClr val="bg1">
                   <a:lumMod val="95000"/>
                 </a:schemeClr>
               </a:solidFill>
-              <a:latin typeface="돋움" panose="020B0600000101010101" pitchFamily="50" charset="-127"/>
-              <a:ea typeface="돋움" panose="020B0600000101010101" pitchFamily="50" charset="-127"/>
+              <a:latin typeface="HY견고딕" pitchFamily="18" charset="-127"/>
+              <a:ea typeface="HY견고딕" pitchFamily="18" charset="-127"/>
             </a:endParaRPr>
           </a:p>
           <a:p>
             <a:r>
-              <a:rPr lang="ko-KR" altLang="en-US" sz="1600" dirty="0" err="1" smtClean="0">
+              <a:rPr lang="en-US" altLang="ko-KR" sz="1400" dirty="0" smtClean="0">
                 <a:solidFill>
                   <a:schemeClr val="bg1">
                     <a:lumMod val="95000"/>
                   </a:schemeClr>
                 </a:solidFill>
-                <a:latin typeface="돋움" panose="020B0600000101010101" pitchFamily="50" charset="-127"/>
-                <a:ea typeface="돋움" panose="020B0600000101010101" pitchFamily="50" charset="-127"/>
-              </a:rPr>
-              <a:t>해당기능</a:t>
-            </a:r>
-            <a:r>
-              <a:rPr lang="ko-KR" altLang="en-US" sz="1600" dirty="0" smtClean="0">
+                <a:latin typeface="HY견고딕" pitchFamily="18" charset="-127"/>
+                <a:ea typeface="HY견고딕" pitchFamily="18" charset="-127"/>
+              </a:rPr>
+              <a:t>- </a:t>
+            </a:r>
+            <a:r>
+              <a:rPr lang="ko-KR" altLang="en-US" sz="1400" dirty="0" smtClean="0">
                 <a:solidFill>
                   <a:schemeClr val="bg1">
                     <a:lumMod val="95000"/>
                   </a:schemeClr>
                 </a:solidFill>
-                <a:latin typeface="돋움" panose="020B0600000101010101" pitchFamily="50" charset="-127"/>
-                <a:ea typeface="돋움" panose="020B0600000101010101" pitchFamily="50" charset="-127"/>
-              </a:rPr>
-              <a:t> 구현</a:t>
-            </a:r>
-            <a:r>
-              <a:rPr lang="en-US" altLang="ko-KR" sz="1600" dirty="0" smtClean="0">
+                <a:latin typeface="HY견고딕" pitchFamily="18" charset="-127"/>
+                <a:ea typeface="HY견고딕" pitchFamily="18" charset="-127"/>
+              </a:rPr>
+              <a:t>기능 구현</a:t>
+            </a:r>
+            <a:r>
+              <a:rPr lang="en-US" altLang="ko-KR" sz="1400" dirty="0">
                 <a:solidFill>
                   <a:schemeClr val="bg1">
                     <a:lumMod val="95000"/>
                   </a:schemeClr>
                 </a:solidFill>
-                <a:latin typeface="돋움" panose="020B0600000101010101" pitchFamily="50" charset="-127"/>
-                <a:ea typeface="돋움" panose="020B0600000101010101" pitchFamily="50" charset="-127"/>
-              </a:rPr>
-              <a:t>// </a:t>
-            </a:r>
-            <a:r>
-              <a:rPr lang="ko-KR" altLang="en-US" sz="1600" dirty="0" smtClean="0">
+                <a:latin typeface="HY견고딕" pitchFamily="18" charset="-127"/>
+                <a:ea typeface="HY견고딕" pitchFamily="18" charset="-127"/>
+              </a:rPr>
+              <a:t> </a:t>
+            </a:r>
+            <a:r>
+              <a:rPr lang="en-US" altLang="ko-KR" sz="1400" dirty="0" smtClean="0">
                 <a:solidFill>
                   <a:schemeClr val="bg1">
                     <a:lumMod val="95000"/>
                   </a:schemeClr>
                 </a:solidFill>
-                <a:latin typeface="돋움" panose="020B0600000101010101" pitchFamily="50" charset="-127"/>
-                <a:ea typeface="돋움" panose="020B0600000101010101" pitchFamily="50" charset="-127"/>
+                <a:latin typeface="HY견고딕" pitchFamily="18" charset="-127"/>
+                <a:ea typeface="HY견고딕" pitchFamily="18" charset="-127"/>
+              </a:rPr>
+              <a:t> </a:t>
+            </a:r>
+            <a:r>
+              <a:rPr lang="ko-KR" altLang="en-US" sz="1400" dirty="0" smtClean="0">
+                <a:solidFill>
+                  <a:schemeClr val="bg1">
+                    <a:lumMod val="95000"/>
+                  </a:schemeClr>
+                </a:solidFill>
+                <a:latin typeface="HY견고딕" pitchFamily="18" charset="-127"/>
+                <a:ea typeface="HY견고딕" pitchFamily="18" charset="-127"/>
               </a:rPr>
               <a:t>최소 최대화가 </a:t>
             </a:r>
             <a:r>
-              <a:rPr lang="ko-KR" altLang="en-US" sz="1600" dirty="0" err="1" smtClean="0">
+              <a:rPr lang="ko-KR" altLang="en-US" sz="1400" dirty="0" err="1" smtClean="0">
                 <a:solidFill>
                   <a:schemeClr val="bg1">
                     <a:lumMod val="95000"/>
                   </a:schemeClr>
                 </a:solidFill>
-                <a:latin typeface="돋움" panose="020B0600000101010101" pitchFamily="50" charset="-127"/>
-                <a:ea typeface="돋움" panose="020B0600000101010101" pitchFamily="50" charset="-127"/>
+                <a:latin typeface="HY견고딕" pitchFamily="18" charset="-127"/>
+                <a:ea typeface="HY견고딕" pitchFamily="18" charset="-127"/>
               </a:rPr>
               <a:t>필요없는</a:t>
             </a:r>
             <a:r>
-              <a:rPr lang="ko-KR" altLang="en-US" sz="1600" dirty="0" smtClean="0">
+              <a:rPr lang="ko-KR" altLang="en-US" sz="1400" dirty="0" smtClean="0">
                 <a:solidFill>
                   <a:schemeClr val="bg1">
                     <a:lumMod val="95000"/>
                   </a:schemeClr>
                 </a:solidFill>
-                <a:latin typeface="돋움" panose="020B0600000101010101" pitchFamily="50" charset="-127"/>
-                <a:ea typeface="돋움" panose="020B0600000101010101" pitchFamily="50" charset="-127"/>
+                <a:latin typeface="HY견고딕" pitchFamily="18" charset="-127"/>
+                <a:ea typeface="HY견고딕" pitchFamily="18" charset="-127"/>
               </a:rPr>
               <a:t> </a:t>
             </a:r>
-            <a:endParaRPr lang="en-US" altLang="ko-KR" sz="1600" dirty="0" smtClean="0">
+            <a:endParaRPr lang="en-US" altLang="ko-KR" sz="1400" dirty="0" smtClean="0">
               <a:solidFill>
                 <a:schemeClr val="bg1">
                   <a:lumMod val="95000"/>
                 </a:schemeClr>
               </a:solidFill>
-              <a:latin typeface="돋움" panose="020B0600000101010101" pitchFamily="50" charset="-127"/>
-              <a:ea typeface="돋움" panose="020B0600000101010101" pitchFamily="50" charset="-127"/>
+              <a:latin typeface="HY견고딕" pitchFamily="18" charset="-127"/>
+              <a:ea typeface="HY견고딕" pitchFamily="18" charset="-127"/>
             </a:endParaRPr>
           </a:p>
           <a:p>
-            <a:endParaRPr lang="en-US" altLang="ko-KR" sz="1600" dirty="0">
+            <a:endParaRPr lang="en-US" altLang="ko-KR" sz="1400" dirty="0">
               <a:solidFill>
                 <a:schemeClr val="bg1">
                   <a:lumMod val="95000"/>
                 </a:schemeClr>
               </a:solidFill>
-              <a:latin typeface="돋움" panose="020B0600000101010101" pitchFamily="50" charset="-127"/>
-              <a:ea typeface="돋움" panose="020B0600000101010101" pitchFamily="50" charset="-127"/>
+              <a:latin typeface="HY견고딕" pitchFamily="18" charset="-127"/>
+              <a:ea typeface="HY견고딕" pitchFamily="18" charset="-127"/>
             </a:endParaRPr>
           </a:p>
           <a:p>
             <a:r>
-              <a:rPr lang="ko-KR" altLang="en-US" sz="1600" dirty="0" smtClean="0">
+              <a:rPr lang="en-US" altLang="ko-KR" sz="1400" dirty="0" smtClean="0">
                 <a:solidFill>
                   <a:schemeClr val="bg1">
                     <a:lumMod val="95000"/>
                   </a:schemeClr>
                 </a:solidFill>
-                <a:latin typeface="돋움" panose="020B0600000101010101" pitchFamily="50" charset="-127"/>
-                <a:ea typeface="돋움" panose="020B0600000101010101" pitchFamily="50" charset="-127"/>
-              </a:rPr>
-              <a:t>일부 앱은 동작하지 않도록 설정함</a:t>
-            </a:r>
-            <a:endParaRPr lang="en-US" altLang="ko-KR" sz="1600" dirty="0" smtClean="0">
+                <a:latin typeface="HY견고딕" pitchFamily="18" charset="-127"/>
+                <a:ea typeface="HY견고딕" pitchFamily="18" charset="-127"/>
+              </a:rPr>
+              <a:t>- </a:t>
+            </a:r>
+            <a:r>
+              <a:rPr lang="ko-KR" altLang="en-US" sz="1400" dirty="0" smtClean="0">
+                <a:solidFill>
+                  <a:schemeClr val="bg1">
+                    <a:lumMod val="95000"/>
+                  </a:schemeClr>
+                </a:solidFill>
+                <a:latin typeface="HY견고딕" pitchFamily="18" charset="-127"/>
+                <a:ea typeface="HY견고딕" pitchFamily="18" charset="-127"/>
+              </a:rPr>
+              <a:t>일부 </a:t>
+            </a:r>
+            <a:r>
+              <a:rPr lang="ko-KR" altLang="en-US" sz="1400" dirty="0" smtClean="0">
+                <a:solidFill>
+                  <a:schemeClr val="bg1">
+                    <a:lumMod val="95000"/>
+                  </a:schemeClr>
+                </a:solidFill>
+                <a:latin typeface="HY견고딕" pitchFamily="18" charset="-127"/>
+                <a:ea typeface="HY견고딕" pitchFamily="18" charset="-127"/>
+              </a:rPr>
+              <a:t>앱은 동작하지 않도록 설정함</a:t>
+            </a:r>
+            <a:endParaRPr lang="en-US" altLang="ko-KR" sz="1400" dirty="0" smtClean="0">
               <a:solidFill>
                 <a:schemeClr val="bg1">
                   <a:lumMod val="95000"/>
                 </a:schemeClr>
               </a:solidFill>
-              <a:latin typeface="돋움" panose="020B0600000101010101" pitchFamily="50" charset="-127"/>
-              <a:ea typeface="돋움" panose="020B0600000101010101" pitchFamily="50" charset="-127"/>
+              <a:latin typeface="HY견고딕" pitchFamily="18" charset="-127"/>
+              <a:ea typeface="HY견고딕" pitchFamily="18" charset="-127"/>
             </a:endParaRPr>
           </a:p>
           <a:p>
@@ -12221,8 +12522,8 @@
         </p:nvSpPr>
         <p:spPr>
           <a:xfrm>
-            <a:off x="4187320" y="4558493"/>
-            <a:ext cx="4321047" cy="1323439"/>
+            <a:off x="355558" y="5267039"/>
+            <a:ext cx="4806102" cy="738664"/>
           </a:xfrm>
           <a:prstGeom prst="rect">
             <a:avLst/>
@@ -12236,117 +12537,119 @@
           <a:lstStyle/>
           <a:p>
             <a:r>
-              <a:rPr lang="ko-KR" altLang="en-US" sz="1600" dirty="0" smtClean="0">
+              <a:rPr lang="ko-KR" altLang="en-US" sz="1400" dirty="0" smtClean="0">
                 <a:solidFill>
                   <a:schemeClr val="bg1">
                     <a:lumMod val="95000"/>
                   </a:schemeClr>
                 </a:solidFill>
-                <a:latin typeface="돋움" panose="020B0600000101010101" pitchFamily="50" charset="-127"/>
-                <a:ea typeface="돋움" panose="020B0600000101010101" pitchFamily="50" charset="-127"/>
-              </a:rPr>
-              <a:t>작업표시줄에 숨기기 중에 </a:t>
-            </a:r>
-            <a:endParaRPr lang="en-US" altLang="ko-KR" sz="1600" dirty="0" smtClean="0">
+                <a:latin typeface="HY견고딕" pitchFamily="18" charset="-127"/>
+                <a:ea typeface="HY견고딕" pitchFamily="18" charset="-127"/>
+              </a:rPr>
+              <a:t>작업표시줄에 표시된 </a:t>
+            </a:r>
+            <a:endParaRPr lang="en-US" altLang="ko-KR" sz="1400" dirty="0" smtClean="0">
               <a:solidFill>
                 <a:schemeClr val="bg1">
                   <a:lumMod val="95000"/>
                 </a:schemeClr>
               </a:solidFill>
-              <a:latin typeface="돋움" panose="020B0600000101010101" pitchFamily="50" charset="-127"/>
-              <a:ea typeface="돋움" panose="020B0600000101010101" pitchFamily="50" charset="-127"/>
+              <a:latin typeface="HY견고딕" pitchFamily="18" charset="-127"/>
+              <a:ea typeface="HY견고딕" pitchFamily="18" charset="-127"/>
             </a:endParaRPr>
           </a:p>
           <a:p>
-            <a:endParaRPr lang="en-US" altLang="ko-KR" sz="1600" dirty="0">
+            <a:endParaRPr lang="en-US" altLang="ko-KR" sz="1400" dirty="0">
               <a:solidFill>
                 <a:schemeClr val="bg1">
                   <a:lumMod val="95000"/>
                 </a:schemeClr>
               </a:solidFill>
-              <a:latin typeface="돋움" panose="020B0600000101010101" pitchFamily="50" charset="-127"/>
-              <a:ea typeface="돋움" panose="020B0600000101010101" pitchFamily="50" charset="-127"/>
+              <a:latin typeface="HY견고딕" pitchFamily="18" charset="-127"/>
+              <a:ea typeface="HY견고딕" pitchFamily="18" charset="-127"/>
             </a:endParaRPr>
           </a:p>
           <a:p>
             <a:r>
-              <a:rPr lang="ko-KR" altLang="en-US" sz="1600" dirty="0" smtClean="0">
+              <a:rPr lang="ko-KR" altLang="en-US" sz="1400" dirty="0" smtClean="0">
                 <a:solidFill>
                   <a:schemeClr val="bg1">
                     <a:lumMod val="95000"/>
                   </a:schemeClr>
                 </a:solidFill>
-                <a:latin typeface="돋움" panose="020B0600000101010101" pitchFamily="50" charset="-127"/>
-                <a:ea typeface="돋움" panose="020B0600000101010101" pitchFamily="50" charset="-127"/>
-              </a:rPr>
-              <a:t>작업표시줄에 떠있는 프로그램을 </a:t>
-            </a:r>
-            <a:r>
-              <a:rPr lang="ko-KR" altLang="en-US" sz="1600" dirty="0" err="1" smtClean="0">
+                <a:latin typeface="HY견고딕" pitchFamily="18" charset="-127"/>
+                <a:ea typeface="HY견고딕" pitchFamily="18" charset="-127"/>
+              </a:rPr>
+              <a:t>프로그램을 </a:t>
+            </a:r>
+            <a:r>
+              <a:rPr lang="ko-KR" altLang="en-US" sz="1400" dirty="0" err="1" smtClean="0">
                 <a:solidFill>
                   <a:schemeClr val="bg1">
                     <a:lumMod val="95000"/>
                   </a:schemeClr>
                 </a:solidFill>
-                <a:latin typeface="돋움" panose="020B0600000101010101" pitchFamily="50" charset="-127"/>
-                <a:ea typeface="돋움" panose="020B0600000101010101" pitchFamily="50" charset="-127"/>
+                <a:latin typeface="HY견고딕" pitchFamily="18" charset="-127"/>
+                <a:ea typeface="HY견고딕" pitchFamily="18" charset="-127"/>
               </a:rPr>
               <a:t>클릭시</a:t>
             </a:r>
             <a:r>
-              <a:rPr lang="ko-KR" altLang="en-US" sz="1600" dirty="0" smtClean="0">
+              <a:rPr lang="ko-KR" altLang="en-US" sz="1400" dirty="0" smtClean="0">
                 <a:solidFill>
                   <a:schemeClr val="bg1">
                     <a:lumMod val="95000"/>
                   </a:schemeClr>
                 </a:solidFill>
-                <a:latin typeface="돋움" panose="020B0600000101010101" pitchFamily="50" charset="-127"/>
-                <a:ea typeface="돋움" panose="020B0600000101010101" pitchFamily="50" charset="-127"/>
-              </a:rPr>
-              <a:t> </a:t>
-            </a:r>
-            <a:endParaRPr lang="en-US" altLang="ko-KR" sz="1600" dirty="0" smtClean="0">
+                <a:latin typeface="HY견고딕" pitchFamily="18" charset="-127"/>
+                <a:ea typeface="HY견고딕" pitchFamily="18" charset="-127"/>
+              </a:rPr>
+              <a:t> 다시 </a:t>
+            </a:r>
+            <a:r>
+              <a:rPr lang="ko-KR" altLang="en-US" sz="1400" dirty="0" smtClean="0">
+                <a:solidFill>
+                  <a:schemeClr val="bg1">
+                    <a:lumMod val="95000"/>
+                  </a:schemeClr>
+                </a:solidFill>
+                <a:latin typeface="HY견고딕" pitchFamily="18" charset="-127"/>
+                <a:ea typeface="HY견고딕" pitchFamily="18" charset="-127"/>
+              </a:rPr>
+              <a:t>해당 화면이 </a:t>
+            </a:r>
+            <a:r>
+              <a:rPr lang="ko-KR" altLang="en-US" sz="1400" dirty="0" smtClean="0">
+                <a:solidFill>
+                  <a:schemeClr val="bg1">
+                    <a:lumMod val="95000"/>
+                  </a:schemeClr>
+                </a:solidFill>
+                <a:latin typeface="HY견고딕" pitchFamily="18" charset="-127"/>
+                <a:ea typeface="HY견고딕" pitchFamily="18" charset="-127"/>
+              </a:rPr>
+              <a:t>나타나도록 </a:t>
+            </a:r>
+            <a:r>
+              <a:rPr lang="ko-KR" altLang="en-US" sz="1400" dirty="0" smtClean="0">
+                <a:solidFill>
+                  <a:schemeClr val="bg1">
+                    <a:lumMod val="95000"/>
+                  </a:schemeClr>
+                </a:solidFill>
+                <a:latin typeface="HY견고딕" pitchFamily="18" charset="-127"/>
+                <a:ea typeface="HY견고딕" pitchFamily="18" charset="-127"/>
+              </a:rPr>
+              <a:t>구성</a:t>
+            </a:r>
+            <a:endParaRPr lang="ko-KR" altLang="en-US" sz="1400" dirty="0">
               <a:solidFill>
                 <a:schemeClr val="bg1">
                   <a:lumMod val="95000"/>
                 </a:schemeClr>
               </a:solidFill>
-              <a:latin typeface="돋움" panose="020B0600000101010101" pitchFamily="50" charset="-127"/>
-              <a:ea typeface="돋움" panose="020B0600000101010101" pitchFamily="50" charset="-127"/>
-            </a:endParaRPr>
-          </a:p>
-          <a:p>
-            <a:endParaRPr lang="en-US" altLang="ko-KR" sz="1600" dirty="0">
-              <a:solidFill>
-                <a:schemeClr val="bg1">
-                  <a:lumMod val="95000"/>
-                </a:schemeClr>
-              </a:solidFill>
-              <a:latin typeface="돋움" panose="020B0600000101010101" pitchFamily="50" charset="-127"/>
-              <a:ea typeface="돋움" panose="020B0600000101010101" pitchFamily="50" charset="-127"/>
-            </a:endParaRPr>
-          </a:p>
-          <a:p>
-            <a:r>
-              <a:rPr lang="ko-KR" altLang="en-US" sz="1600" dirty="0" smtClean="0">
-                <a:solidFill>
-                  <a:schemeClr val="bg1">
-                    <a:lumMod val="95000"/>
-                  </a:schemeClr>
-                </a:solidFill>
-                <a:latin typeface="돋움" panose="020B0600000101010101" pitchFamily="50" charset="-127"/>
-                <a:ea typeface="돋움" panose="020B0600000101010101" pitchFamily="50" charset="-127"/>
-              </a:rPr>
-              <a:t>다시 해당 화면이 표시되도록 구성</a:t>
-            </a:r>
-            <a:endParaRPr lang="ko-KR" altLang="en-US" sz="1600" dirty="0">
-              <a:solidFill>
-                <a:schemeClr val="bg1">
-                  <a:lumMod val="95000"/>
-                </a:schemeClr>
-              </a:solidFill>
-              <a:latin typeface="돋움" panose="020B0600000101010101" pitchFamily="50" charset="-127"/>
-              <a:ea typeface="돋움" panose="020B0600000101010101" pitchFamily="50" charset="-127"/>
+              <a:latin typeface="HY견고딕" pitchFamily="18" charset="-127"/>
+              <a:ea typeface="HY견고딕" pitchFamily="18" charset="-127"/>
             </a:endParaRPr>
           </a:p>
         </p:txBody>
@@ -12373,8 +12676,8 @@
         </p:blipFill>
         <p:spPr>
           <a:xfrm>
-            <a:off x="426320" y="1492714"/>
-            <a:ext cx="3277770" cy="2021292"/>
+            <a:off x="4847273" y="2887823"/>
+            <a:ext cx="1264776" cy="779945"/>
           </a:xfrm>
           <a:prstGeom prst="rect">
             <a:avLst/>
@@ -12403,14 +12706,57 @@
         </p:blipFill>
         <p:spPr>
           <a:xfrm>
-            <a:off x="426320" y="3747912"/>
-            <a:ext cx="3277770" cy="2677060"/>
+            <a:off x="238312" y="1472051"/>
+            <a:ext cx="4325142" cy="3794988"/>
           </a:xfrm>
           <a:prstGeom prst="rect">
             <a:avLst/>
           </a:prstGeom>
         </p:spPr>
       </p:pic>
+      <p:sp>
+        <p:nvSpPr>
+          <p:cNvPr id="3" name="직사각형 2"/>
+          <p:cNvSpPr/>
+          <p:nvPr/>
+        </p:nvSpPr>
+        <p:spPr>
+          <a:xfrm>
+            <a:off x="1418602" y="1472051"/>
+            <a:ext cx="1880075" cy="194379"/>
+          </a:xfrm>
+          <a:prstGeom prst="rect">
+            <a:avLst/>
+          </a:prstGeom>
+          <a:solidFill>
+            <a:srgbClr val="00FF99"/>
+          </a:solidFill>
+        </p:spPr>
+        <p:style>
+          <a:lnRef idx="2">
+            <a:schemeClr val="accent1">
+              <a:shade val="50000"/>
+            </a:schemeClr>
+          </a:lnRef>
+          <a:fillRef idx="1">
+            <a:schemeClr val="accent1"/>
+          </a:fillRef>
+          <a:effectRef idx="0">
+            <a:schemeClr val="accent1"/>
+          </a:effectRef>
+          <a:fontRef idx="minor">
+            <a:schemeClr val="lt1"/>
+          </a:fontRef>
+        </p:style>
+        <p:txBody>
+          <a:bodyPr rtlCol="0" anchor="ctr"/>
+          <a:lstStyle/>
+          <a:p>
+            <a:pPr algn="ctr"/>
+            <a:endParaRPr lang="ko-KR" altLang="en-US"/>
+          </a:p>
+        </p:txBody>
+      </p:sp>
     </p:spTree>
     <p:extLst>
       <p:ext uri="{BB962C8B-B14F-4D97-AF65-F5344CB8AC3E}">
@@ -12453,7 +12799,7 @@
           <p:cNvPr id="8" name="텍스트 개체 틀 7">
             <a:extLst>
               <a:ext uri="{FF2B5EF4-FFF2-40B4-BE49-F238E27FC236}">
-                <a16:creationId xmlns:a16="http://schemas.microsoft.com/office/drawing/2014/main" id="{F941FAD0-2E99-4CAC-B16F-30C5DE050E43}"/>
+                <a16:creationId xmlns:a16="http://schemas.microsoft.com/office/drawing/2014/main" xmlns="" id="{F941FAD0-2E99-4CAC-B16F-30C5DE050E43}"/>
               </a:ext>
             </a:extLst>
           </p:cNvPr>
@@ -12488,7 +12834,7 @@
           <p:cNvPr id="9" name="텍스트 개체 틀 8">
             <a:extLst>
               <a:ext uri="{FF2B5EF4-FFF2-40B4-BE49-F238E27FC236}">
-                <a16:creationId xmlns:a16="http://schemas.microsoft.com/office/drawing/2014/main" id="{A07C0B61-375E-4330-850F-740158BE3674}"/>
+                <a16:creationId xmlns:a16="http://schemas.microsoft.com/office/drawing/2014/main" xmlns="" id="{A07C0B61-375E-4330-850F-740158BE3674}"/>
               </a:ext>
             </a:extLst>
           </p:cNvPr>
@@ -12521,7 +12867,7 @@
           <p:cNvPr id="7" name="텍스트 개체 틀 6">
             <a:extLst>
               <a:ext uri="{FF2B5EF4-FFF2-40B4-BE49-F238E27FC236}">
-                <a16:creationId xmlns:a16="http://schemas.microsoft.com/office/drawing/2014/main" id="{8E0EDBB3-D4FF-4E7B-A8D3-67AF82A4FCE9}"/>
+                <a16:creationId xmlns:a16="http://schemas.microsoft.com/office/drawing/2014/main" xmlns="" id="{8E0EDBB3-D4FF-4E7B-A8D3-67AF82A4FCE9}"/>
               </a:ext>
             </a:extLst>
           </p:cNvPr>
@@ -12563,8 +12909,8 @@
         </p:nvSpPr>
         <p:spPr>
           <a:xfrm>
-            <a:off x="2635955" y="4597665"/>
-            <a:ext cx="4321047" cy="1323439"/>
+            <a:off x="2471799" y="5054347"/>
+            <a:ext cx="4259668" cy="738664"/>
           </a:xfrm>
           <a:prstGeom prst="rect">
             <a:avLst/>
@@ -12577,190 +12923,92 @@
           </a:bodyPr>
           <a:lstStyle/>
           <a:p>
-            <a:r>
-              <a:rPr lang="ko-KR" altLang="en-US" sz="1600" dirty="0" smtClean="0">
+            <a:pPr marL="285750" indent="-285750">
+              <a:buFontTx/>
+              <a:buChar char="-"/>
+            </a:pPr>
+            <a:r>
+              <a:rPr lang="ko-KR" altLang="en-US" sz="1400" dirty="0" smtClean="0">
                 <a:solidFill>
                   <a:schemeClr val="bg1">
                     <a:lumMod val="95000"/>
                   </a:schemeClr>
                 </a:solidFill>
-                <a:latin typeface="돋움" panose="020B0600000101010101" pitchFamily="50" charset="-127"/>
-                <a:ea typeface="돋움" panose="020B0600000101010101" pitchFamily="50" charset="-127"/>
-              </a:rPr>
-              <a:t>띄워진 </a:t>
-            </a:r>
-            <a:r>
-              <a:rPr lang="ko-KR" altLang="en-US" sz="1600" dirty="0" err="1" smtClean="0">
-                <a:solidFill>
-                  <a:schemeClr val="bg1">
-                    <a:lumMod val="95000"/>
-                  </a:schemeClr>
-                </a:solidFill>
-                <a:latin typeface="돋움" panose="020B0600000101010101" pitchFamily="50" charset="-127"/>
-                <a:ea typeface="돋움" panose="020B0600000101010101" pitchFamily="50" charset="-127"/>
-              </a:rPr>
-              <a:t>페이지별로</a:t>
-            </a:r>
-            <a:r>
-              <a:rPr lang="ko-KR" altLang="en-US" sz="1600" dirty="0" smtClean="0">
-                <a:solidFill>
-                  <a:schemeClr val="bg1">
-                    <a:lumMod val="95000"/>
-                  </a:schemeClr>
-                </a:solidFill>
-                <a:latin typeface="돋움" panose="020B0600000101010101" pitchFamily="50" charset="-127"/>
-                <a:ea typeface="돋움" panose="020B0600000101010101" pitchFamily="50" charset="-127"/>
-              </a:rPr>
-              <a:t> </a:t>
-            </a:r>
-            <a:r>
-              <a:rPr lang="en-US" altLang="ko-KR" sz="1600" dirty="0" smtClean="0">
-                <a:solidFill>
-                  <a:schemeClr val="bg1">
-                    <a:lumMod val="95000"/>
-                  </a:schemeClr>
-                </a:solidFill>
-                <a:latin typeface="돋움" panose="020B0600000101010101" pitchFamily="50" charset="-127"/>
-                <a:ea typeface="돋움" panose="020B0600000101010101" pitchFamily="50" charset="-127"/>
-              </a:rPr>
-              <a:t>z-index</a:t>
-            </a:r>
-            <a:r>
-              <a:rPr lang="ko-KR" altLang="en-US" sz="1600" dirty="0" smtClean="0">
-                <a:solidFill>
-                  <a:schemeClr val="bg1">
-                    <a:lumMod val="95000"/>
-                  </a:schemeClr>
-                </a:solidFill>
-                <a:latin typeface="돋움" panose="020B0600000101010101" pitchFamily="50" charset="-127"/>
-                <a:ea typeface="돋움" panose="020B0600000101010101" pitchFamily="50" charset="-127"/>
-              </a:rPr>
-              <a:t>를 사용하여</a:t>
-            </a:r>
-            <a:endParaRPr lang="en-US" altLang="ko-KR" sz="1600" dirty="0" smtClean="0">
+                <a:latin typeface="HY견고딕" pitchFamily="18" charset="-127"/>
+                <a:ea typeface="HY견고딕" pitchFamily="18" charset="-127"/>
+              </a:rPr>
+              <a:t>윈도우 창의 우선순위를 마우스 클릭할 때마다</a:t>
+            </a:r>
+            <a:endParaRPr lang="en-US" altLang="ko-KR" sz="1400" dirty="0" smtClean="0">
               <a:solidFill>
                 <a:schemeClr val="bg1">
                   <a:lumMod val="95000"/>
                 </a:schemeClr>
               </a:solidFill>
-              <a:latin typeface="돋움" panose="020B0600000101010101" pitchFamily="50" charset="-127"/>
-              <a:ea typeface="돋움" panose="020B0600000101010101" pitchFamily="50" charset="-127"/>
+              <a:latin typeface="HY견고딕" pitchFamily="18" charset="-127"/>
+              <a:ea typeface="HY견고딕" pitchFamily="18" charset="-127"/>
             </a:endParaRPr>
           </a:p>
           <a:p>
-            <a:endParaRPr lang="en-US" altLang="ko-KR" sz="1600" dirty="0" smtClean="0">
+            <a:r>
+              <a:rPr lang="ko-KR" altLang="en-US" sz="1400" dirty="0" smtClean="0">
+                <a:solidFill>
+                  <a:schemeClr val="bg1">
+                    <a:lumMod val="95000"/>
+                  </a:schemeClr>
+                </a:solidFill>
+                <a:latin typeface="HY견고딕" pitchFamily="18" charset="-127"/>
+                <a:ea typeface="HY견고딕" pitchFamily="18" charset="-127"/>
+              </a:rPr>
+              <a:t> </a:t>
+            </a:r>
+            <a:endParaRPr lang="en-US" altLang="ko-KR" sz="1400" dirty="0" smtClean="0">
               <a:solidFill>
                 <a:schemeClr val="bg1">
                   <a:lumMod val="95000"/>
                 </a:schemeClr>
               </a:solidFill>
-              <a:latin typeface="돋움" panose="020B0600000101010101" pitchFamily="50" charset="-127"/>
-              <a:ea typeface="돋움" panose="020B0600000101010101" pitchFamily="50" charset="-127"/>
+              <a:latin typeface="HY견고딕" pitchFamily="18" charset="-127"/>
+              <a:ea typeface="HY견고딕" pitchFamily="18" charset="-127"/>
             </a:endParaRPr>
           </a:p>
           <a:p>
-            <a:r>
-              <a:rPr lang="ko-KR" altLang="en-US" sz="1600" dirty="0" smtClean="0">
+            <a:pPr marL="285750" indent="-285750">
+              <a:buFontTx/>
+              <a:buChar char="-"/>
+            </a:pPr>
+            <a:r>
+              <a:rPr lang="en-US" altLang="ko-KR" sz="1400" dirty="0" smtClean="0">
                 <a:solidFill>
                   <a:schemeClr val="bg1">
                     <a:lumMod val="95000"/>
                   </a:schemeClr>
                 </a:solidFill>
-                <a:latin typeface="돋움" panose="020B0600000101010101" pitchFamily="50" charset="-127"/>
-                <a:ea typeface="돋움" panose="020B0600000101010101" pitchFamily="50" charset="-127"/>
-              </a:rPr>
-              <a:t>여러 번 </a:t>
-            </a:r>
-            <a:r>
-              <a:rPr lang="ko-KR" altLang="en-US" sz="1600" dirty="0" err="1" smtClean="0">
+                <a:latin typeface="HY견고딕" pitchFamily="18" charset="-127"/>
+                <a:ea typeface="HY견고딕" pitchFamily="18" charset="-127"/>
+              </a:rPr>
+              <a:t>z-index</a:t>
+            </a:r>
+            <a:r>
+              <a:rPr lang="ko-KR" altLang="en-US" sz="1400" dirty="0" smtClean="0">
                 <a:solidFill>
                   <a:schemeClr val="bg1">
                     <a:lumMod val="95000"/>
                   </a:schemeClr>
                 </a:solidFill>
-                <a:latin typeface="돋움" panose="020B0600000101010101" pitchFamily="50" charset="-127"/>
-                <a:ea typeface="돋움" panose="020B0600000101010101" pitchFamily="50" charset="-127"/>
-              </a:rPr>
-              <a:t>클릭시</a:t>
-            </a:r>
-            <a:r>
-              <a:rPr lang="ko-KR" altLang="en-US" sz="1600" dirty="0" smtClean="0">
-                <a:solidFill>
-                  <a:schemeClr val="bg1">
-                    <a:lumMod val="95000"/>
-                  </a:schemeClr>
-                </a:solidFill>
-                <a:latin typeface="돋움" panose="020B0600000101010101" pitchFamily="50" charset="-127"/>
-                <a:ea typeface="돋움" panose="020B0600000101010101" pitchFamily="50" charset="-127"/>
-              </a:rPr>
-              <a:t> 원하는 창이 </a:t>
-            </a:r>
-            <a:r>
-              <a:rPr lang="ko-KR" altLang="en-US" sz="1600" dirty="0" err="1" smtClean="0">
-                <a:solidFill>
-                  <a:schemeClr val="bg1">
-                    <a:lumMod val="95000"/>
-                  </a:schemeClr>
-                </a:solidFill>
-                <a:latin typeface="돋움" panose="020B0600000101010101" pitchFamily="50" charset="-127"/>
-                <a:ea typeface="돋움" panose="020B0600000101010101" pitchFamily="50" charset="-127"/>
-              </a:rPr>
-              <a:t>최상단으로</a:t>
-            </a:r>
-            <a:endParaRPr lang="en-US" altLang="ko-KR" sz="1600" dirty="0" smtClean="0">
+                <a:latin typeface="HY견고딕" pitchFamily="18" charset="-127"/>
+                <a:ea typeface="HY견고딕" pitchFamily="18" charset="-127"/>
+              </a:rPr>
+              <a:t>를 조절하여 처리함</a:t>
+            </a:r>
+            <a:endParaRPr lang="ko-KR" altLang="en-US" sz="1400" dirty="0">
               <a:solidFill>
                 <a:schemeClr val="bg1">
                   <a:lumMod val="95000"/>
                 </a:schemeClr>
               </a:solidFill>
-              <a:latin typeface="돋움" panose="020B0600000101010101" pitchFamily="50" charset="-127"/>
-              <a:ea typeface="돋움" panose="020B0600000101010101" pitchFamily="50" charset="-127"/>
-            </a:endParaRPr>
-          </a:p>
-          <a:p>
-            <a:r>
-              <a:rPr lang="ko-KR" altLang="en-US" sz="1600" dirty="0" smtClean="0">
-                <a:solidFill>
-                  <a:schemeClr val="bg1">
-                    <a:lumMod val="95000"/>
-                  </a:schemeClr>
-                </a:solidFill>
-                <a:latin typeface="돋움" panose="020B0600000101010101" pitchFamily="50" charset="-127"/>
-                <a:ea typeface="돋움" panose="020B0600000101010101" pitchFamily="50" charset="-127"/>
-              </a:rPr>
-              <a:t> </a:t>
-            </a:r>
-            <a:endParaRPr lang="en-US" altLang="ko-KR" sz="1600" dirty="0" smtClean="0">
-              <a:solidFill>
-                <a:schemeClr val="bg1">
-                  <a:lumMod val="95000"/>
-                </a:schemeClr>
-              </a:solidFill>
-              <a:latin typeface="돋움" panose="020B0600000101010101" pitchFamily="50" charset="-127"/>
-              <a:ea typeface="돋움" panose="020B0600000101010101" pitchFamily="50" charset="-127"/>
-            </a:endParaRPr>
-          </a:p>
-          <a:p>
-            <a:r>
-              <a:rPr lang="ko-KR" altLang="en-US" sz="1600" dirty="0" smtClean="0">
-                <a:solidFill>
-                  <a:schemeClr val="bg1">
-                    <a:lumMod val="95000"/>
-                  </a:schemeClr>
-                </a:solidFill>
-                <a:latin typeface="돋움" panose="020B0600000101010101" pitchFamily="50" charset="-127"/>
-                <a:ea typeface="돋움" panose="020B0600000101010101" pitchFamily="50" charset="-127"/>
-              </a:rPr>
-              <a:t>위치하도록 지정함 </a:t>
-            </a:r>
-            <a:endParaRPr lang="ko-KR" altLang="en-US" sz="1600" dirty="0">
-              <a:solidFill>
-                <a:schemeClr val="bg1">
-                  <a:lumMod val="95000"/>
-                </a:schemeClr>
-              </a:solidFill>
-              <a:latin typeface="돋움" panose="020B0600000101010101" pitchFamily="50" charset="-127"/>
-              <a:ea typeface="돋움" panose="020B0600000101010101" pitchFamily="50" charset="-127"/>
+              <a:latin typeface="HY견고딕" pitchFamily="18" charset="-127"/>
+              <a:ea typeface="HY견고딕" pitchFamily="18" charset="-127"/>
             </a:endParaRPr>
           </a:p>
         </p:txBody>
@@ -12787,7 +13035,7 @@
         </p:blipFill>
         <p:spPr>
           <a:xfrm>
-            <a:off x="1417213" y="1399822"/>
+            <a:off x="1417213" y="2080666"/>
             <a:ext cx="6112466" cy="2833194"/>
           </a:xfrm>
           <a:prstGeom prst="rect">
@@ -12795,6 +13043,76 @@
           </a:prstGeom>
         </p:spPr>
       </p:pic>
+      <p:sp>
+        <p:nvSpPr>
+          <p:cNvPr id="10" name="TextBox 9"/>
+          <p:cNvSpPr txBox="1"/>
+          <p:nvPr/>
+        </p:nvSpPr>
+        <p:spPr>
+          <a:xfrm>
+            <a:off x="2989256" y="1550265"/>
+            <a:ext cx="2968379" cy="307777"/>
+          </a:xfrm>
+          <a:prstGeom prst="rect">
+            <a:avLst/>
+          </a:prstGeom>
+          <a:noFill/>
+        </p:spPr>
+        <p:txBody>
+          <a:bodyPr wrap="square" rtlCol="0">
+            <a:spAutoFit/>
+          </a:bodyPr>
+          <a:lstStyle/>
+          <a:p>
+            <a:r>
+              <a:rPr lang="ko-KR" altLang="en-US" sz="1400" dirty="0" smtClean="0">
+                <a:solidFill>
+                  <a:schemeClr val="bg1">
+                    <a:lumMod val="95000"/>
+                  </a:schemeClr>
+                </a:solidFill>
+                <a:latin typeface="HY견고딕" pitchFamily="18" charset="-127"/>
+                <a:ea typeface="HY견고딕" pitchFamily="18" charset="-127"/>
+              </a:rPr>
+              <a:t>화면에 </a:t>
+            </a:r>
+            <a:r>
+              <a:rPr lang="ko-KR" altLang="en-US" sz="1400" dirty="0" err="1" smtClean="0">
+                <a:solidFill>
+                  <a:schemeClr val="bg1">
+                    <a:lumMod val="95000"/>
+                  </a:schemeClr>
+                </a:solidFill>
+                <a:latin typeface="HY견고딕" pitchFamily="18" charset="-127"/>
+                <a:ea typeface="HY견고딕" pitchFamily="18" charset="-127"/>
+              </a:rPr>
+              <a:t>오픈된</a:t>
+            </a:r>
+            <a:r>
+              <a:rPr lang="ko-KR" altLang="en-US" sz="1400" dirty="0" smtClean="0">
+                <a:solidFill>
+                  <a:schemeClr val="bg1">
+                    <a:lumMod val="95000"/>
+                  </a:schemeClr>
+                </a:solidFill>
+                <a:latin typeface="HY견고딕" pitchFamily="18" charset="-127"/>
+                <a:ea typeface="HY견고딕" pitchFamily="18" charset="-127"/>
+              </a:rPr>
+              <a:t> 페이지의 겹침 문제</a:t>
+            </a:r>
+            <a:endParaRPr lang="ko-KR" altLang="en-US" sz="1400" dirty="0">
+              <a:solidFill>
+                <a:schemeClr val="bg1">
+                  <a:lumMod val="95000"/>
+                </a:schemeClr>
+              </a:solidFill>
+              <a:latin typeface="HY견고딕" pitchFamily="18" charset="-127"/>
+              <a:ea typeface="HY견고딕" pitchFamily="18" charset="-127"/>
+            </a:endParaRPr>
+          </a:p>
+        </p:txBody>
+      </p:sp>
     </p:spTree>
     <p:extLst>
       <p:ext uri="{BB962C8B-B14F-4D97-AF65-F5344CB8AC3E}">
@@ -12837,7 +13155,7 @@
           <p:cNvPr id="8" name="텍스트 개체 틀 7">
             <a:extLst>
               <a:ext uri="{FF2B5EF4-FFF2-40B4-BE49-F238E27FC236}">
-                <a16:creationId xmlns:a16="http://schemas.microsoft.com/office/drawing/2014/main" id="{F941FAD0-2E99-4CAC-B16F-30C5DE050E43}"/>
+                <a16:creationId xmlns:a16="http://schemas.microsoft.com/office/drawing/2014/main" xmlns="" id="{F941FAD0-2E99-4CAC-B16F-30C5DE050E43}"/>
               </a:ext>
             </a:extLst>
           </p:cNvPr>
@@ -12872,7 +13190,7 @@
           <p:cNvPr id="9" name="텍스트 개체 틀 8">
             <a:extLst>
               <a:ext uri="{FF2B5EF4-FFF2-40B4-BE49-F238E27FC236}">
-                <a16:creationId xmlns:a16="http://schemas.microsoft.com/office/drawing/2014/main" id="{A07C0B61-375E-4330-850F-740158BE3674}"/>
+                <a16:creationId xmlns:a16="http://schemas.microsoft.com/office/drawing/2014/main" xmlns="" id="{A07C0B61-375E-4330-850F-740158BE3674}"/>
               </a:ext>
             </a:extLst>
           </p:cNvPr>
@@ -12905,7 +13223,7 @@
           <p:cNvPr id="7" name="텍스트 개체 틀 6">
             <a:extLst>
               <a:ext uri="{FF2B5EF4-FFF2-40B4-BE49-F238E27FC236}">
-                <a16:creationId xmlns:a16="http://schemas.microsoft.com/office/drawing/2014/main" id="{8E0EDBB3-D4FF-4E7B-A8D3-67AF82A4FCE9}"/>
+                <a16:creationId xmlns:a16="http://schemas.microsoft.com/office/drawing/2014/main" xmlns="" id="{8E0EDBB3-D4FF-4E7B-A8D3-67AF82A4FCE9}"/>
               </a:ext>
             </a:extLst>
           </p:cNvPr>
@@ -12948,7 +13266,7 @@
         <p:spPr>
           <a:xfrm>
             <a:off x="4890563" y="2543088"/>
-            <a:ext cx="4321047" cy="2062103"/>
+            <a:ext cx="4321047" cy="1846659"/>
           </a:xfrm>
           <a:prstGeom prst="rect">
             <a:avLst/>
@@ -12962,139 +13280,195 @@
           <a:lstStyle/>
           <a:p>
             <a:r>
-              <a:rPr lang="ko-KR" altLang="en-US" sz="1600" dirty="0" smtClean="0">
+              <a:rPr lang="en-US" altLang="ko-KR" sz="1400" dirty="0" smtClean="0">
                 <a:solidFill>
                   <a:schemeClr val="bg1">
                     <a:lumMod val="95000"/>
                   </a:schemeClr>
                 </a:solidFill>
-                <a:latin typeface="돋움" panose="020B0600000101010101" pitchFamily="50" charset="-127"/>
-                <a:ea typeface="돋움" panose="020B0600000101010101" pitchFamily="50" charset="-127"/>
-              </a:rPr>
-              <a:t>메모장은</a:t>
-            </a:r>
-            <a:endParaRPr lang="en-US" altLang="ko-KR" sz="1600" dirty="0" smtClean="0">
+                <a:latin typeface="HY견고딕" pitchFamily="18" charset="-127"/>
+                <a:ea typeface="HY견고딕" pitchFamily="18" charset="-127"/>
+              </a:rPr>
+              <a:t>- </a:t>
+            </a:r>
+            <a:r>
+              <a:rPr lang="ko-KR" altLang="en-US" sz="1400" dirty="0" smtClean="0">
+                <a:solidFill>
+                  <a:schemeClr val="bg1">
+                    <a:lumMod val="95000"/>
+                  </a:schemeClr>
+                </a:solidFill>
+                <a:latin typeface="HY견고딕" pitchFamily="18" charset="-127"/>
+                <a:ea typeface="HY견고딕" pitchFamily="18" charset="-127"/>
+              </a:rPr>
+              <a:t>윈도우 메모장 기능구현</a:t>
+            </a:r>
+            <a:endParaRPr lang="en-US" altLang="ko-KR" sz="1400" dirty="0" smtClean="0">
               <a:solidFill>
                 <a:schemeClr val="bg1">
                   <a:lumMod val="95000"/>
                 </a:schemeClr>
               </a:solidFill>
-              <a:latin typeface="돋움" panose="020B0600000101010101" pitchFamily="50" charset="-127"/>
-              <a:ea typeface="돋움" panose="020B0600000101010101" pitchFamily="50" charset="-127"/>
+              <a:latin typeface="HY견고딕" pitchFamily="18" charset="-127"/>
+              <a:ea typeface="HY견고딕" pitchFamily="18" charset="-127"/>
             </a:endParaRPr>
           </a:p>
           <a:p>
-            <a:endParaRPr lang="en-US" altLang="ko-KR" sz="1600" dirty="0">
+            <a:endParaRPr lang="en-US" altLang="ko-KR" sz="1400" dirty="0">
               <a:solidFill>
                 <a:schemeClr val="bg1">
                   <a:lumMod val="95000"/>
                 </a:schemeClr>
               </a:solidFill>
-              <a:latin typeface="돋움" panose="020B0600000101010101" pitchFamily="50" charset="-127"/>
-              <a:ea typeface="돋움" panose="020B0600000101010101" pitchFamily="50" charset="-127"/>
+              <a:latin typeface="HY견고딕" pitchFamily="18" charset="-127"/>
+              <a:ea typeface="HY견고딕" pitchFamily="18" charset="-127"/>
             </a:endParaRPr>
           </a:p>
           <a:p>
             <a:r>
-              <a:rPr lang="ko-KR" altLang="en-US" sz="1600" dirty="0" smtClean="0">
+              <a:rPr lang="en-US" altLang="ko-KR" sz="1400" dirty="0" smtClean="0">
                 <a:solidFill>
                   <a:schemeClr val="bg1">
                     <a:lumMod val="95000"/>
                   </a:schemeClr>
                 </a:solidFill>
-                <a:latin typeface="돋움" panose="020B0600000101010101" pitchFamily="50" charset="-127"/>
-                <a:ea typeface="돋움" panose="020B0600000101010101" pitchFamily="50" charset="-127"/>
-              </a:rPr>
-              <a:t>원하는 메모를 작성 후</a:t>
-            </a:r>
-            <a:endParaRPr lang="en-US" altLang="ko-KR" sz="1600" dirty="0" smtClean="0">
+                <a:latin typeface="HY견고딕" pitchFamily="18" charset="-127"/>
+                <a:ea typeface="HY견고딕" pitchFamily="18" charset="-127"/>
+              </a:rPr>
+              <a:t>-</a:t>
+            </a:r>
+            <a:r>
+              <a:rPr lang="ko-KR" altLang="en-US" sz="1400" dirty="0" smtClean="0">
+                <a:solidFill>
+                  <a:schemeClr val="bg1">
+                    <a:lumMod val="95000"/>
+                  </a:schemeClr>
+                </a:solidFill>
+                <a:latin typeface="HY견고딕" pitchFamily="18" charset="-127"/>
+                <a:ea typeface="HY견고딕" pitchFamily="18" charset="-127"/>
+              </a:rPr>
+              <a:t> 저장기능도 구현하였음</a:t>
+            </a:r>
+            <a:endParaRPr lang="en-US" altLang="ko-KR" sz="1400" dirty="0" smtClean="0">
               <a:solidFill>
                 <a:schemeClr val="bg1">
                   <a:lumMod val="95000"/>
                 </a:schemeClr>
               </a:solidFill>
-              <a:latin typeface="돋움" panose="020B0600000101010101" pitchFamily="50" charset="-127"/>
-              <a:ea typeface="돋움" panose="020B0600000101010101" pitchFamily="50" charset="-127"/>
+              <a:latin typeface="HY견고딕" pitchFamily="18" charset="-127"/>
+              <a:ea typeface="HY견고딕" pitchFamily="18" charset="-127"/>
             </a:endParaRPr>
           </a:p>
           <a:p>
-            <a:endParaRPr lang="en-US" altLang="ko-KR" sz="1600" dirty="0">
+            <a:pPr marL="285750" indent="-285750">
+              <a:buFontTx/>
+              <a:buChar char="-"/>
+            </a:pPr>
+            <a:endParaRPr lang="en-US" altLang="ko-KR" sz="1400" dirty="0">
               <a:solidFill>
                 <a:schemeClr val="bg1">
                   <a:lumMod val="95000"/>
                 </a:schemeClr>
               </a:solidFill>
-              <a:latin typeface="돋움" panose="020B0600000101010101" pitchFamily="50" charset="-127"/>
-              <a:ea typeface="돋움" panose="020B0600000101010101" pitchFamily="50" charset="-127"/>
+              <a:latin typeface="HY견고딕" pitchFamily="18" charset="-127"/>
+              <a:ea typeface="HY견고딕" pitchFamily="18" charset="-127"/>
             </a:endParaRPr>
           </a:p>
           <a:p>
             <a:r>
-              <a:rPr lang="ko-KR" altLang="en-US" sz="1600" dirty="0" smtClean="0">
+              <a:rPr lang="en-US" altLang="ko-KR" sz="1400" dirty="0" smtClean="0">
                 <a:solidFill>
                   <a:schemeClr val="bg1">
                     <a:lumMod val="95000"/>
                   </a:schemeClr>
                 </a:solidFill>
-                <a:latin typeface="돋움" panose="020B0600000101010101" pitchFamily="50" charset="-127"/>
-                <a:ea typeface="돋움" panose="020B0600000101010101" pitchFamily="50" charset="-127"/>
-              </a:rPr>
-              <a:t>저장이 가능하며</a:t>
-            </a:r>
-            <a:endParaRPr lang="en-US" altLang="ko-KR" sz="1600" dirty="0" smtClean="0">
+                <a:latin typeface="HY견고딕" pitchFamily="18" charset="-127"/>
+                <a:ea typeface="HY견고딕" pitchFamily="18" charset="-127"/>
+              </a:rPr>
+              <a:t>- </a:t>
+            </a:r>
+            <a:r>
+              <a:rPr lang="ko-KR" altLang="en-US" sz="1400" dirty="0" err="1" smtClean="0">
+                <a:solidFill>
+                  <a:schemeClr val="bg1">
+                    <a:lumMod val="95000"/>
+                  </a:schemeClr>
+                </a:solidFill>
+                <a:latin typeface="HY견고딕" pitchFamily="18" charset="-127"/>
+                <a:ea typeface="HY견고딕" pitchFamily="18" charset="-127"/>
+              </a:rPr>
+              <a:t>저장시</a:t>
+            </a:r>
+            <a:r>
+              <a:rPr lang="ko-KR" altLang="en-US" sz="1400" dirty="0" smtClean="0">
+                <a:solidFill>
+                  <a:schemeClr val="bg1">
+                    <a:lumMod val="95000"/>
+                  </a:schemeClr>
+                </a:solidFill>
+                <a:latin typeface="HY견고딕" pitchFamily="18" charset="-127"/>
+                <a:ea typeface="HY견고딕" pitchFamily="18" charset="-127"/>
+              </a:rPr>
+              <a:t> 바탕화면에 파일이 생성됨</a:t>
+            </a:r>
+            <a:endParaRPr lang="en-US" altLang="ko-KR" sz="1400" dirty="0" smtClean="0">
               <a:solidFill>
                 <a:schemeClr val="bg1">
                   <a:lumMod val="95000"/>
                 </a:schemeClr>
               </a:solidFill>
-              <a:latin typeface="돋움" panose="020B0600000101010101" pitchFamily="50" charset="-127"/>
-              <a:ea typeface="돋움" panose="020B0600000101010101" pitchFamily="50" charset="-127"/>
+              <a:latin typeface="HY견고딕" pitchFamily="18" charset="-127"/>
+              <a:ea typeface="HY견고딕" pitchFamily="18" charset="-127"/>
             </a:endParaRPr>
           </a:p>
           <a:p>
-            <a:endParaRPr lang="en-US" altLang="ko-KR" sz="1600" dirty="0">
+            <a:pPr marL="285750" indent="-285750">
+              <a:buFontTx/>
+              <a:buChar char="-"/>
+            </a:pPr>
+            <a:endParaRPr lang="en-US" altLang="ko-KR" sz="1400" dirty="0">
               <a:solidFill>
                 <a:schemeClr val="bg1">
                   <a:lumMod val="95000"/>
                 </a:schemeClr>
               </a:solidFill>
-              <a:latin typeface="돋움" panose="020B0600000101010101" pitchFamily="50" charset="-127"/>
-              <a:ea typeface="돋움" panose="020B0600000101010101" pitchFamily="50" charset="-127"/>
+              <a:latin typeface="HY견고딕" pitchFamily="18" charset="-127"/>
+              <a:ea typeface="HY견고딕" pitchFamily="18" charset="-127"/>
             </a:endParaRPr>
           </a:p>
           <a:p>
             <a:r>
-              <a:rPr lang="ko-KR" altLang="en-US" sz="1600" dirty="0" err="1" smtClean="0">
+              <a:rPr lang="en-US" altLang="ko-KR" sz="1400" dirty="0" smtClean="0">
                 <a:solidFill>
                   <a:schemeClr val="bg1">
                     <a:lumMod val="95000"/>
                   </a:schemeClr>
                 </a:solidFill>
-                <a:latin typeface="돋움" panose="020B0600000101010101" pitchFamily="50" charset="-127"/>
-                <a:ea typeface="돋움" panose="020B0600000101010101" pitchFamily="50" charset="-127"/>
-              </a:rPr>
-              <a:t>저장했을시</a:t>
-            </a:r>
-            <a:r>
-              <a:rPr lang="ko-KR" altLang="en-US" sz="1600" dirty="0" smtClean="0">
+                <a:latin typeface="HY견고딕" pitchFamily="18" charset="-127"/>
+                <a:ea typeface="HY견고딕" pitchFamily="18" charset="-127"/>
+              </a:rPr>
+              <a:t>- </a:t>
+            </a:r>
+            <a:r>
+              <a:rPr lang="ko-KR" altLang="en-US" sz="1400" dirty="0" smtClean="0">
                 <a:solidFill>
                   <a:schemeClr val="bg1">
                     <a:lumMod val="95000"/>
                   </a:schemeClr>
                 </a:solidFill>
-                <a:latin typeface="돋움" panose="020B0600000101010101" pitchFamily="50" charset="-127"/>
-                <a:ea typeface="돋움" panose="020B0600000101010101" pitchFamily="50" charset="-127"/>
-              </a:rPr>
-              <a:t> 파일이  바탕화면에 생성됨</a:t>
-            </a:r>
-            <a:endParaRPr lang="en-US" altLang="ko-KR" sz="1600" dirty="0" smtClean="0">
+                <a:latin typeface="HY견고딕" pitchFamily="18" charset="-127"/>
+                <a:ea typeface="HY견고딕" pitchFamily="18" charset="-127"/>
+              </a:rPr>
+              <a:t>생성된 파일 실행 가능</a:t>
+            </a:r>
+            <a:endParaRPr lang="en-US" altLang="ko-KR" sz="1400" dirty="0" smtClean="0">
               <a:solidFill>
                 <a:schemeClr val="bg1">
                   <a:lumMod val="95000"/>
                 </a:schemeClr>
               </a:solidFill>
-              <a:latin typeface="돋움" panose="020B0600000101010101" pitchFamily="50" charset="-127"/>
-              <a:ea typeface="돋움" panose="020B0600000101010101" pitchFamily="50" charset="-127"/>
+              <a:latin typeface="HY견고딕" pitchFamily="18" charset="-127"/>
+              <a:ea typeface="HY견고딕" pitchFamily="18" charset="-127"/>
             </a:endParaRPr>
           </a:p>
           <a:p>
@@ -13132,14 +13506,54 @@
         </p:blipFill>
         <p:spPr>
           <a:xfrm>
-            <a:off x="435143" y="2000077"/>
-            <a:ext cx="4211166" cy="3531946"/>
+            <a:off x="435142" y="2000077"/>
+            <a:ext cx="4376139" cy="3845246"/>
           </a:xfrm>
           <a:prstGeom prst="rect">
             <a:avLst/>
           </a:prstGeom>
         </p:spPr>
       </p:pic>
+      <p:sp>
+        <p:nvSpPr>
+          <p:cNvPr id="3" name="직사각형 2"/>
+          <p:cNvSpPr/>
+          <p:nvPr/>
+        </p:nvSpPr>
+        <p:spPr>
+          <a:xfrm>
+            <a:off x="1854437" y="2000077"/>
+            <a:ext cx="1726251" cy="213284"/>
+          </a:xfrm>
+          <a:prstGeom prst="rect">
+            <a:avLst/>
+          </a:prstGeom>
+        </p:spPr>
+        <p:style>
+          <a:lnRef idx="2">
+            <a:schemeClr val="accent1">
+              <a:shade val="50000"/>
+            </a:schemeClr>
+          </a:lnRef>
+          <a:fillRef idx="1">
+            <a:schemeClr val="accent1"/>
+          </a:fillRef>
+          <a:effectRef idx="0">
+            <a:schemeClr val="accent1"/>
+          </a:effectRef>
+          <a:fontRef idx="minor">
+            <a:schemeClr val="lt1"/>
+          </a:fontRef>
+        </p:style>
+        <p:txBody>
+          <a:bodyPr rtlCol="0" anchor="ctr"/>
+          <a:lstStyle/>
+          <a:p>
+            <a:pPr algn="ctr"/>
+            <a:endParaRPr lang="ko-KR" altLang="en-US"/>
+          </a:p>
+        </p:txBody>
+      </p:sp>
     </p:spTree>
     <p:extLst>
       <p:ext uri="{BB962C8B-B14F-4D97-AF65-F5344CB8AC3E}">
@@ -13182,7 +13596,7 @@
           <p:cNvPr id="8" name="텍스트 개체 틀 7">
             <a:extLst>
               <a:ext uri="{FF2B5EF4-FFF2-40B4-BE49-F238E27FC236}">
-                <a16:creationId xmlns:a16="http://schemas.microsoft.com/office/drawing/2014/main" id="{F941FAD0-2E99-4CAC-B16F-30C5DE050E43}"/>
+                <a16:creationId xmlns:a16="http://schemas.microsoft.com/office/drawing/2014/main" xmlns="" id="{F941FAD0-2E99-4CAC-B16F-30C5DE050E43}"/>
               </a:ext>
             </a:extLst>
           </p:cNvPr>
@@ -13217,7 +13631,7 @@
           <p:cNvPr id="9" name="텍스트 개체 틀 8">
             <a:extLst>
               <a:ext uri="{FF2B5EF4-FFF2-40B4-BE49-F238E27FC236}">
-                <a16:creationId xmlns:a16="http://schemas.microsoft.com/office/drawing/2014/main" id="{A07C0B61-375E-4330-850F-740158BE3674}"/>
+                <a16:creationId xmlns:a16="http://schemas.microsoft.com/office/drawing/2014/main" xmlns="" id="{A07C0B61-375E-4330-850F-740158BE3674}"/>
               </a:ext>
             </a:extLst>
           </p:cNvPr>
@@ -13250,7 +13664,7 @@
           <p:cNvPr id="7" name="텍스트 개체 틀 6">
             <a:extLst>
               <a:ext uri="{FF2B5EF4-FFF2-40B4-BE49-F238E27FC236}">
-                <a16:creationId xmlns:a16="http://schemas.microsoft.com/office/drawing/2014/main" id="{8E0EDBB3-D4FF-4E7B-A8D3-67AF82A4FCE9}"/>
+                <a16:creationId xmlns:a16="http://schemas.microsoft.com/office/drawing/2014/main" xmlns="" id="{8E0EDBB3-D4FF-4E7B-A8D3-67AF82A4FCE9}"/>
               </a:ext>
             </a:extLst>
           </p:cNvPr>
@@ -13293,7 +13707,7 @@
         <p:spPr>
           <a:xfrm>
             <a:off x="4439913" y="1898484"/>
-            <a:ext cx="4321047" cy="1323439"/>
+            <a:ext cx="4321047" cy="1169551"/>
           </a:xfrm>
           <a:prstGeom prst="rect">
             <a:avLst/>
@@ -13307,141 +13721,229 @@
           <a:lstStyle/>
           <a:p>
             <a:r>
-              <a:rPr lang="ko-KR" altLang="en-US" sz="1600" dirty="0" smtClean="0">
+              <a:rPr lang="en-US" altLang="ko-KR" sz="1400" dirty="0" smtClean="0">
                 <a:solidFill>
                   <a:schemeClr val="bg1">
                     <a:lumMod val="95000"/>
                   </a:schemeClr>
                 </a:solidFill>
-                <a:latin typeface="돋움" panose="020B0600000101010101" pitchFamily="50" charset="-127"/>
-                <a:ea typeface="돋움" panose="020B0600000101010101" pitchFamily="50" charset="-127"/>
-              </a:rPr>
-              <a:t>드래그 앤 </a:t>
-            </a:r>
-            <a:r>
-              <a:rPr lang="ko-KR" altLang="en-US" sz="1600" dirty="0" err="1" smtClean="0">
+                <a:latin typeface="HY견고딕" pitchFamily="18" charset="-127"/>
+                <a:ea typeface="HY견고딕" pitchFamily="18" charset="-127"/>
+              </a:rPr>
+              <a:t>- </a:t>
+            </a:r>
+            <a:r>
+              <a:rPr lang="ko-KR" altLang="en-US" sz="1400" dirty="0" smtClean="0">
                 <a:solidFill>
                   <a:schemeClr val="bg1">
                     <a:lumMod val="95000"/>
                   </a:schemeClr>
                 </a:solidFill>
-                <a:latin typeface="돋움" panose="020B0600000101010101" pitchFamily="50" charset="-127"/>
-                <a:ea typeface="돋움" panose="020B0600000101010101" pitchFamily="50" charset="-127"/>
+                <a:latin typeface="HY견고딕" pitchFamily="18" charset="-127"/>
+                <a:ea typeface="HY견고딕" pitchFamily="18" charset="-127"/>
+              </a:rPr>
+              <a:t>드래그 </a:t>
+            </a:r>
+            <a:r>
+              <a:rPr lang="ko-KR" altLang="en-US" sz="1400" dirty="0" smtClean="0">
+                <a:solidFill>
+                  <a:schemeClr val="bg1">
+                    <a:lumMod val="95000"/>
+                  </a:schemeClr>
+                </a:solidFill>
+                <a:latin typeface="HY견고딕" pitchFamily="18" charset="-127"/>
+                <a:ea typeface="HY견고딕" pitchFamily="18" charset="-127"/>
+              </a:rPr>
+              <a:t>앤 </a:t>
+            </a:r>
+            <a:r>
+              <a:rPr lang="ko-KR" altLang="en-US" sz="1400" dirty="0" err="1" smtClean="0">
+                <a:solidFill>
+                  <a:schemeClr val="bg1">
+                    <a:lumMod val="95000"/>
+                  </a:schemeClr>
+                </a:solidFill>
+                <a:latin typeface="HY견고딕" pitchFamily="18" charset="-127"/>
+                <a:ea typeface="HY견고딕" pitchFamily="18" charset="-127"/>
               </a:rPr>
               <a:t>드롭기능</a:t>
             </a:r>
             <a:r>
-              <a:rPr lang="ko-KR" altLang="en-US" sz="1600" dirty="0" smtClean="0">
+              <a:rPr lang="ko-KR" altLang="en-US" sz="1400" dirty="0" smtClean="0">
                 <a:solidFill>
                   <a:schemeClr val="bg1">
                     <a:lumMod val="95000"/>
                   </a:schemeClr>
                 </a:solidFill>
-                <a:latin typeface="돋움" panose="020B0600000101010101" pitchFamily="50" charset="-127"/>
-                <a:ea typeface="돋움" panose="020B0600000101010101" pitchFamily="50" charset="-127"/>
+                <a:latin typeface="HY견고딕" pitchFamily="18" charset="-127"/>
+                <a:ea typeface="HY견고딕" pitchFamily="18" charset="-127"/>
               </a:rPr>
               <a:t> 구현</a:t>
             </a:r>
-            <a:endParaRPr lang="en-US" altLang="ko-KR" sz="1600" dirty="0" smtClean="0">
+            <a:endParaRPr lang="en-US" altLang="ko-KR" sz="1400" dirty="0" smtClean="0">
               <a:solidFill>
                 <a:schemeClr val="bg1">
                   <a:lumMod val="95000"/>
                 </a:schemeClr>
               </a:solidFill>
-              <a:latin typeface="돋움" panose="020B0600000101010101" pitchFamily="50" charset="-127"/>
-              <a:ea typeface="돋움" panose="020B0600000101010101" pitchFamily="50" charset="-127"/>
+              <a:latin typeface="HY견고딕" pitchFamily="18" charset="-127"/>
+              <a:ea typeface="HY견고딕" pitchFamily="18" charset="-127"/>
             </a:endParaRPr>
           </a:p>
           <a:p>
-            <a:endParaRPr lang="en-US" altLang="ko-KR" sz="1600" dirty="0">
+            <a:endParaRPr lang="en-US" altLang="ko-KR" sz="1400" dirty="0">
               <a:solidFill>
                 <a:schemeClr val="bg1">
                   <a:lumMod val="95000"/>
                 </a:schemeClr>
               </a:solidFill>
-              <a:latin typeface="돋움" panose="020B0600000101010101" pitchFamily="50" charset="-127"/>
-              <a:ea typeface="돋움" panose="020B0600000101010101" pitchFamily="50" charset="-127"/>
+              <a:latin typeface="HY견고딕" pitchFamily="18" charset="-127"/>
+              <a:ea typeface="HY견고딕" pitchFamily="18" charset="-127"/>
             </a:endParaRPr>
           </a:p>
           <a:p>
             <a:r>
-              <a:rPr lang="ko-KR" altLang="en-US" sz="1600" dirty="0" smtClean="0">
+              <a:rPr lang="en-US" altLang="ko-KR" sz="1400" dirty="0" smtClean="0">
                 <a:solidFill>
                   <a:schemeClr val="bg1">
                     <a:lumMod val="95000"/>
                   </a:schemeClr>
                 </a:solidFill>
-                <a:latin typeface="돋움" panose="020B0600000101010101" pitchFamily="50" charset="-127"/>
-                <a:ea typeface="돋움" panose="020B0600000101010101" pitchFamily="50" charset="-127"/>
-              </a:rPr>
-              <a:t>휴지통에 드래그가 가능한 파일을 드래그하여</a:t>
-            </a:r>
-            <a:endParaRPr lang="en-US" altLang="ko-KR" sz="1600" dirty="0" smtClean="0">
+                <a:latin typeface="HY견고딕" pitchFamily="18" charset="-127"/>
+                <a:ea typeface="HY견고딕" pitchFamily="18" charset="-127"/>
+              </a:rPr>
+              <a:t>- </a:t>
+            </a:r>
+            <a:r>
+              <a:rPr lang="ko-KR" altLang="en-US" sz="1400" dirty="0" smtClean="0">
+                <a:solidFill>
+                  <a:schemeClr val="bg1">
+                    <a:lumMod val="95000"/>
+                  </a:schemeClr>
+                </a:solidFill>
+                <a:latin typeface="HY견고딕" pitchFamily="18" charset="-127"/>
+                <a:ea typeface="HY견고딕" pitchFamily="18" charset="-127"/>
+              </a:rPr>
+              <a:t>휴지통에 </a:t>
+            </a:r>
+            <a:r>
+              <a:rPr lang="ko-KR" altLang="en-US" sz="1400" dirty="0" err="1" smtClean="0">
+                <a:solidFill>
+                  <a:schemeClr val="bg1">
+                    <a:lumMod val="95000"/>
+                  </a:schemeClr>
+                </a:solidFill>
+                <a:latin typeface="HY견고딕" pitchFamily="18" charset="-127"/>
+                <a:ea typeface="HY견고딕" pitchFamily="18" charset="-127"/>
+              </a:rPr>
+              <a:t>드롭시</a:t>
+            </a:r>
+            <a:r>
+              <a:rPr lang="ko-KR" altLang="en-US" sz="1400" dirty="0" smtClean="0">
+                <a:solidFill>
+                  <a:schemeClr val="bg1">
+                    <a:lumMod val="95000"/>
+                  </a:schemeClr>
+                </a:solidFill>
+                <a:latin typeface="HY견고딕" pitchFamily="18" charset="-127"/>
+                <a:ea typeface="HY견고딕" pitchFamily="18" charset="-127"/>
+              </a:rPr>
+              <a:t> </a:t>
+            </a:r>
+            <a:r>
+              <a:rPr lang="ko-KR" altLang="en-US" sz="1400" dirty="0" smtClean="0">
+                <a:solidFill>
+                  <a:schemeClr val="bg1">
+                    <a:lumMod val="95000"/>
+                  </a:schemeClr>
+                </a:solidFill>
+                <a:latin typeface="HY견고딕" pitchFamily="18" charset="-127"/>
+                <a:ea typeface="HY견고딕" pitchFamily="18" charset="-127"/>
+              </a:rPr>
+              <a:t>파일 </a:t>
+            </a:r>
+            <a:r>
+              <a:rPr lang="ko-KR" altLang="en-US" sz="1400" dirty="0" smtClean="0">
+                <a:solidFill>
+                  <a:schemeClr val="bg1">
+                    <a:lumMod val="95000"/>
+                  </a:schemeClr>
+                </a:solidFill>
+                <a:latin typeface="HY견고딕" pitchFamily="18" charset="-127"/>
+                <a:ea typeface="HY견고딕" pitchFamily="18" charset="-127"/>
+              </a:rPr>
+              <a:t>삭제</a:t>
+            </a:r>
+            <a:endParaRPr lang="en-US" altLang="ko-KR" sz="1400" dirty="0" smtClean="0">
               <a:solidFill>
                 <a:schemeClr val="bg1">
                   <a:lumMod val="95000"/>
                 </a:schemeClr>
               </a:solidFill>
-              <a:latin typeface="돋움" panose="020B0600000101010101" pitchFamily="50" charset="-127"/>
-              <a:ea typeface="돋움" panose="020B0600000101010101" pitchFamily="50" charset="-127"/>
+              <a:latin typeface="HY견고딕" pitchFamily="18" charset="-127"/>
+              <a:ea typeface="HY견고딕" pitchFamily="18" charset="-127"/>
             </a:endParaRPr>
           </a:p>
           <a:p>
-            <a:endParaRPr lang="en-US" altLang="ko-KR" sz="1600" dirty="0">
+            <a:pPr marL="285750" indent="-285750">
+              <a:buFontTx/>
+              <a:buChar char="-"/>
+            </a:pPr>
+            <a:endParaRPr lang="en-US" altLang="ko-KR" sz="1400" dirty="0">
               <a:solidFill>
                 <a:schemeClr val="bg1">
                   <a:lumMod val="95000"/>
                 </a:schemeClr>
               </a:solidFill>
-              <a:latin typeface="돋움" panose="020B0600000101010101" pitchFamily="50" charset="-127"/>
-              <a:ea typeface="돋움" panose="020B0600000101010101" pitchFamily="50" charset="-127"/>
+              <a:latin typeface="HY견고딕" pitchFamily="18" charset="-127"/>
+              <a:ea typeface="HY견고딕" pitchFamily="18" charset="-127"/>
             </a:endParaRPr>
           </a:p>
           <a:p>
             <a:r>
-              <a:rPr lang="ko-KR" altLang="en-US" sz="1600" dirty="0" err="1" smtClean="0">
+              <a:rPr lang="en-US" altLang="ko-KR" sz="1400" dirty="0" smtClean="0">
                 <a:solidFill>
                   <a:schemeClr val="bg1">
                     <a:lumMod val="95000"/>
                   </a:schemeClr>
                 </a:solidFill>
-                <a:latin typeface="돋움" panose="020B0600000101010101" pitchFamily="50" charset="-127"/>
-                <a:ea typeface="돋움" panose="020B0600000101010101" pitchFamily="50" charset="-127"/>
-              </a:rPr>
-              <a:t>드롭시</a:t>
-            </a:r>
-            <a:r>
-              <a:rPr lang="ko-KR" altLang="en-US" sz="1600" dirty="0" smtClean="0">
+                <a:latin typeface="HY견고딕" pitchFamily="18" charset="-127"/>
+                <a:ea typeface="HY견고딕" pitchFamily="18" charset="-127"/>
+              </a:rPr>
+              <a:t>- </a:t>
+            </a:r>
+            <a:r>
+              <a:rPr lang="ko-KR" altLang="en-US" sz="1400" dirty="0">
                 <a:solidFill>
                   <a:schemeClr val="bg1">
                     <a:lumMod val="95000"/>
                   </a:schemeClr>
                 </a:solidFill>
-                <a:latin typeface="돋움" panose="020B0600000101010101" pitchFamily="50" charset="-127"/>
-                <a:ea typeface="돋움" panose="020B0600000101010101" pitchFamily="50" charset="-127"/>
-              </a:rPr>
-              <a:t> 파일 </a:t>
-            </a:r>
-            <a:r>
-              <a:rPr lang="ko-KR" altLang="en-US" sz="1600" dirty="0" err="1" smtClean="0">
+                <a:latin typeface="HY견고딕" pitchFamily="18" charset="-127"/>
+                <a:ea typeface="HY견고딕" pitchFamily="18" charset="-127"/>
+              </a:rPr>
+              <a:t>파일을 원하는 폴더에 드래그하여 </a:t>
+            </a:r>
+            <a:r>
+              <a:rPr lang="ko-KR" altLang="en-US" sz="1400" dirty="0" smtClean="0">
                 <a:solidFill>
                   <a:schemeClr val="bg1">
                     <a:lumMod val="95000"/>
                   </a:schemeClr>
                 </a:solidFill>
-                <a:latin typeface="돋움" panose="020B0600000101010101" pitchFamily="50" charset="-127"/>
-                <a:ea typeface="돋움" panose="020B0600000101010101" pitchFamily="50" charset="-127"/>
-              </a:rPr>
-              <a:t>삭제가능</a:t>
-            </a:r>
-            <a:endParaRPr lang="en-US" altLang="ko-KR" sz="1600" dirty="0" smtClean="0">
+                <a:latin typeface="HY견고딕" pitchFamily="18" charset="-127"/>
+                <a:ea typeface="HY견고딕" pitchFamily="18" charset="-127"/>
+              </a:rPr>
+              <a:t>이동가능</a:t>
+            </a:r>
+            <a:endParaRPr lang="en-US" altLang="ko-KR" sz="1400" dirty="0">
               <a:solidFill>
                 <a:schemeClr val="bg1">
                   <a:lumMod val="95000"/>
                 </a:schemeClr>
               </a:solidFill>
-              <a:latin typeface="돋움" panose="020B0600000101010101" pitchFamily="50" charset="-127"/>
-              <a:ea typeface="돋움" panose="020B0600000101010101" pitchFamily="50" charset="-127"/>
+              <a:latin typeface="HY견고딕" pitchFamily="18" charset="-127"/>
+              <a:ea typeface="HY견고딕" pitchFamily="18" charset="-127"/>
             </a:endParaRPr>
           </a:p>
         </p:txBody>
@@ -13455,7 +13957,7 @@
         <p:spPr>
           <a:xfrm>
             <a:off x="4515554" y="4353817"/>
-            <a:ext cx="4321047" cy="1323439"/>
+            <a:ext cx="4321047" cy="338554"/>
           </a:xfrm>
           <a:prstGeom prst="rect">
             <a:avLst/>
@@ -13468,18 +13970,6 @@
           </a:bodyPr>
           <a:lstStyle/>
           <a:p>
-            <a:r>
-              <a:rPr lang="ko-KR" altLang="en-US" sz="1600" dirty="0" smtClean="0">
-                <a:solidFill>
-                  <a:schemeClr val="bg1">
-                    <a:lumMod val="95000"/>
-                  </a:schemeClr>
-                </a:solidFill>
-                <a:latin typeface="돋움" panose="020B0600000101010101" pitchFamily="50" charset="-127"/>
-                <a:ea typeface="돋움" panose="020B0600000101010101" pitchFamily="50" charset="-127"/>
-              </a:rPr>
-              <a:t>혹은 파일을 원하는 폴더에 </a:t>
-            </a:r>
             <a:endParaRPr lang="en-US" altLang="ko-KR" sz="1600" dirty="0" smtClean="0">
               <a:solidFill>
                 <a:schemeClr val="bg1">
@@ -13489,137 +13979,6 @@
               <a:latin typeface="돋움" panose="020B0600000101010101" pitchFamily="50" charset="-127"/>
               <a:ea typeface="돋움" panose="020B0600000101010101" pitchFamily="50" charset="-127"/>
             </a:endParaRPr>
-          </a:p>
-          <a:p>
-            <a:endParaRPr lang="en-US" altLang="ko-KR" sz="1600" dirty="0">
-              <a:solidFill>
-                <a:schemeClr val="bg1">
-                  <a:lumMod val="95000"/>
-                </a:schemeClr>
-              </a:solidFill>
-              <a:latin typeface="돋움" panose="020B0600000101010101" pitchFamily="50" charset="-127"/>
-              <a:ea typeface="돋움" panose="020B0600000101010101" pitchFamily="50" charset="-127"/>
-            </a:endParaRPr>
-          </a:p>
-          <a:p>
-            <a:r>
-              <a:rPr lang="ko-KR" altLang="en-US" sz="1600" dirty="0" smtClean="0">
-                <a:solidFill>
-                  <a:schemeClr val="bg1">
-                    <a:lumMod val="95000"/>
-                  </a:schemeClr>
-                </a:solidFill>
-                <a:latin typeface="돋움" panose="020B0600000101010101" pitchFamily="50" charset="-127"/>
-                <a:ea typeface="돋움" panose="020B0600000101010101" pitchFamily="50" charset="-127"/>
-              </a:rPr>
-              <a:t>드래그하여 </a:t>
-            </a:r>
-            <a:r>
-              <a:rPr lang="ko-KR" altLang="en-US" sz="1600" dirty="0" err="1" smtClean="0">
-                <a:solidFill>
-                  <a:schemeClr val="bg1">
-                    <a:lumMod val="95000"/>
-                  </a:schemeClr>
-                </a:solidFill>
-                <a:latin typeface="돋움" panose="020B0600000101010101" pitchFamily="50" charset="-127"/>
-                <a:ea typeface="돋움" panose="020B0600000101010101" pitchFamily="50" charset="-127"/>
-              </a:rPr>
-              <a:t>이동가능</a:t>
-            </a:r>
-            <a:endParaRPr lang="en-US" altLang="ko-KR" sz="1600" dirty="0" smtClean="0">
-              <a:solidFill>
-                <a:schemeClr val="bg1">
-                  <a:lumMod val="95000"/>
-                </a:schemeClr>
-              </a:solidFill>
-              <a:latin typeface="돋움" panose="020B0600000101010101" pitchFamily="50" charset="-127"/>
-              <a:ea typeface="돋움" panose="020B0600000101010101" pitchFamily="50" charset="-127"/>
-            </a:endParaRPr>
-          </a:p>
-          <a:p>
-            <a:endParaRPr lang="en-US" altLang="ko-KR" sz="1600" dirty="0">
-              <a:solidFill>
-                <a:schemeClr val="bg1">
-                  <a:lumMod val="95000"/>
-                </a:schemeClr>
-              </a:solidFill>
-              <a:latin typeface="돋움" panose="020B0600000101010101" pitchFamily="50" charset="-127"/>
-              <a:ea typeface="돋움" panose="020B0600000101010101" pitchFamily="50" charset="-127"/>
-            </a:endParaRPr>
-          </a:p>
-          <a:p>
-            <a:r>
-              <a:rPr lang="ko-KR" altLang="en-US" sz="1600" dirty="0" smtClean="0">
-                <a:solidFill>
-                  <a:schemeClr val="bg1">
-                    <a:lumMod val="95000"/>
-                  </a:schemeClr>
-                </a:solidFill>
-                <a:latin typeface="돋움" panose="020B0600000101010101" pitchFamily="50" charset="-127"/>
-                <a:ea typeface="돋움" panose="020B0600000101010101" pitchFamily="50" charset="-127"/>
-              </a:rPr>
-              <a:t>일부 앱은 작동하지 않음 </a:t>
-            </a:r>
-            <a:r>
-              <a:rPr lang="en-US" altLang="ko-KR" sz="1600" dirty="0" smtClean="0">
-                <a:solidFill>
-                  <a:schemeClr val="bg1">
-                    <a:lumMod val="95000"/>
-                  </a:schemeClr>
-                </a:solidFill>
-                <a:latin typeface="돋움" panose="020B0600000101010101" pitchFamily="50" charset="-127"/>
-                <a:ea typeface="돋움" panose="020B0600000101010101" pitchFamily="50" charset="-127"/>
-              </a:rPr>
-              <a:t>(</a:t>
-            </a:r>
-            <a:r>
-              <a:rPr lang="ko-KR" altLang="en-US" sz="1600" dirty="0" err="1" smtClean="0">
-                <a:solidFill>
-                  <a:schemeClr val="bg1">
-                    <a:lumMod val="95000"/>
-                  </a:schemeClr>
-                </a:solidFill>
-                <a:latin typeface="돋움" panose="020B0600000101010101" pitchFamily="50" charset="-127"/>
-                <a:ea typeface="돋움" panose="020B0600000101010101" pitchFamily="50" charset="-127"/>
-              </a:rPr>
-              <a:t>내컴퓨터</a:t>
-            </a:r>
-            <a:r>
-              <a:rPr lang="en-US" altLang="ko-KR" sz="1600" dirty="0" smtClean="0">
-                <a:solidFill>
-                  <a:schemeClr val="bg1">
-                    <a:lumMod val="95000"/>
-                  </a:schemeClr>
-                </a:solidFill>
-                <a:latin typeface="돋움" panose="020B0600000101010101" pitchFamily="50" charset="-127"/>
-                <a:ea typeface="돋움" panose="020B0600000101010101" pitchFamily="50" charset="-127"/>
-              </a:rPr>
-              <a:t>, </a:t>
-            </a:r>
-            <a:r>
-              <a:rPr lang="ko-KR" altLang="en-US" sz="1600" dirty="0" smtClean="0">
-                <a:solidFill>
-                  <a:schemeClr val="bg1">
-                    <a:lumMod val="95000"/>
-                  </a:schemeClr>
-                </a:solidFill>
-                <a:latin typeface="돋움" panose="020B0600000101010101" pitchFamily="50" charset="-127"/>
-                <a:ea typeface="돋움" panose="020B0600000101010101" pitchFamily="50" charset="-127"/>
-              </a:rPr>
-              <a:t>휴지통</a:t>
-            </a:r>
-            <a:r>
-              <a:rPr lang="en-US" altLang="ko-KR" sz="1600" dirty="0" smtClean="0">
-                <a:solidFill>
-                  <a:schemeClr val="bg1">
-                    <a:lumMod val="95000"/>
-                  </a:schemeClr>
-                </a:solidFill>
-                <a:latin typeface="돋움" panose="020B0600000101010101" pitchFamily="50" charset="-127"/>
-                <a:ea typeface="돋움" panose="020B0600000101010101" pitchFamily="50" charset="-127"/>
-              </a:rPr>
-              <a:t>)</a:t>
-            </a:r>
           </a:p>
         </p:txBody>
       </p:sp>
@@ -13695,7 +14054,7 @@
           <p:cNvPr id="8" name="텍스트 개체 틀 7">
             <a:extLst>
               <a:ext uri="{FF2B5EF4-FFF2-40B4-BE49-F238E27FC236}">
-                <a16:creationId xmlns:a16="http://schemas.microsoft.com/office/drawing/2014/main" id="{F941FAD0-2E99-4CAC-B16F-30C5DE050E43}"/>
+                <a16:creationId xmlns:a16="http://schemas.microsoft.com/office/drawing/2014/main" xmlns="" id="{F941FAD0-2E99-4CAC-B16F-30C5DE050E43}"/>
               </a:ext>
             </a:extLst>
           </p:cNvPr>
@@ -13730,7 +14089,7 @@
           <p:cNvPr id="9" name="텍스트 개체 틀 8">
             <a:extLst>
               <a:ext uri="{FF2B5EF4-FFF2-40B4-BE49-F238E27FC236}">
-                <a16:creationId xmlns:a16="http://schemas.microsoft.com/office/drawing/2014/main" id="{A07C0B61-375E-4330-850F-740158BE3674}"/>
+                <a16:creationId xmlns:a16="http://schemas.microsoft.com/office/drawing/2014/main" xmlns="" id="{A07C0B61-375E-4330-850F-740158BE3674}"/>
               </a:ext>
             </a:extLst>
           </p:cNvPr>
@@ -13763,7 +14122,7 @@
           <p:cNvPr id="7" name="텍스트 개체 틀 6">
             <a:extLst>
               <a:ext uri="{FF2B5EF4-FFF2-40B4-BE49-F238E27FC236}">
-                <a16:creationId xmlns:a16="http://schemas.microsoft.com/office/drawing/2014/main" id="{8E0EDBB3-D4FF-4E7B-A8D3-67AF82A4FCE9}"/>
+                <a16:creationId xmlns:a16="http://schemas.microsoft.com/office/drawing/2014/main" xmlns="" id="{8E0EDBB3-D4FF-4E7B-A8D3-67AF82A4FCE9}"/>
               </a:ext>
             </a:extLst>
           </p:cNvPr>
@@ -13805,8 +14164,8 @@
         </p:nvSpPr>
         <p:spPr>
           <a:xfrm>
-            <a:off x="362222" y="2974623"/>
-            <a:ext cx="4321047" cy="1323439"/>
+            <a:off x="225489" y="2983855"/>
+            <a:ext cx="4321047" cy="1169551"/>
           </a:xfrm>
           <a:prstGeom prst="rect">
             <a:avLst/>
@@ -13820,129 +14179,165 @@
           <a:lstStyle/>
           <a:p>
             <a:r>
-              <a:rPr lang="ko-KR" altLang="en-US" sz="1600" dirty="0" err="1" smtClean="0">
+              <a:rPr lang="en-US" altLang="ko-KR" sz="1400" dirty="0" smtClean="0">
                 <a:solidFill>
                   <a:schemeClr val="bg1">
                     <a:lumMod val="95000"/>
                   </a:schemeClr>
                 </a:solidFill>
-                <a:latin typeface="돋움" panose="020B0600000101010101" pitchFamily="50" charset="-127"/>
-                <a:ea typeface="돋움" panose="020B0600000101010101" pitchFamily="50" charset="-127"/>
+                <a:latin typeface="HY견고딕" pitchFamily="18" charset="-127"/>
+                <a:ea typeface="HY견고딕" pitchFamily="18" charset="-127"/>
+              </a:rPr>
+              <a:t>* </a:t>
+            </a:r>
+            <a:r>
+              <a:rPr lang="ko-KR" altLang="en-US" sz="1400" dirty="0" err="1" smtClean="0">
+                <a:solidFill>
+                  <a:schemeClr val="bg1">
+                    <a:lumMod val="95000"/>
+                  </a:schemeClr>
+                </a:solidFill>
+                <a:latin typeface="HY견고딕" pitchFamily="18" charset="-127"/>
+                <a:ea typeface="HY견고딕" pitchFamily="18" charset="-127"/>
               </a:rPr>
               <a:t>그림판</a:t>
             </a:r>
-            <a:r>
-              <a:rPr lang="ko-KR" altLang="en-US" sz="1600" dirty="0" smtClean="0">
-                <a:solidFill>
-                  <a:schemeClr val="bg1">
-                    <a:lumMod val="95000"/>
-                  </a:schemeClr>
-                </a:solidFill>
-                <a:latin typeface="돋움" panose="020B0600000101010101" pitchFamily="50" charset="-127"/>
-                <a:ea typeface="돋움" panose="020B0600000101010101" pitchFamily="50" charset="-127"/>
-              </a:rPr>
-              <a:t> 기능 구현</a:t>
-            </a:r>
-            <a:endParaRPr lang="en-US" altLang="ko-KR" sz="1600" dirty="0" smtClean="0">
+            <a:endParaRPr lang="en-US" altLang="ko-KR" sz="1400" dirty="0" smtClean="0">
               <a:solidFill>
                 <a:schemeClr val="bg1">
                   <a:lumMod val="95000"/>
                 </a:schemeClr>
               </a:solidFill>
-              <a:latin typeface="돋움" panose="020B0600000101010101" pitchFamily="50" charset="-127"/>
-              <a:ea typeface="돋움" panose="020B0600000101010101" pitchFamily="50" charset="-127"/>
+              <a:latin typeface="HY견고딕" pitchFamily="18" charset="-127"/>
+              <a:ea typeface="HY견고딕" pitchFamily="18" charset="-127"/>
             </a:endParaRPr>
           </a:p>
           <a:p>
-            <a:endParaRPr lang="en-US" altLang="ko-KR" sz="1600" dirty="0">
+            <a:endParaRPr lang="en-US" altLang="ko-KR" sz="1400" dirty="0">
               <a:solidFill>
                 <a:schemeClr val="bg1">
                   <a:lumMod val="95000"/>
                 </a:schemeClr>
               </a:solidFill>
-              <a:latin typeface="돋움" panose="020B0600000101010101" pitchFamily="50" charset="-127"/>
-              <a:ea typeface="돋움" panose="020B0600000101010101" pitchFamily="50" charset="-127"/>
+              <a:latin typeface="HY견고딕" pitchFamily="18" charset="-127"/>
+              <a:ea typeface="HY견고딕" pitchFamily="18" charset="-127"/>
             </a:endParaRPr>
           </a:p>
           <a:p>
             <a:r>
-              <a:rPr lang="en-US" altLang="ko-KR" sz="1600" dirty="0" smtClean="0">
+              <a:rPr lang="en-US" altLang="ko-KR" sz="1400" dirty="0" smtClean="0">
                 <a:solidFill>
                   <a:schemeClr val="bg1">
                     <a:lumMod val="95000"/>
                   </a:schemeClr>
                 </a:solidFill>
-                <a:latin typeface="돋움" panose="020B0600000101010101" pitchFamily="50" charset="-127"/>
-                <a:ea typeface="돋움" panose="020B0600000101010101" pitchFamily="50" charset="-127"/>
+                <a:latin typeface="HY견고딕" pitchFamily="18" charset="-127"/>
+                <a:ea typeface="HY견고딕" pitchFamily="18" charset="-127"/>
+              </a:rPr>
+              <a:t>- </a:t>
+            </a:r>
+            <a:r>
+              <a:rPr lang="en-US" altLang="ko-KR" sz="1400" dirty="0" smtClean="0">
+                <a:solidFill>
+                  <a:schemeClr val="bg1">
+                    <a:lumMod val="95000"/>
+                  </a:schemeClr>
+                </a:solidFill>
+                <a:latin typeface="HY견고딕" pitchFamily="18" charset="-127"/>
+                <a:ea typeface="HY견고딕" pitchFamily="18" charset="-127"/>
               </a:rPr>
               <a:t>Canvas </a:t>
             </a:r>
             <a:r>
-              <a:rPr lang="ko-KR" altLang="en-US" sz="1600" dirty="0" smtClean="0">
+              <a:rPr lang="ko-KR" altLang="en-US" sz="1400" dirty="0" smtClean="0">
                 <a:solidFill>
                   <a:schemeClr val="bg1">
                     <a:lumMod val="95000"/>
                   </a:schemeClr>
                 </a:solidFill>
-                <a:latin typeface="돋움" panose="020B0600000101010101" pitchFamily="50" charset="-127"/>
-                <a:ea typeface="돋움" panose="020B0600000101010101" pitchFamily="50" charset="-127"/>
+                <a:latin typeface="HY견고딕" pitchFamily="18" charset="-127"/>
+                <a:ea typeface="HY견고딕" pitchFamily="18" charset="-127"/>
               </a:rPr>
               <a:t>태그를 활용하여</a:t>
             </a:r>
-            <a:endParaRPr lang="en-US" altLang="ko-KR" sz="1600" dirty="0" smtClean="0">
+            <a:endParaRPr lang="en-US" altLang="ko-KR" sz="1400" dirty="0" smtClean="0">
               <a:solidFill>
                 <a:schemeClr val="bg1">
                   <a:lumMod val="95000"/>
                 </a:schemeClr>
               </a:solidFill>
-              <a:latin typeface="돋움" panose="020B0600000101010101" pitchFamily="50" charset="-127"/>
-              <a:ea typeface="돋움" panose="020B0600000101010101" pitchFamily="50" charset="-127"/>
+              <a:latin typeface="HY견고딕" pitchFamily="18" charset="-127"/>
+              <a:ea typeface="HY견고딕" pitchFamily="18" charset="-127"/>
             </a:endParaRPr>
           </a:p>
           <a:p>
-            <a:endParaRPr lang="en-US" altLang="ko-KR" sz="1600" dirty="0">
+            <a:endParaRPr lang="en-US" altLang="ko-KR" sz="1400" dirty="0">
               <a:solidFill>
                 <a:schemeClr val="bg1">
                   <a:lumMod val="95000"/>
                 </a:schemeClr>
               </a:solidFill>
-              <a:latin typeface="돋움" panose="020B0600000101010101" pitchFamily="50" charset="-127"/>
-              <a:ea typeface="돋움" panose="020B0600000101010101" pitchFamily="50" charset="-127"/>
+              <a:latin typeface="HY견고딕" pitchFamily="18" charset="-127"/>
+              <a:ea typeface="HY견고딕" pitchFamily="18" charset="-127"/>
             </a:endParaRPr>
           </a:p>
           <a:p>
             <a:r>
-              <a:rPr lang="ko-KR" altLang="en-US" sz="1600" dirty="0" err="1" smtClean="0">
+              <a:rPr lang="en-US" altLang="ko-KR" sz="1400" dirty="0" smtClean="0">
                 <a:solidFill>
                   <a:schemeClr val="bg1">
                     <a:lumMod val="95000"/>
                   </a:schemeClr>
                 </a:solidFill>
-                <a:latin typeface="돋움" panose="020B0600000101010101" pitchFamily="50" charset="-127"/>
-                <a:ea typeface="돋움" panose="020B0600000101010101" pitchFamily="50" charset="-127"/>
+                <a:latin typeface="HY견고딕" pitchFamily="18" charset="-127"/>
+                <a:ea typeface="HY견고딕" pitchFamily="18" charset="-127"/>
+              </a:rPr>
+              <a:t>- </a:t>
+            </a:r>
+            <a:r>
+              <a:rPr lang="ko-KR" altLang="en-US" sz="1400" dirty="0" err="1" smtClean="0">
+                <a:solidFill>
+                  <a:schemeClr val="bg1">
+                    <a:lumMod val="95000"/>
+                  </a:schemeClr>
+                </a:solidFill>
+                <a:latin typeface="HY견고딕" pitchFamily="18" charset="-127"/>
+                <a:ea typeface="HY견고딕" pitchFamily="18" charset="-127"/>
               </a:rPr>
               <a:t>그림판</a:t>
             </a:r>
             <a:r>
-              <a:rPr lang="ko-KR" altLang="en-US" sz="1600" dirty="0" smtClean="0">
+              <a:rPr lang="ko-KR" altLang="en-US" sz="1400" dirty="0" smtClean="0">
                 <a:solidFill>
                   <a:schemeClr val="bg1">
                     <a:lumMod val="95000"/>
                   </a:schemeClr>
                 </a:solidFill>
-                <a:latin typeface="돋움" panose="020B0600000101010101" pitchFamily="50" charset="-127"/>
-                <a:ea typeface="돋움" panose="020B0600000101010101" pitchFamily="50" charset="-127"/>
-              </a:rPr>
-              <a:t> 기능 구현 </a:t>
-            </a:r>
-            <a:endParaRPr lang="en-US" altLang="ko-KR" sz="1600" dirty="0" smtClean="0">
+                <a:latin typeface="HY견고딕" pitchFamily="18" charset="-127"/>
+                <a:ea typeface="HY견고딕" pitchFamily="18" charset="-127"/>
+              </a:rPr>
+              <a:t> </a:t>
+            </a:r>
+            <a:r>
+              <a:rPr lang="ko-KR" altLang="en-US" sz="1400" dirty="0" smtClean="0">
+                <a:solidFill>
+                  <a:schemeClr val="bg1">
+                    <a:lumMod val="95000"/>
+                  </a:schemeClr>
+                </a:solidFill>
+                <a:latin typeface="HY견고딕" pitchFamily="18" charset="-127"/>
+                <a:ea typeface="HY견고딕" pitchFamily="18" charset="-127"/>
+              </a:rPr>
+              <a:t>기능 구현 </a:t>
+            </a:r>
+            <a:endParaRPr lang="en-US" altLang="ko-KR" sz="1400" dirty="0" smtClean="0">
               <a:solidFill>
                 <a:schemeClr val="bg1">
                   <a:lumMod val="95000"/>
                 </a:schemeClr>
               </a:solidFill>
-              <a:latin typeface="돋움" panose="020B0600000101010101" pitchFamily="50" charset="-127"/>
-              <a:ea typeface="돋움" panose="020B0600000101010101" pitchFamily="50" charset="-127"/>
+              <a:latin typeface="HY견고딕" pitchFamily="18" charset="-127"/>
+              <a:ea typeface="HY견고딕" pitchFamily="18" charset="-127"/>
             </a:endParaRPr>
           </a:p>
         </p:txBody>
@@ -14049,7 +14444,7 @@
           <p:cNvPr id="8" name="텍스트 개체 틀 7">
             <a:extLst>
               <a:ext uri="{FF2B5EF4-FFF2-40B4-BE49-F238E27FC236}">
-                <a16:creationId xmlns:a16="http://schemas.microsoft.com/office/drawing/2014/main" id="{F941FAD0-2E99-4CAC-B16F-30C5DE050E43}"/>
+                <a16:creationId xmlns:a16="http://schemas.microsoft.com/office/drawing/2014/main" xmlns="" id="{F941FAD0-2E99-4CAC-B16F-30C5DE050E43}"/>
               </a:ext>
             </a:extLst>
           </p:cNvPr>
@@ -14084,7 +14479,7 @@
           <p:cNvPr id="9" name="텍스트 개체 틀 8">
             <a:extLst>
               <a:ext uri="{FF2B5EF4-FFF2-40B4-BE49-F238E27FC236}">
-                <a16:creationId xmlns:a16="http://schemas.microsoft.com/office/drawing/2014/main" id="{A07C0B61-375E-4330-850F-740158BE3674}"/>
+                <a16:creationId xmlns:a16="http://schemas.microsoft.com/office/drawing/2014/main" xmlns="" id="{A07C0B61-375E-4330-850F-740158BE3674}"/>
               </a:ext>
             </a:extLst>
           </p:cNvPr>
@@ -14117,7 +14512,7 @@
           <p:cNvPr id="7" name="텍스트 개체 틀 6">
             <a:extLst>
               <a:ext uri="{FF2B5EF4-FFF2-40B4-BE49-F238E27FC236}">
-                <a16:creationId xmlns:a16="http://schemas.microsoft.com/office/drawing/2014/main" id="{8E0EDBB3-D4FF-4E7B-A8D3-67AF82A4FCE9}"/>
+                <a16:creationId xmlns:a16="http://schemas.microsoft.com/office/drawing/2014/main" xmlns="" id="{8E0EDBB3-D4FF-4E7B-A8D3-67AF82A4FCE9}"/>
               </a:ext>
             </a:extLst>
           </p:cNvPr>
@@ -14159,8 +14554,8 @@
         </p:nvSpPr>
         <p:spPr>
           <a:xfrm>
-            <a:off x="362222" y="2491213"/>
-            <a:ext cx="4321047" cy="2554545"/>
+            <a:off x="464772" y="2491212"/>
+            <a:ext cx="4321047" cy="800219"/>
           </a:xfrm>
           <a:prstGeom prst="rect">
             <a:avLst/>
@@ -14174,253 +14569,29 @@
           <a:lstStyle/>
           <a:p>
             <a:r>
-              <a:rPr lang="ko-KR" altLang="en-US" sz="1600" dirty="0" err="1" smtClean="0">
+              <a:rPr lang="en-US" altLang="ko-KR" sz="1400" dirty="0" smtClean="0">
                 <a:solidFill>
                   <a:schemeClr val="bg1">
                     <a:lumMod val="95000"/>
                   </a:schemeClr>
                 </a:solidFill>
-                <a:latin typeface="돋움" panose="020B0600000101010101" pitchFamily="50" charset="-127"/>
-                <a:ea typeface="돋움" panose="020B0600000101010101" pitchFamily="50" charset="-127"/>
-              </a:rPr>
-              <a:t>한컴</a:t>
-            </a:r>
-            <a:r>
-              <a:rPr lang="ko-KR" altLang="en-US" sz="1600" dirty="0" smtClean="0">
+                <a:latin typeface="HY견고딕" pitchFamily="18" charset="-127"/>
+                <a:ea typeface="HY견고딕" pitchFamily="18" charset="-127"/>
+              </a:rPr>
+              <a:t>- </a:t>
+            </a:r>
+            <a:r>
+              <a:rPr lang="ko-KR" altLang="en-US" sz="1400" dirty="0" err="1" smtClean="0">
                 <a:solidFill>
                   <a:schemeClr val="bg1">
                     <a:lumMod val="95000"/>
                   </a:schemeClr>
                 </a:solidFill>
-                <a:latin typeface="돋움" panose="020B0600000101010101" pitchFamily="50" charset="-127"/>
-                <a:ea typeface="돋움" panose="020B0600000101010101" pitchFamily="50" charset="-127"/>
-              </a:rPr>
-              <a:t> 타자연습</a:t>
-            </a:r>
-            <a:endParaRPr lang="en-US" altLang="ko-KR" sz="1600" dirty="0" smtClean="0">
-              <a:solidFill>
-                <a:schemeClr val="bg1">
-                  <a:lumMod val="95000"/>
-                </a:schemeClr>
-              </a:solidFill>
-              <a:latin typeface="돋움" panose="020B0600000101010101" pitchFamily="50" charset="-127"/>
-              <a:ea typeface="돋움" panose="020B0600000101010101" pitchFamily="50" charset="-127"/>
-            </a:endParaRPr>
-          </a:p>
-          <a:p>
-            <a:endParaRPr lang="en-US" altLang="ko-KR" sz="1600" dirty="0">
-              <a:solidFill>
-                <a:schemeClr val="bg1">
-                  <a:lumMod val="95000"/>
-                </a:schemeClr>
-              </a:solidFill>
-              <a:latin typeface="돋움" panose="020B0600000101010101" pitchFamily="50" charset="-127"/>
-              <a:ea typeface="돋움" panose="020B0600000101010101" pitchFamily="50" charset="-127"/>
-            </a:endParaRPr>
-          </a:p>
-          <a:p>
-            <a:r>
-              <a:rPr lang="ko-KR" altLang="en-US" sz="1600" dirty="0" smtClean="0">
-                <a:solidFill>
-                  <a:schemeClr val="bg1">
-                    <a:lumMod val="95000"/>
-                  </a:schemeClr>
-                </a:solidFill>
-                <a:latin typeface="돋움" panose="020B0600000101010101" pitchFamily="50" charset="-127"/>
-                <a:ea typeface="돋움" panose="020B0600000101010101" pitchFamily="50" charset="-127"/>
-              </a:rPr>
-              <a:t>페이지 구현</a:t>
-            </a:r>
-            <a:endParaRPr lang="en-US" altLang="ko-KR" sz="1600" dirty="0" smtClean="0">
-              <a:solidFill>
-                <a:schemeClr val="bg1">
-                  <a:lumMod val="95000"/>
-                </a:schemeClr>
-              </a:solidFill>
-              <a:latin typeface="돋움" panose="020B0600000101010101" pitchFamily="50" charset="-127"/>
-              <a:ea typeface="돋움" panose="020B0600000101010101" pitchFamily="50" charset="-127"/>
-            </a:endParaRPr>
-          </a:p>
-          <a:p>
-            <a:endParaRPr lang="en-US" altLang="ko-KR" sz="1600" dirty="0">
-              <a:solidFill>
-                <a:schemeClr val="bg1">
-                  <a:lumMod val="95000"/>
-                </a:schemeClr>
-              </a:solidFill>
-              <a:latin typeface="돋움" panose="020B0600000101010101" pitchFamily="50" charset="-127"/>
-              <a:ea typeface="돋움" panose="020B0600000101010101" pitchFamily="50" charset="-127"/>
-            </a:endParaRPr>
-          </a:p>
-          <a:p>
-            <a:r>
-              <a:rPr lang="ko-KR" altLang="en-US" sz="1600" dirty="0" err="1" smtClean="0">
-                <a:solidFill>
-                  <a:schemeClr val="bg1">
-                    <a:lumMod val="95000"/>
-                  </a:schemeClr>
-                </a:solidFill>
-                <a:latin typeface="돋움" panose="020B0600000101010101" pitchFamily="50" charset="-127"/>
-                <a:ea typeface="돋움" panose="020B0600000101010101" pitchFamily="50" charset="-127"/>
-              </a:rPr>
-              <a:t>자리연습</a:t>
-            </a:r>
-            <a:r>
-              <a:rPr lang="ko-KR" altLang="en-US" sz="1600" dirty="0" smtClean="0">
-                <a:solidFill>
-                  <a:schemeClr val="bg1">
-                    <a:lumMod val="95000"/>
-                  </a:schemeClr>
-                </a:solidFill>
-                <a:latin typeface="돋움" panose="020B0600000101010101" pitchFamily="50" charset="-127"/>
-                <a:ea typeface="돋움" panose="020B0600000101010101" pitchFamily="50" charset="-127"/>
-              </a:rPr>
-              <a:t> </a:t>
-            </a:r>
-            <a:r>
-              <a:rPr lang="ko-KR" altLang="en-US" sz="1600" dirty="0" err="1" smtClean="0">
-                <a:solidFill>
-                  <a:schemeClr val="bg1">
-                    <a:lumMod val="95000"/>
-                  </a:schemeClr>
-                </a:solidFill>
-                <a:latin typeface="돋움" panose="020B0600000101010101" pitchFamily="50" charset="-127"/>
-                <a:ea typeface="돋움" panose="020B0600000101010101" pitchFamily="50" charset="-127"/>
-              </a:rPr>
-              <a:t>글연습</a:t>
-            </a:r>
-            <a:r>
-              <a:rPr lang="ko-KR" altLang="en-US" sz="1600" dirty="0" smtClean="0">
-                <a:solidFill>
-                  <a:schemeClr val="bg1">
-                    <a:lumMod val="95000"/>
-                  </a:schemeClr>
-                </a:solidFill>
-                <a:latin typeface="돋움" panose="020B0600000101010101" pitchFamily="50" charset="-127"/>
-                <a:ea typeface="돋움" panose="020B0600000101010101" pitchFamily="50" charset="-127"/>
-              </a:rPr>
-              <a:t> </a:t>
-            </a:r>
-            <a:r>
-              <a:rPr lang="ko-KR" altLang="en-US" sz="1600" dirty="0" err="1" smtClean="0">
-                <a:solidFill>
-                  <a:schemeClr val="bg1">
-                    <a:lumMod val="95000"/>
-                  </a:schemeClr>
-                </a:solidFill>
-                <a:latin typeface="돋움" panose="020B0600000101010101" pitchFamily="50" charset="-127"/>
-                <a:ea typeface="돋움" panose="020B0600000101010101" pitchFamily="50" charset="-127"/>
-              </a:rPr>
-              <a:t>놀이등</a:t>
-            </a:r>
-            <a:r>
-              <a:rPr lang="ko-KR" altLang="en-US" sz="1600" dirty="0" smtClean="0">
-                <a:solidFill>
-                  <a:schemeClr val="bg1">
-                    <a:lumMod val="95000"/>
-                  </a:schemeClr>
-                </a:solidFill>
-                <a:latin typeface="돋움" panose="020B0600000101010101" pitchFamily="50" charset="-127"/>
-                <a:ea typeface="돋움" panose="020B0600000101010101" pitchFamily="50" charset="-127"/>
-              </a:rPr>
-              <a:t> </a:t>
-            </a:r>
-            <a:r>
-              <a:rPr lang="en-US" altLang="ko-KR" sz="1600" dirty="0" smtClean="0">
-                <a:solidFill>
-                  <a:schemeClr val="bg1">
-                    <a:lumMod val="95000"/>
-                  </a:schemeClr>
-                </a:solidFill>
-                <a:latin typeface="돋움" panose="020B0600000101010101" pitchFamily="50" charset="-127"/>
-                <a:ea typeface="돋움" panose="020B0600000101010101" pitchFamily="50" charset="-127"/>
-              </a:rPr>
-              <a:t>3</a:t>
-            </a:r>
-            <a:r>
-              <a:rPr lang="ko-KR" altLang="en-US" sz="1600" dirty="0" smtClean="0">
-                <a:solidFill>
-                  <a:schemeClr val="bg1">
-                    <a:lumMod val="95000"/>
-                  </a:schemeClr>
-                </a:solidFill>
-                <a:latin typeface="돋움" panose="020B0600000101010101" pitchFamily="50" charset="-127"/>
-                <a:ea typeface="돋움" panose="020B0600000101010101" pitchFamily="50" charset="-127"/>
-              </a:rPr>
-              <a:t>가지</a:t>
-            </a:r>
-            <a:endParaRPr lang="en-US" altLang="ko-KR" sz="1600" dirty="0" smtClean="0">
-              <a:solidFill>
-                <a:schemeClr val="bg1">
-                  <a:lumMod val="95000"/>
-                </a:schemeClr>
-              </a:solidFill>
-              <a:latin typeface="돋움" panose="020B0600000101010101" pitchFamily="50" charset="-127"/>
-              <a:ea typeface="돋움" panose="020B0600000101010101" pitchFamily="50" charset="-127"/>
-            </a:endParaRPr>
-          </a:p>
-          <a:p>
-            <a:endParaRPr lang="en-US" altLang="ko-KR" sz="1600" dirty="0">
-              <a:solidFill>
-                <a:schemeClr val="bg1">
-                  <a:lumMod val="95000"/>
-                </a:schemeClr>
-              </a:solidFill>
-              <a:latin typeface="돋움" panose="020B0600000101010101" pitchFamily="50" charset="-127"/>
-              <a:ea typeface="돋움" panose="020B0600000101010101" pitchFamily="50" charset="-127"/>
-            </a:endParaRPr>
-          </a:p>
-          <a:p>
-            <a:r>
-              <a:rPr lang="ko-KR" altLang="en-US" sz="1600" dirty="0" smtClean="0">
-                <a:solidFill>
-                  <a:schemeClr val="bg1">
-                    <a:lumMod val="95000"/>
-                  </a:schemeClr>
-                </a:solidFill>
-                <a:latin typeface="돋움" panose="020B0600000101010101" pitchFamily="50" charset="-127"/>
-                <a:ea typeface="돋움" panose="020B0600000101010101" pitchFamily="50" charset="-127"/>
-              </a:rPr>
-              <a:t>기능 사용가능 </a:t>
-            </a:r>
-            <a:r>
-              <a:rPr lang="en-US" altLang="ko-KR" sz="1600" dirty="0" smtClean="0">
-                <a:solidFill>
-                  <a:schemeClr val="bg1">
-                    <a:lumMod val="95000"/>
-                  </a:schemeClr>
-                </a:solidFill>
-                <a:latin typeface="돋움" panose="020B0600000101010101" pitchFamily="50" charset="-127"/>
-                <a:ea typeface="돋움" panose="020B0600000101010101" pitchFamily="50" charset="-127"/>
-              </a:rPr>
-              <a:t>(1</a:t>
-            </a:r>
-            <a:r>
-              <a:rPr lang="ko-KR" altLang="en-US" sz="1600" dirty="0" smtClean="0">
-                <a:solidFill>
-                  <a:schemeClr val="bg1">
-                    <a:lumMod val="95000"/>
-                  </a:schemeClr>
-                </a:solidFill>
-                <a:latin typeface="돋움" panose="020B0600000101010101" pitchFamily="50" charset="-127"/>
-                <a:ea typeface="돋움" panose="020B0600000101010101" pitchFamily="50" charset="-127"/>
-              </a:rPr>
-              <a:t>회성</a:t>
-            </a:r>
-            <a:r>
-              <a:rPr lang="en-US" altLang="ko-KR" sz="1600" dirty="0" smtClean="0">
-                <a:solidFill>
-                  <a:schemeClr val="bg1">
-                    <a:lumMod val="95000"/>
-                  </a:schemeClr>
-                </a:solidFill>
-                <a:latin typeface="돋움" panose="020B0600000101010101" pitchFamily="50" charset="-127"/>
-                <a:ea typeface="돋움" panose="020B0600000101010101" pitchFamily="50" charset="-127"/>
-              </a:rPr>
-              <a:t>)</a:t>
-            </a:r>
-          </a:p>
-          <a:p>
+                <a:latin typeface="HY견고딕" pitchFamily="18" charset="-127"/>
+                <a:ea typeface="HY견고딕" pitchFamily="18" charset="-127"/>
+              </a:rPr>
+              <a:t>한컴타자연습</a:t>
+            </a:r>
             <a:endParaRPr lang="en-US" altLang="ko-KR" sz="1600" dirty="0">
               <a:solidFill>
                 <a:schemeClr val="bg1">
@@ -14477,7 +14648,7 @@
         </p:blipFill>
         <p:spPr>
           <a:xfrm>
-            <a:off x="3392835" y="1735030"/>
+            <a:off x="2659652" y="1794851"/>
             <a:ext cx="5368125" cy="4428703"/>
           </a:xfrm>
           <a:prstGeom prst="rect">
@@ -14527,7 +14698,7 @@
           <p:cNvPr id="8" name="텍스트 개체 틀 7">
             <a:extLst>
               <a:ext uri="{FF2B5EF4-FFF2-40B4-BE49-F238E27FC236}">
-                <a16:creationId xmlns:a16="http://schemas.microsoft.com/office/drawing/2014/main" id="{F941FAD0-2E99-4CAC-B16F-30C5DE050E43}"/>
+                <a16:creationId xmlns:a16="http://schemas.microsoft.com/office/drawing/2014/main" xmlns="" id="{F941FAD0-2E99-4CAC-B16F-30C5DE050E43}"/>
               </a:ext>
             </a:extLst>
           </p:cNvPr>
@@ -14562,7 +14733,7 @@
           <p:cNvPr id="9" name="텍스트 개체 틀 8">
             <a:extLst>
               <a:ext uri="{FF2B5EF4-FFF2-40B4-BE49-F238E27FC236}">
-                <a16:creationId xmlns:a16="http://schemas.microsoft.com/office/drawing/2014/main" id="{A07C0B61-375E-4330-850F-740158BE3674}"/>
+                <a16:creationId xmlns:a16="http://schemas.microsoft.com/office/drawing/2014/main" xmlns="" id="{A07C0B61-375E-4330-850F-740158BE3674}"/>
               </a:ext>
             </a:extLst>
           </p:cNvPr>
@@ -14595,7 +14766,7 @@
           <p:cNvPr id="7" name="텍스트 개체 틀 6">
             <a:extLst>
               <a:ext uri="{FF2B5EF4-FFF2-40B4-BE49-F238E27FC236}">
-                <a16:creationId xmlns:a16="http://schemas.microsoft.com/office/drawing/2014/main" id="{8E0EDBB3-D4FF-4E7B-A8D3-67AF82A4FCE9}"/>
+                <a16:creationId xmlns:a16="http://schemas.microsoft.com/office/drawing/2014/main" xmlns="" id="{8E0EDBB3-D4FF-4E7B-A8D3-67AF82A4FCE9}"/>
               </a:ext>
             </a:extLst>
           </p:cNvPr>
@@ -14668,7 +14839,7 @@
         <p:spPr>
           <a:xfrm>
             <a:off x="401391" y="2897613"/>
-            <a:ext cx="4321047" cy="2308324"/>
+            <a:ext cx="4788752" cy="830997"/>
           </a:xfrm>
           <a:prstGeom prst="rect">
             <a:avLst/>
@@ -14682,16 +14853,102 @@
           <a:lstStyle/>
           <a:p>
             <a:r>
+              <a:rPr lang="en-US" altLang="ko-KR" sz="1400" dirty="0" smtClean="0">
+                <a:solidFill>
+                  <a:schemeClr val="bg1">
+                    <a:lumMod val="95000"/>
+                  </a:schemeClr>
+                </a:solidFill>
+                <a:latin typeface="HY견고딕" pitchFamily="18" charset="-127"/>
+                <a:ea typeface="HY견고딕" pitchFamily="18" charset="-127"/>
+              </a:rPr>
+              <a:t>     </a:t>
+            </a:r>
+            <a:r>
+              <a:rPr lang="ko-KR" altLang="en-US" dirty="0" smtClean="0">
+                <a:solidFill>
+                  <a:schemeClr val="bg1">
+                    <a:lumMod val="95000"/>
+                  </a:schemeClr>
+                </a:solidFill>
+                <a:latin typeface="HY견고딕" pitchFamily="18" charset="-127"/>
+                <a:ea typeface="HY견고딕" pitchFamily="18" charset="-127"/>
+              </a:rPr>
+              <a:t>계산기</a:t>
+            </a:r>
+            <a:endParaRPr lang="en-US" altLang="ko-KR" dirty="0" smtClean="0">
+              <a:solidFill>
+                <a:schemeClr val="bg1">
+                  <a:lumMod val="95000"/>
+                </a:schemeClr>
+              </a:solidFill>
+              <a:latin typeface="HY견고딕" pitchFamily="18" charset="-127"/>
+              <a:ea typeface="HY견고딕" pitchFamily="18" charset="-127"/>
+            </a:endParaRPr>
+          </a:p>
+          <a:p>
+            <a:endParaRPr lang="en-US" altLang="ko-KR" sz="1400" dirty="0">
+              <a:solidFill>
+                <a:schemeClr val="bg1">
+                  <a:lumMod val="95000"/>
+                </a:schemeClr>
+              </a:solidFill>
+              <a:latin typeface="HY견고딕" pitchFamily="18" charset="-127"/>
+              <a:ea typeface="HY견고딕" pitchFamily="18" charset="-127"/>
+            </a:endParaRPr>
+          </a:p>
+          <a:p>
+            <a:pPr marL="285750" indent="-285750">
+              <a:buFont typeface="Arial" charset="0"/>
+              <a:buChar char="•"/>
+            </a:pPr>
+            <a:r>
               <a:rPr lang="ko-KR" altLang="en-US" sz="1600" dirty="0" smtClean="0">
                 <a:solidFill>
                   <a:schemeClr val="bg1">
                     <a:lumMod val="95000"/>
                   </a:schemeClr>
                 </a:solidFill>
-                <a:latin typeface="돋움" panose="020B0600000101010101" pitchFamily="50" charset="-127"/>
-                <a:ea typeface="돋움" panose="020B0600000101010101" pitchFamily="50" charset="-127"/>
-              </a:rPr>
-              <a:t>계산기 구현</a:t>
+                <a:latin typeface="HY견고딕" pitchFamily="18" charset="-127"/>
+                <a:ea typeface="HY견고딕" pitchFamily="18" charset="-127"/>
+              </a:rPr>
+              <a:t>추후 개발 목표 </a:t>
+            </a:r>
+            <a:r>
+              <a:rPr lang="en-US" altLang="ko-KR" sz="1600" dirty="0" smtClean="0">
+                <a:solidFill>
+                  <a:schemeClr val="bg1">
+                    <a:lumMod val="95000"/>
+                  </a:schemeClr>
+                </a:solidFill>
+                <a:latin typeface="HY견고딕" pitchFamily="18" charset="-127"/>
+                <a:ea typeface="HY견고딕" pitchFamily="18" charset="-127"/>
+              </a:rPr>
+              <a:t>:  </a:t>
+            </a:r>
+            <a:r>
+              <a:rPr lang="ko-KR" altLang="en-US" sz="1600" dirty="0" smtClean="0">
+                <a:solidFill>
+                  <a:schemeClr val="bg1">
+                    <a:lumMod val="95000"/>
+                  </a:schemeClr>
+                </a:solidFill>
+                <a:latin typeface="HY견고딕" pitchFamily="18" charset="-127"/>
+                <a:ea typeface="HY견고딕" pitchFamily="18" charset="-127"/>
+              </a:rPr>
+              <a:t>대출 금리 계산기</a:t>
+            </a:r>
+            <a:r>
+              <a:rPr lang="en-US" altLang="ko-KR" sz="1600" dirty="0" smtClean="0">
+                <a:solidFill>
+                  <a:schemeClr val="bg1">
+                    <a:lumMod val="95000"/>
+                  </a:schemeClr>
+                </a:solidFill>
+                <a:latin typeface="HY견고딕" pitchFamily="18" charset="-127"/>
+                <a:ea typeface="HY견고딕" pitchFamily="18" charset="-127"/>
+              </a:rPr>
+              <a:t>   </a:t>
             </a:r>
             <a:endParaRPr lang="en-US" altLang="ko-KR" sz="1600" dirty="0" smtClean="0">
               <a:solidFill>
@@ -14699,144 +14956,8 @@
                   <a:lumMod val="95000"/>
                 </a:schemeClr>
               </a:solidFill>
-              <a:latin typeface="돋움" panose="020B0600000101010101" pitchFamily="50" charset="-127"/>
-              <a:ea typeface="돋움" panose="020B0600000101010101" pitchFamily="50" charset="-127"/>
-            </a:endParaRPr>
-          </a:p>
-          <a:p>
-            <a:endParaRPr lang="en-US" altLang="ko-KR" sz="1600" dirty="0">
-              <a:solidFill>
-                <a:schemeClr val="bg1">
-                  <a:lumMod val="95000"/>
-                </a:schemeClr>
-              </a:solidFill>
-              <a:latin typeface="돋움" panose="020B0600000101010101" pitchFamily="50" charset="-127"/>
-              <a:ea typeface="돋움" panose="020B0600000101010101" pitchFamily="50" charset="-127"/>
-            </a:endParaRPr>
-          </a:p>
-          <a:p>
-            <a:r>
-              <a:rPr lang="ko-KR" altLang="en-US" sz="1600" dirty="0" smtClean="0">
-                <a:solidFill>
-                  <a:schemeClr val="bg1">
-                    <a:lumMod val="95000"/>
-                  </a:schemeClr>
-                </a:solidFill>
-                <a:latin typeface="돋움" panose="020B0600000101010101" pitchFamily="50" charset="-127"/>
-                <a:ea typeface="돋움" panose="020B0600000101010101" pitchFamily="50" charset="-127"/>
-              </a:rPr>
-              <a:t>몇몇 버튼 기능은 미구현상태이나</a:t>
-            </a:r>
-            <a:endParaRPr lang="en-US" altLang="ko-KR" sz="1600" dirty="0" smtClean="0">
-              <a:solidFill>
-                <a:schemeClr val="bg1">
-                  <a:lumMod val="95000"/>
-                </a:schemeClr>
-              </a:solidFill>
-              <a:latin typeface="돋움" panose="020B0600000101010101" pitchFamily="50" charset="-127"/>
-              <a:ea typeface="돋움" panose="020B0600000101010101" pitchFamily="50" charset="-127"/>
-            </a:endParaRPr>
-          </a:p>
-          <a:p>
-            <a:endParaRPr lang="en-US" altLang="ko-KR" sz="1600" dirty="0">
-              <a:solidFill>
-                <a:schemeClr val="bg1">
-                  <a:lumMod val="95000"/>
-                </a:schemeClr>
-              </a:solidFill>
-              <a:latin typeface="돋움" panose="020B0600000101010101" pitchFamily="50" charset="-127"/>
-              <a:ea typeface="돋움" panose="020B0600000101010101" pitchFamily="50" charset="-127"/>
-            </a:endParaRPr>
-          </a:p>
-          <a:p>
-            <a:r>
-              <a:rPr lang="ko-KR" altLang="en-US" sz="1600" dirty="0" smtClean="0">
-                <a:solidFill>
-                  <a:schemeClr val="bg1">
-                    <a:lumMod val="95000"/>
-                  </a:schemeClr>
-                </a:solidFill>
-                <a:latin typeface="돋움" panose="020B0600000101010101" pitchFamily="50" charset="-127"/>
-                <a:ea typeface="돋움" panose="020B0600000101010101" pitchFamily="50" charset="-127"/>
-              </a:rPr>
-              <a:t>간단한 덧셈 정도는 구현하였음</a:t>
-            </a:r>
-            <a:endParaRPr lang="en-US" altLang="ko-KR" sz="1600" dirty="0" smtClean="0">
-              <a:solidFill>
-                <a:schemeClr val="bg1">
-                  <a:lumMod val="95000"/>
-                </a:schemeClr>
-              </a:solidFill>
-              <a:latin typeface="돋움" panose="020B0600000101010101" pitchFamily="50" charset="-127"/>
-              <a:ea typeface="돋움" panose="020B0600000101010101" pitchFamily="50" charset="-127"/>
-            </a:endParaRPr>
-          </a:p>
-          <a:p>
-            <a:endParaRPr lang="en-US" altLang="ko-KR" sz="1600" dirty="0">
-              <a:solidFill>
-                <a:schemeClr val="bg1">
-                  <a:lumMod val="95000"/>
-                </a:schemeClr>
-              </a:solidFill>
-              <a:latin typeface="돋움" panose="020B0600000101010101" pitchFamily="50" charset="-127"/>
-              <a:ea typeface="돋움" panose="020B0600000101010101" pitchFamily="50" charset="-127"/>
-            </a:endParaRPr>
-          </a:p>
-          <a:p>
-            <a:r>
-              <a:rPr lang="en-US" altLang="ko-KR" sz="1600" dirty="0" smtClean="0">
-                <a:solidFill>
-                  <a:schemeClr val="bg1">
-                    <a:lumMod val="95000"/>
-                  </a:schemeClr>
-                </a:solidFill>
-                <a:latin typeface="돋움" panose="020B0600000101010101" pitchFamily="50" charset="-127"/>
-                <a:ea typeface="돋움" panose="020B0600000101010101" pitchFamily="50" charset="-127"/>
-              </a:rPr>
-              <a:t>Switch</a:t>
-            </a:r>
-            <a:r>
-              <a:rPr lang="ko-KR" altLang="en-US" sz="1600" dirty="0" smtClean="0">
-                <a:solidFill>
-                  <a:schemeClr val="bg1">
-                    <a:lumMod val="95000"/>
-                  </a:schemeClr>
-                </a:solidFill>
-                <a:latin typeface="돋움" panose="020B0600000101010101" pitchFamily="50" charset="-127"/>
-                <a:ea typeface="돋움" panose="020B0600000101010101" pitchFamily="50" charset="-127"/>
-              </a:rPr>
-              <a:t>문을 사용해서 제작함</a:t>
-            </a:r>
-            <a:endParaRPr lang="en-US" altLang="ko-KR" sz="1600" dirty="0">
-              <a:solidFill>
-                <a:schemeClr val="bg1">
-                  <a:lumMod val="95000"/>
-                </a:schemeClr>
-              </a:solidFill>
-              <a:latin typeface="돋움" panose="020B0600000101010101" pitchFamily="50" charset="-127"/>
-              <a:ea typeface="돋움" panose="020B0600000101010101" pitchFamily="50" charset="-127"/>
-            </a:endParaRPr>
-          </a:p>
-          <a:p>
-            <a:endParaRPr lang="en-US" altLang="ko-KR" sz="1600" dirty="0" smtClean="0">
-              <a:solidFill>
-                <a:schemeClr val="bg1">
-                  <a:lumMod val="95000"/>
-                </a:schemeClr>
-              </a:solidFill>
-              <a:latin typeface="돋움" panose="020B0600000101010101" pitchFamily="50" charset="-127"/>
-              <a:ea typeface="돋움" panose="020B0600000101010101" pitchFamily="50" charset="-127"/>
-            </a:endParaRPr>
-          </a:p>
-          <a:p>
-            <a:endParaRPr lang="en-US" altLang="ko-KR" sz="1600" dirty="0" smtClean="0">
-              <a:solidFill>
-                <a:schemeClr val="bg1">
-                  <a:lumMod val="95000"/>
-                </a:schemeClr>
-              </a:solidFill>
-              <a:latin typeface="돋움" panose="020B0600000101010101" pitchFamily="50" charset="-127"/>
-              <a:ea typeface="돋움" panose="020B0600000101010101" pitchFamily="50" charset="-127"/>
+              <a:latin typeface="HY견고딕" pitchFamily="18" charset="-127"/>
+              <a:ea typeface="HY견고딕" pitchFamily="18" charset="-127"/>
             </a:endParaRPr>
           </a:p>
         </p:txBody>
@@ -14883,7 +15004,7 @@
           <p:cNvPr id="8" name="텍스트 개체 틀 7">
             <a:extLst>
               <a:ext uri="{FF2B5EF4-FFF2-40B4-BE49-F238E27FC236}">
-                <a16:creationId xmlns:a16="http://schemas.microsoft.com/office/drawing/2014/main" id="{F941FAD0-2E99-4CAC-B16F-30C5DE050E43}"/>
+                <a16:creationId xmlns:a16="http://schemas.microsoft.com/office/drawing/2014/main" xmlns="" id="{F941FAD0-2E99-4CAC-B16F-30C5DE050E43}"/>
               </a:ext>
             </a:extLst>
           </p:cNvPr>
@@ -14918,7 +15039,7 @@
           <p:cNvPr id="9" name="텍스트 개체 틀 8">
             <a:extLst>
               <a:ext uri="{FF2B5EF4-FFF2-40B4-BE49-F238E27FC236}">
-                <a16:creationId xmlns:a16="http://schemas.microsoft.com/office/drawing/2014/main" id="{A07C0B61-375E-4330-850F-740158BE3674}"/>
+                <a16:creationId xmlns:a16="http://schemas.microsoft.com/office/drawing/2014/main" xmlns="" id="{A07C0B61-375E-4330-850F-740158BE3674}"/>
               </a:ext>
             </a:extLst>
           </p:cNvPr>
@@ -14951,7 +15072,7 @@
           <p:cNvPr id="7" name="텍스트 개체 틀 6">
             <a:extLst>
               <a:ext uri="{FF2B5EF4-FFF2-40B4-BE49-F238E27FC236}">
-                <a16:creationId xmlns:a16="http://schemas.microsoft.com/office/drawing/2014/main" id="{8E0EDBB3-D4FF-4E7B-A8D3-67AF82A4FCE9}"/>
+                <a16:creationId xmlns:a16="http://schemas.microsoft.com/office/drawing/2014/main" xmlns="" id="{8E0EDBB3-D4FF-4E7B-A8D3-67AF82A4FCE9}"/>
               </a:ext>
             </a:extLst>
           </p:cNvPr>
@@ -14994,7 +15115,7 @@
         <p:spPr>
           <a:xfrm>
             <a:off x="362222" y="2649257"/>
-            <a:ext cx="4321047" cy="2308324"/>
+            <a:ext cx="4321047" cy="2031325"/>
           </a:xfrm>
           <a:prstGeom prst="rect">
             <a:avLst/>
@@ -15008,215 +15129,239 @@
           <a:lstStyle/>
           <a:p>
             <a:r>
-              <a:rPr lang="ko-KR" altLang="en-US" sz="1600" dirty="0" smtClean="0">
+              <a:rPr lang="ko-KR" altLang="en-US" sz="1400" dirty="0" smtClean="0">
                 <a:solidFill>
                   <a:schemeClr val="bg1">
                     <a:lumMod val="95000"/>
                   </a:schemeClr>
                 </a:solidFill>
-                <a:latin typeface="돋움" panose="020B0600000101010101" pitchFamily="50" charset="-127"/>
-                <a:ea typeface="돋움" panose="020B0600000101010101" pitchFamily="50" charset="-127"/>
-              </a:rPr>
-              <a:t>실행  </a:t>
-            </a:r>
-            <a:r>
-              <a:rPr lang="en-US" altLang="ko-KR" sz="1600" dirty="0" err="1" smtClean="0">
+                <a:latin typeface="HY견고딕" pitchFamily="18" charset="-127"/>
+                <a:ea typeface="HY견고딕" pitchFamily="18" charset="-127"/>
+              </a:rPr>
+              <a:t>실행 </a:t>
+            </a:r>
+            <a:r>
+              <a:rPr lang="en-US" altLang="ko-KR" sz="1400" dirty="0" err="1" smtClean="0">
                 <a:solidFill>
                   <a:schemeClr val="bg1">
                     <a:lumMod val="95000"/>
                   </a:schemeClr>
                 </a:solidFill>
-                <a:latin typeface="돋움" panose="020B0600000101010101" pitchFamily="50" charset="-127"/>
-                <a:ea typeface="돋움" panose="020B0600000101010101" pitchFamily="50" charset="-127"/>
+                <a:latin typeface="HY견고딕" pitchFamily="18" charset="-127"/>
+                <a:ea typeface="HY견고딕" pitchFamily="18" charset="-127"/>
               </a:rPr>
               <a:t>cmd</a:t>
             </a:r>
             <a:r>
-              <a:rPr lang="en-US" altLang="ko-KR" sz="1600" dirty="0" smtClean="0">
+              <a:rPr lang="en-US" altLang="ko-KR" sz="1400" dirty="0" smtClean="0">
                 <a:solidFill>
                   <a:schemeClr val="bg1">
                     <a:lumMod val="95000"/>
                   </a:schemeClr>
                 </a:solidFill>
-                <a:latin typeface="돋움" panose="020B0600000101010101" pitchFamily="50" charset="-127"/>
-                <a:ea typeface="돋움" panose="020B0600000101010101" pitchFamily="50" charset="-127"/>
+                <a:latin typeface="HY견고딕" pitchFamily="18" charset="-127"/>
+                <a:ea typeface="HY견고딕" pitchFamily="18" charset="-127"/>
               </a:rPr>
               <a:t> </a:t>
             </a:r>
             <a:r>
-              <a:rPr lang="ko-KR" altLang="en-US" sz="1600" dirty="0" smtClean="0">
+              <a:rPr lang="ko-KR" altLang="en-US" sz="1400" dirty="0" smtClean="0">
                 <a:solidFill>
                   <a:schemeClr val="bg1">
                     <a:lumMod val="95000"/>
                   </a:schemeClr>
                 </a:solidFill>
-                <a:latin typeface="돋움" panose="020B0600000101010101" pitchFamily="50" charset="-127"/>
-                <a:ea typeface="돋움" panose="020B0600000101010101" pitchFamily="50" charset="-127"/>
+                <a:latin typeface="HY견고딕" pitchFamily="18" charset="-127"/>
+                <a:ea typeface="HY견고딕" pitchFamily="18" charset="-127"/>
               </a:rPr>
               <a:t>화면 구현</a:t>
             </a:r>
-            <a:endParaRPr lang="en-US" altLang="ko-KR" sz="1600" dirty="0" smtClean="0">
+            <a:endParaRPr lang="en-US" altLang="ko-KR" sz="1400" dirty="0" smtClean="0">
               <a:solidFill>
                 <a:schemeClr val="bg1">
                   <a:lumMod val="95000"/>
                 </a:schemeClr>
               </a:solidFill>
-              <a:latin typeface="돋움" panose="020B0600000101010101" pitchFamily="50" charset="-127"/>
-              <a:ea typeface="돋움" panose="020B0600000101010101" pitchFamily="50" charset="-127"/>
+              <a:latin typeface="HY견고딕" pitchFamily="18" charset="-127"/>
+              <a:ea typeface="HY견고딕" pitchFamily="18" charset="-127"/>
             </a:endParaRPr>
           </a:p>
           <a:p>
-            <a:endParaRPr lang="en-US" altLang="ko-KR" sz="1600" dirty="0">
+            <a:endParaRPr lang="en-US" altLang="ko-KR" sz="1400" dirty="0">
               <a:solidFill>
                 <a:schemeClr val="bg1">
                   <a:lumMod val="95000"/>
                 </a:schemeClr>
               </a:solidFill>
-              <a:latin typeface="돋움" panose="020B0600000101010101" pitchFamily="50" charset="-127"/>
-              <a:ea typeface="돋움" panose="020B0600000101010101" pitchFamily="50" charset="-127"/>
+              <a:latin typeface="HY견고딕" pitchFamily="18" charset="-127"/>
+              <a:ea typeface="HY견고딕" pitchFamily="18" charset="-127"/>
             </a:endParaRPr>
           </a:p>
           <a:p>
             <a:r>
-              <a:rPr lang="ko-KR" altLang="en-US" sz="1600" dirty="0" smtClean="0">
+              <a:rPr lang="ko-KR" altLang="en-US" sz="1400" dirty="0" smtClean="0">
                 <a:solidFill>
                   <a:schemeClr val="bg1">
                     <a:lumMod val="95000"/>
                   </a:schemeClr>
                 </a:solidFill>
-                <a:latin typeface="돋움" panose="020B0600000101010101" pitchFamily="50" charset="-127"/>
-                <a:ea typeface="돋움" panose="020B0600000101010101" pitchFamily="50" charset="-127"/>
+                <a:latin typeface="HY견고딕" pitchFamily="18" charset="-127"/>
+                <a:ea typeface="HY견고딕" pitchFamily="18" charset="-127"/>
               </a:rPr>
               <a:t>간단한 명령어 사용가능</a:t>
             </a:r>
-            <a:endParaRPr lang="en-US" altLang="ko-KR" sz="1600" dirty="0" smtClean="0">
+            <a:endParaRPr lang="en-US" altLang="ko-KR" sz="1400" dirty="0" smtClean="0">
               <a:solidFill>
                 <a:schemeClr val="bg1">
                   <a:lumMod val="95000"/>
                 </a:schemeClr>
               </a:solidFill>
-              <a:latin typeface="돋움" panose="020B0600000101010101" pitchFamily="50" charset="-127"/>
-              <a:ea typeface="돋움" panose="020B0600000101010101" pitchFamily="50" charset="-127"/>
+              <a:latin typeface="HY견고딕" pitchFamily="18" charset="-127"/>
+              <a:ea typeface="HY견고딕" pitchFamily="18" charset="-127"/>
             </a:endParaRPr>
           </a:p>
           <a:p>
-            <a:endParaRPr lang="en-US" altLang="ko-KR" sz="1600" dirty="0">
+            <a:endParaRPr lang="en-US" altLang="ko-KR" sz="1400" dirty="0">
               <a:solidFill>
                 <a:schemeClr val="bg1">
                   <a:lumMod val="95000"/>
                 </a:schemeClr>
               </a:solidFill>
-              <a:latin typeface="돋움" panose="020B0600000101010101" pitchFamily="50" charset="-127"/>
-              <a:ea typeface="돋움" panose="020B0600000101010101" pitchFamily="50" charset="-127"/>
+              <a:latin typeface="HY견고딕" pitchFamily="18" charset="-127"/>
+              <a:ea typeface="HY견고딕" pitchFamily="18" charset="-127"/>
             </a:endParaRPr>
           </a:p>
           <a:p>
             <a:r>
-              <a:rPr lang="en-US" altLang="ko-KR" sz="1600" dirty="0" smtClean="0">
+              <a:rPr lang="en-US" altLang="ko-KR" sz="1400" dirty="0" smtClean="0">
                 <a:solidFill>
                   <a:schemeClr val="bg1">
                     <a:lumMod val="95000"/>
                   </a:schemeClr>
                 </a:solidFill>
-                <a:latin typeface="돋움" panose="020B0600000101010101" pitchFamily="50" charset="-127"/>
-                <a:ea typeface="돋움" panose="020B0600000101010101" pitchFamily="50" charset="-127"/>
+                <a:latin typeface="HY견고딕" pitchFamily="18" charset="-127"/>
+                <a:ea typeface="HY견고딕" pitchFamily="18" charset="-127"/>
               </a:rPr>
               <a:t>Cd..  </a:t>
             </a:r>
             <a:r>
-              <a:rPr lang="en-US" altLang="ko-KR" sz="1600" dirty="0">
+              <a:rPr lang="en-US" altLang="ko-KR" sz="1400" dirty="0">
                 <a:solidFill>
                   <a:schemeClr val="bg1">
                     <a:lumMod val="95000"/>
                   </a:schemeClr>
                 </a:solidFill>
-                <a:latin typeface="돋움" panose="020B0600000101010101" pitchFamily="50" charset="-127"/>
-                <a:ea typeface="돋움" panose="020B0600000101010101" pitchFamily="50" charset="-127"/>
+                <a:latin typeface="HY견고딕" pitchFamily="18" charset="-127"/>
+                <a:ea typeface="HY견고딕" pitchFamily="18" charset="-127"/>
               </a:rPr>
               <a:t> </a:t>
             </a:r>
             <a:r>
-              <a:rPr lang="en-US" altLang="ko-KR" sz="1600" dirty="0" smtClean="0">
+              <a:rPr lang="en-US" altLang="ko-KR" sz="1400" dirty="0" smtClean="0">
                 <a:solidFill>
                   <a:schemeClr val="bg1">
                     <a:lumMod val="95000"/>
                   </a:schemeClr>
                 </a:solidFill>
-                <a:latin typeface="돋움" panose="020B0600000101010101" pitchFamily="50" charset="-127"/>
-                <a:ea typeface="돋움" panose="020B0600000101010101" pitchFamily="50" charset="-127"/>
+                <a:latin typeface="HY견고딕" pitchFamily="18" charset="-127"/>
+                <a:ea typeface="HY견고딕" pitchFamily="18" charset="-127"/>
               </a:rPr>
               <a:t> Dir    cd html </a:t>
             </a:r>
           </a:p>
           <a:p>
-            <a:endParaRPr lang="en-US" altLang="ko-KR" sz="1600" dirty="0">
+            <a:endParaRPr lang="en-US" altLang="ko-KR" sz="1400" dirty="0">
               <a:solidFill>
                 <a:schemeClr val="bg1">
                   <a:lumMod val="95000"/>
                 </a:schemeClr>
               </a:solidFill>
-              <a:latin typeface="돋움" panose="020B0600000101010101" pitchFamily="50" charset="-127"/>
-              <a:ea typeface="돋움" panose="020B0600000101010101" pitchFamily="50" charset="-127"/>
+              <a:latin typeface="HY견고딕" pitchFamily="18" charset="-127"/>
+              <a:ea typeface="HY견고딕" pitchFamily="18" charset="-127"/>
             </a:endParaRPr>
           </a:p>
           <a:p>
             <a:r>
-              <a:rPr lang="en-US" altLang="ko-KR" sz="1600" dirty="0" smtClean="0">
+              <a:rPr lang="en-US" altLang="ko-KR" sz="1400" dirty="0" smtClean="0">
                 <a:solidFill>
                   <a:schemeClr val="bg1">
                     <a:lumMod val="95000"/>
                   </a:schemeClr>
                 </a:solidFill>
-                <a:latin typeface="돋움" panose="020B0600000101010101" pitchFamily="50" charset="-127"/>
-                <a:ea typeface="돋움" panose="020B0600000101010101" pitchFamily="50" charset="-127"/>
+                <a:latin typeface="HY견고딕" pitchFamily="18" charset="-127"/>
+                <a:ea typeface="HY견고딕" pitchFamily="18" charset="-127"/>
               </a:rPr>
               <a:t>Cd html.exe </a:t>
             </a:r>
           </a:p>
           <a:p>
-            <a:endParaRPr lang="en-US" altLang="ko-KR" sz="1600" dirty="0">
+            <a:endParaRPr lang="en-US" altLang="ko-KR" sz="1400" dirty="0">
               <a:solidFill>
                 <a:schemeClr val="bg1">
                   <a:lumMod val="95000"/>
                 </a:schemeClr>
               </a:solidFill>
-              <a:latin typeface="돋움" panose="020B0600000101010101" pitchFamily="50" charset="-127"/>
-              <a:ea typeface="돋움" panose="020B0600000101010101" pitchFamily="50" charset="-127"/>
+              <a:latin typeface="HY견고딕" pitchFamily="18" charset="-127"/>
+              <a:ea typeface="HY견고딕" pitchFamily="18" charset="-127"/>
             </a:endParaRPr>
           </a:p>
           <a:p>
             <a:r>
-              <a:rPr lang="en-US" altLang="ko-KR" sz="1600" dirty="0" smtClean="0">
+              <a:rPr lang="en-US" altLang="ko-KR" sz="1400" dirty="0" smtClean="0">
                 <a:solidFill>
                   <a:schemeClr val="bg1">
                     <a:lumMod val="95000"/>
                   </a:schemeClr>
                 </a:solidFill>
-                <a:latin typeface="돋움" panose="020B0600000101010101" pitchFamily="50" charset="-127"/>
-                <a:ea typeface="돋움" panose="020B0600000101010101" pitchFamily="50" charset="-127"/>
+                <a:latin typeface="HY견고딕" pitchFamily="18" charset="-127"/>
+                <a:ea typeface="HY견고딕" pitchFamily="18" charset="-127"/>
               </a:rPr>
               <a:t>Ipconfig </a:t>
             </a:r>
             <a:r>
-              <a:rPr lang="ko-KR" altLang="en-US" sz="1600" dirty="0" smtClean="0">
+              <a:rPr lang="ko-KR" altLang="en-US" sz="1400" dirty="0" smtClean="0">
                 <a:solidFill>
                   <a:schemeClr val="bg1">
                     <a:lumMod val="95000"/>
                   </a:schemeClr>
                 </a:solidFill>
-                <a:latin typeface="돋움" panose="020B0600000101010101" pitchFamily="50" charset="-127"/>
-                <a:ea typeface="돋움" panose="020B0600000101010101" pitchFamily="50" charset="-127"/>
-              </a:rPr>
-              <a:t>등등 입력이 가능함</a:t>
-            </a:r>
-            <a:endParaRPr lang="en-US" altLang="ko-KR" sz="1600" dirty="0" smtClean="0">
+                <a:latin typeface="HY견고딕" pitchFamily="18" charset="-127"/>
+                <a:ea typeface="HY견고딕" pitchFamily="18" charset="-127"/>
+              </a:rPr>
+              <a:t>등등 </a:t>
+            </a:r>
+            <a:r>
+              <a:rPr lang="ko-KR" altLang="en-US" sz="1400" dirty="0" smtClean="0">
+                <a:solidFill>
+                  <a:schemeClr val="bg1">
+                    <a:lumMod val="95000"/>
+                  </a:schemeClr>
+                </a:solidFill>
+                <a:latin typeface="HY견고딕" pitchFamily="18" charset="-127"/>
+                <a:ea typeface="HY견고딕" pitchFamily="18" charset="-127"/>
+              </a:rPr>
+              <a:t>입력 </a:t>
+            </a:r>
+            <a:r>
+              <a:rPr lang="ko-KR" altLang="en-US" sz="1400" dirty="0" smtClean="0">
+                <a:solidFill>
+                  <a:schemeClr val="bg1">
+                    <a:lumMod val="95000"/>
+                  </a:schemeClr>
+                </a:solidFill>
+                <a:latin typeface="HY견고딕" pitchFamily="18" charset="-127"/>
+                <a:ea typeface="HY견고딕" pitchFamily="18" charset="-127"/>
+              </a:rPr>
+              <a:t>가능함</a:t>
+            </a:r>
+            <a:endParaRPr lang="en-US" altLang="ko-KR" sz="1400" dirty="0" smtClean="0">
               <a:solidFill>
                 <a:schemeClr val="bg1">
                   <a:lumMod val="95000"/>
                 </a:schemeClr>
               </a:solidFill>
-              <a:latin typeface="돋움" panose="020B0600000101010101" pitchFamily="50" charset="-127"/>
-              <a:ea typeface="돋움" panose="020B0600000101010101" pitchFamily="50" charset="-127"/>
+              <a:latin typeface="HY견고딕" pitchFamily="18" charset="-127"/>
+              <a:ea typeface="HY견고딕" pitchFamily="18" charset="-127"/>
             </a:endParaRPr>
           </a:p>
         </p:txBody>
@@ -15360,7 +15505,7 @@
           <p:cNvPr id="39" name="텍스트 개체 틀 38">
             <a:extLst>
               <a:ext uri="{FF2B5EF4-FFF2-40B4-BE49-F238E27FC236}">
-                <a16:creationId xmlns:a16="http://schemas.microsoft.com/office/drawing/2014/main" id="{C6CE00CC-B0D1-485B-BCB4-1DF3C37F08C8}"/>
+                <a16:creationId xmlns:a16="http://schemas.microsoft.com/office/drawing/2014/main" xmlns="" id="{C6CE00CC-B0D1-485B-BCB4-1DF3C37F08C8}"/>
               </a:ext>
             </a:extLst>
           </p:cNvPr>
@@ -15425,7 +15570,7 @@
           <p:cNvPr id="5" name="텍스트 개체 틀 4">
             <a:extLst>
               <a:ext uri="{FF2B5EF4-FFF2-40B4-BE49-F238E27FC236}">
-                <a16:creationId xmlns:a16="http://schemas.microsoft.com/office/drawing/2014/main" id="{B95EAB89-9F08-4839-9D43-75DA02405856}"/>
+                <a16:creationId xmlns:a16="http://schemas.microsoft.com/office/drawing/2014/main" xmlns="" id="{B95EAB89-9F08-4839-9D43-75DA02405856}"/>
               </a:ext>
             </a:extLst>
           </p:cNvPr>
@@ -15443,11 +15588,17 @@
           <a:p>
             <a:pPr algn="ctr"/>
             <a:r>
-              <a:rPr lang="en-US" altLang="ko-KR" dirty="0" err="1"/>
+              <a:rPr lang="en-US" altLang="ko-KR" dirty="0" err="1">
+                <a:latin typeface="HY견고딕" pitchFamily="18" charset="-127"/>
+                <a:ea typeface="HY견고딕" pitchFamily="18" charset="-127"/>
+              </a:rPr>
               <a:t>Insipred</a:t>
             </a:r>
             <a:r>
-              <a:rPr lang="en-US" altLang="ko-KR" dirty="0"/>
+              <a:rPr lang="en-US" altLang="ko-KR" dirty="0">
+                <a:latin typeface="HY견고딕" pitchFamily="18" charset="-127"/>
+                <a:ea typeface="HY견고딕" pitchFamily="18" charset="-127"/>
+              </a:rPr>
               <a:t> by Microsoft</a:t>
             </a:r>
           </a:p>
@@ -15458,7 +15609,7 @@
           <p:cNvPr id="10" name="텍스트 개체 틀 9">
             <a:extLst>
               <a:ext uri="{FF2B5EF4-FFF2-40B4-BE49-F238E27FC236}">
-                <a16:creationId xmlns:a16="http://schemas.microsoft.com/office/drawing/2014/main" id="{99454B0E-5931-44B3-85F9-0BFAB1F5FE98}"/>
+                <a16:creationId xmlns:a16="http://schemas.microsoft.com/office/drawing/2014/main" xmlns="" id="{99454B0E-5931-44B3-85F9-0BFAB1F5FE98}"/>
               </a:ext>
             </a:extLst>
           </p:cNvPr>
@@ -15481,10 +15632,16 @@
           <a:p>
             <a:pPr algn="ctr"/>
             <a:r>
-              <a:rPr lang="ko-KR" altLang="en-US" dirty="0" smtClean="0"/>
+              <a:rPr lang="ko-KR" altLang="en-US" dirty="0" smtClean="0">
+                <a:latin typeface="HY견고딕" pitchFamily="18" charset="-127"/>
+                <a:ea typeface="HY견고딕" pitchFamily="18" charset="-127"/>
+              </a:rPr>
               <a:t>기획의도</a:t>
             </a:r>
-            <a:endParaRPr lang="en-US" dirty="0"/>
+            <a:endParaRPr lang="en-US" dirty="0">
+              <a:latin typeface="HY견고딕" pitchFamily="18" charset="-127"/>
+              <a:ea typeface="HY견고딕" pitchFamily="18" charset="-127"/>
+            </a:endParaRPr>
           </a:p>
         </p:txBody>
       </p:sp>
@@ -15493,7 +15650,7 @@
           <p:cNvPr id="11" name="텍스트 개체 틀 10">
             <a:extLst>
               <a:ext uri="{FF2B5EF4-FFF2-40B4-BE49-F238E27FC236}">
-                <a16:creationId xmlns:a16="http://schemas.microsoft.com/office/drawing/2014/main" id="{E3803625-4AEB-4470-B2F0-8DA614C5F499}"/>
+                <a16:creationId xmlns:a16="http://schemas.microsoft.com/office/drawing/2014/main" xmlns="" id="{E3803625-4AEB-4470-B2F0-8DA614C5F499}"/>
               </a:ext>
             </a:extLst>
           </p:cNvPr>
@@ -15529,10 +15686,16 @@
           <a:p>
             <a:pPr algn="ctr"/>
             <a:r>
-              <a:rPr lang="ko-KR" altLang="en-US" dirty="0" smtClean="0"/>
+              <a:rPr lang="ko-KR" altLang="en-US" dirty="0" smtClean="0">
+                <a:latin typeface="HY견고딕" pitchFamily="18" charset="-127"/>
+                <a:ea typeface="HY견고딕" pitchFamily="18" charset="-127"/>
+              </a:rPr>
               <a:t>아이디어</a:t>
             </a:r>
-            <a:endParaRPr lang="en-US" dirty="0"/>
+            <a:endParaRPr lang="en-US" dirty="0">
+              <a:latin typeface="HY견고딕" pitchFamily="18" charset="-127"/>
+              <a:ea typeface="HY견고딕" pitchFamily="18" charset="-127"/>
+            </a:endParaRPr>
           </a:p>
         </p:txBody>
       </p:sp>
@@ -15541,7 +15704,7 @@
           <p:cNvPr id="12" name="텍스트 개체 틀 11">
             <a:extLst>
               <a:ext uri="{FF2B5EF4-FFF2-40B4-BE49-F238E27FC236}">
-                <a16:creationId xmlns:a16="http://schemas.microsoft.com/office/drawing/2014/main" id="{8EA289A6-BFAA-47B6-8728-F115665F6A68}"/>
+                <a16:creationId xmlns:a16="http://schemas.microsoft.com/office/drawing/2014/main" xmlns="" id="{8EA289A6-BFAA-47B6-8728-F115665F6A68}"/>
               </a:ext>
             </a:extLst>
           </p:cNvPr>
@@ -15564,10 +15727,16 @@
           <a:p>
             <a:pPr algn="ctr"/>
             <a:r>
-              <a:rPr lang="ko-KR" altLang="en-US" dirty="0" smtClean="0"/>
+              <a:rPr lang="ko-KR" altLang="en-US" dirty="0" smtClean="0">
+                <a:latin typeface="HY견고딕" pitchFamily="18" charset="-127"/>
+                <a:ea typeface="HY견고딕" pitchFamily="18" charset="-127"/>
+              </a:rPr>
               <a:t>기능</a:t>
             </a:r>
-            <a:endParaRPr lang="en-US" dirty="0"/>
+            <a:endParaRPr lang="en-US" dirty="0">
+              <a:latin typeface="HY견고딕" pitchFamily="18" charset="-127"/>
+              <a:ea typeface="HY견고딕" pitchFamily="18" charset="-127"/>
+            </a:endParaRPr>
           </a:p>
         </p:txBody>
       </p:sp>
@@ -15576,7 +15745,7 @@
           <p:cNvPr id="13" name="텍스트 개체 틀 12">
             <a:extLst>
               <a:ext uri="{FF2B5EF4-FFF2-40B4-BE49-F238E27FC236}">
-                <a16:creationId xmlns:a16="http://schemas.microsoft.com/office/drawing/2014/main" id="{BDC90A57-856A-4E00-BB0A-DD49A033FB98}"/>
+                <a16:creationId xmlns:a16="http://schemas.microsoft.com/office/drawing/2014/main" xmlns="" id="{BDC90A57-856A-4E00-BB0A-DD49A033FB98}"/>
               </a:ext>
             </a:extLst>
           </p:cNvPr>
@@ -15612,10 +15781,16 @@
           <a:p>
             <a:pPr algn="ctr"/>
             <a:r>
-              <a:rPr lang="ko-KR" altLang="en-US" dirty="0" err="1" smtClean="0"/>
+              <a:rPr lang="ko-KR" altLang="en-US" dirty="0" err="1" smtClean="0">
+                <a:latin typeface="HY견고딕" pitchFamily="18" charset="-127"/>
+                <a:ea typeface="HY견고딕" pitchFamily="18" charset="-127"/>
+              </a:rPr>
               <a:t>페이지소개</a:t>
             </a:r>
-            <a:endParaRPr lang="en-US" dirty="0"/>
+            <a:endParaRPr lang="en-US" dirty="0">
+              <a:latin typeface="HY견고딕" pitchFamily="18" charset="-127"/>
+              <a:ea typeface="HY견고딕" pitchFamily="18" charset="-127"/>
+            </a:endParaRPr>
           </a:p>
         </p:txBody>
       </p:sp>
@@ -15624,7 +15799,7 @@
           <p:cNvPr id="14" name="텍스트 개체 틀 13">
             <a:extLst>
               <a:ext uri="{FF2B5EF4-FFF2-40B4-BE49-F238E27FC236}">
-                <a16:creationId xmlns:a16="http://schemas.microsoft.com/office/drawing/2014/main" id="{D2B8F9DD-16E6-497C-A24C-1BF8EFE15894}"/>
+                <a16:creationId xmlns:a16="http://schemas.microsoft.com/office/drawing/2014/main" xmlns="" id="{D2B8F9DD-16E6-497C-A24C-1BF8EFE15894}"/>
               </a:ext>
             </a:extLst>
           </p:cNvPr>
@@ -15647,10 +15822,16 @@
           <a:p>
             <a:pPr algn="ctr"/>
             <a:r>
-              <a:rPr lang="ko-KR" altLang="en-US" dirty="0" smtClean="0"/>
+              <a:rPr lang="ko-KR" altLang="en-US" dirty="0" smtClean="0">
+                <a:latin typeface="HY견고딕" pitchFamily="18" charset="-127"/>
+                <a:ea typeface="HY견고딕" pitchFamily="18" charset="-127"/>
+              </a:rPr>
               <a:t>사용 언어</a:t>
             </a:r>
-            <a:endParaRPr lang="en-US" dirty="0"/>
+            <a:endParaRPr lang="en-US" dirty="0">
+              <a:latin typeface="HY견고딕" pitchFamily="18" charset="-127"/>
+              <a:ea typeface="HY견고딕" pitchFamily="18" charset="-127"/>
+            </a:endParaRPr>
           </a:p>
         </p:txBody>
       </p:sp>
@@ -15659,7 +15840,7 @@
           <p:cNvPr id="26" name="텍스트 개체 틀 25">
             <a:extLst>
               <a:ext uri="{FF2B5EF4-FFF2-40B4-BE49-F238E27FC236}">
-                <a16:creationId xmlns:a16="http://schemas.microsoft.com/office/drawing/2014/main" id="{5AB51106-CFC3-40DB-AF7A-469E481BA527}"/>
+                <a16:creationId xmlns:a16="http://schemas.microsoft.com/office/drawing/2014/main" xmlns="" id="{5AB51106-CFC3-40DB-AF7A-469E481BA527}"/>
               </a:ext>
             </a:extLst>
           </p:cNvPr>
@@ -15708,7 +15889,7 @@
           <p:cNvPr id="15" name="직선 연결선 14">
             <a:extLst>
               <a:ext uri="{FF2B5EF4-FFF2-40B4-BE49-F238E27FC236}">
-                <a16:creationId xmlns:a16="http://schemas.microsoft.com/office/drawing/2014/main" id="{3D46AC39-B6AD-4EF6-8C79-B7FCC12DBA0E}"/>
+                <a16:creationId xmlns:a16="http://schemas.microsoft.com/office/drawing/2014/main" xmlns="" id="{3D46AC39-B6AD-4EF6-8C79-B7FCC12DBA0E}"/>
               </a:ext>
             </a:extLst>
           </p:cNvPr>
@@ -15788,7 +15969,7 @@
           <p:cNvPr id="8" name="텍스트 개체 틀 7">
             <a:extLst>
               <a:ext uri="{FF2B5EF4-FFF2-40B4-BE49-F238E27FC236}">
-                <a16:creationId xmlns:a16="http://schemas.microsoft.com/office/drawing/2014/main" id="{F941FAD0-2E99-4CAC-B16F-30C5DE050E43}"/>
+                <a16:creationId xmlns:a16="http://schemas.microsoft.com/office/drawing/2014/main" xmlns="" id="{F941FAD0-2E99-4CAC-B16F-30C5DE050E43}"/>
               </a:ext>
             </a:extLst>
           </p:cNvPr>
@@ -15823,7 +16004,7 @@
           <p:cNvPr id="9" name="텍스트 개체 틀 8">
             <a:extLst>
               <a:ext uri="{FF2B5EF4-FFF2-40B4-BE49-F238E27FC236}">
-                <a16:creationId xmlns:a16="http://schemas.microsoft.com/office/drawing/2014/main" id="{A07C0B61-375E-4330-850F-740158BE3674}"/>
+                <a16:creationId xmlns:a16="http://schemas.microsoft.com/office/drawing/2014/main" xmlns="" id="{A07C0B61-375E-4330-850F-740158BE3674}"/>
               </a:ext>
             </a:extLst>
           </p:cNvPr>
@@ -15856,7 +16037,7 @@
           <p:cNvPr id="7" name="텍스트 개체 틀 6">
             <a:extLst>
               <a:ext uri="{FF2B5EF4-FFF2-40B4-BE49-F238E27FC236}">
-                <a16:creationId xmlns:a16="http://schemas.microsoft.com/office/drawing/2014/main" id="{8E0EDBB3-D4FF-4E7B-A8D3-67AF82A4FCE9}"/>
+                <a16:creationId xmlns:a16="http://schemas.microsoft.com/office/drawing/2014/main" xmlns="" id="{8E0EDBB3-D4FF-4E7B-A8D3-67AF82A4FCE9}"/>
               </a:ext>
             </a:extLst>
           </p:cNvPr>
@@ -15899,7 +16080,7 @@
         <p:spPr>
           <a:xfrm>
             <a:off x="250951" y="2833069"/>
-            <a:ext cx="4321047" cy="2800767"/>
+            <a:ext cx="4321047" cy="2462213"/>
           </a:xfrm>
           <a:prstGeom prst="rect">
             <a:avLst/>
@@ -15913,207 +16094,207 @@
           <a:lstStyle/>
           <a:p>
             <a:r>
-              <a:rPr lang="ko-KR" altLang="en-US" sz="1600" dirty="0" smtClean="0">
+              <a:rPr lang="ko-KR" altLang="en-US" sz="1400" dirty="0" smtClean="0">
                 <a:solidFill>
                   <a:schemeClr val="bg1">
                     <a:lumMod val="95000"/>
                   </a:schemeClr>
                 </a:solidFill>
-                <a:latin typeface="돋움" panose="020B0600000101010101" pitchFamily="50" charset="-127"/>
-                <a:ea typeface="돋움" panose="020B0600000101010101" pitchFamily="50" charset="-127"/>
+                <a:latin typeface="HY견고딕" pitchFamily="18" charset="-127"/>
+                <a:ea typeface="HY견고딕" pitchFamily="18" charset="-127"/>
               </a:rPr>
               <a:t>인터넷 </a:t>
             </a:r>
             <a:r>
-              <a:rPr lang="ko-KR" altLang="en-US" sz="1600" dirty="0" err="1" smtClean="0">
+              <a:rPr lang="ko-KR" altLang="en-US" sz="1400" dirty="0" err="1" smtClean="0">
                 <a:solidFill>
                   <a:schemeClr val="bg1">
                     <a:lumMod val="95000"/>
                   </a:schemeClr>
                 </a:solidFill>
-                <a:latin typeface="돋움" panose="020B0600000101010101" pitchFamily="50" charset="-127"/>
-                <a:ea typeface="돋움" panose="020B0600000101010101" pitchFamily="50" charset="-127"/>
+                <a:latin typeface="HY견고딕" pitchFamily="18" charset="-127"/>
+                <a:ea typeface="HY견고딕" pitchFamily="18" charset="-127"/>
               </a:rPr>
               <a:t>사용화면</a:t>
             </a:r>
-            <a:endParaRPr lang="en-US" altLang="ko-KR" sz="1600" dirty="0" smtClean="0">
+            <a:endParaRPr lang="en-US" altLang="ko-KR" sz="1400" dirty="0" smtClean="0">
               <a:solidFill>
                 <a:schemeClr val="bg1">
                   <a:lumMod val="95000"/>
                 </a:schemeClr>
               </a:solidFill>
-              <a:latin typeface="돋움" panose="020B0600000101010101" pitchFamily="50" charset="-127"/>
-              <a:ea typeface="돋움" panose="020B0600000101010101" pitchFamily="50" charset="-127"/>
+              <a:latin typeface="HY견고딕" pitchFamily="18" charset="-127"/>
+              <a:ea typeface="HY견고딕" pitchFamily="18" charset="-127"/>
             </a:endParaRPr>
           </a:p>
           <a:p>
-            <a:endParaRPr lang="en-US" altLang="ko-KR" sz="1600" dirty="0">
+            <a:endParaRPr lang="en-US" altLang="ko-KR" sz="1400" dirty="0">
               <a:solidFill>
                 <a:schemeClr val="bg1">
                   <a:lumMod val="95000"/>
                 </a:schemeClr>
               </a:solidFill>
-              <a:latin typeface="돋움" panose="020B0600000101010101" pitchFamily="50" charset="-127"/>
-              <a:ea typeface="돋움" panose="020B0600000101010101" pitchFamily="50" charset="-127"/>
+              <a:latin typeface="HY견고딕" pitchFamily="18" charset="-127"/>
+              <a:ea typeface="HY견고딕" pitchFamily="18" charset="-127"/>
             </a:endParaRPr>
           </a:p>
           <a:p>
             <a:r>
-              <a:rPr lang="ko-KR" altLang="en-US" sz="1600" dirty="0" smtClean="0">
+              <a:rPr lang="ko-KR" altLang="en-US" sz="1400" dirty="0" smtClean="0">
                 <a:solidFill>
                   <a:schemeClr val="bg1">
                     <a:lumMod val="95000"/>
                   </a:schemeClr>
                 </a:solidFill>
-                <a:latin typeface="돋움" panose="020B0600000101010101" pitchFamily="50" charset="-127"/>
-                <a:ea typeface="돋움" panose="020B0600000101010101" pitchFamily="50" charset="-127"/>
+                <a:latin typeface="HY견고딕" pitchFamily="18" charset="-127"/>
+                <a:ea typeface="HY견고딕" pitchFamily="18" charset="-127"/>
               </a:rPr>
               <a:t>제작한 포트폴리오를</a:t>
             </a:r>
-            <a:endParaRPr lang="en-US" altLang="ko-KR" sz="1600" dirty="0" smtClean="0">
+            <a:endParaRPr lang="en-US" altLang="ko-KR" sz="1400" dirty="0" smtClean="0">
               <a:solidFill>
                 <a:schemeClr val="bg1">
                   <a:lumMod val="95000"/>
                 </a:schemeClr>
               </a:solidFill>
-              <a:latin typeface="돋움" panose="020B0600000101010101" pitchFamily="50" charset="-127"/>
-              <a:ea typeface="돋움" panose="020B0600000101010101" pitchFamily="50" charset="-127"/>
+              <a:latin typeface="HY견고딕" pitchFamily="18" charset="-127"/>
+              <a:ea typeface="HY견고딕" pitchFamily="18" charset="-127"/>
             </a:endParaRPr>
           </a:p>
           <a:p>
-            <a:endParaRPr lang="en-US" altLang="ko-KR" sz="1600" dirty="0">
+            <a:endParaRPr lang="en-US" altLang="ko-KR" sz="1400" dirty="0">
               <a:solidFill>
                 <a:schemeClr val="bg1">
                   <a:lumMod val="95000"/>
                 </a:schemeClr>
               </a:solidFill>
-              <a:latin typeface="돋움" panose="020B0600000101010101" pitchFamily="50" charset="-127"/>
-              <a:ea typeface="돋움" panose="020B0600000101010101" pitchFamily="50" charset="-127"/>
+              <a:latin typeface="HY견고딕" pitchFamily="18" charset="-127"/>
+              <a:ea typeface="HY견고딕" pitchFamily="18" charset="-127"/>
             </a:endParaRPr>
           </a:p>
           <a:p>
             <a:r>
-              <a:rPr lang="ko-KR" altLang="en-US" sz="1600" dirty="0" smtClean="0">
+              <a:rPr lang="ko-KR" altLang="en-US" sz="1400" dirty="0" smtClean="0">
                 <a:solidFill>
                   <a:schemeClr val="bg1">
                     <a:lumMod val="95000"/>
                   </a:schemeClr>
                 </a:solidFill>
-                <a:latin typeface="돋움" panose="020B0600000101010101" pitchFamily="50" charset="-127"/>
-                <a:ea typeface="돋움" panose="020B0600000101010101" pitchFamily="50" charset="-127"/>
+                <a:latin typeface="HY견고딕" pitchFamily="18" charset="-127"/>
+                <a:ea typeface="HY견고딕" pitchFamily="18" charset="-127"/>
               </a:rPr>
               <a:t>보여주는 페이지로 활용</a:t>
             </a:r>
-            <a:endParaRPr lang="en-US" altLang="ko-KR" sz="1600" dirty="0" smtClean="0">
+            <a:endParaRPr lang="en-US" altLang="ko-KR" sz="1400" dirty="0" smtClean="0">
               <a:solidFill>
                 <a:schemeClr val="bg1">
                   <a:lumMod val="95000"/>
                 </a:schemeClr>
               </a:solidFill>
-              <a:latin typeface="돋움" panose="020B0600000101010101" pitchFamily="50" charset="-127"/>
-              <a:ea typeface="돋움" panose="020B0600000101010101" pitchFamily="50" charset="-127"/>
+              <a:latin typeface="HY견고딕" pitchFamily="18" charset="-127"/>
+              <a:ea typeface="HY견고딕" pitchFamily="18" charset="-127"/>
             </a:endParaRPr>
           </a:p>
           <a:p>
-            <a:endParaRPr lang="en-US" altLang="ko-KR" sz="1600" dirty="0">
+            <a:endParaRPr lang="en-US" altLang="ko-KR" sz="1400" dirty="0">
               <a:solidFill>
                 <a:schemeClr val="bg1">
                   <a:lumMod val="95000"/>
                 </a:schemeClr>
               </a:solidFill>
-              <a:latin typeface="돋움" panose="020B0600000101010101" pitchFamily="50" charset="-127"/>
-              <a:ea typeface="돋움" panose="020B0600000101010101" pitchFamily="50" charset="-127"/>
+              <a:latin typeface="HY견고딕" pitchFamily="18" charset="-127"/>
+              <a:ea typeface="HY견고딕" pitchFamily="18" charset="-127"/>
             </a:endParaRPr>
           </a:p>
           <a:p>
             <a:r>
-              <a:rPr lang="ko-KR" altLang="en-US" sz="1600" dirty="0" smtClean="0">
+              <a:rPr lang="ko-KR" altLang="en-US" sz="1400" dirty="0" smtClean="0">
                 <a:solidFill>
                   <a:schemeClr val="bg1">
                     <a:lumMod val="95000"/>
                   </a:schemeClr>
                 </a:solidFill>
-                <a:latin typeface="돋움" panose="020B0600000101010101" pitchFamily="50" charset="-127"/>
-                <a:ea typeface="돋움" panose="020B0600000101010101" pitchFamily="50" charset="-127"/>
+                <a:latin typeface="HY견고딕" pitchFamily="18" charset="-127"/>
+                <a:ea typeface="HY견고딕" pitchFamily="18" charset="-127"/>
               </a:rPr>
               <a:t>포트폴리오가 추가되면</a:t>
             </a:r>
-            <a:endParaRPr lang="en-US" altLang="ko-KR" sz="1600" dirty="0" smtClean="0">
+            <a:endParaRPr lang="en-US" altLang="ko-KR" sz="1400" dirty="0" smtClean="0">
               <a:solidFill>
                 <a:schemeClr val="bg1">
                   <a:lumMod val="95000"/>
                 </a:schemeClr>
               </a:solidFill>
-              <a:latin typeface="돋움" panose="020B0600000101010101" pitchFamily="50" charset="-127"/>
-              <a:ea typeface="돋움" panose="020B0600000101010101" pitchFamily="50" charset="-127"/>
+              <a:latin typeface="HY견고딕" pitchFamily="18" charset="-127"/>
+              <a:ea typeface="HY견고딕" pitchFamily="18" charset="-127"/>
             </a:endParaRPr>
           </a:p>
           <a:p>
-            <a:endParaRPr lang="en-US" altLang="ko-KR" sz="1600" dirty="0">
+            <a:endParaRPr lang="en-US" altLang="ko-KR" sz="1400" dirty="0">
               <a:solidFill>
                 <a:schemeClr val="bg1">
                   <a:lumMod val="95000"/>
                 </a:schemeClr>
               </a:solidFill>
-              <a:latin typeface="돋움" panose="020B0600000101010101" pitchFamily="50" charset="-127"/>
-              <a:ea typeface="돋움" panose="020B0600000101010101" pitchFamily="50" charset="-127"/>
+              <a:latin typeface="HY견고딕" pitchFamily="18" charset="-127"/>
+              <a:ea typeface="HY견고딕" pitchFamily="18" charset="-127"/>
             </a:endParaRPr>
           </a:p>
           <a:p>
             <a:r>
-              <a:rPr lang="ko-KR" altLang="en-US" sz="1600" dirty="0" smtClean="0">
+              <a:rPr lang="ko-KR" altLang="en-US" sz="1400" dirty="0" smtClean="0">
                 <a:solidFill>
                   <a:schemeClr val="bg1">
                     <a:lumMod val="95000"/>
                   </a:schemeClr>
                 </a:solidFill>
-                <a:latin typeface="돋움" panose="020B0600000101010101" pitchFamily="50" charset="-127"/>
-                <a:ea typeface="돋움" panose="020B0600000101010101" pitchFamily="50" charset="-127"/>
+                <a:latin typeface="HY견고딕" pitchFamily="18" charset="-127"/>
+                <a:ea typeface="HY견고딕" pitchFamily="18" charset="-127"/>
               </a:rPr>
               <a:t>지속적으로 업데이트</a:t>
             </a:r>
-            <a:endParaRPr lang="en-US" altLang="ko-KR" sz="1600" dirty="0" smtClean="0">
+            <a:endParaRPr lang="en-US" altLang="ko-KR" sz="1400" dirty="0" smtClean="0">
               <a:solidFill>
                 <a:schemeClr val="bg1">
                   <a:lumMod val="95000"/>
                 </a:schemeClr>
               </a:solidFill>
-              <a:latin typeface="돋움" panose="020B0600000101010101" pitchFamily="50" charset="-127"/>
-              <a:ea typeface="돋움" panose="020B0600000101010101" pitchFamily="50" charset="-127"/>
+              <a:latin typeface="HY견고딕" pitchFamily="18" charset="-127"/>
+              <a:ea typeface="HY견고딕" pitchFamily="18" charset="-127"/>
             </a:endParaRPr>
           </a:p>
           <a:p>
-            <a:endParaRPr lang="en-US" altLang="ko-KR" sz="1600" dirty="0">
+            <a:endParaRPr lang="en-US" altLang="ko-KR" sz="1400" dirty="0">
               <a:solidFill>
                 <a:schemeClr val="bg1">
                   <a:lumMod val="95000"/>
                 </a:schemeClr>
               </a:solidFill>
-              <a:latin typeface="돋움" panose="020B0600000101010101" pitchFamily="50" charset="-127"/>
-              <a:ea typeface="돋움" panose="020B0600000101010101" pitchFamily="50" charset="-127"/>
+              <a:latin typeface="HY견고딕" pitchFamily="18" charset="-127"/>
+              <a:ea typeface="HY견고딕" pitchFamily="18" charset="-127"/>
             </a:endParaRPr>
           </a:p>
           <a:p>
             <a:r>
-              <a:rPr lang="ko-KR" altLang="en-US" sz="1600" dirty="0" smtClean="0">
+              <a:rPr lang="ko-KR" altLang="en-US" sz="1400" dirty="0" smtClean="0">
                 <a:solidFill>
                   <a:schemeClr val="bg1">
                     <a:lumMod val="95000"/>
                   </a:schemeClr>
                 </a:solidFill>
-                <a:latin typeface="돋움" panose="020B0600000101010101" pitchFamily="50" charset="-127"/>
-                <a:ea typeface="돋움" panose="020B0600000101010101" pitchFamily="50" charset="-127"/>
+                <a:latin typeface="HY견고딕" pitchFamily="18" charset="-127"/>
+                <a:ea typeface="HY견고딕" pitchFamily="18" charset="-127"/>
               </a:rPr>
               <a:t>목적으로 제작함</a:t>
             </a:r>
-            <a:endParaRPr lang="en-US" altLang="ko-KR" sz="1600" dirty="0" smtClean="0">
+            <a:endParaRPr lang="en-US" altLang="ko-KR" sz="1400" dirty="0" smtClean="0">
               <a:solidFill>
                 <a:schemeClr val="bg1">
                   <a:lumMod val="95000"/>
                 </a:schemeClr>
               </a:solidFill>
-              <a:latin typeface="돋움" panose="020B0600000101010101" pitchFamily="50" charset="-127"/>
-              <a:ea typeface="돋움" panose="020B0600000101010101" pitchFamily="50" charset="-127"/>
+              <a:latin typeface="HY견고딕" pitchFamily="18" charset="-127"/>
+              <a:ea typeface="HY견고딕" pitchFamily="18" charset="-127"/>
             </a:endParaRPr>
           </a:p>
         </p:txBody>
@@ -16220,7 +16401,7 @@
           <p:cNvPr id="8" name="텍스트 개체 틀 7">
             <a:extLst>
               <a:ext uri="{FF2B5EF4-FFF2-40B4-BE49-F238E27FC236}">
-                <a16:creationId xmlns:a16="http://schemas.microsoft.com/office/drawing/2014/main" id="{F941FAD0-2E99-4CAC-B16F-30C5DE050E43}"/>
+                <a16:creationId xmlns:a16="http://schemas.microsoft.com/office/drawing/2014/main" xmlns="" id="{F941FAD0-2E99-4CAC-B16F-30C5DE050E43}"/>
               </a:ext>
             </a:extLst>
           </p:cNvPr>
@@ -16255,7 +16436,7 @@
           <p:cNvPr id="9" name="텍스트 개체 틀 8">
             <a:extLst>
               <a:ext uri="{FF2B5EF4-FFF2-40B4-BE49-F238E27FC236}">
-                <a16:creationId xmlns:a16="http://schemas.microsoft.com/office/drawing/2014/main" id="{A07C0B61-375E-4330-850F-740158BE3674}"/>
+                <a16:creationId xmlns:a16="http://schemas.microsoft.com/office/drawing/2014/main" xmlns="" id="{A07C0B61-375E-4330-850F-740158BE3674}"/>
               </a:ext>
             </a:extLst>
           </p:cNvPr>
@@ -16288,7 +16469,7 @@
           <p:cNvPr id="7" name="텍스트 개체 틀 6">
             <a:extLst>
               <a:ext uri="{FF2B5EF4-FFF2-40B4-BE49-F238E27FC236}">
-                <a16:creationId xmlns:a16="http://schemas.microsoft.com/office/drawing/2014/main" id="{8E0EDBB3-D4FF-4E7B-A8D3-67AF82A4FCE9}"/>
+                <a16:creationId xmlns:a16="http://schemas.microsoft.com/office/drawing/2014/main" xmlns="" id="{8E0EDBB3-D4FF-4E7B-A8D3-67AF82A4FCE9}"/>
               </a:ext>
             </a:extLst>
           </p:cNvPr>
@@ -16331,7 +16512,7 @@
         <p:spPr>
           <a:xfrm>
             <a:off x="597734" y="3177962"/>
-            <a:ext cx="4321047" cy="2554545"/>
+            <a:ext cx="4321047" cy="1600438"/>
           </a:xfrm>
           <a:prstGeom prst="rect">
             <a:avLst/>
@@ -16345,292 +16526,271 @@
           <a:lstStyle/>
           <a:p>
             <a:r>
-              <a:rPr lang="ko-KR" altLang="en-US" sz="1600" dirty="0" err="1" smtClean="0">
+              <a:rPr lang="ko-KR" altLang="en-US" sz="1400" dirty="0" err="1" smtClean="0">
                 <a:solidFill>
                   <a:schemeClr val="bg1">
                     <a:lumMod val="95000"/>
                   </a:schemeClr>
                 </a:solidFill>
-                <a:latin typeface="돋움" panose="020B0600000101010101" pitchFamily="50" charset="-127"/>
-                <a:ea typeface="돋움" panose="020B0600000101010101" pitchFamily="50" charset="-127"/>
+                <a:latin typeface="HY견고딕" pitchFamily="18" charset="-127"/>
+                <a:ea typeface="HY견고딕" pitchFamily="18" charset="-127"/>
               </a:rPr>
               <a:t>카카오톡</a:t>
             </a:r>
             <a:r>
-              <a:rPr lang="ko-KR" altLang="en-US" sz="1600" dirty="0" smtClean="0">
+              <a:rPr lang="ko-KR" altLang="en-US" sz="1400" dirty="0" smtClean="0">
                 <a:solidFill>
                   <a:schemeClr val="bg1">
                     <a:lumMod val="95000"/>
                   </a:schemeClr>
                 </a:solidFill>
-                <a:latin typeface="돋움" panose="020B0600000101010101" pitchFamily="50" charset="-127"/>
-                <a:ea typeface="돋움" panose="020B0600000101010101" pitchFamily="50" charset="-127"/>
+                <a:latin typeface="HY견고딕" pitchFamily="18" charset="-127"/>
+                <a:ea typeface="HY견고딕" pitchFamily="18" charset="-127"/>
               </a:rPr>
               <a:t> </a:t>
             </a:r>
-            <a:endParaRPr lang="en-US" altLang="ko-KR" sz="1600" dirty="0" smtClean="0">
+            <a:endParaRPr lang="en-US" altLang="ko-KR" sz="1400" dirty="0" smtClean="0">
               <a:solidFill>
                 <a:schemeClr val="bg1">
                   <a:lumMod val="95000"/>
                 </a:schemeClr>
               </a:solidFill>
-              <a:latin typeface="돋움" panose="020B0600000101010101" pitchFamily="50" charset="-127"/>
-              <a:ea typeface="돋움" panose="020B0600000101010101" pitchFamily="50" charset="-127"/>
+              <a:latin typeface="HY견고딕" pitchFamily="18" charset="-127"/>
+              <a:ea typeface="HY견고딕" pitchFamily="18" charset="-127"/>
             </a:endParaRPr>
           </a:p>
           <a:p>
-            <a:endParaRPr lang="en-US" altLang="ko-KR" sz="1600" dirty="0">
+            <a:endParaRPr lang="en-US" altLang="ko-KR" sz="1400" dirty="0">
               <a:solidFill>
                 <a:schemeClr val="bg1">
                   <a:lumMod val="95000"/>
                 </a:schemeClr>
               </a:solidFill>
-              <a:latin typeface="돋움" panose="020B0600000101010101" pitchFamily="50" charset="-127"/>
-              <a:ea typeface="돋움" panose="020B0600000101010101" pitchFamily="50" charset="-127"/>
+              <a:latin typeface="HY견고딕" pitchFamily="18" charset="-127"/>
+              <a:ea typeface="HY견고딕" pitchFamily="18" charset="-127"/>
             </a:endParaRPr>
           </a:p>
           <a:p>
             <a:r>
-              <a:rPr lang="ko-KR" altLang="en-US" sz="1600" dirty="0" smtClean="0">
+              <a:rPr lang="ko-KR" altLang="en-US" sz="1400" dirty="0" smtClean="0">
                 <a:solidFill>
                   <a:schemeClr val="bg1">
                     <a:lumMod val="95000"/>
                   </a:schemeClr>
                 </a:solidFill>
-                <a:latin typeface="돋움" panose="020B0600000101010101" pitchFamily="50" charset="-127"/>
-                <a:ea typeface="돋움" panose="020B0600000101010101" pitchFamily="50" charset="-127"/>
-              </a:rPr>
-              <a:t>현재 </a:t>
-            </a:r>
-            <a:r>
-              <a:rPr lang="ko-KR" altLang="en-US" sz="1600" dirty="0" err="1" smtClean="0">
+                <a:latin typeface="HY견고딕" pitchFamily="18" charset="-127"/>
+                <a:ea typeface="HY견고딕" pitchFamily="18" charset="-127"/>
+              </a:rPr>
+              <a:t>개발 방향 </a:t>
+            </a:r>
+            <a:r>
+              <a:rPr lang="en-US" altLang="ko-KR" sz="1400" dirty="0" smtClean="0">
                 <a:solidFill>
                   <a:schemeClr val="bg1">
                     <a:lumMod val="95000"/>
                   </a:schemeClr>
                 </a:solidFill>
-                <a:latin typeface="돋움" panose="020B0600000101010101" pitchFamily="50" charset="-127"/>
-                <a:ea typeface="돋움" panose="020B0600000101010101" pitchFamily="50" charset="-127"/>
-              </a:rPr>
-              <a:t>미구현</a:t>
-            </a:r>
-            <a:r>
-              <a:rPr lang="ko-KR" altLang="en-US" sz="1600" dirty="0" smtClean="0">
+                <a:latin typeface="HY견고딕" pitchFamily="18" charset="-127"/>
+                <a:ea typeface="HY견고딕" pitchFamily="18" charset="-127"/>
+              </a:rPr>
+              <a:t>: </a:t>
+            </a:r>
+            <a:r>
+              <a:rPr lang="ko-KR" altLang="en-US" sz="1400" dirty="0" smtClean="0">
                 <a:solidFill>
                   <a:schemeClr val="bg1">
                     <a:lumMod val="95000"/>
                   </a:schemeClr>
                 </a:solidFill>
-                <a:latin typeface="돋움" panose="020B0600000101010101" pitchFamily="50" charset="-127"/>
-                <a:ea typeface="돋움" panose="020B0600000101010101" pitchFamily="50" charset="-127"/>
-              </a:rPr>
-              <a:t> 상태</a:t>
-            </a:r>
-            <a:endParaRPr lang="en-US" altLang="ko-KR" sz="1600" dirty="0" smtClean="0">
+                <a:latin typeface="HY견고딕" pitchFamily="18" charset="-127"/>
+                <a:ea typeface="HY견고딕" pitchFamily="18" charset="-127"/>
+              </a:rPr>
+              <a:t>카카오 </a:t>
+            </a:r>
+            <a:r>
+              <a:rPr lang="en-US" altLang="ko-KR" sz="1400" dirty="0" err="1" smtClean="0">
+                <a:solidFill>
+                  <a:schemeClr val="bg1">
+                    <a:lumMod val="95000"/>
+                  </a:schemeClr>
+                </a:solidFill>
+                <a:latin typeface="HY견고딕" pitchFamily="18" charset="-127"/>
+                <a:ea typeface="HY견고딕" pitchFamily="18" charset="-127"/>
+              </a:rPr>
+              <a:t>KoGPT</a:t>
+            </a:r>
+            <a:r>
+              <a:rPr lang="en-US" altLang="ko-KR" sz="1400" dirty="0" smtClean="0">
+                <a:solidFill>
+                  <a:schemeClr val="bg1">
+                    <a:lumMod val="95000"/>
+                  </a:schemeClr>
+                </a:solidFill>
+                <a:latin typeface="HY견고딕" pitchFamily="18" charset="-127"/>
+                <a:ea typeface="HY견고딕" pitchFamily="18" charset="-127"/>
+              </a:rPr>
+              <a:t> </a:t>
+            </a:r>
+            <a:r>
+              <a:rPr lang="en-US" altLang="ko-KR" sz="1400" dirty="0" err="1" smtClean="0">
+                <a:solidFill>
+                  <a:schemeClr val="bg1">
+                    <a:lumMod val="95000"/>
+                  </a:schemeClr>
+                </a:solidFill>
+                <a:latin typeface="HY견고딕" pitchFamily="18" charset="-127"/>
+                <a:ea typeface="HY견고딕" pitchFamily="18" charset="-127"/>
+              </a:rPr>
+              <a:t>api</a:t>
+            </a:r>
+            <a:r>
+              <a:rPr lang="ko-KR" altLang="en-US" sz="1400" dirty="0" err="1" smtClean="0">
+                <a:solidFill>
+                  <a:schemeClr val="bg1">
+                    <a:lumMod val="95000"/>
+                  </a:schemeClr>
+                </a:solidFill>
+                <a:latin typeface="HY견고딕" pitchFamily="18" charset="-127"/>
+                <a:ea typeface="HY견고딕" pitchFamily="18" charset="-127"/>
+              </a:rPr>
+              <a:t>를</a:t>
+            </a:r>
+            <a:r>
+              <a:rPr lang="ko-KR" altLang="en-US" sz="1400" dirty="0" smtClean="0">
+                <a:solidFill>
+                  <a:schemeClr val="bg1">
+                    <a:lumMod val="95000"/>
+                  </a:schemeClr>
+                </a:solidFill>
+                <a:latin typeface="HY견고딕" pitchFamily="18" charset="-127"/>
+                <a:ea typeface="HY견고딕" pitchFamily="18" charset="-127"/>
+              </a:rPr>
+              <a:t> 활용하여</a:t>
+            </a:r>
+            <a:endParaRPr lang="en-US" altLang="ko-KR" sz="1400" dirty="0" smtClean="0">
               <a:solidFill>
                 <a:schemeClr val="bg1">
                   <a:lumMod val="95000"/>
                 </a:schemeClr>
               </a:solidFill>
-              <a:latin typeface="돋움" panose="020B0600000101010101" pitchFamily="50" charset="-127"/>
-              <a:ea typeface="돋움" panose="020B0600000101010101" pitchFamily="50" charset="-127"/>
+              <a:latin typeface="HY견고딕" pitchFamily="18" charset="-127"/>
+              <a:ea typeface="HY견고딕" pitchFamily="18" charset="-127"/>
             </a:endParaRPr>
           </a:p>
           <a:p>
-            <a:endParaRPr lang="en-US" altLang="ko-KR" sz="1600" dirty="0">
+            <a:endParaRPr lang="en-US" altLang="ko-KR" sz="1400" dirty="0">
               <a:solidFill>
                 <a:schemeClr val="bg1">
                   <a:lumMod val="95000"/>
                 </a:schemeClr>
               </a:solidFill>
-              <a:latin typeface="돋움" panose="020B0600000101010101" pitchFamily="50" charset="-127"/>
-              <a:ea typeface="돋움" panose="020B0600000101010101" pitchFamily="50" charset="-127"/>
+              <a:latin typeface="HY견고딕" pitchFamily="18" charset="-127"/>
+              <a:ea typeface="HY견고딕" pitchFamily="18" charset="-127"/>
             </a:endParaRPr>
           </a:p>
           <a:p>
             <a:r>
-              <a:rPr lang="ko-KR" altLang="en-US" sz="1600" dirty="0" smtClean="0">
+              <a:rPr lang="ko-KR" altLang="en-US" sz="1400" dirty="0" err="1" smtClean="0">
                 <a:solidFill>
                   <a:schemeClr val="bg1">
                     <a:lumMod val="95000"/>
                   </a:schemeClr>
                 </a:solidFill>
-                <a:latin typeface="돋움" panose="020B0600000101010101" pitchFamily="50" charset="-127"/>
-                <a:ea typeface="돋움" panose="020B0600000101010101" pitchFamily="50" charset="-127"/>
-              </a:rPr>
-              <a:t>기획은 카카오 </a:t>
-            </a:r>
-            <a:r>
-              <a:rPr lang="en-US" altLang="ko-KR" sz="1600" dirty="0" err="1" smtClean="0">
+                <a:latin typeface="HY견고딕" pitchFamily="18" charset="-127"/>
+                <a:ea typeface="HY견고딕" pitchFamily="18" charset="-127"/>
+              </a:rPr>
+              <a:t>챗봇으로</a:t>
+            </a:r>
+            <a:r>
+              <a:rPr lang="ko-KR" altLang="en-US" sz="1400" dirty="0" smtClean="0">
                 <a:solidFill>
                   <a:schemeClr val="bg1">
                     <a:lumMod val="95000"/>
                   </a:schemeClr>
                 </a:solidFill>
-                <a:latin typeface="돋움" panose="020B0600000101010101" pitchFamily="50" charset="-127"/>
-                <a:ea typeface="돋움" panose="020B0600000101010101" pitchFamily="50" charset="-127"/>
-              </a:rPr>
-              <a:t>kogpt</a:t>
-            </a:r>
-            <a:r>
-              <a:rPr lang="en-US" altLang="ko-KR" sz="1600" dirty="0" smtClean="0">
+                <a:latin typeface="HY견고딕" pitchFamily="18" charset="-127"/>
+                <a:ea typeface="HY견고딕" pitchFamily="18" charset="-127"/>
+              </a:rPr>
+              <a:t> </a:t>
+            </a:r>
+            <a:r>
+              <a:rPr lang="ko-KR" altLang="en-US" sz="1400" dirty="0" smtClean="0">
                 <a:solidFill>
                   <a:schemeClr val="bg1">
                     <a:lumMod val="95000"/>
                   </a:schemeClr>
                 </a:solidFill>
-                <a:latin typeface="돋움" panose="020B0600000101010101" pitchFamily="50" charset="-127"/>
-                <a:ea typeface="돋움" panose="020B0600000101010101" pitchFamily="50" charset="-127"/>
-              </a:rPr>
-              <a:t> </a:t>
-            </a:r>
-            <a:r>
-              <a:rPr lang="en-US" altLang="ko-KR" sz="1600" dirty="0" err="1" smtClean="0">
-                <a:solidFill>
-                  <a:schemeClr val="bg1">
-                    <a:lumMod val="95000"/>
-                  </a:schemeClr>
-                </a:solidFill>
-                <a:latin typeface="돋움" panose="020B0600000101010101" pitchFamily="50" charset="-127"/>
-                <a:ea typeface="돋움" panose="020B0600000101010101" pitchFamily="50" charset="-127"/>
-              </a:rPr>
-              <a:t>api</a:t>
-            </a:r>
-            <a:r>
-              <a:rPr lang="ko-KR" altLang="en-US" sz="1600" dirty="0" err="1" smtClean="0">
-                <a:solidFill>
-                  <a:schemeClr val="bg1">
-                    <a:lumMod val="95000"/>
-                  </a:schemeClr>
-                </a:solidFill>
-                <a:latin typeface="돋움" panose="020B0600000101010101" pitchFamily="50" charset="-127"/>
-                <a:ea typeface="돋움" panose="020B0600000101010101" pitchFamily="50" charset="-127"/>
-              </a:rPr>
-              <a:t>를</a:t>
-            </a:r>
-            <a:r>
-              <a:rPr lang="ko-KR" altLang="en-US" sz="1600" dirty="0" smtClean="0">
-                <a:solidFill>
-                  <a:schemeClr val="bg1">
-                    <a:lumMod val="95000"/>
-                  </a:schemeClr>
-                </a:solidFill>
-                <a:latin typeface="돋움" panose="020B0600000101010101" pitchFamily="50" charset="-127"/>
-                <a:ea typeface="돋움" panose="020B0600000101010101" pitchFamily="50" charset="-127"/>
-              </a:rPr>
-              <a:t> 활용하여</a:t>
-            </a:r>
-            <a:endParaRPr lang="en-US" altLang="ko-KR" sz="1600" dirty="0" smtClean="0">
+                <a:latin typeface="HY견고딕" pitchFamily="18" charset="-127"/>
+                <a:ea typeface="HY견고딕" pitchFamily="18" charset="-127"/>
+              </a:rPr>
+              <a:t>기획</a:t>
+            </a:r>
+            <a:endParaRPr lang="en-US" altLang="ko-KR" sz="1400" dirty="0" smtClean="0">
               <a:solidFill>
                 <a:schemeClr val="bg1">
                   <a:lumMod val="95000"/>
                 </a:schemeClr>
               </a:solidFill>
-              <a:latin typeface="돋움" panose="020B0600000101010101" pitchFamily="50" charset="-127"/>
-              <a:ea typeface="돋움" panose="020B0600000101010101" pitchFamily="50" charset="-127"/>
+              <a:latin typeface="HY견고딕" pitchFamily="18" charset="-127"/>
+              <a:ea typeface="HY견고딕" pitchFamily="18" charset="-127"/>
             </a:endParaRPr>
           </a:p>
           <a:p>
-            <a:endParaRPr lang="en-US" altLang="ko-KR" sz="1600" dirty="0">
+            <a:endParaRPr lang="en-US" altLang="ko-KR" sz="1400" dirty="0">
               <a:solidFill>
                 <a:schemeClr val="bg1">
                   <a:lumMod val="95000"/>
                 </a:schemeClr>
               </a:solidFill>
-              <a:latin typeface="돋움" panose="020B0600000101010101" pitchFamily="50" charset="-127"/>
-              <a:ea typeface="돋움" panose="020B0600000101010101" pitchFamily="50" charset="-127"/>
+              <a:latin typeface="HY견고딕" pitchFamily="18" charset="-127"/>
+              <a:ea typeface="HY견고딕" pitchFamily="18" charset="-127"/>
             </a:endParaRPr>
           </a:p>
           <a:p>
             <a:r>
-              <a:rPr lang="ko-KR" altLang="en-US" sz="1600" dirty="0" err="1" smtClean="0">
+              <a:rPr lang="ko-KR" altLang="en-US" sz="1400" dirty="0" smtClean="0">
                 <a:solidFill>
                   <a:schemeClr val="bg1">
                     <a:lumMod val="95000"/>
                   </a:schemeClr>
                 </a:solidFill>
-                <a:latin typeface="돋움" panose="020B0600000101010101" pitchFamily="50" charset="-127"/>
-                <a:ea typeface="돋움" panose="020B0600000101010101" pitchFamily="50" charset="-127"/>
-              </a:rPr>
-              <a:t>챗봇으로</a:t>
-            </a:r>
-            <a:r>
-              <a:rPr lang="ko-KR" altLang="en-US" sz="1600" dirty="0" smtClean="0">
+                <a:latin typeface="HY견고딕" pitchFamily="18" charset="-127"/>
+                <a:ea typeface="HY견고딕" pitchFamily="18" charset="-127"/>
+              </a:rPr>
+              <a:t>회원가입 및 </a:t>
+            </a:r>
+            <a:r>
+              <a:rPr lang="ko-KR" altLang="en-US" sz="1400" dirty="0" err="1" smtClean="0">
                 <a:solidFill>
                   <a:schemeClr val="bg1">
                     <a:lumMod val="95000"/>
                   </a:schemeClr>
                 </a:solidFill>
-                <a:latin typeface="돋움" panose="020B0600000101010101" pitchFamily="50" charset="-127"/>
-                <a:ea typeface="돋움" panose="020B0600000101010101" pitchFamily="50" charset="-127"/>
-              </a:rPr>
-              <a:t> 동작 시키려고 기획함</a:t>
-            </a:r>
-            <a:endParaRPr lang="en-US" altLang="ko-KR" sz="1600" dirty="0" smtClean="0">
+                <a:latin typeface="HY견고딕" pitchFamily="18" charset="-127"/>
+                <a:ea typeface="HY견고딕" pitchFamily="18" charset="-127"/>
+              </a:rPr>
+              <a:t>로그인페이지</a:t>
+            </a:r>
+            <a:r>
+              <a:rPr lang="ko-KR" altLang="en-US" sz="1400" dirty="0" smtClean="0">
+                <a:solidFill>
+                  <a:schemeClr val="bg1">
+                    <a:lumMod val="95000"/>
+                  </a:schemeClr>
+                </a:solidFill>
+                <a:latin typeface="HY견고딕" pitchFamily="18" charset="-127"/>
+                <a:ea typeface="HY견고딕" pitchFamily="18" charset="-127"/>
+              </a:rPr>
+              <a:t> 개발예정</a:t>
+            </a:r>
+            <a:endParaRPr lang="en-US" altLang="ko-KR" sz="1400" dirty="0" smtClean="0">
               <a:solidFill>
                 <a:schemeClr val="bg1">
                   <a:lumMod val="95000"/>
                 </a:schemeClr>
               </a:solidFill>
-              <a:latin typeface="돋움" panose="020B0600000101010101" pitchFamily="50" charset="-127"/>
-              <a:ea typeface="돋움" panose="020B0600000101010101" pitchFamily="50" charset="-127"/>
-            </a:endParaRPr>
-          </a:p>
-          <a:p>
-            <a:endParaRPr lang="en-US" altLang="ko-KR" sz="1600" dirty="0">
-              <a:solidFill>
-                <a:schemeClr val="bg1">
-                  <a:lumMod val="95000"/>
-                </a:schemeClr>
-              </a:solidFill>
-              <a:latin typeface="돋움" panose="020B0600000101010101" pitchFamily="50" charset="-127"/>
-              <a:ea typeface="돋움" panose="020B0600000101010101" pitchFamily="50" charset="-127"/>
-            </a:endParaRPr>
-          </a:p>
-          <a:p>
-            <a:r>
-              <a:rPr lang="ko-KR" altLang="en-US" sz="1600" dirty="0" smtClean="0">
-                <a:solidFill>
-                  <a:schemeClr val="bg1">
-                    <a:lumMod val="95000"/>
-                  </a:schemeClr>
-                </a:solidFill>
-                <a:latin typeface="돋움" panose="020B0600000101010101" pitchFamily="50" charset="-127"/>
-                <a:ea typeface="돋움" panose="020B0600000101010101" pitchFamily="50" charset="-127"/>
-              </a:rPr>
-              <a:t>회원가입 및 로그인페이지도 </a:t>
-            </a:r>
-            <a:r>
-              <a:rPr lang="ko-KR" altLang="en-US" sz="1600" dirty="0" err="1" smtClean="0">
-                <a:solidFill>
-                  <a:schemeClr val="bg1">
-                    <a:lumMod val="95000"/>
-                  </a:schemeClr>
-                </a:solidFill>
-                <a:latin typeface="돋움" panose="020B0600000101010101" pitchFamily="50" charset="-127"/>
-                <a:ea typeface="돋움" panose="020B0600000101010101" pitchFamily="50" charset="-127"/>
-              </a:rPr>
-              <a:t>제작해야함</a:t>
-            </a:r>
-            <a:endParaRPr lang="en-US" altLang="ko-KR" sz="1600" dirty="0" smtClean="0">
-              <a:solidFill>
-                <a:schemeClr val="bg1">
-                  <a:lumMod val="95000"/>
-                </a:schemeClr>
-              </a:solidFill>
-              <a:latin typeface="돋움" panose="020B0600000101010101" pitchFamily="50" charset="-127"/>
-              <a:ea typeface="돋움" panose="020B0600000101010101" pitchFamily="50" charset="-127"/>
-            </a:endParaRPr>
-          </a:p>
-          <a:p>
-            <a:endParaRPr lang="en-US" altLang="ko-KR" sz="1600" dirty="0">
-              <a:solidFill>
-                <a:schemeClr val="bg1">
-                  <a:lumMod val="95000"/>
-                </a:schemeClr>
-              </a:solidFill>
-              <a:latin typeface="돋움" panose="020B0600000101010101" pitchFamily="50" charset="-127"/>
-              <a:ea typeface="돋움" panose="020B0600000101010101" pitchFamily="50" charset="-127"/>
+              <a:latin typeface="HY견고딕" pitchFamily="18" charset="-127"/>
+              <a:ea typeface="HY견고딕" pitchFamily="18" charset="-127"/>
             </a:endParaRPr>
           </a:p>
         </p:txBody>
@@ -16737,7 +16897,7 @@
           <p:cNvPr id="8" name="텍스트 개체 틀 7">
             <a:extLst>
               <a:ext uri="{FF2B5EF4-FFF2-40B4-BE49-F238E27FC236}">
-                <a16:creationId xmlns:a16="http://schemas.microsoft.com/office/drawing/2014/main" id="{F941FAD0-2E99-4CAC-B16F-30C5DE050E43}"/>
+                <a16:creationId xmlns:a16="http://schemas.microsoft.com/office/drawing/2014/main" xmlns="" id="{F941FAD0-2E99-4CAC-B16F-30C5DE050E43}"/>
               </a:ext>
             </a:extLst>
           </p:cNvPr>
@@ -16772,7 +16932,7 @@
           <p:cNvPr id="9" name="텍스트 개체 틀 8">
             <a:extLst>
               <a:ext uri="{FF2B5EF4-FFF2-40B4-BE49-F238E27FC236}">
-                <a16:creationId xmlns:a16="http://schemas.microsoft.com/office/drawing/2014/main" id="{A07C0B61-375E-4330-850F-740158BE3674}"/>
+                <a16:creationId xmlns:a16="http://schemas.microsoft.com/office/drawing/2014/main" xmlns="" id="{A07C0B61-375E-4330-850F-740158BE3674}"/>
               </a:ext>
             </a:extLst>
           </p:cNvPr>
@@ -16805,7 +16965,7 @@
           <p:cNvPr id="7" name="텍스트 개체 틀 6">
             <a:extLst>
               <a:ext uri="{FF2B5EF4-FFF2-40B4-BE49-F238E27FC236}">
-                <a16:creationId xmlns:a16="http://schemas.microsoft.com/office/drawing/2014/main" id="{8E0EDBB3-D4FF-4E7B-A8D3-67AF82A4FCE9}"/>
+                <a16:creationId xmlns:a16="http://schemas.microsoft.com/office/drawing/2014/main" xmlns="" id="{8E0EDBB3-D4FF-4E7B-A8D3-67AF82A4FCE9}"/>
               </a:ext>
             </a:extLst>
           </p:cNvPr>
@@ -16848,7 +17008,7 @@
         <p:spPr>
           <a:xfrm>
             <a:off x="517799" y="3317174"/>
-            <a:ext cx="4321047" cy="1815882"/>
+            <a:ext cx="4321047" cy="1600438"/>
           </a:xfrm>
           <a:prstGeom prst="rect">
             <a:avLst/>
@@ -16862,139 +17022,139 @@
           <a:lstStyle/>
           <a:p>
             <a:r>
-              <a:rPr lang="ko-KR" altLang="en-US" sz="1600" dirty="0" err="1" smtClean="0">
+              <a:rPr lang="ko-KR" altLang="en-US" sz="1400" dirty="0" err="1" smtClean="0">
                 <a:solidFill>
                   <a:schemeClr val="bg1">
                     <a:lumMod val="95000"/>
                   </a:schemeClr>
                 </a:solidFill>
-                <a:latin typeface="돋움" panose="020B0600000101010101" pitchFamily="50" charset="-127"/>
-                <a:ea typeface="돋움" panose="020B0600000101010101" pitchFamily="50" charset="-127"/>
+                <a:latin typeface="HY견고딕" pitchFamily="18" charset="-127"/>
+                <a:ea typeface="HY견고딕" pitchFamily="18" charset="-127"/>
               </a:rPr>
               <a:t>종료버튼</a:t>
             </a:r>
-            <a:endParaRPr lang="en-US" altLang="ko-KR" sz="1600" dirty="0" smtClean="0">
+            <a:endParaRPr lang="en-US" altLang="ko-KR" sz="1400" dirty="0" smtClean="0">
               <a:solidFill>
                 <a:schemeClr val="bg1">
                   <a:lumMod val="95000"/>
                 </a:schemeClr>
               </a:solidFill>
-              <a:latin typeface="돋움" panose="020B0600000101010101" pitchFamily="50" charset="-127"/>
-              <a:ea typeface="돋움" panose="020B0600000101010101" pitchFamily="50" charset="-127"/>
+              <a:latin typeface="HY견고딕" pitchFamily="18" charset="-127"/>
+              <a:ea typeface="HY견고딕" pitchFamily="18" charset="-127"/>
             </a:endParaRPr>
           </a:p>
           <a:p>
-            <a:endParaRPr lang="en-US" altLang="ko-KR" sz="1600" dirty="0">
+            <a:endParaRPr lang="en-US" altLang="ko-KR" sz="1400" dirty="0">
               <a:solidFill>
                 <a:schemeClr val="bg1">
                   <a:lumMod val="95000"/>
                 </a:schemeClr>
               </a:solidFill>
-              <a:latin typeface="돋움" panose="020B0600000101010101" pitchFamily="50" charset="-127"/>
-              <a:ea typeface="돋움" panose="020B0600000101010101" pitchFamily="50" charset="-127"/>
+              <a:latin typeface="HY견고딕" pitchFamily="18" charset="-127"/>
+              <a:ea typeface="HY견고딕" pitchFamily="18" charset="-127"/>
             </a:endParaRPr>
           </a:p>
           <a:p>
             <a:r>
-              <a:rPr lang="ko-KR" altLang="en-US" sz="1600" dirty="0" err="1" smtClean="0">
+              <a:rPr lang="ko-KR" altLang="en-US" sz="1400" dirty="0" err="1" smtClean="0">
                 <a:solidFill>
                   <a:schemeClr val="bg1">
                     <a:lumMod val="95000"/>
                   </a:schemeClr>
                 </a:solidFill>
-                <a:latin typeface="돋움" panose="020B0600000101010101" pitchFamily="50" charset="-127"/>
-                <a:ea typeface="돋움" panose="020B0600000101010101" pitchFamily="50" charset="-127"/>
+                <a:latin typeface="HY견고딕" pitchFamily="18" charset="-127"/>
+                <a:ea typeface="HY견고딕" pitchFamily="18" charset="-127"/>
               </a:rPr>
               <a:t>클릭시</a:t>
             </a:r>
             <a:r>
-              <a:rPr lang="ko-KR" altLang="en-US" sz="1600" dirty="0" smtClean="0">
+              <a:rPr lang="ko-KR" altLang="en-US" sz="1400" dirty="0" smtClean="0">
                 <a:solidFill>
                   <a:schemeClr val="bg1">
                     <a:lumMod val="95000"/>
                   </a:schemeClr>
                 </a:solidFill>
-                <a:latin typeface="돋움" panose="020B0600000101010101" pitchFamily="50" charset="-127"/>
-                <a:ea typeface="돋움" panose="020B0600000101010101" pitchFamily="50" charset="-127"/>
+                <a:latin typeface="HY견고딕" pitchFamily="18" charset="-127"/>
+                <a:ea typeface="HY견고딕" pitchFamily="18" charset="-127"/>
               </a:rPr>
               <a:t> 개인 연락처를 표시하여 </a:t>
             </a:r>
-            <a:endParaRPr lang="en-US" altLang="ko-KR" sz="1600" dirty="0" smtClean="0">
+            <a:endParaRPr lang="en-US" altLang="ko-KR" sz="1400" dirty="0" smtClean="0">
               <a:solidFill>
                 <a:schemeClr val="bg1">
                   <a:lumMod val="95000"/>
                 </a:schemeClr>
               </a:solidFill>
-              <a:latin typeface="돋움" panose="020B0600000101010101" pitchFamily="50" charset="-127"/>
-              <a:ea typeface="돋움" panose="020B0600000101010101" pitchFamily="50" charset="-127"/>
+              <a:latin typeface="HY견고딕" pitchFamily="18" charset="-127"/>
+              <a:ea typeface="HY견고딕" pitchFamily="18" charset="-127"/>
             </a:endParaRPr>
           </a:p>
           <a:p>
-            <a:endParaRPr lang="en-US" altLang="ko-KR" sz="1600" dirty="0">
+            <a:endParaRPr lang="en-US" altLang="ko-KR" sz="1400" dirty="0">
               <a:solidFill>
                 <a:schemeClr val="bg1">
                   <a:lumMod val="95000"/>
                 </a:schemeClr>
               </a:solidFill>
-              <a:latin typeface="돋움" panose="020B0600000101010101" pitchFamily="50" charset="-127"/>
-              <a:ea typeface="돋움" panose="020B0600000101010101" pitchFamily="50" charset="-127"/>
+              <a:latin typeface="HY견고딕" pitchFamily="18" charset="-127"/>
+              <a:ea typeface="HY견고딕" pitchFamily="18" charset="-127"/>
             </a:endParaRPr>
           </a:p>
           <a:p>
             <a:r>
-              <a:rPr lang="ko-KR" altLang="en-US" sz="1600" dirty="0" smtClean="0">
+              <a:rPr lang="ko-KR" altLang="en-US" sz="1400" dirty="0" smtClean="0">
                 <a:solidFill>
                   <a:schemeClr val="bg1">
                     <a:lumMod val="95000"/>
                   </a:schemeClr>
                 </a:solidFill>
-                <a:latin typeface="돋움" panose="020B0600000101010101" pitchFamily="50" charset="-127"/>
-                <a:ea typeface="돋움" panose="020B0600000101010101" pitchFamily="50" charset="-127"/>
+                <a:latin typeface="HY견고딕" pitchFamily="18" charset="-127"/>
+                <a:ea typeface="HY견고딕" pitchFamily="18" charset="-127"/>
               </a:rPr>
               <a:t>포트폴리오의 원래 목적에 맞게</a:t>
             </a:r>
-            <a:endParaRPr lang="en-US" altLang="ko-KR" sz="1600" dirty="0" smtClean="0">
+            <a:endParaRPr lang="en-US" altLang="ko-KR" sz="1400" dirty="0" smtClean="0">
               <a:solidFill>
                 <a:schemeClr val="bg1">
                   <a:lumMod val="95000"/>
                 </a:schemeClr>
               </a:solidFill>
-              <a:latin typeface="돋움" panose="020B0600000101010101" pitchFamily="50" charset="-127"/>
-              <a:ea typeface="돋움" panose="020B0600000101010101" pitchFamily="50" charset="-127"/>
+              <a:latin typeface="HY견고딕" pitchFamily="18" charset="-127"/>
+              <a:ea typeface="HY견고딕" pitchFamily="18" charset="-127"/>
             </a:endParaRPr>
           </a:p>
           <a:p>
-            <a:endParaRPr lang="en-US" altLang="ko-KR" sz="1600" dirty="0">
+            <a:endParaRPr lang="en-US" altLang="ko-KR" sz="1400" dirty="0">
               <a:solidFill>
                 <a:schemeClr val="bg1">
                   <a:lumMod val="95000"/>
                 </a:schemeClr>
               </a:solidFill>
-              <a:latin typeface="돋움" panose="020B0600000101010101" pitchFamily="50" charset="-127"/>
-              <a:ea typeface="돋움" panose="020B0600000101010101" pitchFamily="50" charset="-127"/>
+              <a:latin typeface="HY견고딕" pitchFamily="18" charset="-127"/>
+              <a:ea typeface="HY견고딕" pitchFamily="18" charset="-127"/>
             </a:endParaRPr>
           </a:p>
           <a:p>
             <a:r>
-              <a:rPr lang="ko-KR" altLang="en-US" sz="1600" dirty="0" smtClean="0">
+              <a:rPr lang="ko-KR" altLang="en-US" sz="1400" dirty="0" smtClean="0">
                 <a:solidFill>
                   <a:schemeClr val="bg1">
                     <a:lumMod val="95000"/>
                   </a:schemeClr>
                 </a:solidFill>
-                <a:latin typeface="돋움" panose="020B0600000101010101" pitchFamily="50" charset="-127"/>
-                <a:ea typeface="돋움" panose="020B0600000101010101" pitchFamily="50" charset="-127"/>
+                <a:latin typeface="HY견고딕" pitchFamily="18" charset="-127"/>
+                <a:ea typeface="HY견고딕" pitchFamily="18" charset="-127"/>
               </a:rPr>
               <a:t>전화가 오도록 전화번호 표시</a:t>
             </a:r>
-            <a:endParaRPr lang="en-US" altLang="ko-KR" sz="1600" dirty="0">
+            <a:endParaRPr lang="en-US" altLang="ko-KR" sz="1400" dirty="0">
               <a:solidFill>
                 <a:schemeClr val="bg1">
                   <a:lumMod val="95000"/>
                 </a:schemeClr>
               </a:solidFill>
-              <a:latin typeface="돋움" panose="020B0600000101010101" pitchFamily="50" charset="-127"/>
-              <a:ea typeface="돋움" panose="020B0600000101010101" pitchFamily="50" charset="-127"/>
+              <a:latin typeface="HY견고딕" pitchFamily="18" charset="-127"/>
+              <a:ea typeface="HY견고딕" pitchFamily="18" charset="-127"/>
             </a:endParaRPr>
           </a:p>
         </p:txBody>
@@ -17008,7 +17168,7 @@
           <p:nvPr/>
         </p:nvPicPr>
         <p:blipFill>
-          <a:blip r:embed="rId2">
+          <a:blip r:embed="rId2" cstate="print">
             <a:extLst>
               <a:ext uri="{28A0092B-C50C-407E-A947-70E740481C1C}">
                 <a14:useLocalDpi xmlns:a14="http://schemas.microsoft.com/office/drawing/2010/main" val="0"/>
@@ -17021,8 +17181,8 @@
         </p:blipFill>
         <p:spPr>
           <a:xfrm>
-            <a:off x="4551028" y="2368150"/>
-            <a:ext cx="4492978" cy="3226683"/>
+            <a:off x="3640508" y="1985850"/>
+            <a:ext cx="5292402" cy="3800798"/>
           </a:xfrm>
           <a:prstGeom prst="rect">
             <a:avLst/>
@@ -17059,6 +17219,52 @@
           </a:prstGeom>
         </p:spPr>
       </p:pic>
+      <p:sp>
+        <p:nvSpPr>
+          <p:cNvPr id="2" name="직사각형 1"/>
+          <p:cNvSpPr/>
+          <p:nvPr/>
+        </p:nvSpPr>
+        <p:spPr>
+          <a:xfrm>
+            <a:off x="581114" y="2088399"/>
+            <a:ext cx="2384277" cy="382300"/>
+          </a:xfrm>
+          <a:prstGeom prst="rect">
+            <a:avLst/>
+          </a:prstGeom>
+          <a:noFill/>
+          <a:ln w="57150">
+            <a:solidFill>
+              <a:srgbClr val="FF0000"/>
+            </a:solidFill>
+          </a:ln>
+        </p:spPr>
+        <p:style>
+          <a:lnRef idx="2">
+            <a:schemeClr val="accent1">
+              <a:shade val="50000"/>
+            </a:schemeClr>
+          </a:lnRef>
+          <a:fillRef idx="1">
+            <a:schemeClr val="accent1"/>
+          </a:fillRef>
+          <a:effectRef idx="0">
+            <a:schemeClr val="accent1"/>
+          </a:effectRef>
+          <a:fontRef idx="minor">
+            <a:schemeClr val="lt1"/>
+          </a:fontRef>
+        </p:style>
+        <p:txBody>
+          <a:bodyPr rtlCol="0" anchor="ctr"/>
+          <a:lstStyle/>
+          <a:p>
+            <a:pPr algn="ctr"/>
+            <a:endParaRPr lang="ko-KR" altLang="en-US"/>
+          </a:p>
+        </p:txBody>
+      </p:sp>
     </p:spTree>
     <p:extLst>
       <p:ext uri="{BB962C8B-B14F-4D97-AF65-F5344CB8AC3E}">
@@ -17101,7 +17307,7 @@
           <p:cNvPr id="8" name="텍스트 개체 틀 7">
             <a:extLst>
               <a:ext uri="{FF2B5EF4-FFF2-40B4-BE49-F238E27FC236}">
-                <a16:creationId xmlns:a16="http://schemas.microsoft.com/office/drawing/2014/main" id="{F941FAD0-2E99-4CAC-B16F-30C5DE050E43}"/>
+                <a16:creationId xmlns:a16="http://schemas.microsoft.com/office/drawing/2014/main" xmlns="" id="{F941FAD0-2E99-4CAC-B16F-30C5DE050E43}"/>
               </a:ext>
             </a:extLst>
           </p:cNvPr>
@@ -17136,7 +17342,7 @@
           <p:cNvPr id="9" name="텍스트 개체 틀 8">
             <a:extLst>
               <a:ext uri="{FF2B5EF4-FFF2-40B4-BE49-F238E27FC236}">
-                <a16:creationId xmlns:a16="http://schemas.microsoft.com/office/drawing/2014/main" id="{A07C0B61-375E-4330-850F-740158BE3674}"/>
+                <a16:creationId xmlns:a16="http://schemas.microsoft.com/office/drawing/2014/main" xmlns="" id="{A07C0B61-375E-4330-850F-740158BE3674}"/>
               </a:ext>
             </a:extLst>
           </p:cNvPr>
@@ -17169,7 +17375,7 @@
           <p:cNvPr id="7" name="텍스트 개체 틀 6">
             <a:extLst>
               <a:ext uri="{FF2B5EF4-FFF2-40B4-BE49-F238E27FC236}">
-                <a16:creationId xmlns:a16="http://schemas.microsoft.com/office/drawing/2014/main" id="{8E0EDBB3-D4FF-4E7B-A8D3-67AF82A4FCE9}"/>
+                <a16:creationId xmlns:a16="http://schemas.microsoft.com/office/drawing/2014/main" xmlns="" id="{8E0EDBB3-D4FF-4E7B-A8D3-67AF82A4FCE9}"/>
               </a:ext>
             </a:extLst>
           </p:cNvPr>
@@ -17211,7 +17417,7 @@
         </p:nvSpPr>
         <p:spPr>
           <a:xfrm>
-            <a:off x="2401067" y="3362330"/>
+            <a:off x="2298518" y="2524843"/>
             <a:ext cx="4321047" cy="2246769"/>
           </a:xfrm>
           <a:prstGeom prst="rect">
@@ -17345,7 +17551,7 @@
           <p:cNvPr id="9" name="텍스트 개체 틀 8">
             <a:extLst>
               <a:ext uri="{FF2B5EF4-FFF2-40B4-BE49-F238E27FC236}">
-                <a16:creationId xmlns:a16="http://schemas.microsoft.com/office/drawing/2014/main" id="{A07C0B61-375E-4330-850F-740158BE3674}"/>
+                <a16:creationId xmlns:a16="http://schemas.microsoft.com/office/drawing/2014/main" xmlns="" id="{A07C0B61-375E-4330-850F-740158BE3674}"/>
               </a:ext>
             </a:extLst>
           </p:cNvPr>
@@ -17383,7 +17589,7 @@
           <p:cNvPr id="7" name="텍스트 개체 틀 6">
             <a:extLst>
               <a:ext uri="{FF2B5EF4-FFF2-40B4-BE49-F238E27FC236}">
-                <a16:creationId xmlns:a16="http://schemas.microsoft.com/office/drawing/2014/main" id="{8E0EDBB3-D4FF-4E7B-A8D3-67AF82A4FCE9}"/>
+                <a16:creationId xmlns:a16="http://schemas.microsoft.com/office/drawing/2014/main" xmlns="" id="{8E0EDBB3-D4FF-4E7B-A8D3-67AF82A4FCE9}"/>
               </a:ext>
             </a:extLst>
           </p:cNvPr>
@@ -17457,7 +17663,7 @@
           <p:nvPr/>
         </p:nvPicPr>
         <p:blipFill>
-          <a:blip r:embed="rId2" cstate="hqprint">
+          <a:blip r:embed="rId2" cstate="print">
             <a:extLst>
               <a:ext uri="{28A0092B-C50C-407E-A947-70E740481C1C}">
                 <a14:useLocalDpi xmlns:a14="http://schemas.microsoft.com/office/drawing/2010/main" val="0"/>
@@ -17487,7 +17693,7 @@
           <p:nvPr/>
         </p:nvPicPr>
         <p:blipFill>
-          <a:blip r:embed="rId3" cstate="hqprint">
+          <a:blip r:embed="rId3" cstate="print">
             <a:extLst>
               <a:ext uri="{28A0092B-C50C-407E-A947-70E740481C1C}">
                 <a14:useLocalDpi xmlns:a14="http://schemas.microsoft.com/office/drawing/2010/main" val="0"/>
@@ -17517,7 +17723,7 @@
           <p:nvPr/>
         </p:nvPicPr>
         <p:blipFill>
-          <a:blip r:embed="rId4" cstate="hqprint">
+          <a:blip r:embed="rId4" cstate="print">
             <a:extLst>
               <a:ext uri="{28A0092B-C50C-407E-A947-70E740481C1C}">
                 <a14:useLocalDpi xmlns:a14="http://schemas.microsoft.com/office/drawing/2010/main" val="0"/>
@@ -17530,7 +17736,7 @@
         </p:blipFill>
         <p:spPr>
           <a:xfrm>
-            <a:off x="1944630" y="3834755"/>
+            <a:off x="2088453" y="3834755"/>
             <a:ext cx="1260000" cy="1260000"/>
           </a:xfrm>
           <a:prstGeom prst="rect">
@@ -17546,7 +17752,7 @@
         </p:nvSpPr>
         <p:spPr>
           <a:xfrm>
-            <a:off x="5921021" y="3373398"/>
+            <a:off x="5921021" y="3659891"/>
             <a:ext cx="2269067" cy="369332"/>
           </a:xfrm>
           <a:prstGeom prst="rect">
@@ -17561,10 +17767,16 @@
           <a:lstStyle/>
           <a:p>
             <a:r>
-              <a:rPr lang="ko-KR" altLang="en-US" dirty="0" err="1" smtClean="0"/>
+              <a:rPr lang="ko-KR" altLang="en-US" dirty="0" smtClean="0">
+                <a:latin typeface="HY견고딕" pitchFamily="18" charset="-127"/>
+                <a:ea typeface="HY견고딕" pitchFamily="18" charset="-127"/>
+              </a:rPr>
               <a:t>사용폰트</a:t>
             </a:r>
-            <a:endParaRPr lang="ko-KR" altLang="en-US" dirty="0"/>
+            <a:endParaRPr lang="ko-KR" altLang="en-US" dirty="0">
+              <a:latin typeface="HY견고딕" pitchFamily="18" charset="-127"/>
+              <a:ea typeface="HY견고딕" pitchFamily="18" charset="-127"/>
+            </a:endParaRPr>
           </a:p>
         </p:txBody>
       </p:sp>
@@ -17673,7 +17885,7 @@
           <p:cNvPr id="16" name="텍스트 개체 틀 15">
             <a:extLst>
               <a:ext uri="{FF2B5EF4-FFF2-40B4-BE49-F238E27FC236}">
-                <a16:creationId xmlns:a16="http://schemas.microsoft.com/office/drawing/2014/main" id="{6DD2F5DC-9C10-4C58-885F-6C759DD7726F}"/>
+                <a16:creationId xmlns:a16="http://schemas.microsoft.com/office/drawing/2014/main" xmlns="" id="{6DD2F5DC-9C10-4C58-885F-6C759DD7726F}"/>
               </a:ext>
             </a:extLst>
           </p:cNvPr>
@@ -17691,14 +17903,14 @@
           <a:p>
             <a:r>
               <a:rPr lang="ko-KR" altLang="en-US" dirty="0" smtClean="0">
-                <a:latin typeface="돋움" panose="020B0600000101010101" pitchFamily="50" charset="-127"/>
-                <a:ea typeface="돋움" panose="020B0600000101010101" pitchFamily="50" charset="-127"/>
+                <a:latin typeface="HY견고딕" pitchFamily="18" charset="-127"/>
+                <a:ea typeface="HY견고딕" pitchFamily="18" charset="-127"/>
               </a:rPr>
               <a:t>기획의도</a:t>
             </a:r>
             <a:endParaRPr lang="en-US" dirty="0">
-              <a:latin typeface="돋움" panose="020B0600000101010101" pitchFamily="50" charset="-127"/>
-              <a:ea typeface="돋움" panose="020B0600000101010101" pitchFamily="50" charset="-127"/>
+              <a:latin typeface="HY견고딕" pitchFamily="18" charset="-127"/>
+              <a:ea typeface="HY견고딕" pitchFamily="18" charset="-127"/>
             </a:endParaRPr>
           </a:p>
         </p:txBody>
@@ -17708,7 +17920,7 @@
           <p:cNvPr id="17" name="텍스트 개체 틀 16">
             <a:extLst>
               <a:ext uri="{FF2B5EF4-FFF2-40B4-BE49-F238E27FC236}">
-                <a16:creationId xmlns:a16="http://schemas.microsoft.com/office/drawing/2014/main" id="{13A46F48-40E6-4F4F-8C6A-BE07849CB011}"/>
+                <a16:creationId xmlns:a16="http://schemas.microsoft.com/office/drawing/2014/main" xmlns="" id="{13A46F48-40E6-4F4F-8C6A-BE07849CB011}"/>
               </a:ext>
             </a:extLst>
           </p:cNvPr>
@@ -17752,7 +17964,7 @@
           <p:cNvPr id="15" name="텍스트 개체 틀 14">
             <a:extLst>
               <a:ext uri="{FF2B5EF4-FFF2-40B4-BE49-F238E27FC236}">
-                <a16:creationId xmlns:a16="http://schemas.microsoft.com/office/drawing/2014/main" id="{4A79C4DE-2AA8-4A77-B245-4272D10F447B}"/>
+                <a16:creationId xmlns:a16="http://schemas.microsoft.com/office/drawing/2014/main" xmlns="" id="{4A79C4DE-2AA8-4A77-B245-4272D10F447B}"/>
               </a:ext>
             </a:extLst>
           </p:cNvPr>
@@ -17822,7 +18034,7 @@
           <p:cNvPr id="8" name="텍스트 개체 틀 7">
             <a:extLst>
               <a:ext uri="{FF2B5EF4-FFF2-40B4-BE49-F238E27FC236}">
-                <a16:creationId xmlns:a16="http://schemas.microsoft.com/office/drawing/2014/main" id="{F941FAD0-2E99-4CAC-B16F-30C5DE050E43}"/>
+                <a16:creationId xmlns:a16="http://schemas.microsoft.com/office/drawing/2014/main" xmlns="" id="{F941FAD0-2E99-4CAC-B16F-30C5DE050E43}"/>
               </a:ext>
             </a:extLst>
           </p:cNvPr>
@@ -17857,7 +18069,7 @@
           <p:cNvPr id="9" name="텍스트 개체 틀 8">
             <a:extLst>
               <a:ext uri="{FF2B5EF4-FFF2-40B4-BE49-F238E27FC236}">
-                <a16:creationId xmlns:a16="http://schemas.microsoft.com/office/drawing/2014/main" id="{A07C0B61-375E-4330-850F-740158BE3674}"/>
+                <a16:creationId xmlns:a16="http://schemas.microsoft.com/office/drawing/2014/main" xmlns="" id="{A07C0B61-375E-4330-850F-740158BE3674}"/>
               </a:ext>
             </a:extLst>
           </p:cNvPr>
@@ -17890,7 +18102,7 @@
           <p:cNvPr id="7" name="텍스트 개체 틀 6">
             <a:extLst>
               <a:ext uri="{FF2B5EF4-FFF2-40B4-BE49-F238E27FC236}">
-                <a16:creationId xmlns:a16="http://schemas.microsoft.com/office/drawing/2014/main" id="{8E0EDBB3-D4FF-4E7B-A8D3-67AF82A4FCE9}"/>
+                <a16:creationId xmlns:a16="http://schemas.microsoft.com/office/drawing/2014/main" xmlns="" id="{8E0EDBB3-D4FF-4E7B-A8D3-67AF82A4FCE9}"/>
               </a:ext>
             </a:extLst>
           </p:cNvPr>
@@ -17929,7 +18141,7 @@
           <p:cNvPr id="19" name="텍스트 개체 틀 18">
             <a:extLst>
               <a:ext uri="{FF2B5EF4-FFF2-40B4-BE49-F238E27FC236}">
-                <a16:creationId xmlns:a16="http://schemas.microsoft.com/office/drawing/2014/main" id="{F47C67DE-4C45-465C-8321-3BDE5360C203}"/>
+                <a16:creationId xmlns:a16="http://schemas.microsoft.com/office/drawing/2014/main" xmlns="" id="{F47C67DE-4C45-465C-8321-3BDE5360C203}"/>
               </a:ext>
             </a:extLst>
           </p:cNvPr>
@@ -17940,8 +18152,8 @@
         </p:nvSpPr>
         <p:spPr>
           <a:xfrm>
-            <a:off x="490577" y="1793698"/>
-            <a:ext cx="3200891" cy="301723"/>
+            <a:off x="580887" y="1793697"/>
+            <a:ext cx="4568533" cy="301723"/>
           </a:xfrm>
           <a:prstGeom prst="roundRect">
             <a:avLst>
@@ -18162,37 +18374,38 @@
             </a:lvl9pPr>
           </a:lstStyle>
           <a:p>
+            <a:pPr algn="l"/>
             <a:r>
               <a:rPr lang="en-US" altLang="ko-KR" sz="2400" dirty="0" smtClean="0">
-                <a:latin typeface="돋움" panose="020B0600000101010101" pitchFamily="50" charset="-127"/>
-                <a:ea typeface="돋움" panose="020B0600000101010101" pitchFamily="50" charset="-127"/>
-              </a:rPr>
-              <a:t>Html  </a:t>
+                <a:latin typeface="HY견고딕" pitchFamily="18" charset="-127"/>
+                <a:ea typeface="HY견고딕" pitchFamily="18" charset="-127"/>
+              </a:rPr>
+              <a:t>Html </a:t>
             </a:r>
             <a:r>
               <a:rPr lang="en-US" altLang="ko-KR" sz="2400" dirty="0" err="1" smtClean="0">
-                <a:latin typeface="돋움" panose="020B0600000101010101" pitchFamily="50" charset="-127"/>
-                <a:ea typeface="돋움" panose="020B0600000101010101" pitchFamily="50" charset="-127"/>
+                <a:latin typeface="HY견고딕" pitchFamily="18" charset="-127"/>
+                <a:ea typeface="HY견고딕" pitchFamily="18" charset="-127"/>
               </a:rPr>
               <a:t>Css</a:t>
             </a:r>
             <a:r>
               <a:rPr lang="en-US" altLang="ko-KR" sz="2400" dirty="0" smtClean="0">
-                <a:latin typeface="돋움" panose="020B0600000101010101" pitchFamily="50" charset="-127"/>
-                <a:ea typeface="돋움" panose="020B0600000101010101" pitchFamily="50" charset="-127"/>
+                <a:latin typeface="HY견고딕" pitchFamily="18" charset="-127"/>
+                <a:ea typeface="HY견고딕" pitchFamily="18" charset="-127"/>
               </a:rPr>
               <a:t> </a:t>
             </a:r>
             <a:r>
               <a:rPr lang="en-US" altLang="ko-KR" sz="2400" dirty="0" err="1" smtClean="0">
-                <a:latin typeface="돋움" panose="020B0600000101010101" pitchFamily="50" charset="-127"/>
-                <a:ea typeface="돋움" panose="020B0600000101010101" pitchFamily="50" charset="-127"/>
+                <a:latin typeface="HY견고딕" pitchFamily="18" charset="-127"/>
+                <a:ea typeface="HY견고딕" pitchFamily="18" charset="-127"/>
               </a:rPr>
               <a:t>Javascript</a:t>
             </a:r>
             <a:endParaRPr lang="en-US" altLang="ko-KR" sz="2400" dirty="0">
-              <a:latin typeface="돋움" panose="020B0600000101010101" pitchFamily="50" charset="-127"/>
-              <a:ea typeface="돋움" panose="020B0600000101010101" pitchFamily="50" charset="-127"/>
+              <a:latin typeface="HY견고딕" pitchFamily="18" charset="-127"/>
+              <a:ea typeface="HY견고딕" pitchFamily="18" charset="-127"/>
             </a:endParaRPr>
           </a:p>
         </p:txBody>
@@ -18202,7 +18415,7 @@
           <p:cNvPr id="20" name="직선 연결선 19">
             <a:extLst>
               <a:ext uri="{FF2B5EF4-FFF2-40B4-BE49-F238E27FC236}">
-                <a16:creationId xmlns:a16="http://schemas.microsoft.com/office/drawing/2014/main" id="{0CCE5372-E9D3-4F6A-8168-91DB4E98C99A}"/>
+                <a16:creationId xmlns:a16="http://schemas.microsoft.com/office/drawing/2014/main" xmlns="" id="{0CCE5372-E9D3-4F6A-8168-91DB4E98C99A}"/>
               </a:ext>
             </a:extLst>
           </p:cNvPr>
@@ -18646,7 +18859,7 @@
           <p:cNvPr id="8" name="텍스트 개체 틀 7">
             <a:extLst>
               <a:ext uri="{FF2B5EF4-FFF2-40B4-BE49-F238E27FC236}">
-                <a16:creationId xmlns:a16="http://schemas.microsoft.com/office/drawing/2014/main" id="{F941FAD0-2E99-4CAC-B16F-30C5DE050E43}"/>
+                <a16:creationId xmlns:a16="http://schemas.microsoft.com/office/drawing/2014/main" xmlns="" id="{F941FAD0-2E99-4CAC-B16F-30C5DE050E43}"/>
               </a:ext>
             </a:extLst>
           </p:cNvPr>
@@ -18681,7 +18894,7 @@
           <p:cNvPr id="9" name="텍스트 개체 틀 8">
             <a:extLst>
               <a:ext uri="{FF2B5EF4-FFF2-40B4-BE49-F238E27FC236}">
-                <a16:creationId xmlns:a16="http://schemas.microsoft.com/office/drawing/2014/main" id="{A07C0B61-375E-4330-850F-740158BE3674}"/>
+                <a16:creationId xmlns:a16="http://schemas.microsoft.com/office/drawing/2014/main" xmlns="" id="{A07C0B61-375E-4330-850F-740158BE3674}"/>
               </a:ext>
             </a:extLst>
           </p:cNvPr>
@@ -18714,7 +18927,7 @@
           <p:cNvPr id="7" name="텍스트 개체 틀 6">
             <a:extLst>
               <a:ext uri="{FF2B5EF4-FFF2-40B4-BE49-F238E27FC236}">
-                <a16:creationId xmlns:a16="http://schemas.microsoft.com/office/drawing/2014/main" id="{8E0EDBB3-D4FF-4E7B-A8D3-67AF82A4FCE9}"/>
+                <a16:creationId xmlns:a16="http://schemas.microsoft.com/office/drawing/2014/main" xmlns="" id="{8E0EDBB3-D4FF-4E7B-A8D3-67AF82A4FCE9}"/>
               </a:ext>
             </a:extLst>
           </p:cNvPr>
@@ -18753,7 +18966,7 @@
           <p:cNvPr id="30" name="텍스트 개체 틀 18">
             <a:extLst>
               <a:ext uri="{FF2B5EF4-FFF2-40B4-BE49-F238E27FC236}">
-                <a16:creationId xmlns:a16="http://schemas.microsoft.com/office/drawing/2014/main" id="{35B0EFBA-2784-4F27-8843-E4086A89CE34}"/>
+                <a16:creationId xmlns:a16="http://schemas.microsoft.com/office/drawing/2014/main" xmlns="" id="{35B0EFBA-2784-4F27-8843-E4086A89CE34}"/>
               </a:ext>
             </a:extLst>
           </p:cNvPr>
@@ -19013,7 +19226,7 @@
           <p:cNvPr id="32" name="원형: 비어 있음 31">
             <a:extLst>
               <a:ext uri="{FF2B5EF4-FFF2-40B4-BE49-F238E27FC236}">
-                <a16:creationId xmlns:a16="http://schemas.microsoft.com/office/drawing/2014/main" id="{678B5649-1C08-494B-8F95-E3CDD47E5A77}"/>
+                <a16:creationId xmlns:a16="http://schemas.microsoft.com/office/drawing/2014/main" xmlns="" id="{678B5649-1C08-494B-8F95-E3CDD47E5A77}"/>
               </a:ext>
             </a:extLst>
           </p:cNvPr>
@@ -19143,7 +19356,7 @@
           <p:cNvPr id="34" name="텍스트 개체 틀 18">
             <a:extLst>
               <a:ext uri="{FF2B5EF4-FFF2-40B4-BE49-F238E27FC236}">
-                <a16:creationId xmlns:a16="http://schemas.microsoft.com/office/drawing/2014/main" id="{35B0EFBA-2784-4F27-8843-E4086A89CE34}"/>
+                <a16:creationId xmlns:a16="http://schemas.microsoft.com/office/drawing/2014/main" xmlns="" id="{35B0EFBA-2784-4F27-8843-E4086A89CE34}"/>
               </a:ext>
             </a:extLst>
           </p:cNvPr>
@@ -19443,7 +19656,7 @@
           <p:cNvPr id="35" name="텍스트 개체 틀 18">
             <a:extLst>
               <a:ext uri="{FF2B5EF4-FFF2-40B4-BE49-F238E27FC236}">
-                <a16:creationId xmlns:a16="http://schemas.microsoft.com/office/drawing/2014/main" id="{35B0EFBA-2784-4F27-8843-E4086A89CE34}"/>
+                <a16:creationId xmlns:a16="http://schemas.microsoft.com/office/drawing/2014/main" xmlns="" id="{35B0EFBA-2784-4F27-8843-E4086A89CE34}"/>
               </a:ext>
             </a:extLst>
           </p:cNvPr>
@@ -19757,7 +19970,7 @@
           <p:cNvPr id="38" name="텍스트 개체 틀 18">
             <a:extLst>
               <a:ext uri="{FF2B5EF4-FFF2-40B4-BE49-F238E27FC236}">
-                <a16:creationId xmlns:a16="http://schemas.microsoft.com/office/drawing/2014/main" id="{35B0EFBA-2784-4F27-8843-E4086A89CE34}"/>
+                <a16:creationId xmlns:a16="http://schemas.microsoft.com/office/drawing/2014/main" xmlns="" id="{35B0EFBA-2784-4F27-8843-E4086A89CE34}"/>
               </a:ext>
             </a:extLst>
           </p:cNvPr>
@@ -20066,7 +20279,7 @@
           <p:cNvPr id="41" name="텍스트 개체 틀 18">
             <a:extLst>
               <a:ext uri="{FF2B5EF4-FFF2-40B4-BE49-F238E27FC236}">
-                <a16:creationId xmlns:a16="http://schemas.microsoft.com/office/drawing/2014/main" id="{35B0EFBA-2784-4F27-8843-E4086A89CE34}"/>
+                <a16:creationId xmlns:a16="http://schemas.microsoft.com/office/drawing/2014/main" xmlns="" id="{35B0EFBA-2784-4F27-8843-E4086A89CE34}"/>
               </a:ext>
             </a:extLst>
           </p:cNvPr>
@@ -20382,7 +20595,7 @@
           <p:cNvPr id="44" name="텍스트 개체 틀 18">
             <a:extLst>
               <a:ext uri="{FF2B5EF4-FFF2-40B4-BE49-F238E27FC236}">
-                <a16:creationId xmlns:a16="http://schemas.microsoft.com/office/drawing/2014/main" id="{35B0EFBA-2784-4F27-8843-E4086A89CE34}"/>
+                <a16:creationId xmlns:a16="http://schemas.microsoft.com/office/drawing/2014/main" xmlns="" id="{35B0EFBA-2784-4F27-8843-E4086A89CE34}"/>
               </a:ext>
             </a:extLst>
           </p:cNvPr>
@@ -20689,7 +20902,7 @@
           <p:cNvPr id="50" name="텍스트 개체 틀 18">
             <a:extLst>
               <a:ext uri="{FF2B5EF4-FFF2-40B4-BE49-F238E27FC236}">
-                <a16:creationId xmlns:a16="http://schemas.microsoft.com/office/drawing/2014/main" id="{35B0EFBA-2784-4F27-8843-E4086A89CE34}"/>
+                <a16:creationId xmlns:a16="http://schemas.microsoft.com/office/drawing/2014/main" xmlns="" id="{35B0EFBA-2784-4F27-8843-E4086A89CE34}"/>
               </a:ext>
             </a:extLst>
           </p:cNvPr>
@@ -20999,7 +21212,7 @@
           <p:cNvPr id="16" name="텍스트 개체 틀 15">
             <a:extLst>
               <a:ext uri="{FF2B5EF4-FFF2-40B4-BE49-F238E27FC236}">
-                <a16:creationId xmlns:a16="http://schemas.microsoft.com/office/drawing/2014/main" id="{6DD2F5DC-9C10-4C58-885F-6C759DD7726F}"/>
+                <a16:creationId xmlns:a16="http://schemas.microsoft.com/office/drawing/2014/main" xmlns="" id="{6DD2F5DC-9C10-4C58-885F-6C759DD7726F}"/>
               </a:ext>
             </a:extLst>
           </p:cNvPr>
@@ -21052,7 +21265,7 @@
           <p:cNvPr id="17" name="텍스트 개체 틀 16">
             <a:extLst>
               <a:ext uri="{FF2B5EF4-FFF2-40B4-BE49-F238E27FC236}">
-                <a16:creationId xmlns:a16="http://schemas.microsoft.com/office/drawing/2014/main" id="{13A46F48-40E6-4F4F-8C6A-BE07849CB011}"/>
+                <a16:creationId xmlns:a16="http://schemas.microsoft.com/office/drawing/2014/main" xmlns="" id="{13A46F48-40E6-4F4F-8C6A-BE07849CB011}"/>
               </a:ext>
             </a:extLst>
           </p:cNvPr>
@@ -21095,7 +21308,7 @@
           <p:cNvPr id="15" name="텍스트 개체 틀 14">
             <a:extLst>
               <a:ext uri="{FF2B5EF4-FFF2-40B4-BE49-F238E27FC236}">
-                <a16:creationId xmlns:a16="http://schemas.microsoft.com/office/drawing/2014/main" id="{4A79C4DE-2AA8-4A77-B245-4272D10F447B}"/>
+                <a16:creationId xmlns:a16="http://schemas.microsoft.com/office/drawing/2014/main" xmlns="" id="{4A79C4DE-2AA8-4A77-B245-4272D10F447B}"/>
               </a:ext>
             </a:extLst>
           </p:cNvPr>
@@ -21165,7 +21378,7 @@
           <p:cNvPr id="8" name="텍스트 개체 틀 7">
             <a:extLst>
               <a:ext uri="{FF2B5EF4-FFF2-40B4-BE49-F238E27FC236}">
-                <a16:creationId xmlns:a16="http://schemas.microsoft.com/office/drawing/2014/main" id="{F941FAD0-2E99-4CAC-B16F-30C5DE050E43}"/>
+                <a16:creationId xmlns:a16="http://schemas.microsoft.com/office/drawing/2014/main" xmlns="" id="{F941FAD0-2E99-4CAC-B16F-30C5DE050E43}"/>
               </a:ext>
             </a:extLst>
           </p:cNvPr>
@@ -21183,14 +21396,14 @@
           <a:p>
             <a:r>
               <a:rPr lang="ko-KR" altLang="en-US" sz="2800" dirty="0" smtClean="0">
-                <a:latin typeface="돋움" panose="020B0600000101010101" pitchFamily="50" charset="-127"/>
-                <a:ea typeface="돋움" panose="020B0600000101010101" pitchFamily="50" charset="-127"/>
+                <a:latin typeface="HY견고딕" pitchFamily="18" charset="-127"/>
+                <a:ea typeface="HY견고딕" pitchFamily="18" charset="-127"/>
               </a:rPr>
               <a:t>필요한 기능 정리</a:t>
             </a:r>
             <a:endParaRPr lang="en-US" sz="2800" dirty="0">
-              <a:latin typeface="돋움" panose="020B0600000101010101" pitchFamily="50" charset="-127"/>
-              <a:ea typeface="돋움" panose="020B0600000101010101" pitchFamily="50" charset="-127"/>
+              <a:latin typeface="HY견고딕" pitchFamily="18" charset="-127"/>
+              <a:ea typeface="HY견고딕" pitchFamily="18" charset="-127"/>
             </a:endParaRPr>
           </a:p>
         </p:txBody>
@@ -21200,7 +21413,7 @@
           <p:cNvPr id="9" name="텍스트 개체 틀 8">
             <a:extLst>
               <a:ext uri="{FF2B5EF4-FFF2-40B4-BE49-F238E27FC236}">
-                <a16:creationId xmlns:a16="http://schemas.microsoft.com/office/drawing/2014/main" id="{A07C0B61-375E-4330-850F-740158BE3674}"/>
+                <a16:creationId xmlns:a16="http://schemas.microsoft.com/office/drawing/2014/main" xmlns="" id="{A07C0B61-375E-4330-850F-740158BE3674}"/>
               </a:ext>
             </a:extLst>
           </p:cNvPr>
@@ -21233,7 +21446,7 @@
           <p:cNvPr id="7" name="텍스트 개체 틀 6">
             <a:extLst>
               <a:ext uri="{FF2B5EF4-FFF2-40B4-BE49-F238E27FC236}">
-                <a16:creationId xmlns:a16="http://schemas.microsoft.com/office/drawing/2014/main" id="{8E0EDBB3-D4FF-4E7B-A8D3-67AF82A4FCE9}"/>
+                <a16:creationId xmlns:a16="http://schemas.microsoft.com/office/drawing/2014/main" xmlns="" id="{8E0EDBB3-D4FF-4E7B-A8D3-67AF82A4FCE9}"/>
               </a:ext>
             </a:extLst>
           </p:cNvPr>
@@ -21272,7 +21485,7 @@
           <p:cNvPr id="19" name="텍스트 개체 틀 18">
             <a:extLst>
               <a:ext uri="{FF2B5EF4-FFF2-40B4-BE49-F238E27FC236}">
-                <a16:creationId xmlns:a16="http://schemas.microsoft.com/office/drawing/2014/main" id="{F47C67DE-4C45-465C-8321-3BDE5360C203}"/>
+                <a16:creationId xmlns:a16="http://schemas.microsoft.com/office/drawing/2014/main" xmlns="" id="{F47C67DE-4C45-465C-8321-3BDE5360C203}"/>
               </a:ext>
             </a:extLst>
           </p:cNvPr>
@@ -21283,8 +21496,8 @@
         </p:nvSpPr>
         <p:spPr>
           <a:xfrm>
-            <a:off x="490577" y="1793698"/>
-            <a:ext cx="5413512" cy="301723"/>
+            <a:off x="624937" y="1756073"/>
+            <a:ext cx="8021034" cy="301723"/>
           </a:xfrm>
           <a:prstGeom prst="roundRect">
             <a:avLst>
@@ -21505,6 +21718,19 @@
             </a:lvl9pPr>
           </a:lstStyle>
           <a:p>
+            <a:pPr algn="l"/>
+            <a:r>
+              <a:rPr lang="ko-KR" altLang="en-US" sz="2400" dirty="0" smtClean="0">
+                <a:solidFill>
+                  <a:schemeClr val="bg1">
+                    <a:lumMod val="95000"/>
+                  </a:schemeClr>
+                </a:solidFill>
+                <a:latin typeface="돋움" pitchFamily="50" charset="-127"/>
+                <a:ea typeface="돋움" pitchFamily="50" charset="-127"/>
+              </a:rPr>
+              <a:t>구현 목표 </a:t>
+            </a:r>
             <a:r>
               <a:rPr lang="en-US" altLang="ko-KR" sz="2400" dirty="0" smtClean="0">
                 <a:solidFill>
@@ -21512,22 +21738,22 @@
                     <a:lumMod val="95000"/>
                   </a:schemeClr>
                 </a:solidFill>
-                <a:latin typeface="돋움" panose="020B0600000101010101" pitchFamily="50" charset="-127"/>
-                <a:ea typeface="돋움" panose="020B0600000101010101" pitchFamily="50" charset="-127"/>
-              </a:rPr>
-              <a:t>Windows </a:t>
-            </a:r>
-            <a:r>
-              <a:rPr lang="en-US" altLang="ko-KR" sz="2400" dirty="0">
+                <a:latin typeface="돋움" pitchFamily="50" charset="-127"/>
+                <a:ea typeface="돋움" pitchFamily="50" charset="-127"/>
+              </a:rPr>
+              <a:t>: windows </a:t>
+            </a:r>
+            <a:r>
+              <a:rPr lang="en-US" altLang="ko-KR" sz="2400" dirty="0" err="1" smtClean="0">
                 <a:solidFill>
                   <a:schemeClr val="bg1">
                     <a:lumMod val="95000"/>
                   </a:schemeClr>
                 </a:solidFill>
-                <a:latin typeface="돋움" panose="020B0600000101010101" pitchFamily="50" charset="-127"/>
-                <a:ea typeface="돋움" panose="020B0600000101010101" pitchFamily="50" charset="-127"/>
-              </a:rPr>
-              <a:t>OS</a:t>
+                <a:latin typeface="돋움" pitchFamily="50" charset="-127"/>
+                <a:ea typeface="돋움" pitchFamily="50" charset="-127"/>
+              </a:rPr>
+              <a:t>os</a:t>
             </a:r>
             <a:r>
               <a:rPr lang="ko-KR" altLang="en-US" sz="2400" dirty="0">
@@ -21536,22 +21762,22 @@
                     <a:lumMod val="95000"/>
                   </a:schemeClr>
                 </a:solidFill>
-                <a:latin typeface="돋움" panose="020B0600000101010101" pitchFamily="50" charset="-127"/>
-                <a:ea typeface="돋움" panose="020B0600000101010101" pitchFamily="50" charset="-127"/>
-              </a:rPr>
-              <a:t>와 비슷하게 </a:t>
-            </a:r>
-            <a:r>
-              <a:rPr lang="ko-KR" altLang="en-US" sz="2400" dirty="0" err="1">
+                <a:latin typeface="돋움" pitchFamily="50" charset="-127"/>
+                <a:ea typeface="돋움" pitchFamily="50" charset="-127"/>
+              </a:rPr>
+              <a:t> </a:t>
+            </a:r>
+            <a:r>
+              <a:rPr lang="ko-KR" altLang="en-US" sz="2400" dirty="0" smtClean="0">
                 <a:solidFill>
                   <a:schemeClr val="bg1">
                     <a:lumMod val="95000"/>
                   </a:schemeClr>
                 </a:solidFill>
-                <a:latin typeface="돋움" panose="020B0600000101010101" pitchFamily="50" charset="-127"/>
-                <a:ea typeface="돋움" panose="020B0600000101010101" pitchFamily="50" charset="-127"/>
-              </a:rPr>
-              <a:t>동작해야함</a:t>
+                <a:latin typeface="돋움" pitchFamily="50" charset="-127"/>
+                <a:ea typeface="돋움" pitchFamily="50" charset="-127"/>
+              </a:rPr>
+              <a:t>기능을 유사하게 구현</a:t>
             </a:r>
             <a:endParaRPr lang="ko-KR" altLang="en-US" sz="2400" dirty="0">
               <a:solidFill>
@@ -21559,8 +21785,8 @@
                   <a:lumMod val="95000"/>
                 </a:schemeClr>
               </a:solidFill>
-              <a:latin typeface="돋움" panose="020B0600000101010101" pitchFamily="50" charset="-127"/>
-              <a:ea typeface="돋움" panose="020B0600000101010101" pitchFamily="50" charset="-127"/>
+              <a:latin typeface="돋움" pitchFamily="50" charset="-127"/>
+              <a:ea typeface="돋움" pitchFamily="50" charset="-127"/>
             </a:endParaRPr>
           </a:p>
         </p:txBody>
@@ -21570,7 +21796,7 @@
           <p:cNvPr id="20" name="직선 연결선 19">
             <a:extLst>
               <a:ext uri="{FF2B5EF4-FFF2-40B4-BE49-F238E27FC236}">
-                <a16:creationId xmlns:a16="http://schemas.microsoft.com/office/drawing/2014/main" id="{0CCE5372-E9D3-4F6A-8168-91DB4E98C99A}"/>
+                <a16:creationId xmlns:a16="http://schemas.microsoft.com/office/drawing/2014/main" xmlns="" id="{0CCE5372-E9D3-4F6A-8168-91DB4E98C99A}"/>
               </a:ext>
             </a:extLst>
           </p:cNvPr>
@@ -22330,7 +22556,7 @@
           <p:cNvPr id="8" name="텍스트 개체 틀 7">
             <a:extLst>
               <a:ext uri="{FF2B5EF4-FFF2-40B4-BE49-F238E27FC236}">
-                <a16:creationId xmlns:a16="http://schemas.microsoft.com/office/drawing/2014/main" id="{F941FAD0-2E99-4CAC-B16F-30C5DE050E43}"/>
+                <a16:creationId xmlns:a16="http://schemas.microsoft.com/office/drawing/2014/main" xmlns="" id="{F941FAD0-2E99-4CAC-B16F-30C5DE050E43}"/>
               </a:ext>
             </a:extLst>
           </p:cNvPr>
@@ -22365,7 +22591,7 @@
           <p:cNvPr id="9" name="텍스트 개체 틀 8">
             <a:extLst>
               <a:ext uri="{FF2B5EF4-FFF2-40B4-BE49-F238E27FC236}">
-                <a16:creationId xmlns:a16="http://schemas.microsoft.com/office/drawing/2014/main" id="{A07C0B61-375E-4330-850F-740158BE3674}"/>
+                <a16:creationId xmlns:a16="http://schemas.microsoft.com/office/drawing/2014/main" xmlns="" id="{A07C0B61-375E-4330-850F-740158BE3674}"/>
               </a:ext>
             </a:extLst>
           </p:cNvPr>
@@ -22398,7 +22624,7 @@
           <p:cNvPr id="7" name="텍스트 개체 틀 6">
             <a:extLst>
               <a:ext uri="{FF2B5EF4-FFF2-40B4-BE49-F238E27FC236}">
-                <a16:creationId xmlns:a16="http://schemas.microsoft.com/office/drawing/2014/main" id="{8E0EDBB3-D4FF-4E7B-A8D3-67AF82A4FCE9}"/>
+                <a16:creationId xmlns:a16="http://schemas.microsoft.com/office/drawing/2014/main" xmlns="" id="{8E0EDBB3-D4FF-4E7B-A8D3-67AF82A4FCE9}"/>
               </a:ext>
             </a:extLst>
           </p:cNvPr>
@@ -22440,8 +22666,8 @@
         </p:nvSpPr>
         <p:spPr>
           <a:xfrm>
-            <a:off x="152399" y="4710553"/>
-            <a:ext cx="4321047" cy="1323439"/>
+            <a:off x="97980" y="4710553"/>
+            <a:ext cx="4321047" cy="1169551"/>
           </a:xfrm>
           <a:prstGeom prst="rect">
             <a:avLst/>
@@ -22455,177 +22681,213 @@
           <a:lstStyle/>
           <a:p>
             <a:r>
-              <a:rPr lang="ko-KR" altLang="en-US" sz="1600" dirty="0" smtClean="0">
+              <a:rPr lang="en-US" altLang="ko-KR" sz="1400" dirty="0" smtClean="0">
                 <a:solidFill>
                   <a:schemeClr val="bg1">
                     <a:lumMod val="95000"/>
                   </a:schemeClr>
                 </a:solidFill>
-                <a:latin typeface="돋움" panose="020B0600000101010101" pitchFamily="50" charset="-127"/>
-                <a:ea typeface="돋움" panose="020B0600000101010101" pitchFamily="50" charset="-127"/>
+                <a:latin typeface="HY견고딕" pitchFamily="18" charset="-127"/>
+                <a:ea typeface="HY견고딕" pitchFamily="18" charset="-127"/>
+              </a:rPr>
+              <a:t>- </a:t>
+            </a:r>
+            <a:r>
+              <a:rPr lang="ko-KR" altLang="en-US" sz="1400" dirty="0" smtClean="0">
+                <a:solidFill>
+                  <a:schemeClr val="bg1">
+                    <a:lumMod val="95000"/>
+                  </a:schemeClr>
+                </a:solidFill>
+                <a:latin typeface="HY견고딕" pitchFamily="18" charset="-127"/>
+                <a:ea typeface="HY견고딕" pitchFamily="18" charset="-127"/>
               </a:rPr>
               <a:t>윈도우 </a:t>
             </a:r>
             <a:r>
-              <a:rPr lang="ko-KR" altLang="en-US" sz="1600" dirty="0" err="1" smtClean="0">
+              <a:rPr lang="ko-KR" altLang="en-US" sz="1400" dirty="0" smtClean="0">
                 <a:solidFill>
                   <a:schemeClr val="bg1">
                     <a:lumMod val="95000"/>
                   </a:schemeClr>
                 </a:solidFill>
-                <a:latin typeface="돋움" panose="020B0600000101010101" pitchFamily="50" charset="-127"/>
-                <a:ea typeface="돋움" panose="020B0600000101010101" pitchFamily="50" charset="-127"/>
-              </a:rPr>
-              <a:t>부팅화면을</a:t>
-            </a:r>
-            <a:r>
-              <a:rPr lang="ko-KR" altLang="en-US" sz="1600" dirty="0" smtClean="0">
+                <a:latin typeface="HY견고딕" pitchFamily="18" charset="-127"/>
+                <a:ea typeface="HY견고딕" pitchFamily="18" charset="-127"/>
+              </a:rPr>
+              <a:t>부팅화면을 사이트 </a:t>
+            </a:r>
+            <a:r>
+              <a:rPr lang="ko-KR" altLang="en-US" sz="1400" dirty="0" err="1" smtClean="0">
                 <a:solidFill>
                   <a:schemeClr val="bg1">
                     <a:lumMod val="95000"/>
                   </a:schemeClr>
                 </a:solidFill>
-                <a:latin typeface="돋움" panose="020B0600000101010101" pitchFamily="50" charset="-127"/>
-                <a:ea typeface="돋움" panose="020B0600000101010101" pitchFamily="50" charset="-127"/>
-              </a:rPr>
-              <a:t> 사이트 </a:t>
-            </a:r>
-            <a:r>
-              <a:rPr lang="ko-KR" altLang="en-US" sz="1600" dirty="0" err="1" smtClean="0">
+                <a:latin typeface="HY견고딕" pitchFamily="18" charset="-127"/>
+                <a:ea typeface="HY견고딕" pitchFamily="18" charset="-127"/>
+              </a:rPr>
+              <a:t>접속시</a:t>
+            </a:r>
+            <a:r>
+              <a:rPr lang="ko-KR" altLang="en-US" sz="1400" dirty="0" smtClean="0">
                 <a:solidFill>
                   <a:schemeClr val="bg1">
                     <a:lumMod val="95000"/>
                   </a:schemeClr>
                 </a:solidFill>
-                <a:latin typeface="돋움" panose="020B0600000101010101" pitchFamily="50" charset="-127"/>
-                <a:ea typeface="돋움" panose="020B0600000101010101" pitchFamily="50" charset="-127"/>
-              </a:rPr>
-              <a:t>접속시</a:t>
-            </a:r>
-            <a:r>
-              <a:rPr lang="ko-KR" altLang="en-US" sz="1600" dirty="0" smtClean="0">
-                <a:solidFill>
-                  <a:schemeClr val="bg1">
-                    <a:lumMod val="95000"/>
-                  </a:schemeClr>
-                </a:solidFill>
-                <a:latin typeface="돋움" panose="020B0600000101010101" pitchFamily="50" charset="-127"/>
-                <a:ea typeface="돋움" panose="020B0600000101010101" pitchFamily="50" charset="-127"/>
+                <a:latin typeface="HY견고딕" pitchFamily="18" charset="-127"/>
+                <a:ea typeface="HY견고딕" pitchFamily="18" charset="-127"/>
               </a:rPr>
               <a:t> 표시하여 </a:t>
             </a:r>
-            <a:endParaRPr lang="en-US" altLang="ko-KR" sz="1600" dirty="0" smtClean="0">
+            <a:endParaRPr lang="en-US" altLang="ko-KR" sz="1400" dirty="0" smtClean="0">
               <a:solidFill>
                 <a:schemeClr val="bg1">
                   <a:lumMod val="95000"/>
                 </a:schemeClr>
               </a:solidFill>
-              <a:latin typeface="돋움" panose="020B0600000101010101" pitchFamily="50" charset="-127"/>
-              <a:ea typeface="돋움" panose="020B0600000101010101" pitchFamily="50" charset="-127"/>
+              <a:latin typeface="HY견고딕" pitchFamily="18" charset="-127"/>
+              <a:ea typeface="HY견고딕" pitchFamily="18" charset="-127"/>
             </a:endParaRPr>
           </a:p>
           <a:p>
-            <a:endParaRPr lang="en-US" altLang="ko-KR" sz="1600" dirty="0">
+            <a:endParaRPr lang="en-US" altLang="ko-KR" sz="1400" dirty="0">
               <a:solidFill>
                 <a:schemeClr val="bg1">
                   <a:lumMod val="95000"/>
                 </a:schemeClr>
               </a:solidFill>
-              <a:latin typeface="돋움" panose="020B0600000101010101" pitchFamily="50" charset="-127"/>
-              <a:ea typeface="돋움" panose="020B0600000101010101" pitchFamily="50" charset="-127"/>
+              <a:latin typeface="HY견고딕" pitchFamily="18" charset="-127"/>
+              <a:ea typeface="HY견고딕" pitchFamily="18" charset="-127"/>
             </a:endParaRPr>
           </a:p>
           <a:p>
             <a:r>
-              <a:rPr lang="ko-KR" altLang="en-US" sz="1600" dirty="0" smtClean="0">
+              <a:rPr lang="en-US" altLang="ko-KR" sz="1400" dirty="0">
                 <a:solidFill>
                   <a:schemeClr val="bg1">
                     <a:lumMod val="95000"/>
                   </a:schemeClr>
                 </a:solidFill>
-                <a:latin typeface="돋움" panose="020B0600000101010101" pitchFamily="50" charset="-127"/>
-                <a:ea typeface="돋움" panose="020B0600000101010101" pitchFamily="50" charset="-127"/>
+                <a:latin typeface="HY견고딕" pitchFamily="18" charset="-127"/>
+                <a:ea typeface="HY견고딕" pitchFamily="18" charset="-127"/>
+              </a:rPr>
+              <a:t> </a:t>
+            </a:r>
+            <a:r>
+              <a:rPr lang="en-US" altLang="ko-KR" sz="1400" dirty="0" smtClean="0">
+                <a:solidFill>
+                  <a:schemeClr val="bg1">
+                    <a:lumMod val="95000"/>
+                  </a:schemeClr>
+                </a:solidFill>
+                <a:latin typeface="HY견고딕" pitchFamily="18" charset="-127"/>
+                <a:ea typeface="HY견고딕" pitchFamily="18" charset="-127"/>
+              </a:rPr>
+              <a:t> </a:t>
+            </a:r>
+            <a:r>
+              <a:rPr lang="ko-KR" altLang="en-US" sz="1400" dirty="0" smtClean="0">
+                <a:solidFill>
+                  <a:schemeClr val="bg1">
+                    <a:lumMod val="95000"/>
+                  </a:schemeClr>
+                </a:solidFill>
+                <a:latin typeface="HY견고딕" pitchFamily="18" charset="-127"/>
+                <a:ea typeface="HY견고딕" pitchFamily="18" charset="-127"/>
               </a:rPr>
               <a:t>윈도우 </a:t>
             </a:r>
             <a:r>
-              <a:rPr lang="en-US" altLang="ko-KR" sz="1600" dirty="0" smtClean="0">
+              <a:rPr lang="en-US" altLang="ko-KR" sz="1400" dirty="0" smtClean="0">
                 <a:solidFill>
                   <a:schemeClr val="bg1">
                     <a:lumMod val="95000"/>
                   </a:schemeClr>
                 </a:solidFill>
-                <a:latin typeface="돋움" panose="020B0600000101010101" pitchFamily="50" charset="-127"/>
-                <a:ea typeface="돋움" panose="020B0600000101010101" pitchFamily="50" charset="-127"/>
+                <a:latin typeface="HY견고딕" pitchFamily="18" charset="-127"/>
+                <a:ea typeface="HY견고딕" pitchFamily="18" charset="-127"/>
               </a:rPr>
               <a:t>95</a:t>
             </a:r>
             <a:r>
-              <a:rPr lang="ko-KR" altLang="en-US" sz="1600" dirty="0" smtClean="0">
+              <a:rPr lang="ko-KR" altLang="en-US" sz="1400" dirty="0" smtClean="0">
                 <a:solidFill>
                   <a:schemeClr val="bg1">
                     <a:lumMod val="95000"/>
                   </a:schemeClr>
                 </a:solidFill>
-                <a:latin typeface="돋움" panose="020B0600000101010101" pitchFamily="50" charset="-127"/>
-                <a:ea typeface="돋움" panose="020B0600000101010101" pitchFamily="50" charset="-127"/>
+                <a:latin typeface="HY견고딕" pitchFamily="18" charset="-127"/>
+                <a:ea typeface="HY견고딕" pitchFamily="18" charset="-127"/>
               </a:rPr>
               <a:t>를 부팅하는 느낌이 나도록 표시함</a:t>
             </a:r>
-            <a:endParaRPr lang="en-US" altLang="ko-KR" sz="1600" dirty="0" smtClean="0">
+            <a:endParaRPr lang="en-US" altLang="ko-KR" sz="1400" dirty="0" smtClean="0">
               <a:solidFill>
                 <a:schemeClr val="bg1">
                   <a:lumMod val="95000"/>
                 </a:schemeClr>
               </a:solidFill>
-              <a:latin typeface="돋움" panose="020B0600000101010101" pitchFamily="50" charset="-127"/>
-              <a:ea typeface="돋움" panose="020B0600000101010101" pitchFamily="50" charset="-127"/>
+              <a:latin typeface="HY견고딕" pitchFamily="18" charset="-127"/>
+              <a:ea typeface="HY견고딕" pitchFamily="18" charset="-127"/>
             </a:endParaRPr>
           </a:p>
           <a:p>
-            <a:endParaRPr lang="en-US" altLang="ko-KR" sz="1600" dirty="0">
+            <a:endParaRPr lang="en-US" altLang="ko-KR" sz="1400" dirty="0">
               <a:solidFill>
                 <a:schemeClr val="bg1">
                   <a:lumMod val="95000"/>
                 </a:schemeClr>
               </a:solidFill>
-              <a:latin typeface="돋움" panose="020B0600000101010101" pitchFamily="50" charset="-127"/>
-              <a:ea typeface="돋움" panose="020B0600000101010101" pitchFamily="50" charset="-127"/>
+              <a:latin typeface="HY견고딕" pitchFamily="18" charset="-127"/>
+              <a:ea typeface="HY견고딕" pitchFamily="18" charset="-127"/>
             </a:endParaRPr>
           </a:p>
           <a:p>
             <a:r>
-              <a:rPr lang="ko-KR" altLang="en-US" sz="1600" dirty="0" smtClean="0">
+              <a:rPr lang="ko-KR" altLang="en-US" sz="1400" dirty="0" smtClean="0">
                 <a:solidFill>
                   <a:schemeClr val="bg1">
                     <a:lumMod val="95000"/>
                   </a:schemeClr>
                 </a:solidFill>
-                <a:latin typeface="돋움" panose="020B0600000101010101" pitchFamily="50" charset="-127"/>
-                <a:ea typeface="돋움" panose="020B0600000101010101" pitchFamily="50" charset="-127"/>
-              </a:rPr>
-              <a:t>부팅화면에서 로그인 기능은 추후에 </a:t>
-            </a:r>
-            <a:r>
-              <a:rPr lang="ko-KR" altLang="en-US" sz="1600" dirty="0" err="1" smtClean="0">
+                <a:latin typeface="HY견고딕" pitchFamily="18" charset="-127"/>
+                <a:ea typeface="HY견고딕" pitchFamily="18" charset="-127"/>
+              </a:rPr>
+              <a:t>  부팅화면에서 </a:t>
+            </a:r>
+            <a:r>
+              <a:rPr lang="ko-KR" altLang="en-US" sz="1400" dirty="0" smtClean="0">
                 <a:solidFill>
                   <a:schemeClr val="bg1">
                     <a:lumMod val="95000"/>
                   </a:schemeClr>
                 </a:solidFill>
-                <a:latin typeface="돋움" panose="020B0600000101010101" pitchFamily="50" charset="-127"/>
-                <a:ea typeface="돋움" panose="020B0600000101010101" pitchFamily="50" charset="-127"/>
-              </a:rPr>
-              <a:t>추가예정</a:t>
-            </a:r>
-            <a:endParaRPr lang="ko-KR" altLang="en-US" sz="1600" dirty="0">
+                <a:latin typeface="HY견고딕" pitchFamily="18" charset="-127"/>
+                <a:ea typeface="HY견고딕" pitchFamily="18" charset="-127"/>
+              </a:rPr>
+              <a:t>로그인 </a:t>
+            </a:r>
+            <a:r>
+              <a:rPr lang="ko-KR" altLang="en-US" sz="1400" dirty="0" smtClean="0">
+                <a:solidFill>
+                  <a:schemeClr val="bg1">
+                    <a:lumMod val="95000"/>
+                  </a:schemeClr>
+                </a:solidFill>
+                <a:latin typeface="HY견고딕" pitchFamily="18" charset="-127"/>
+                <a:ea typeface="HY견고딕" pitchFamily="18" charset="-127"/>
+              </a:rPr>
+              <a:t>기능을 도입 예정</a:t>
+            </a:r>
+            <a:endParaRPr lang="ko-KR" altLang="en-US" sz="1400" dirty="0">
               <a:solidFill>
                 <a:schemeClr val="bg1">
                   <a:lumMod val="95000"/>
                 </a:schemeClr>
               </a:solidFill>
-              <a:latin typeface="돋움" panose="020B0600000101010101" pitchFamily="50" charset="-127"/>
-              <a:ea typeface="돋움" panose="020B0600000101010101" pitchFamily="50" charset="-127"/>
+              <a:latin typeface="HY견고딕" pitchFamily="18" charset="-127"/>
+              <a:ea typeface="HY견고딕" pitchFamily="18" charset="-127"/>
             </a:endParaRPr>
           </a:p>
         </p:txBody>
@@ -22639,7 +22901,7 @@
           <p:nvPr/>
         </p:nvPicPr>
         <p:blipFill>
-          <a:blip r:embed="rId2" cstate="hqprint">
+          <a:blip r:embed="rId2" cstate="print">
             <a:extLst>
               <a:ext uri="{28A0092B-C50C-407E-A947-70E740481C1C}">
                 <a14:useLocalDpi xmlns:a14="http://schemas.microsoft.com/office/drawing/2010/main" val="0"/>
@@ -22669,7 +22931,7 @@
           <p:nvPr/>
         </p:nvPicPr>
         <p:blipFill rotWithShape="1">
-          <a:blip r:embed="rId3">
+          <a:blip r:embed="rId3" cstate="print">
             <a:extLst>
               <a:ext uri="{28A0092B-C50C-407E-A947-70E740481C1C}">
                 <a14:useLocalDpi xmlns:a14="http://schemas.microsoft.com/office/drawing/2010/main" val="0"/>
@@ -22698,7 +22960,7 @@
         <p:spPr>
           <a:xfrm>
             <a:off x="5008075" y="4710553"/>
-            <a:ext cx="3765795" cy="1077218"/>
+            <a:ext cx="3765795" cy="984885"/>
           </a:xfrm>
           <a:prstGeom prst="rect">
             <a:avLst/>
@@ -22712,59 +22974,131 @@
           <a:lstStyle/>
           <a:p>
             <a:r>
-              <a:rPr lang="ko-KR" altLang="en-US" sz="1600" dirty="0" smtClean="0">
+              <a:rPr lang="en-US" altLang="ko-KR" sz="1400" dirty="0" smtClean="0">
                 <a:solidFill>
                   <a:schemeClr val="bg1">
                     <a:lumMod val="95000"/>
                   </a:schemeClr>
                 </a:solidFill>
-                <a:latin typeface="돋움" panose="020B0600000101010101" pitchFamily="50" charset="-127"/>
-                <a:ea typeface="돋움" panose="020B0600000101010101" pitchFamily="50" charset="-127"/>
-              </a:rPr>
-              <a:t>윈도우 화면</a:t>
-            </a:r>
-            <a:endParaRPr lang="en-US" altLang="ko-KR" sz="1600" dirty="0">
+                <a:latin typeface="HY견고딕" pitchFamily="18" charset="-127"/>
+                <a:ea typeface="HY견고딕" pitchFamily="18" charset="-127"/>
+              </a:rPr>
+              <a:t>- </a:t>
+            </a:r>
+            <a:r>
+              <a:rPr lang="ko-KR" altLang="en-US" sz="1400" dirty="0" smtClean="0">
+                <a:solidFill>
+                  <a:schemeClr val="bg1">
+                    <a:lumMod val="95000"/>
+                  </a:schemeClr>
+                </a:solidFill>
+                <a:latin typeface="HY견고딕" pitchFamily="18" charset="-127"/>
+                <a:ea typeface="HY견고딕" pitchFamily="18" charset="-127"/>
+              </a:rPr>
+              <a:t>메인 페이지 </a:t>
+            </a:r>
+            <a:r>
+              <a:rPr lang="en-US" altLang="ko-KR" sz="1400" dirty="0" smtClean="0">
+                <a:solidFill>
+                  <a:schemeClr val="bg1">
+                    <a:lumMod val="95000"/>
+                  </a:schemeClr>
+                </a:solidFill>
+                <a:latin typeface="HY견고딕" pitchFamily="18" charset="-127"/>
+                <a:ea typeface="HY견고딕" pitchFamily="18" charset="-127"/>
+              </a:rPr>
+              <a:t>: </a:t>
+            </a:r>
+            <a:r>
+              <a:rPr lang="ko-KR" altLang="en-US" sz="1400" dirty="0" smtClean="0">
+                <a:solidFill>
+                  <a:schemeClr val="bg1">
+                    <a:lumMod val="95000"/>
+                  </a:schemeClr>
+                </a:solidFill>
+                <a:latin typeface="HY견고딕" pitchFamily="18" charset="-127"/>
+                <a:ea typeface="HY견고딕" pitchFamily="18" charset="-127"/>
+              </a:rPr>
+              <a:t>윈도우 </a:t>
+            </a:r>
+            <a:r>
+              <a:rPr lang="ko-KR" altLang="en-US" sz="1400" dirty="0" smtClean="0">
+                <a:solidFill>
+                  <a:schemeClr val="bg1">
+                    <a:lumMod val="95000"/>
+                  </a:schemeClr>
+                </a:solidFill>
+                <a:latin typeface="HY견고딕" pitchFamily="18" charset="-127"/>
+                <a:ea typeface="HY견고딕" pitchFamily="18" charset="-127"/>
+              </a:rPr>
+              <a:t>화면</a:t>
+            </a:r>
+            <a:endParaRPr lang="en-US" altLang="ko-KR" sz="1400" dirty="0">
               <a:solidFill>
                 <a:schemeClr val="bg1">
                   <a:lumMod val="95000"/>
                 </a:schemeClr>
               </a:solidFill>
-              <a:latin typeface="돋움" panose="020B0600000101010101" pitchFamily="50" charset="-127"/>
-              <a:ea typeface="돋움" panose="020B0600000101010101" pitchFamily="50" charset="-127"/>
+              <a:latin typeface="HY견고딕" pitchFamily="18" charset="-127"/>
+              <a:ea typeface="HY견고딕" pitchFamily="18" charset="-127"/>
             </a:endParaRPr>
           </a:p>
           <a:p>
-            <a:endParaRPr lang="en-US" altLang="ko-KR" sz="1600" dirty="0" smtClean="0">
+            <a:endParaRPr lang="en-US" altLang="ko-KR" sz="1400" dirty="0" smtClean="0">
               <a:solidFill>
                 <a:schemeClr val="bg1">
                   <a:lumMod val="95000"/>
                 </a:schemeClr>
               </a:solidFill>
-              <a:latin typeface="돋움" panose="020B0600000101010101" pitchFamily="50" charset="-127"/>
-              <a:ea typeface="돋움" panose="020B0600000101010101" pitchFamily="50" charset="-127"/>
+              <a:latin typeface="HY견고딕" pitchFamily="18" charset="-127"/>
+              <a:ea typeface="HY견고딕" pitchFamily="18" charset="-127"/>
             </a:endParaRPr>
           </a:p>
           <a:p>
             <a:r>
-              <a:rPr lang="ko-KR" altLang="en-US" sz="1600" dirty="0" smtClean="0">
+              <a:rPr lang="en-US" altLang="ko-KR" sz="1400" dirty="0" smtClean="0">
                 <a:solidFill>
                   <a:schemeClr val="bg1">
                     <a:lumMod val="95000"/>
                   </a:schemeClr>
                 </a:solidFill>
-                <a:latin typeface="돋움" panose="020B0600000101010101" pitchFamily="50" charset="-127"/>
-                <a:ea typeface="돋움" panose="020B0600000101010101" pitchFamily="50" charset="-127"/>
-              </a:rPr>
-              <a:t>기본적인 앱들을 화면에 표시함</a:t>
-            </a:r>
-            <a:endParaRPr lang="en-US" altLang="ko-KR" sz="1600" dirty="0" smtClean="0">
+                <a:latin typeface="HY견고딕" pitchFamily="18" charset="-127"/>
+                <a:ea typeface="HY견고딕" pitchFamily="18" charset="-127"/>
+              </a:rPr>
+              <a:t>- </a:t>
+            </a:r>
+            <a:r>
+              <a:rPr lang="ko-KR" altLang="en-US" sz="1400" dirty="0" smtClean="0">
+                <a:solidFill>
+                  <a:schemeClr val="bg1">
+                    <a:lumMod val="95000"/>
+                  </a:schemeClr>
+                </a:solidFill>
+                <a:latin typeface="HY견고딕" pitchFamily="18" charset="-127"/>
+                <a:ea typeface="HY견고딕" pitchFamily="18" charset="-127"/>
+              </a:rPr>
+              <a:t>기본적인 </a:t>
+            </a:r>
+            <a:r>
+              <a:rPr lang="ko-KR" altLang="en-US" sz="1400" dirty="0" smtClean="0">
+                <a:solidFill>
+                  <a:schemeClr val="bg1">
+                    <a:lumMod val="95000"/>
+                  </a:schemeClr>
+                </a:solidFill>
+                <a:latin typeface="HY견고딕" pitchFamily="18" charset="-127"/>
+                <a:ea typeface="HY견고딕" pitchFamily="18" charset="-127"/>
+              </a:rPr>
+              <a:t>앱들을 화면에 표시함</a:t>
+            </a:r>
+            <a:endParaRPr lang="en-US" altLang="ko-KR" sz="1400" dirty="0" smtClean="0">
               <a:solidFill>
                 <a:schemeClr val="bg1">
                   <a:lumMod val="95000"/>
                 </a:schemeClr>
               </a:solidFill>
-              <a:latin typeface="돋움" panose="020B0600000101010101" pitchFamily="50" charset="-127"/>
-              <a:ea typeface="돋움" panose="020B0600000101010101" pitchFamily="50" charset="-127"/>
+              <a:latin typeface="HY견고딕" pitchFamily="18" charset="-127"/>
+              <a:ea typeface="HY견고딕" pitchFamily="18" charset="-127"/>
             </a:endParaRPr>
           </a:p>
           <a:p>
@@ -22995,7 +23329,7 @@
   <a:extraClrSchemeLst/>
   <a:extLst>
     <a:ext uri="{05A4C25C-085E-4340-85A3-A5531E510DB2}">
-      <thm15:themeFamily xmlns:thm15="http://schemas.microsoft.com/office/thememl/2012/main" name="Office Theme" id="{62F939B6-93AF-4DB8-9C6B-D6C7DFDC589F}" vid="{4A3C46E8-61CC-4603-A589-7422A47A8E4A}"/>
+      <thm15:themeFamily xmlns:thm15="http://schemas.microsoft.com/office/thememl/2012/main" xmlns="" name="Office Theme" id="{62F939B6-93AF-4DB8-9C6B-D6C7DFDC589F}" vid="{4A3C46E8-61CC-4603-A589-7422A47A8E4A}"/>
     </a:ext>
   </a:extLst>
 </a:theme>
@@ -23044,7 +23378,7 @@
     </a:clrScheme>
     <a:fontScheme name="Office">
       <a:majorFont>
-        <a:latin typeface="맑은 고딕" panose="020F0302020204030204"/>
+        <a:latin typeface="맑은 고딕"/>
         <a:ea typeface=""/>
         <a:cs typeface=""/>
         <a:font script="Jpan" typeface="Yu Gothic Light"/>
@@ -23079,7 +23413,7 @@
         <a:font script="Geor" typeface="Sylfaen"/>
       </a:majorFont>
       <a:minorFont>
-        <a:latin typeface="맑은 고딕" panose="020F0502020204030204"/>
+        <a:latin typeface="맑은 고딕"/>
         <a:ea typeface=""/>
         <a:cs typeface=""/>
         <a:font script="Jpan" typeface="Yu Gothic"/>
@@ -23256,7 +23590,7 @@
   <a:extraClrSchemeLst/>
   <a:extLst>
     <a:ext uri="{05A4C25C-085E-4340-85A3-A5531E510DB2}">
-      <thm15:themeFamily xmlns:thm15="http://schemas.microsoft.com/office/thememl/2012/main" name="Office Theme" id="{62F939B6-93AF-4DB8-9C6B-D6C7DFDC589F}" vid="{4A3C46E8-61CC-4603-A589-7422A47A8E4A}"/>
+      <thm15:themeFamily xmlns:thm15="http://schemas.microsoft.com/office/thememl/2012/main" xmlns="" name="Office Theme" id="{62F939B6-93AF-4DB8-9C6B-D6C7DFDC589F}" vid="{4A3C46E8-61CC-4603-A589-7422A47A8E4A}"/>
     </a:ext>
   </a:extLst>
 </a:theme>
@@ -23305,7 +23639,7 @@
     </a:clrScheme>
     <a:fontScheme name="Office">
       <a:majorFont>
-        <a:latin typeface="맑은 고딕" panose="020F0302020204030204"/>
+        <a:latin typeface="맑은 고딕"/>
         <a:ea typeface=""/>
         <a:cs typeface=""/>
         <a:font script="Jpan" typeface="Yu Gothic Light"/>
@@ -23340,7 +23674,7 @@
         <a:font script="Geor" typeface="Sylfaen"/>
       </a:majorFont>
       <a:minorFont>
-        <a:latin typeface="맑은 고딕" panose="020F0502020204030204"/>
+        <a:latin typeface="맑은 고딕"/>
         <a:ea typeface=""/>
         <a:cs typeface=""/>
         <a:font script="Jpan" typeface="Yu Gothic"/>
@@ -23517,7 +23851,7 @@
   <a:extraClrSchemeLst/>
   <a:extLst>
     <a:ext uri="{05A4C25C-085E-4340-85A3-A5531E510DB2}">
-      <thm15:themeFamily xmlns:thm15="http://schemas.microsoft.com/office/thememl/2012/main" name="Office Theme" id="{62F939B6-93AF-4DB8-9C6B-D6C7DFDC589F}" vid="{4A3C46E8-61CC-4603-A589-7422A47A8E4A}"/>
+      <thm15:themeFamily xmlns:thm15="http://schemas.microsoft.com/office/thememl/2012/main" xmlns="" name="Office Theme" id="{62F939B6-93AF-4DB8-9C6B-D6C7DFDC589F}" vid="{4A3C46E8-61CC-4603-A589-7422A47A8E4A}"/>
     </a:ext>
   </a:extLst>
 </a:theme>

--- a/김용규 개인포폴.pptx
+++ b/김용규 개인포폴.pptx
@@ -134,7 +134,7 @@
   </p:defaultTextStyle>
   <p:extLst>
     <p:ext uri="{EFAFB233-063F-42B5-8137-9DF3F51BA10A}">
-      <p15:sldGuideLst xmlns:p15="http://schemas.microsoft.com/office/powerpoint/2012/main" xmlns="">
+      <p15:sldGuideLst xmlns:p15="http://schemas.microsoft.com/office/powerpoint/2012/main">
         <p15:guide id="1" orient="horz" pos="2160" userDrawn="1">
           <p15:clr>
             <a:srgbClr val="A4A3A4"/>
@@ -148,7 +148,7 @@
       </p15:sldGuideLst>
     </p:ext>
     <p:ext uri="{2D200454-40CA-4A62-9FC3-DE9A4176ACB9}">
-      <p15:notesGuideLst xmlns:p15="http://schemas.microsoft.com/office/powerpoint/2012/main" xmlns=""/>
+      <p15:notesGuideLst xmlns:p15="http://schemas.microsoft.com/office/powerpoint/2012/main"/>
     </p:ext>
   </p:extLst>
 </p:presentation>
@@ -236,7 +236,7 @@
           <a:p>
             <a:fld id="{C9DAD422-0CE2-7345-9C9C-5AE431B01D98}" type="datetimeFigureOut">
               <a:rPr lang="en-US" altLang="ko-KR" smtClean="0"/>
-              <a:t>12/28/2023</a:t>
+              <a:t>12/29/2023</a:t>
             </a:fld>
             <a:endParaRPr lang="ko-KR" altLang="en-US"/>
           </a:p>
@@ -401,7 +401,7 @@
           <a:p>
             <a:fld id="{9F5593C2-BB06-FE4C-A097-5F24D72EFBBA}" type="datetimeFigureOut">
               <a:rPr lang="en-US" altLang="ko-KR" smtClean="0"/>
-              <a:t>12/28/2023</a:t>
+              <a:t>12/29/2023</a:t>
             </a:fld>
             <a:endParaRPr lang="ko-KR" altLang="en-US"/>
           </a:p>
@@ -690,7 +690,7 @@
           <p:cNvPr id="63" name="Picture 2" descr="Sky, Clouds, Sunlight, Dark, Cloudscape, Atmosphere">
             <a:extLst>
               <a:ext uri="{FF2B5EF4-FFF2-40B4-BE49-F238E27FC236}">
-                <a16:creationId xmlns:a16="http://schemas.microsoft.com/office/drawing/2014/main" xmlns="" id="{435E1FDC-DD2B-4769-B2E9-47DEE1E55CEA}"/>
+                <a16:creationId xmlns:a16="http://schemas.microsoft.com/office/drawing/2014/main" id="{435E1FDC-DD2B-4769-B2E9-47DEE1E55CEA}"/>
               </a:ext>
             </a:extLst>
           </p:cNvPr>
@@ -735,7 +735,7 @@
           <p:cNvPr id="17" name="사각형: 둥근 모서리 16">
             <a:extLst>
               <a:ext uri="{FF2B5EF4-FFF2-40B4-BE49-F238E27FC236}">
-                <a16:creationId xmlns:a16="http://schemas.microsoft.com/office/drawing/2014/main" xmlns="" id="{76A1FBA8-F3A3-4AF4-BBC5-3DA373CFFE22}"/>
+                <a16:creationId xmlns:a16="http://schemas.microsoft.com/office/drawing/2014/main" id="{76A1FBA8-F3A3-4AF4-BBC5-3DA373CFFE22}"/>
               </a:ext>
             </a:extLst>
           </p:cNvPr>
@@ -813,7 +813,7 @@
           <p:cNvPr id="48" name="자유형: 도형 47">
             <a:extLst>
               <a:ext uri="{FF2B5EF4-FFF2-40B4-BE49-F238E27FC236}">
-                <a16:creationId xmlns:a16="http://schemas.microsoft.com/office/drawing/2014/main" xmlns="" id="{5C68F233-B6B7-48FD-A5D7-1773C626ECDC}"/>
+                <a16:creationId xmlns:a16="http://schemas.microsoft.com/office/drawing/2014/main" id="{5C68F233-B6B7-48FD-A5D7-1773C626ECDC}"/>
               </a:ext>
             </a:extLst>
           </p:cNvPr>
@@ -1406,7 +1406,7 @@
           <p:cNvPr id="7" name="그룹 6">
             <a:extLst>
               <a:ext uri="{FF2B5EF4-FFF2-40B4-BE49-F238E27FC236}">
-                <a16:creationId xmlns:a16="http://schemas.microsoft.com/office/drawing/2014/main" xmlns="" id="{E706E258-96F6-45D7-99D2-59E3AD33EE42}"/>
+                <a16:creationId xmlns:a16="http://schemas.microsoft.com/office/drawing/2014/main" id="{E706E258-96F6-45D7-99D2-59E3AD33EE42}"/>
               </a:ext>
             </a:extLst>
           </p:cNvPr>
@@ -1439,7 +1439,7 @@
             <p:cNvPr id="6" name="사각형: 둥근 모서리 5">
               <a:extLst>
                 <a:ext uri="{FF2B5EF4-FFF2-40B4-BE49-F238E27FC236}">
-                  <a16:creationId xmlns:a16="http://schemas.microsoft.com/office/drawing/2014/main" xmlns="" id="{1F0F4EDB-23EC-4C4D-9E4B-52023C6FD34B}"/>
+                  <a16:creationId xmlns:a16="http://schemas.microsoft.com/office/drawing/2014/main" id="{1F0F4EDB-23EC-4C4D-9E4B-52023C6FD34B}"/>
                 </a:ext>
               </a:extLst>
             </p:cNvPr>
@@ -1515,7 +1515,7 @@
             <p:cNvPr id="20" name="사각형: 둥근 모서리 19">
               <a:extLst>
                 <a:ext uri="{FF2B5EF4-FFF2-40B4-BE49-F238E27FC236}">
-                  <a16:creationId xmlns:a16="http://schemas.microsoft.com/office/drawing/2014/main" xmlns="" id="{DB05B5EA-97B6-4097-8C62-938D897C1BEC}"/>
+                  <a16:creationId xmlns:a16="http://schemas.microsoft.com/office/drawing/2014/main" id="{DB05B5EA-97B6-4097-8C62-938D897C1BEC}"/>
                 </a:ext>
               </a:extLst>
             </p:cNvPr>
@@ -1579,7 +1579,7 @@
             <p:cNvPr id="21" name="사각형: 둥근 모서리 20">
               <a:extLst>
                 <a:ext uri="{FF2B5EF4-FFF2-40B4-BE49-F238E27FC236}">
-                  <a16:creationId xmlns:a16="http://schemas.microsoft.com/office/drawing/2014/main" xmlns="" id="{04091855-940D-4DBB-90DC-FBB1DE704E5D}"/>
+                  <a16:creationId xmlns:a16="http://schemas.microsoft.com/office/drawing/2014/main" id="{04091855-940D-4DBB-90DC-FBB1DE704E5D}"/>
                 </a:ext>
               </a:extLst>
             </p:cNvPr>
@@ -1643,7 +1643,7 @@
             <p:cNvPr id="22" name="사각형: 둥근 모서리 21">
               <a:extLst>
                 <a:ext uri="{FF2B5EF4-FFF2-40B4-BE49-F238E27FC236}">
-                  <a16:creationId xmlns:a16="http://schemas.microsoft.com/office/drawing/2014/main" xmlns="" id="{442D0F26-6AF0-44F2-B3DD-D6DBEB5BCCCE}"/>
+                  <a16:creationId xmlns:a16="http://schemas.microsoft.com/office/drawing/2014/main" id="{442D0F26-6AF0-44F2-B3DD-D6DBEB5BCCCE}"/>
                 </a:ext>
               </a:extLst>
             </p:cNvPr>
@@ -1708,7 +1708,7 @@
           <p:cNvPr id="2" name="제목 1">
             <a:extLst>
               <a:ext uri="{FF2B5EF4-FFF2-40B4-BE49-F238E27FC236}">
-                <a16:creationId xmlns:a16="http://schemas.microsoft.com/office/drawing/2014/main" xmlns="" id="{BBBBBB7A-F08C-440F-AFD0-680FCB6B493C}"/>
+                <a16:creationId xmlns:a16="http://schemas.microsoft.com/office/drawing/2014/main" id="{BBBBBB7A-F08C-440F-AFD0-680FCB6B493C}"/>
               </a:ext>
             </a:extLst>
           </p:cNvPr>
@@ -1793,7 +1793,7 @@
           <p:cNvPr id="5" name="바닥글 개체 틀 4">
             <a:extLst>
               <a:ext uri="{FF2B5EF4-FFF2-40B4-BE49-F238E27FC236}">
-                <a16:creationId xmlns:a16="http://schemas.microsoft.com/office/drawing/2014/main" xmlns="" id="{3AEE1168-EEE0-453E-A12E-E5D990D0159A}"/>
+                <a16:creationId xmlns:a16="http://schemas.microsoft.com/office/drawing/2014/main" id="{3AEE1168-EEE0-453E-A12E-E5D990D0159A}"/>
               </a:ext>
             </a:extLst>
           </p:cNvPr>
@@ -1858,7 +1858,7 @@
           <p:cNvPr id="24" name="직선 연결선 23">
             <a:extLst>
               <a:ext uri="{FF2B5EF4-FFF2-40B4-BE49-F238E27FC236}">
-                <a16:creationId xmlns:a16="http://schemas.microsoft.com/office/drawing/2014/main" xmlns="" id="{CED87F8F-C072-4750-B764-6F04BACF51F2}"/>
+                <a16:creationId xmlns:a16="http://schemas.microsoft.com/office/drawing/2014/main" id="{CED87F8F-C072-4750-B764-6F04BACF51F2}"/>
               </a:ext>
             </a:extLst>
           </p:cNvPr>
@@ -1901,7 +1901,7 @@
           <p:cNvPr id="41" name="그룹 40">
             <a:extLst>
               <a:ext uri="{FF2B5EF4-FFF2-40B4-BE49-F238E27FC236}">
-                <a16:creationId xmlns:a16="http://schemas.microsoft.com/office/drawing/2014/main" xmlns="" id="{1410053C-0779-4016-AD00-3C5086A7EE17}"/>
+                <a16:creationId xmlns:a16="http://schemas.microsoft.com/office/drawing/2014/main" id="{1410053C-0779-4016-AD00-3C5086A7EE17}"/>
               </a:ext>
             </a:extLst>
           </p:cNvPr>
@@ -1921,7 +1921,7 @@
             <p:cNvPr id="42" name="그룹 41">
               <a:extLst>
                 <a:ext uri="{FF2B5EF4-FFF2-40B4-BE49-F238E27FC236}">
-                  <a16:creationId xmlns:a16="http://schemas.microsoft.com/office/drawing/2014/main" xmlns="" id="{5A5B7BA7-9775-4E79-A269-7502B51D12DE}"/>
+                  <a16:creationId xmlns:a16="http://schemas.microsoft.com/office/drawing/2014/main" id="{5A5B7BA7-9775-4E79-A269-7502B51D12DE}"/>
                 </a:ext>
               </a:extLst>
             </p:cNvPr>
@@ -1941,7 +1941,7 @@
               <p:cNvPr id="43" name="직선 연결선 42">
                 <a:extLst>
                   <a:ext uri="{FF2B5EF4-FFF2-40B4-BE49-F238E27FC236}">
-                    <a16:creationId xmlns:a16="http://schemas.microsoft.com/office/drawing/2014/main" xmlns="" id="{D23D6512-6F9D-4880-B7D6-DE17DA009308}"/>
+                    <a16:creationId xmlns:a16="http://schemas.microsoft.com/office/drawing/2014/main" id="{D23D6512-6F9D-4880-B7D6-DE17DA009308}"/>
                   </a:ext>
                 </a:extLst>
               </p:cNvPr>
@@ -1985,7 +1985,7 @@
               <p:cNvPr id="44" name="직선 연결선 43">
                 <a:extLst>
                   <a:ext uri="{FF2B5EF4-FFF2-40B4-BE49-F238E27FC236}">
-                    <a16:creationId xmlns:a16="http://schemas.microsoft.com/office/drawing/2014/main" xmlns="" id="{38880B9F-9CD6-40EF-A0F3-D3B6632FD563}"/>
+                    <a16:creationId xmlns:a16="http://schemas.microsoft.com/office/drawing/2014/main" id="{38880B9F-9CD6-40EF-A0F3-D3B6632FD563}"/>
                   </a:ext>
                 </a:extLst>
               </p:cNvPr>
@@ -2031,7 +2031,7 @@
               <p:cNvPr id="46" name="직선 연결선 45">
                 <a:extLst>
                   <a:ext uri="{FF2B5EF4-FFF2-40B4-BE49-F238E27FC236}">
-                    <a16:creationId xmlns:a16="http://schemas.microsoft.com/office/drawing/2014/main" xmlns="" id="{00E38537-0A71-4F5F-9678-F39133CE9C5F}"/>
+                    <a16:creationId xmlns:a16="http://schemas.microsoft.com/office/drawing/2014/main" id="{00E38537-0A71-4F5F-9678-F39133CE9C5F}"/>
                   </a:ext>
                 </a:extLst>
               </p:cNvPr>
@@ -2078,7 +2078,7 @@
             <p:cNvPr id="38" name="직사각형 37">
               <a:extLst>
                 <a:ext uri="{FF2B5EF4-FFF2-40B4-BE49-F238E27FC236}">
-                  <a16:creationId xmlns:a16="http://schemas.microsoft.com/office/drawing/2014/main" xmlns="" id="{55A74D05-2A86-4D14-8255-B3CB785E48C8}"/>
+                  <a16:creationId xmlns:a16="http://schemas.microsoft.com/office/drawing/2014/main" id="{55A74D05-2A86-4D14-8255-B3CB785E48C8}"/>
                 </a:ext>
               </a:extLst>
             </p:cNvPr>
@@ -2131,7 +2131,7 @@
           <p:cNvPr id="62" name="텍스트 개체 틀 61">
             <a:extLst>
               <a:ext uri="{FF2B5EF4-FFF2-40B4-BE49-F238E27FC236}">
-                <a16:creationId xmlns:a16="http://schemas.microsoft.com/office/drawing/2014/main" xmlns="" id="{63960203-FBE0-478F-AA08-ACB023DF64D3}"/>
+                <a16:creationId xmlns:a16="http://schemas.microsoft.com/office/drawing/2014/main" id="{63960203-FBE0-478F-AA08-ACB023DF64D3}"/>
               </a:ext>
             </a:extLst>
           </p:cNvPr>
@@ -2209,7 +2209,7 @@
   </p:clrMapOvr>
   <p:extLst>
     <p:ext uri="{DCECCB84-F9BA-43D5-87BE-67443E8EF086}">
-      <p15:sldGuideLst xmlns:p15="http://schemas.microsoft.com/office/powerpoint/2012/main" xmlns="">
+      <p15:sldGuideLst xmlns:p15="http://schemas.microsoft.com/office/powerpoint/2012/main">
         <p15:guide id="1" orient="horz" pos="2160" userDrawn="1">
           <p15:clr>
             <a:srgbClr val="FBAE40"/>
@@ -2248,7 +2248,7 @@
           <p:cNvPr id="17" name="사각형: 둥근 모서리 16">
             <a:extLst>
               <a:ext uri="{FF2B5EF4-FFF2-40B4-BE49-F238E27FC236}">
-                <a16:creationId xmlns:a16="http://schemas.microsoft.com/office/drawing/2014/main" xmlns="" id="{76A1FBA8-F3A3-4AF4-BBC5-3DA373CFFE22}"/>
+                <a16:creationId xmlns:a16="http://schemas.microsoft.com/office/drawing/2014/main" id="{76A1FBA8-F3A3-4AF4-BBC5-3DA373CFFE22}"/>
               </a:ext>
             </a:extLst>
           </p:cNvPr>
@@ -2323,7 +2323,7 @@
           <p:cNvPr id="48" name="자유형: 도형 47">
             <a:extLst>
               <a:ext uri="{FF2B5EF4-FFF2-40B4-BE49-F238E27FC236}">
-                <a16:creationId xmlns:a16="http://schemas.microsoft.com/office/drawing/2014/main" xmlns="" id="{5C68F233-B6B7-48FD-A5D7-1773C626ECDC}"/>
+                <a16:creationId xmlns:a16="http://schemas.microsoft.com/office/drawing/2014/main" id="{5C68F233-B6B7-48FD-A5D7-1773C626ECDC}"/>
               </a:ext>
             </a:extLst>
           </p:cNvPr>
@@ -2916,7 +2916,7 @@
           <p:cNvPr id="7" name="그룹 6">
             <a:extLst>
               <a:ext uri="{FF2B5EF4-FFF2-40B4-BE49-F238E27FC236}">
-                <a16:creationId xmlns:a16="http://schemas.microsoft.com/office/drawing/2014/main" xmlns="" id="{E706E258-96F6-45D7-99D2-59E3AD33EE42}"/>
+                <a16:creationId xmlns:a16="http://schemas.microsoft.com/office/drawing/2014/main" id="{E706E258-96F6-45D7-99D2-59E3AD33EE42}"/>
               </a:ext>
             </a:extLst>
           </p:cNvPr>
@@ -2949,7 +2949,7 @@
             <p:cNvPr id="6" name="사각형: 둥근 모서리 5">
               <a:extLst>
                 <a:ext uri="{FF2B5EF4-FFF2-40B4-BE49-F238E27FC236}">
-                  <a16:creationId xmlns:a16="http://schemas.microsoft.com/office/drawing/2014/main" xmlns="" id="{1F0F4EDB-23EC-4C4D-9E4B-52023C6FD34B}"/>
+                  <a16:creationId xmlns:a16="http://schemas.microsoft.com/office/drawing/2014/main" id="{1F0F4EDB-23EC-4C4D-9E4B-52023C6FD34B}"/>
                 </a:ext>
               </a:extLst>
             </p:cNvPr>
@@ -3025,7 +3025,7 @@
             <p:cNvPr id="20" name="사각형: 둥근 모서리 19">
               <a:extLst>
                 <a:ext uri="{FF2B5EF4-FFF2-40B4-BE49-F238E27FC236}">
-                  <a16:creationId xmlns:a16="http://schemas.microsoft.com/office/drawing/2014/main" xmlns="" id="{DB05B5EA-97B6-4097-8C62-938D897C1BEC}"/>
+                  <a16:creationId xmlns:a16="http://schemas.microsoft.com/office/drawing/2014/main" id="{DB05B5EA-97B6-4097-8C62-938D897C1BEC}"/>
                 </a:ext>
               </a:extLst>
             </p:cNvPr>
@@ -3089,7 +3089,7 @@
             <p:cNvPr id="21" name="사각형: 둥근 모서리 20">
               <a:extLst>
                 <a:ext uri="{FF2B5EF4-FFF2-40B4-BE49-F238E27FC236}">
-                  <a16:creationId xmlns:a16="http://schemas.microsoft.com/office/drawing/2014/main" xmlns="" id="{04091855-940D-4DBB-90DC-FBB1DE704E5D}"/>
+                  <a16:creationId xmlns:a16="http://schemas.microsoft.com/office/drawing/2014/main" id="{04091855-940D-4DBB-90DC-FBB1DE704E5D}"/>
                 </a:ext>
               </a:extLst>
             </p:cNvPr>
@@ -3153,7 +3153,7 @@
             <p:cNvPr id="22" name="사각형: 둥근 모서리 21">
               <a:extLst>
                 <a:ext uri="{FF2B5EF4-FFF2-40B4-BE49-F238E27FC236}">
-                  <a16:creationId xmlns:a16="http://schemas.microsoft.com/office/drawing/2014/main" xmlns="" id="{442D0F26-6AF0-44F2-B3DD-D6DBEB5BCCCE}"/>
+                  <a16:creationId xmlns:a16="http://schemas.microsoft.com/office/drawing/2014/main" id="{442D0F26-6AF0-44F2-B3DD-D6DBEB5BCCCE}"/>
                 </a:ext>
               </a:extLst>
             </p:cNvPr>
@@ -3218,7 +3218,7 @@
           <p:cNvPr id="2" name="제목 1">
             <a:extLst>
               <a:ext uri="{FF2B5EF4-FFF2-40B4-BE49-F238E27FC236}">
-                <a16:creationId xmlns:a16="http://schemas.microsoft.com/office/drawing/2014/main" xmlns="" id="{BBBBBB7A-F08C-440F-AFD0-680FCB6B493C}"/>
+                <a16:creationId xmlns:a16="http://schemas.microsoft.com/office/drawing/2014/main" id="{BBBBBB7A-F08C-440F-AFD0-680FCB6B493C}"/>
               </a:ext>
             </a:extLst>
           </p:cNvPr>
@@ -3303,7 +3303,7 @@
           <p:cNvPr id="5" name="바닥글 개체 틀 4">
             <a:extLst>
               <a:ext uri="{FF2B5EF4-FFF2-40B4-BE49-F238E27FC236}">
-                <a16:creationId xmlns:a16="http://schemas.microsoft.com/office/drawing/2014/main" xmlns="" id="{3AEE1168-EEE0-453E-A12E-E5D990D0159A}"/>
+                <a16:creationId xmlns:a16="http://schemas.microsoft.com/office/drawing/2014/main" id="{3AEE1168-EEE0-453E-A12E-E5D990D0159A}"/>
               </a:ext>
             </a:extLst>
           </p:cNvPr>
@@ -3368,7 +3368,7 @@
           <p:cNvPr id="24" name="직선 연결선 23">
             <a:extLst>
               <a:ext uri="{FF2B5EF4-FFF2-40B4-BE49-F238E27FC236}">
-                <a16:creationId xmlns:a16="http://schemas.microsoft.com/office/drawing/2014/main" xmlns="" id="{CED87F8F-C072-4750-B764-6F04BACF51F2}"/>
+                <a16:creationId xmlns:a16="http://schemas.microsoft.com/office/drawing/2014/main" id="{CED87F8F-C072-4750-B764-6F04BACF51F2}"/>
               </a:ext>
             </a:extLst>
           </p:cNvPr>
@@ -3411,7 +3411,7 @@
           <p:cNvPr id="41" name="그룹 40">
             <a:extLst>
               <a:ext uri="{FF2B5EF4-FFF2-40B4-BE49-F238E27FC236}">
-                <a16:creationId xmlns:a16="http://schemas.microsoft.com/office/drawing/2014/main" xmlns="" id="{1410053C-0779-4016-AD00-3C5086A7EE17}"/>
+                <a16:creationId xmlns:a16="http://schemas.microsoft.com/office/drawing/2014/main" id="{1410053C-0779-4016-AD00-3C5086A7EE17}"/>
               </a:ext>
             </a:extLst>
           </p:cNvPr>
@@ -3431,7 +3431,7 @@
             <p:cNvPr id="42" name="그룹 41">
               <a:extLst>
                 <a:ext uri="{FF2B5EF4-FFF2-40B4-BE49-F238E27FC236}">
-                  <a16:creationId xmlns:a16="http://schemas.microsoft.com/office/drawing/2014/main" xmlns="" id="{5A5B7BA7-9775-4E79-A269-7502B51D12DE}"/>
+                  <a16:creationId xmlns:a16="http://schemas.microsoft.com/office/drawing/2014/main" id="{5A5B7BA7-9775-4E79-A269-7502B51D12DE}"/>
                 </a:ext>
               </a:extLst>
             </p:cNvPr>
@@ -3451,7 +3451,7 @@
               <p:cNvPr id="43" name="직선 연결선 42">
                 <a:extLst>
                   <a:ext uri="{FF2B5EF4-FFF2-40B4-BE49-F238E27FC236}">
-                    <a16:creationId xmlns:a16="http://schemas.microsoft.com/office/drawing/2014/main" xmlns="" id="{D23D6512-6F9D-4880-B7D6-DE17DA009308}"/>
+                    <a16:creationId xmlns:a16="http://schemas.microsoft.com/office/drawing/2014/main" id="{D23D6512-6F9D-4880-B7D6-DE17DA009308}"/>
                   </a:ext>
                 </a:extLst>
               </p:cNvPr>
@@ -3495,7 +3495,7 @@
               <p:cNvPr id="44" name="직선 연결선 43">
                 <a:extLst>
                   <a:ext uri="{FF2B5EF4-FFF2-40B4-BE49-F238E27FC236}">
-                    <a16:creationId xmlns:a16="http://schemas.microsoft.com/office/drawing/2014/main" xmlns="" id="{38880B9F-9CD6-40EF-A0F3-D3B6632FD563}"/>
+                    <a16:creationId xmlns:a16="http://schemas.microsoft.com/office/drawing/2014/main" id="{38880B9F-9CD6-40EF-A0F3-D3B6632FD563}"/>
                   </a:ext>
                 </a:extLst>
               </p:cNvPr>
@@ -3541,7 +3541,7 @@
               <p:cNvPr id="46" name="직선 연결선 45">
                 <a:extLst>
                   <a:ext uri="{FF2B5EF4-FFF2-40B4-BE49-F238E27FC236}">
-                    <a16:creationId xmlns:a16="http://schemas.microsoft.com/office/drawing/2014/main" xmlns="" id="{00E38537-0A71-4F5F-9678-F39133CE9C5F}"/>
+                    <a16:creationId xmlns:a16="http://schemas.microsoft.com/office/drawing/2014/main" id="{00E38537-0A71-4F5F-9678-F39133CE9C5F}"/>
                   </a:ext>
                 </a:extLst>
               </p:cNvPr>
@@ -3588,7 +3588,7 @@
             <p:cNvPr id="38" name="직사각형 37">
               <a:extLst>
                 <a:ext uri="{FF2B5EF4-FFF2-40B4-BE49-F238E27FC236}">
-                  <a16:creationId xmlns:a16="http://schemas.microsoft.com/office/drawing/2014/main" xmlns="" id="{55A74D05-2A86-4D14-8255-B3CB785E48C8}"/>
+                  <a16:creationId xmlns:a16="http://schemas.microsoft.com/office/drawing/2014/main" id="{55A74D05-2A86-4D14-8255-B3CB785E48C8}"/>
                 </a:ext>
               </a:extLst>
             </p:cNvPr>
@@ -3641,7 +3641,7 @@
           <p:cNvPr id="62" name="텍스트 개체 틀 61">
             <a:extLst>
               <a:ext uri="{FF2B5EF4-FFF2-40B4-BE49-F238E27FC236}">
-                <a16:creationId xmlns:a16="http://schemas.microsoft.com/office/drawing/2014/main" xmlns="" id="{63960203-FBE0-478F-AA08-ACB023DF64D3}"/>
+                <a16:creationId xmlns:a16="http://schemas.microsoft.com/office/drawing/2014/main" id="{63960203-FBE0-478F-AA08-ACB023DF64D3}"/>
               </a:ext>
             </a:extLst>
           </p:cNvPr>
@@ -3719,7 +3719,7 @@
   </p:clrMapOvr>
   <p:extLst>
     <p:ext uri="{DCECCB84-F9BA-43D5-87BE-67443E8EF086}">
-      <p15:sldGuideLst xmlns:p15="http://schemas.microsoft.com/office/powerpoint/2012/main" xmlns="">
+      <p15:sldGuideLst xmlns:p15="http://schemas.microsoft.com/office/powerpoint/2012/main">
         <p15:guide id="1" orient="horz" pos="2160">
           <p15:clr>
             <a:srgbClr val="FBAE40"/>
@@ -3758,7 +3758,7 @@
           <p:cNvPr id="4" name="그룹 3">
             <a:extLst>
               <a:ext uri="{FF2B5EF4-FFF2-40B4-BE49-F238E27FC236}">
-                <a16:creationId xmlns:a16="http://schemas.microsoft.com/office/drawing/2014/main" xmlns="" id="{E11AD74C-227B-4708-A483-C01540436A73}"/>
+                <a16:creationId xmlns:a16="http://schemas.microsoft.com/office/drawing/2014/main" id="{E11AD74C-227B-4708-A483-C01540436A73}"/>
               </a:ext>
             </a:extLst>
           </p:cNvPr>
@@ -3778,7 +3778,7 @@
             <p:cNvPr id="15" name="사각형: 둥근 모서리 14">
               <a:extLst>
                 <a:ext uri="{FF2B5EF4-FFF2-40B4-BE49-F238E27FC236}">
-                  <a16:creationId xmlns:a16="http://schemas.microsoft.com/office/drawing/2014/main" xmlns="" id="{2151C980-59AC-4808-9289-0CFDE54B5CD0}"/>
+                  <a16:creationId xmlns:a16="http://schemas.microsoft.com/office/drawing/2014/main" id="{2151C980-59AC-4808-9289-0CFDE54B5CD0}"/>
                 </a:ext>
               </a:extLst>
             </p:cNvPr>
@@ -3841,7 +3841,7 @@
             <p:cNvPr id="18" name="사각형: 둥근 모서리 17">
               <a:extLst>
                 <a:ext uri="{FF2B5EF4-FFF2-40B4-BE49-F238E27FC236}">
-                  <a16:creationId xmlns:a16="http://schemas.microsoft.com/office/drawing/2014/main" xmlns="" id="{05AEE337-28CE-472A-9209-FD2B9BD7E92B}"/>
+                  <a16:creationId xmlns:a16="http://schemas.microsoft.com/office/drawing/2014/main" id="{05AEE337-28CE-472A-9209-FD2B9BD7E92B}"/>
                 </a:ext>
               </a:extLst>
             </p:cNvPr>
@@ -3920,7 +3920,7 @@
           <p:cNvPr id="7" name="텍스트 개체 틀 6">
             <a:extLst>
               <a:ext uri="{FF2B5EF4-FFF2-40B4-BE49-F238E27FC236}">
-                <a16:creationId xmlns:a16="http://schemas.microsoft.com/office/drawing/2014/main" xmlns="" id="{FFA8623D-4C85-4360-8750-DA1D4CBC485F}"/>
+                <a16:creationId xmlns:a16="http://schemas.microsoft.com/office/drawing/2014/main" id="{FFA8623D-4C85-4360-8750-DA1D4CBC485F}"/>
               </a:ext>
             </a:extLst>
           </p:cNvPr>
@@ -4026,7 +4026,7 @@
           <p:cNvPr id="22" name="텍스트 개체 틀 6">
             <a:extLst>
               <a:ext uri="{FF2B5EF4-FFF2-40B4-BE49-F238E27FC236}">
-                <a16:creationId xmlns:a16="http://schemas.microsoft.com/office/drawing/2014/main" xmlns="" id="{BB2AEACD-342D-4D33-9465-D551F9750D75}"/>
+                <a16:creationId xmlns:a16="http://schemas.microsoft.com/office/drawing/2014/main" id="{BB2AEACD-342D-4D33-9465-D551F9750D75}"/>
               </a:ext>
             </a:extLst>
           </p:cNvPr>
@@ -4122,7 +4122,7 @@
           <p:cNvPr id="24" name="텍스트 개체 틀 6">
             <a:extLst>
               <a:ext uri="{FF2B5EF4-FFF2-40B4-BE49-F238E27FC236}">
-                <a16:creationId xmlns:a16="http://schemas.microsoft.com/office/drawing/2014/main" xmlns="" id="{74D627D5-65A5-4092-8615-F0BC3C41AAAE}"/>
+                <a16:creationId xmlns:a16="http://schemas.microsoft.com/office/drawing/2014/main" id="{74D627D5-65A5-4092-8615-F0BC3C41AAAE}"/>
               </a:ext>
             </a:extLst>
           </p:cNvPr>
@@ -4220,7 +4220,7 @@
           <p:cNvPr id="26" name="텍스트 개체 틀 6">
             <a:extLst>
               <a:ext uri="{FF2B5EF4-FFF2-40B4-BE49-F238E27FC236}">
-                <a16:creationId xmlns:a16="http://schemas.microsoft.com/office/drawing/2014/main" xmlns="" id="{5F4130BA-29F2-4070-AF69-B3F801117033}"/>
+                <a16:creationId xmlns:a16="http://schemas.microsoft.com/office/drawing/2014/main" id="{5F4130BA-29F2-4070-AF69-B3F801117033}"/>
               </a:ext>
             </a:extLst>
           </p:cNvPr>
@@ -4328,7 +4328,7 @@
           <p:cNvPr id="20" name="그룹 19">
             <a:extLst>
               <a:ext uri="{FF2B5EF4-FFF2-40B4-BE49-F238E27FC236}">
-                <a16:creationId xmlns:a16="http://schemas.microsoft.com/office/drawing/2014/main" xmlns="" id="{4D1FD33C-32B1-4DAE-9B75-E39AB9B05EAF}"/>
+                <a16:creationId xmlns:a16="http://schemas.microsoft.com/office/drawing/2014/main" id="{4D1FD33C-32B1-4DAE-9B75-E39AB9B05EAF}"/>
               </a:ext>
             </a:extLst>
           </p:cNvPr>
@@ -4348,7 +4348,7 @@
             <p:cNvPr id="21" name="그룹 20">
               <a:extLst>
                 <a:ext uri="{FF2B5EF4-FFF2-40B4-BE49-F238E27FC236}">
-                  <a16:creationId xmlns:a16="http://schemas.microsoft.com/office/drawing/2014/main" xmlns="" id="{671FE2FB-1706-46D1-A921-8D338F072DBA}"/>
+                  <a16:creationId xmlns:a16="http://schemas.microsoft.com/office/drawing/2014/main" id="{671FE2FB-1706-46D1-A921-8D338F072DBA}"/>
                 </a:ext>
               </a:extLst>
             </p:cNvPr>
@@ -4368,7 +4368,7 @@
               <p:cNvPr id="25" name="직선 연결선 24">
                 <a:extLst>
                   <a:ext uri="{FF2B5EF4-FFF2-40B4-BE49-F238E27FC236}">
-                    <a16:creationId xmlns:a16="http://schemas.microsoft.com/office/drawing/2014/main" xmlns="" id="{560EB4ED-A9F9-47E8-AE04-D2FCCA484126}"/>
+                    <a16:creationId xmlns:a16="http://schemas.microsoft.com/office/drawing/2014/main" id="{560EB4ED-A9F9-47E8-AE04-D2FCCA484126}"/>
                   </a:ext>
                 </a:extLst>
               </p:cNvPr>
@@ -4412,7 +4412,7 @@
               <p:cNvPr id="27" name="직선 연결선 26">
                 <a:extLst>
                   <a:ext uri="{FF2B5EF4-FFF2-40B4-BE49-F238E27FC236}">
-                    <a16:creationId xmlns:a16="http://schemas.microsoft.com/office/drawing/2014/main" xmlns="" id="{54AAB66E-AFFA-4EFD-AED3-9B12D853CEC0}"/>
+                    <a16:creationId xmlns:a16="http://schemas.microsoft.com/office/drawing/2014/main" id="{54AAB66E-AFFA-4EFD-AED3-9B12D853CEC0}"/>
                   </a:ext>
                 </a:extLst>
               </p:cNvPr>
@@ -4458,7 +4458,7 @@
               <p:cNvPr id="28" name="직선 연결선 27">
                 <a:extLst>
                   <a:ext uri="{FF2B5EF4-FFF2-40B4-BE49-F238E27FC236}">
-                    <a16:creationId xmlns:a16="http://schemas.microsoft.com/office/drawing/2014/main" xmlns="" id="{A5D76707-C407-4A65-A69E-E1FAEE564637}"/>
+                    <a16:creationId xmlns:a16="http://schemas.microsoft.com/office/drawing/2014/main" id="{A5D76707-C407-4A65-A69E-E1FAEE564637}"/>
                   </a:ext>
                 </a:extLst>
               </p:cNvPr>
@@ -4505,7 +4505,7 @@
             <p:cNvPr id="23" name="직사각형 22">
               <a:extLst>
                 <a:ext uri="{FF2B5EF4-FFF2-40B4-BE49-F238E27FC236}">
-                  <a16:creationId xmlns:a16="http://schemas.microsoft.com/office/drawing/2014/main" xmlns="" id="{A366BFDA-F2C5-4BD4-8906-772351C5CE50}"/>
+                  <a16:creationId xmlns:a16="http://schemas.microsoft.com/office/drawing/2014/main" id="{A366BFDA-F2C5-4BD4-8906-772351C5CE50}"/>
                 </a:ext>
               </a:extLst>
             </p:cNvPr>
@@ -4558,7 +4558,7 @@
           <p:cNvPr id="6" name="그룹 5">
             <a:extLst>
               <a:ext uri="{FF2B5EF4-FFF2-40B4-BE49-F238E27FC236}">
-                <a16:creationId xmlns:a16="http://schemas.microsoft.com/office/drawing/2014/main" xmlns="" id="{0B3EC0C1-0661-4161-ACC9-59CC6D882AEB}"/>
+                <a16:creationId xmlns:a16="http://schemas.microsoft.com/office/drawing/2014/main" id="{0B3EC0C1-0661-4161-ACC9-59CC6D882AEB}"/>
               </a:ext>
             </a:extLst>
           </p:cNvPr>
@@ -4578,7 +4578,7 @@
             <p:cNvPr id="30" name="직선 연결선 29">
               <a:extLst>
                 <a:ext uri="{FF2B5EF4-FFF2-40B4-BE49-F238E27FC236}">
-                  <a16:creationId xmlns:a16="http://schemas.microsoft.com/office/drawing/2014/main" xmlns="" id="{D1731E3C-46DC-4403-BD24-CF9D0D902B4F}"/>
+                  <a16:creationId xmlns:a16="http://schemas.microsoft.com/office/drawing/2014/main" id="{D1731E3C-46DC-4403-BD24-CF9D0D902B4F}"/>
                 </a:ext>
               </a:extLst>
             </p:cNvPr>
@@ -4624,7 +4624,7 @@
             <p:cNvPr id="31" name="직선 연결선 30">
               <a:extLst>
                 <a:ext uri="{FF2B5EF4-FFF2-40B4-BE49-F238E27FC236}">
-                  <a16:creationId xmlns:a16="http://schemas.microsoft.com/office/drawing/2014/main" xmlns="" id="{5A71D8D6-9B9A-4087-B3B6-44FCAE59C781}"/>
+                  <a16:creationId xmlns:a16="http://schemas.microsoft.com/office/drawing/2014/main" id="{5A71D8D6-9B9A-4087-B3B6-44FCAE59C781}"/>
                 </a:ext>
               </a:extLst>
             </p:cNvPr>
@@ -4670,7 +4670,7 @@
             <p:cNvPr id="32" name="직선 연결선 31">
               <a:extLst>
                 <a:ext uri="{FF2B5EF4-FFF2-40B4-BE49-F238E27FC236}">
-                  <a16:creationId xmlns:a16="http://schemas.microsoft.com/office/drawing/2014/main" xmlns="" id="{673DA5F2-D2FA-4CEB-AA19-270DEC9184D4}"/>
+                  <a16:creationId xmlns:a16="http://schemas.microsoft.com/office/drawing/2014/main" id="{673DA5F2-D2FA-4CEB-AA19-270DEC9184D4}"/>
                 </a:ext>
               </a:extLst>
             </p:cNvPr>
@@ -4717,7 +4717,7 @@
           <p:cNvPr id="33" name="텍스트 개체 틀 6">
             <a:extLst>
               <a:ext uri="{FF2B5EF4-FFF2-40B4-BE49-F238E27FC236}">
-                <a16:creationId xmlns:a16="http://schemas.microsoft.com/office/drawing/2014/main" xmlns="" id="{2A13CB7D-B45F-4A40-9D06-CBE69E47A5AD}"/>
+                <a16:creationId xmlns:a16="http://schemas.microsoft.com/office/drawing/2014/main" id="{2A13CB7D-B45F-4A40-9D06-CBE69E47A5AD}"/>
               </a:ext>
             </a:extLst>
           </p:cNvPr>
@@ -4790,7 +4790,7 @@
           <p:cNvPr id="46" name="텍스트 개체 틀 6">
             <a:extLst>
               <a:ext uri="{FF2B5EF4-FFF2-40B4-BE49-F238E27FC236}">
-                <a16:creationId xmlns:a16="http://schemas.microsoft.com/office/drawing/2014/main" xmlns="" id="{4EAA92E4-65FF-4A40-9DB5-C2F28612F554}"/>
+                <a16:creationId xmlns:a16="http://schemas.microsoft.com/office/drawing/2014/main" id="{4EAA92E4-65FF-4A40-9DB5-C2F28612F554}"/>
               </a:ext>
             </a:extLst>
           </p:cNvPr>
@@ -4898,7 +4898,7 @@
           <p:cNvPr id="47" name="텍스트 개체 틀 6">
             <a:extLst>
               <a:ext uri="{FF2B5EF4-FFF2-40B4-BE49-F238E27FC236}">
-                <a16:creationId xmlns:a16="http://schemas.microsoft.com/office/drawing/2014/main" xmlns="" id="{999D6DF6-B599-4081-A1E2-CEA80806AE50}"/>
+                <a16:creationId xmlns:a16="http://schemas.microsoft.com/office/drawing/2014/main" id="{999D6DF6-B599-4081-A1E2-CEA80806AE50}"/>
               </a:ext>
             </a:extLst>
           </p:cNvPr>
@@ -4971,7 +4971,7 @@
           <p:cNvPr id="48" name="텍스트 개체 틀 6">
             <a:extLst>
               <a:ext uri="{FF2B5EF4-FFF2-40B4-BE49-F238E27FC236}">
-                <a16:creationId xmlns:a16="http://schemas.microsoft.com/office/drawing/2014/main" xmlns="" id="{E2C9013A-A84F-4126-9AA1-6E761DE6C5D7}"/>
+                <a16:creationId xmlns:a16="http://schemas.microsoft.com/office/drawing/2014/main" id="{E2C9013A-A84F-4126-9AA1-6E761DE6C5D7}"/>
               </a:ext>
             </a:extLst>
           </p:cNvPr>
@@ -5079,7 +5079,7 @@
           <p:cNvPr id="49" name="텍스트 개체 틀 6">
             <a:extLst>
               <a:ext uri="{FF2B5EF4-FFF2-40B4-BE49-F238E27FC236}">
-                <a16:creationId xmlns:a16="http://schemas.microsoft.com/office/drawing/2014/main" xmlns="" id="{8532A8C0-3A36-40CE-884E-14A501A806F1}"/>
+                <a16:creationId xmlns:a16="http://schemas.microsoft.com/office/drawing/2014/main" id="{8532A8C0-3A36-40CE-884E-14A501A806F1}"/>
               </a:ext>
             </a:extLst>
           </p:cNvPr>
@@ -5152,7 +5152,7 @@
           <p:cNvPr id="10" name="직선 연결선 9">
             <a:extLst>
               <a:ext uri="{FF2B5EF4-FFF2-40B4-BE49-F238E27FC236}">
-                <a16:creationId xmlns:a16="http://schemas.microsoft.com/office/drawing/2014/main" xmlns="" id="{7BA49C03-7C89-4B18-8485-41D78404A05A}"/>
+                <a16:creationId xmlns:a16="http://schemas.microsoft.com/office/drawing/2014/main" id="{7BA49C03-7C89-4B18-8485-41D78404A05A}"/>
               </a:ext>
             </a:extLst>
           </p:cNvPr>
@@ -5195,7 +5195,7 @@
           <p:cNvPr id="50" name="텍스트 개체 틀 6">
             <a:extLst>
               <a:ext uri="{FF2B5EF4-FFF2-40B4-BE49-F238E27FC236}">
-                <a16:creationId xmlns:a16="http://schemas.microsoft.com/office/drawing/2014/main" xmlns="" id="{08F6EE6A-1191-4AF8-8223-5141CB1B34B4}"/>
+                <a16:creationId xmlns:a16="http://schemas.microsoft.com/office/drawing/2014/main" id="{08F6EE6A-1191-4AF8-8223-5141CB1B34B4}"/>
               </a:ext>
             </a:extLst>
           </p:cNvPr>
@@ -5298,7 +5298,7 @@
           <p:cNvPr id="51" name="텍스트 개체 틀 6">
             <a:extLst>
               <a:ext uri="{FF2B5EF4-FFF2-40B4-BE49-F238E27FC236}">
-                <a16:creationId xmlns:a16="http://schemas.microsoft.com/office/drawing/2014/main" xmlns="" id="{D9FB4C2C-11B8-4FD9-BDBC-7C42177D59CE}"/>
+                <a16:creationId xmlns:a16="http://schemas.microsoft.com/office/drawing/2014/main" id="{D9FB4C2C-11B8-4FD9-BDBC-7C42177D59CE}"/>
               </a:ext>
             </a:extLst>
           </p:cNvPr>
@@ -5403,7 +5403,7 @@
   </p:clrMapOvr>
   <p:extLst>
     <p:ext uri="{DCECCB84-F9BA-43D5-87BE-67443E8EF086}">
-      <p15:sldGuideLst xmlns:p15="http://schemas.microsoft.com/office/powerpoint/2012/main" xmlns="">
+      <p15:sldGuideLst xmlns:p15="http://schemas.microsoft.com/office/powerpoint/2012/main">
         <p15:guide id="1" orient="horz" pos="2160" userDrawn="1">
           <p15:clr>
             <a:srgbClr val="FBAE40"/>
@@ -5442,7 +5442,7 @@
           <p:cNvPr id="2050" name="Picture 2" descr="Sky, Clouds, Sunlight, Dark, Cloudscape, Atmosphere">
             <a:extLst>
               <a:ext uri="{FF2B5EF4-FFF2-40B4-BE49-F238E27FC236}">
-                <a16:creationId xmlns:a16="http://schemas.microsoft.com/office/drawing/2014/main" xmlns="" id="{748B13DB-FA87-474E-8DD7-6A0340AB327E}"/>
+                <a16:creationId xmlns:a16="http://schemas.microsoft.com/office/drawing/2014/main" id="{748B13DB-FA87-474E-8DD7-6A0340AB327E}"/>
               </a:ext>
             </a:extLst>
           </p:cNvPr>
@@ -5487,7 +5487,7 @@
           <p:cNvPr id="4" name="그룹 3">
             <a:extLst>
               <a:ext uri="{FF2B5EF4-FFF2-40B4-BE49-F238E27FC236}">
-                <a16:creationId xmlns:a16="http://schemas.microsoft.com/office/drawing/2014/main" xmlns="" id="{E11AD74C-227B-4708-A483-C01540436A73}"/>
+                <a16:creationId xmlns:a16="http://schemas.microsoft.com/office/drawing/2014/main" id="{E11AD74C-227B-4708-A483-C01540436A73}"/>
               </a:ext>
             </a:extLst>
           </p:cNvPr>
@@ -5507,7 +5507,7 @@
             <p:cNvPr id="15" name="사각형: 둥근 모서리 14">
               <a:extLst>
                 <a:ext uri="{FF2B5EF4-FFF2-40B4-BE49-F238E27FC236}">
-                  <a16:creationId xmlns:a16="http://schemas.microsoft.com/office/drawing/2014/main" xmlns="" id="{2151C980-59AC-4808-9289-0CFDE54B5CD0}"/>
+                  <a16:creationId xmlns:a16="http://schemas.microsoft.com/office/drawing/2014/main" id="{2151C980-59AC-4808-9289-0CFDE54B5CD0}"/>
                 </a:ext>
               </a:extLst>
             </p:cNvPr>
@@ -5570,7 +5570,7 @@
             <p:cNvPr id="18" name="사각형: 둥근 모서리 17">
               <a:extLst>
                 <a:ext uri="{FF2B5EF4-FFF2-40B4-BE49-F238E27FC236}">
-                  <a16:creationId xmlns:a16="http://schemas.microsoft.com/office/drawing/2014/main" xmlns="" id="{05AEE337-28CE-472A-9209-FD2B9BD7E92B}"/>
+                  <a16:creationId xmlns:a16="http://schemas.microsoft.com/office/drawing/2014/main" id="{05AEE337-28CE-472A-9209-FD2B9BD7E92B}"/>
                 </a:ext>
               </a:extLst>
             </p:cNvPr>
@@ -5649,7 +5649,7 @@
           <p:cNvPr id="7" name="텍스트 개체 틀 6">
             <a:extLst>
               <a:ext uri="{FF2B5EF4-FFF2-40B4-BE49-F238E27FC236}">
-                <a16:creationId xmlns:a16="http://schemas.microsoft.com/office/drawing/2014/main" xmlns="" id="{FFA8623D-4C85-4360-8750-DA1D4CBC485F}"/>
+                <a16:creationId xmlns:a16="http://schemas.microsoft.com/office/drawing/2014/main" id="{FFA8623D-4C85-4360-8750-DA1D4CBC485F}"/>
               </a:ext>
             </a:extLst>
           </p:cNvPr>
@@ -5755,7 +5755,7 @@
           <p:cNvPr id="22" name="텍스트 개체 틀 6">
             <a:extLst>
               <a:ext uri="{FF2B5EF4-FFF2-40B4-BE49-F238E27FC236}">
-                <a16:creationId xmlns:a16="http://schemas.microsoft.com/office/drawing/2014/main" xmlns="" id="{BB2AEACD-342D-4D33-9465-D551F9750D75}"/>
+                <a16:creationId xmlns:a16="http://schemas.microsoft.com/office/drawing/2014/main" id="{BB2AEACD-342D-4D33-9465-D551F9750D75}"/>
               </a:ext>
             </a:extLst>
           </p:cNvPr>
@@ -5844,7 +5844,7 @@
           <p:cNvPr id="24" name="텍스트 개체 틀 6">
             <a:extLst>
               <a:ext uri="{FF2B5EF4-FFF2-40B4-BE49-F238E27FC236}">
-                <a16:creationId xmlns:a16="http://schemas.microsoft.com/office/drawing/2014/main" xmlns="" id="{74D627D5-65A5-4092-8615-F0BC3C41AAAE}"/>
+                <a16:creationId xmlns:a16="http://schemas.microsoft.com/office/drawing/2014/main" id="{74D627D5-65A5-4092-8615-F0BC3C41AAAE}"/>
               </a:ext>
             </a:extLst>
           </p:cNvPr>
@@ -5942,7 +5942,7 @@
           <p:cNvPr id="26" name="텍스트 개체 틀 6">
             <a:extLst>
               <a:ext uri="{FF2B5EF4-FFF2-40B4-BE49-F238E27FC236}">
-                <a16:creationId xmlns:a16="http://schemas.microsoft.com/office/drawing/2014/main" xmlns="" id="{5F4130BA-29F2-4070-AF69-B3F801117033}"/>
+                <a16:creationId xmlns:a16="http://schemas.microsoft.com/office/drawing/2014/main" id="{5F4130BA-29F2-4070-AF69-B3F801117033}"/>
               </a:ext>
             </a:extLst>
           </p:cNvPr>
@@ -6050,7 +6050,7 @@
           <p:cNvPr id="20" name="그룹 19">
             <a:extLst>
               <a:ext uri="{FF2B5EF4-FFF2-40B4-BE49-F238E27FC236}">
-                <a16:creationId xmlns:a16="http://schemas.microsoft.com/office/drawing/2014/main" xmlns="" id="{4D1FD33C-32B1-4DAE-9B75-E39AB9B05EAF}"/>
+                <a16:creationId xmlns:a16="http://schemas.microsoft.com/office/drawing/2014/main" id="{4D1FD33C-32B1-4DAE-9B75-E39AB9B05EAF}"/>
               </a:ext>
             </a:extLst>
           </p:cNvPr>
@@ -6070,7 +6070,7 @@
             <p:cNvPr id="21" name="그룹 20">
               <a:extLst>
                 <a:ext uri="{FF2B5EF4-FFF2-40B4-BE49-F238E27FC236}">
-                  <a16:creationId xmlns:a16="http://schemas.microsoft.com/office/drawing/2014/main" xmlns="" id="{671FE2FB-1706-46D1-A921-8D338F072DBA}"/>
+                  <a16:creationId xmlns:a16="http://schemas.microsoft.com/office/drawing/2014/main" id="{671FE2FB-1706-46D1-A921-8D338F072DBA}"/>
                 </a:ext>
               </a:extLst>
             </p:cNvPr>
@@ -6090,7 +6090,7 @@
               <p:cNvPr id="25" name="직선 연결선 24">
                 <a:extLst>
                   <a:ext uri="{FF2B5EF4-FFF2-40B4-BE49-F238E27FC236}">
-                    <a16:creationId xmlns:a16="http://schemas.microsoft.com/office/drawing/2014/main" xmlns="" id="{560EB4ED-A9F9-47E8-AE04-D2FCCA484126}"/>
+                    <a16:creationId xmlns:a16="http://schemas.microsoft.com/office/drawing/2014/main" id="{560EB4ED-A9F9-47E8-AE04-D2FCCA484126}"/>
                   </a:ext>
                 </a:extLst>
               </p:cNvPr>
@@ -6134,7 +6134,7 @@
               <p:cNvPr id="27" name="직선 연결선 26">
                 <a:extLst>
                   <a:ext uri="{FF2B5EF4-FFF2-40B4-BE49-F238E27FC236}">
-                    <a16:creationId xmlns:a16="http://schemas.microsoft.com/office/drawing/2014/main" xmlns="" id="{54AAB66E-AFFA-4EFD-AED3-9B12D853CEC0}"/>
+                    <a16:creationId xmlns:a16="http://schemas.microsoft.com/office/drawing/2014/main" id="{54AAB66E-AFFA-4EFD-AED3-9B12D853CEC0}"/>
                   </a:ext>
                 </a:extLst>
               </p:cNvPr>
@@ -6180,7 +6180,7 @@
               <p:cNvPr id="28" name="직선 연결선 27">
                 <a:extLst>
                   <a:ext uri="{FF2B5EF4-FFF2-40B4-BE49-F238E27FC236}">
-                    <a16:creationId xmlns:a16="http://schemas.microsoft.com/office/drawing/2014/main" xmlns="" id="{A5D76707-C407-4A65-A69E-E1FAEE564637}"/>
+                    <a16:creationId xmlns:a16="http://schemas.microsoft.com/office/drawing/2014/main" id="{A5D76707-C407-4A65-A69E-E1FAEE564637}"/>
                   </a:ext>
                 </a:extLst>
               </p:cNvPr>
@@ -6227,7 +6227,7 @@
             <p:cNvPr id="23" name="직사각형 22">
               <a:extLst>
                 <a:ext uri="{FF2B5EF4-FFF2-40B4-BE49-F238E27FC236}">
-                  <a16:creationId xmlns:a16="http://schemas.microsoft.com/office/drawing/2014/main" xmlns="" id="{A366BFDA-F2C5-4BD4-8906-772351C5CE50}"/>
+                  <a16:creationId xmlns:a16="http://schemas.microsoft.com/office/drawing/2014/main" id="{A366BFDA-F2C5-4BD4-8906-772351C5CE50}"/>
                 </a:ext>
               </a:extLst>
             </p:cNvPr>
@@ -6280,7 +6280,7 @@
           <p:cNvPr id="6" name="그룹 5">
             <a:extLst>
               <a:ext uri="{FF2B5EF4-FFF2-40B4-BE49-F238E27FC236}">
-                <a16:creationId xmlns:a16="http://schemas.microsoft.com/office/drawing/2014/main" xmlns="" id="{0B3EC0C1-0661-4161-ACC9-59CC6D882AEB}"/>
+                <a16:creationId xmlns:a16="http://schemas.microsoft.com/office/drawing/2014/main" id="{0B3EC0C1-0661-4161-ACC9-59CC6D882AEB}"/>
               </a:ext>
             </a:extLst>
           </p:cNvPr>
@@ -6300,7 +6300,7 @@
             <p:cNvPr id="30" name="직선 연결선 29">
               <a:extLst>
                 <a:ext uri="{FF2B5EF4-FFF2-40B4-BE49-F238E27FC236}">
-                  <a16:creationId xmlns:a16="http://schemas.microsoft.com/office/drawing/2014/main" xmlns="" id="{D1731E3C-46DC-4403-BD24-CF9D0D902B4F}"/>
+                  <a16:creationId xmlns:a16="http://schemas.microsoft.com/office/drawing/2014/main" id="{D1731E3C-46DC-4403-BD24-CF9D0D902B4F}"/>
                 </a:ext>
               </a:extLst>
             </p:cNvPr>
@@ -6346,7 +6346,7 @@
             <p:cNvPr id="31" name="직선 연결선 30">
               <a:extLst>
                 <a:ext uri="{FF2B5EF4-FFF2-40B4-BE49-F238E27FC236}">
-                  <a16:creationId xmlns:a16="http://schemas.microsoft.com/office/drawing/2014/main" xmlns="" id="{5A71D8D6-9B9A-4087-B3B6-44FCAE59C781}"/>
+                  <a16:creationId xmlns:a16="http://schemas.microsoft.com/office/drawing/2014/main" id="{5A71D8D6-9B9A-4087-B3B6-44FCAE59C781}"/>
                 </a:ext>
               </a:extLst>
             </p:cNvPr>
@@ -6392,7 +6392,7 @@
             <p:cNvPr id="32" name="직선 연결선 31">
               <a:extLst>
                 <a:ext uri="{FF2B5EF4-FFF2-40B4-BE49-F238E27FC236}">
-                  <a16:creationId xmlns:a16="http://schemas.microsoft.com/office/drawing/2014/main" xmlns="" id="{673DA5F2-D2FA-4CEB-AA19-270DEC9184D4}"/>
+                  <a16:creationId xmlns:a16="http://schemas.microsoft.com/office/drawing/2014/main" id="{673DA5F2-D2FA-4CEB-AA19-270DEC9184D4}"/>
                 </a:ext>
               </a:extLst>
             </p:cNvPr>
@@ -6439,7 +6439,7 @@
           <p:cNvPr id="33" name="텍스트 개체 틀 6">
             <a:extLst>
               <a:ext uri="{FF2B5EF4-FFF2-40B4-BE49-F238E27FC236}">
-                <a16:creationId xmlns:a16="http://schemas.microsoft.com/office/drawing/2014/main" xmlns="" id="{2A13CB7D-B45F-4A40-9D06-CBE69E47A5AD}"/>
+                <a16:creationId xmlns:a16="http://schemas.microsoft.com/office/drawing/2014/main" id="{2A13CB7D-B45F-4A40-9D06-CBE69E47A5AD}"/>
               </a:ext>
             </a:extLst>
           </p:cNvPr>
@@ -6512,7 +6512,7 @@
           <p:cNvPr id="46" name="텍스트 개체 틀 6">
             <a:extLst>
               <a:ext uri="{FF2B5EF4-FFF2-40B4-BE49-F238E27FC236}">
-                <a16:creationId xmlns:a16="http://schemas.microsoft.com/office/drawing/2014/main" xmlns="" id="{4EAA92E4-65FF-4A40-9DB5-C2F28612F554}"/>
+                <a16:creationId xmlns:a16="http://schemas.microsoft.com/office/drawing/2014/main" id="{4EAA92E4-65FF-4A40-9DB5-C2F28612F554}"/>
               </a:ext>
             </a:extLst>
           </p:cNvPr>
@@ -6620,7 +6620,7 @@
           <p:cNvPr id="47" name="텍스트 개체 틀 6">
             <a:extLst>
               <a:ext uri="{FF2B5EF4-FFF2-40B4-BE49-F238E27FC236}">
-                <a16:creationId xmlns:a16="http://schemas.microsoft.com/office/drawing/2014/main" xmlns="" id="{999D6DF6-B599-4081-A1E2-CEA80806AE50}"/>
+                <a16:creationId xmlns:a16="http://schemas.microsoft.com/office/drawing/2014/main" id="{999D6DF6-B599-4081-A1E2-CEA80806AE50}"/>
               </a:ext>
             </a:extLst>
           </p:cNvPr>
@@ -6693,7 +6693,7 @@
           <p:cNvPr id="48" name="텍스트 개체 틀 6">
             <a:extLst>
               <a:ext uri="{FF2B5EF4-FFF2-40B4-BE49-F238E27FC236}">
-                <a16:creationId xmlns:a16="http://schemas.microsoft.com/office/drawing/2014/main" xmlns="" id="{E2C9013A-A84F-4126-9AA1-6E761DE6C5D7}"/>
+                <a16:creationId xmlns:a16="http://schemas.microsoft.com/office/drawing/2014/main" id="{E2C9013A-A84F-4126-9AA1-6E761DE6C5D7}"/>
               </a:ext>
             </a:extLst>
           </p:cNvPr>
@@ -6801,7 +6801,7 @@
           <p:cNvPr id="49" name="텍스트 개체 틀 6">
             <a:extLst>
               <a:ext uri="{FF2B5EF4-FFF2-40B4-BE49-F238E27FC236}">
-                <a16:creationId xmlns:a16="http://schemas.microsoft.com/office/drawing/2014/main" xmlns="" id="{8532A8C0-3A36-40CE-884E-14A501A806F1}"/>
+                <a16:creationId xmlns:a16="http://schemas.microsoft.com/office/drawing/2014/main" id="{8532A8C0-3A36-40CE-884E-14A501A806F1}"/>
               </a:ext>
             </a:extLst>
           </p:cNvPr>
@@ -6874,7 +6874,7 @@
           <p:cNvPr id="50" name="텍스트 개체 틀 6">
             <a:extLst>
               <a:ext uri="{FF2B5EF4-FFF2-40B4-BE49-F238E27FC236}">
-                <a16:creationId xmlns:a16="http://schemas.microsoft.com/office/drawing/2014/main" xmlns="" id="{08F6EE6A-1191-4AF8-8223-5141CB1B34B4}"/>
+                <a16:creationId xmlns:a16="http://schemas.microsoft.com/office/drawing/2014/main" id="{08F6EE6A-1191-4AF8-8223-5141CB1B34B4}"/>
               </a:ext>
             </a:extLst>
           </p:cNvPr>
@@ -6977,7 +6977,7 @@
           <p:cNvPr id="51" name="텍스트 개체 틀 6">
             <a:extLst>
               <a:ext uri="{FF2B5EF4-FFF2-40B4-BE49-F238E27FC236}">
-                <a16:creationId xmlns:a16="http://schemas.microsoft.com/office/drawing/2014/main" xmlns="" id="{D9FB4C2C-11B8-4FD9-BDBC-7C42177D59CE}"/>
+                <a16:creationId xmlns:a16="http://schemas.microsoft.com/office/drawing/2014/main" id="{D9FB4C2C-11B8-4FD9-BDBC-7C42177D59CE}"/>
               </a:ext>
             </a:extLst>
           </p:cNvPr>
@@ -7082,7 +7082,7 @@
   </p:clrMapOvr>
   <p:extLst>
     <p:ext uri="{DCECCB84-F9BA-43D5-87BE-67443E8EF086}">
-      <p15:sldGuideLst xmlns:p15="http://schemas.microsoft.com/office/powerpoint/2012/main" xmlns="">
+      <p15:sldGuideLst xmlns:p15="http://schemas.microsoft.com/office/powerpoint/2012/main">
         <p15:guide id="1" orient="horz" pos="2160">
           <p15:clr>
             <a:srgbClr val="FBAE40"/>
@@ -7121,7 +7121,7 @@
           <p:cNvPr id="9" name="사각형: 둥근 모서리 8">
             <a:extLst>
               <a:ext uri="{FF2B5EF4-FFF2-40B4-BE49-F238E27FC236}">
-                <a16:creationId xmlns:a16="http://schemas.microsoft.com/office/drawing/2014/main" xmlns="" id="{B2B2F600-4B88-4075-9AE8-0CE8D6576EE9}"/>
+                <a16:creationId xmlns:a16="http://schemas.microsoft.com/office/drawing/2014/main" id="{B2B2F600-4B88-4075-9AE8-0CE8D6576EE9}"/>
               </a:ext>
             </a:extLst>
           </p:cNvPr>
@@ -7185,7 +7185,7 @@
           <p:cNvPr id="13" name="사각형: 둥근 모서리 12">
             <a:extLst>
               <a:ext uri="{FF2B5EF4-FFF2-40B4-BE49-F238E27FC236}">
-                <a16:creationId xmlns:a16="http://schemas.microsoft.com/office/drawing/2014/main" xmlns="" id="{68DA5756-3FB0-47A2-90BF-B28A0FB53DB8}"/>
+                <a16:creationId xmlns:a16="http://schemas.microsoft.com/office/drawing/2014/main" id="{68DA5756-3FB0-47A2-90BF-B28A0FB53DB8}"/>
               </a:ext>
             </a:extLst>
           </p:cNvPr>
@@ -7267,7 +7267,7 @@
           <p:cNvPr id="14" name="사각형: 둥근 모서리 13">
             <a:extLst>
               <a:ext uri="{FF2B5EF4-FFF2-40B4-BE49-F238E27FC236}">
-                <a16:creationId xmlns:a16="http://schemas.microsoft.com/office/drawing/2014/main" xmlns="" id="{094E249F-7E2C-4E0C-9A4B-156253824B23}"/>
+                <a16:creationId xmlns:a16="http://schemas.microsoft.com/office/drawing/2014/main" id="{094E249F-7E2C-4E0C-9A4B-156253824B23}"/>
               </a:ext>
             </a:extLst>
           </p:cNvPr>
@@ -7331,7 +7331,7 @@
           <p:cNvPr id="22" name="텍스트 개체 틀 6">
             <a:extLst>
               <a:ext uri="{FF2B5EF4-FFF2-40B4-BE49-F238E27FC236}">
-                <a16:creationId xmlns:a16="http://schemas.microsoft.com/office/drawing/2014/main" xmlns="" id="{BB2AEACD-342D-4D33-9465-D551F9750D75}"/>
+                <a16:creationId xmlns:a16="http://schemas.microsoft.com/office/drawing/2014/main" id="{BB2AEACD-342D-4D33-9465-D551F9750D75}"/>
               </a:ext>
             </a:extLst>
           </p:cNvPr>
@@ -7420,7 +7420,7 @@
           <p:cNvPr id="24" name="텍스트 개체 틀 6">
             <a:extLst>
               <a:ext uri="{FF2B5EF4-FFF2-40B4-BE49-F238E27FC236}">
-                <a16:creationId xmlns:a16="http://schemas.microsoft.com/office/drawing/2014/main" xmlns="" id="{74D627D5-65A5-4092-8615-F0BC3C41AAAE}"/>
+                <a16:creationId xmlns:a16="http://schemas.microsoft.com/office/drawing/2014/main" id="{74D627D5-65A5-4092-8615-F0BC3C41AAAE}"/>
               </a:ext>
             </a:extLst>
           </p:cNvPr>
@@ -7511,7 +7511,7 @@
           <p:cNvPr id="11" name="바닥글 개체 틀 4">
             <a:extLst>
               <a:ext uri="{FF2B5EF4-FFF2-40B4-BE49-F238E27FC236}">
-                <a16:creationId xmlns:a16="http://schemas.microsoft.com/office/drawing/2014/main" xmlns="" id="{9E6A7A7E-A54C-42C7-BA60-6D5B3FF7B14F}"/>
+                <a16:creationId xmlns:a16="http://schemas.microsoft.com/office/drawing/2014/main" id="{9E6A7A7E-A54C-42C7-BA60-6D5B3FF7B14F}"/>
               </a:ext>
             </a:extLst>
           </p:cNvPr>
@@ -7576,7 +7576,7 @@
           <p:cNvPr id="3" name="직선 연결선 2">
             <a:extLst>
               <a:ext uri="{FF2B5EF4-FFF2-40B4-BE49-F238E27FC236}">
-                <a16:creationId xmlns:a16="http://schemas.microsoft.com/office/drawing/2014/main" xmlns="" id="{DFD41C2F-191A-4B12-8AE8-B811B0D228CB}"/>
+                <a16:creationId xmlns:a16="http://schemas.microsoft.com/office/drawing/2014/main" id="{DFD41C2F-191A-4B12-8AE8-B811B0D228CB}"/>
               </a:ext>
             </a:extLst>
           </p:cNvPr>
@@ -7624,7 +7624,7 @@
           <p:cNvPr id="17" name="그룹 16">
             <a:extLst>
               <a:ext uri="{FF2B5EF4-FFF2-40B4-BE49-F238E27FC236}">
-                <a16:creationId xmlns:a16="http://schemas.microsoft.com/office/drawing/2014/main" xmlns="" id="{F4902F68-8A10-4E40-B6BE-A41C173E982E}"/>
+                <a16:creationId xmlns:a16="http://schemas.microsoft.com/office/drawing/2014/main" id="{F4902F68-8A10-4E40-B6BE-A41C173E982E}"/>
               </a:ext>
             </a:extLst>
           </p:cNvPr>
@@ -7644,7 +7644,7 @@
             <p:cNvPr id="18" name="그룹 17">
               <a:extLst>
                 <a:ext uri="{FF2B5EF4-FFF2-40B4-BE49-F238E27FC236}">
-                  <a16:creationId xmlns:a16="http://schemas.microsoft.com/office/drawing/2014/main" xmlns="" id="{06EDFD82-316D-4049-B4E6-7F84C6515AF8}"/>
+                  <a16:creationId xmlns:a16="http://schemas.microsoft.com/office/drawing/2014/main" id="{06EDFD82-316D-4049-B4E6-7F84C6515AF8}"/>
                 </a:ext>
               </a:extLst>
             </p:cNvPr>
@@ -7664,7 +7664,7 @@
               <p:cNvPr id="20" name="직선 연결선 19">
                 <a:extLst>
                   <a:ext uri="{FF2B5EF4-FFF2-40B4-BE49-F238E27FC236}">
-                    <a16:creationId xmlns:a16="http://schemas.microsoft.com/office/drawing/2014/main" xmlns="" id="{7100FC74-90DC-4DDF-8882-DDFE34F7B9DF}"/>
+                    <a16:creationId xmlns:a16="http://schemas.microsoft.com/office/drawing/2014/main" id="{7100FC74-90DC-4DDF-8882-DDFE34F7B9DF}"/>
                   </a:ext>
                 </a:extLst>
               </p:cNvPr>
@@ -7708,7 +7708,7 @@
               <p:cNvPr id="21" name="직선 연결선 20">
                 <a:extLst>
                   <a:ext uri="{FF2B5EF4-FFF2-40B4-BE49-F238E27FC236}">
-                    <a16:creationId xmlns:a16="http://schemas.microsoft.com/office/drawing/2014/main" xmlns="" id="{1A2F31D2-21CD-4B88-B7D4-028D5348000F}"/>
+                    <a16:creationId xmlns:a16="http://schemas.microsoft.com/office/drawing/2014/main" id="{1A2F31D2-21CD-4B88-B7D4-028D5348000F}"/>
                   </a:ext>
                 </a:extLst>
               </p:cNvPr>
@@ -7754,7 +7754,7 @@
               <p:cNvPr id="23" name="직선 연결선 22">
                 <a:extLst>
                   <a:ext uri="{FF2B5EF4-FFF2-40B4-BE49-F238E27FC236}">
-                    <a16:creationId xmlns:a16="http://schemas.microsoft.com/office/drawing/2014/main" xmlns="" id="{C4D00BCA-97C1-4E95-99A4-E3FB36773A84}"/>
+                    <a16:creationId xmlns:a16="http://schemas.microsoft.com/office/drawing/2014/main" id="{C4D00BCA-97C1-4E95-99A4-E3FB36773A84}"/>
                   </a:ext>
                 </a:extLst>
               </p:cNvPr>
@@ -7801,7 +7801,7 @@
             <p:cNvPr id="19" name="직사각형 18">
               <a:extLst>
                 <a:ext uri="{FF2B5EF4-FFF2-40B4-BE49-F238E27FC236}">
-                  <a16:creationId xmlns:a16="http://schemas.microsoft.com/office/drawing/2014/main" xmlns="" id="{F42F6A84-42C5-446E-9B99-7C07A1A47E29}"/>
+                  <a16:creationId xmlns:a16="http://schemas.microsoft.com/office/drawing/2014/main" id="{F42F6A84-42C5-446E-9B99-7C07A1A47E29}"/>
                 </a:ext>
               </a:extLst>
             </p:cNvPr>
@@ -7861,7 +7861,7 @@
   </p:clrMapOvr>
   <p:extLst>
     <p:ext uri="{DCECCB84-F9BA-43D5-87BE-67443E8EF086}">
-      <p15:sldGuideLst xmlns:p15="http://schemas.microsoft.com/office/powerpoint/2012/main" xmlns="">
+      <p15:sldGuideLst xmlns:p15="http://schemas.microsoft.com/office/powerpoint/2012/main">
         <p15:guide id="1" orient="horz" pos="2160">
           <p15:clr>
             <a:srgbClr val="FBAE40"/>
@@ -7900,7 +7900,7 @@
           <p:cNvPr id="9" name="Picture 2" descr="Sky, Clouds, Sunlight, Dark, Cloudscape, Atmosphere">
             <a:extLst>
               <a:ext uri="{FF2B5EF4-FFF2-40B4-BE49-F238E27FC236}">
-                <a16:creationId xmlns:a16="http://schemas.microsoft.com/office/drawing/2014/main" xmlns="" id="{3B142573-56A3-424E-A533-DB01FE7746DA}"/>
+                <a16:creationId xmlns:a16="http://schemas.microsoft.com/office/drawing/2014/main" id="{3B142573-56A3-424E-A533-DB01FE7746DA}"/>
               </a:ext>
             </a:extLst>
           </p:cNvPr>
@@ -7945,7 +7945,7 @@
           <p:cNvPr id="8" name="사각형: 둥근 모서리 7">
             <a:extLst>
               <a:ext uri="{FF2B5EF4-FFF2-40B4-BE49-F238E27FC236}">
-                <a16:creationId xmlns:a16="http://schemas.microsoft.com/office/drawing/2014/main" xmlns="" id="{64794831-35E7-462D-82DC-A272C88E694E}"/>
+                <a16:creationId xmlns:a16="http://schemas.microsoft.com/office/drawing/2014/main" id="{64794831-35E7-462D-82DC-A272C88E694E}"/>
               </a:ext>
             </a:extLst>
           </p:cNvPr>
@@ -8129,7 +8129,7 @@
           <p:cNvPr id="25" name="텍스트 개체 틀 6">
             <a:extLst>
               <a:ext uri="{FF2B5EF4-FFF2-40B4-BE49-F238E27FC236}">
-                <a16:creationId xmlns:a16="http://schemas.microsoft.com/office/drawing/2014/main" xmlns="" id="{84CB924F-6795-4189-980F-73588D6FE941}"/>
+                <a16:creationId xmlns:a16="http://schemas.microsoft.com/office/drawing/2014/main" id="{84CB924F-6795-4189-980F-73588D6FE941}"/>
               </a:ext>
             </a:extLst>
           </p:cNvPr>
@@ -8218,7 +8218,7 @@
           <p:cNvPr id="35" name="텍스트 개체 틀 6">
             <a:extLst>
               <a:ext uri="{FF2B5EF4-FFF2-40B4-BE49-F238E27FC236}">
-                <a16:creationId xmlns:a16="http://schemas.microsoft.com/office/drawing/2014/main" xmlns="" id="{49995AE0-BD8F-4335-A9B2-8F1619182A05}"/>
+                <a16:creationId xmlns:a16="http://schemas.microsoft.com/office/drawing/2014/main" id="{49995AE0-BD8F-4335-A9B2-8F1619182A05}"/>
               </a:ext>
             </a:extLst>
           </p:cNvPr>
@@ -8301,7 +8301,7 @@
           <p:cNvPr id="7" name="텍스트 개체 틀 6">
             <a:extLst>
               <a:ext uri="{FF2B5EF4-FFF2-40B4-BE49-F238E27FC236}">
-                <a16:creationId xmlns:a16="http://schemas.microsoft.com/office/drawing/2014/main" xmlns="" id="{CAF04049-DFAB-44BC-92DC-952DCCA26128}"/>
+                <a16:creationId xmlns:a16="http://schemas.microsoft.com/office/drawing/2014/main" id="{CAF04049-DFAB-44BC-92DC-952DCCA26128}"/>
               </a:ext>
             </a:extLst>
           </p:cNvPr>
@@ -8407,7 +8407,7 @@
           <p:cNvPr id="10" name="그룹 9">
             <a:extLst>
               <a:ext uri="{FF2B5EF4-FFF2-40B4-BE49-F238E27FC236}">
-                <a16:creationId xmlns:a16="http://schemas.microsoft.com/office/drawing/2014/main" xmlns="" id="{35704156-36AA-49BD-BF83-121D73FD05CC}"/>
+                <a16:creationId xmlns:a16="http://schemas.microsoft.com/office/drawing/2014/main" id="{35704156-36AA-49BD-BF83-121D73FD05CC}"/>
               </a:ext>
             </a:extLst>
           </p:cNvPr>
@@ -8427,7 +8427,7 @@
             <p:cNvPr id="12" name="그룹 11">
               <a:extLst>
                 <a:ext uri="{FF2B5EF4-FFF2-40B4-BE49-F238E27FC236}">
-                  <a16:creationId xmlns:a16="http://schemas.microsoft.com/office/drawing/2014/main" xmlns="" id="{D499E869-5189-43BC-A3DE-9D80DA1D00EB}"/>
+                  <a16:creationId xmlns:a16="http://schemas.microsoft.com/office/drawing/2014/main" id="{D499E869-5189-43BC-A3DE-9D80DA1D00EB}"/>
                 </a:ext>
               </a:extLst>
             </p:cNvPr>
@@ -8447,7 +8447,7 @@
               <p:cNvPr id="14" name="직선 연결선 13">
                 <a:extLst>
                   <a:ext uri="{FF2B5EF4-FFF2-40B4-BE49-F238E27FC236}">
-                    <a16:creationId xmlns:a16="http://schemas.microsoft.com/office/drawing/2014/main" xmlns="" id="{72C22959-5C3E-469D-9DA0-A6197BA91556}"/>
+                    <a16:creationId xmlns:a16="http://schemas.microsoft.com/office/drawing/2014/main" id="{72C22959-5C3E-469D-9DA0-A6197BA91556}"/>
                   </a:ext>
                 </a:extLst>
               </p:cNvPr>
@@ -8491,7 +8491,7 @@
               <p:cNvPr id="15" name="직선 연결선 14">
                 <a:extLst>
                   <a:ext uri="{FF2B5EF4-FFF2-40B4-BE49-F238E27FC236}">
-                    <a16:creationId xmlns:a16="http://schemas.microsoft.com/office/drawing/2014/main" xmlns="" id="{4085D603-DCCA-4A54-BF4A-4903B752CC2F}"/>
+                    <a16:creationId xmlns:a16="http://schemas.microsoft.com/office/drawing/2014/main" id="{4085D603-DCCA-4A54-BF4A-4903B752CC2F}"/>
                   </a:ext>
                 </a:extLst>
               </p:cNvPr>
@@ -8537,7 +8537,7 @@
               <p:cNvPr id="16" name="직선 연결선 15">
                 <a:extLst>
                   <a:ext uri="{FF2B5EF4-FFF2-40B4-BE49-F238E27FC236}">
-                    <a16:creationId xmlns:a16="http://schemas.microsoft.com/office/drawing/2014/main" xmlns="" id="{3E1DA604-38D7-40E2-B993-BF3D38DA365F}"/>
+                    <a16:creationId xmlns:a16="http://schemas.microsoft.com/office/drawing/2014/main" id="{3E1DA604-38D7-40E2-B993-BF3D38DA365F}"/>
                   </a:ext>
                 </a:extLst>
               </p:cNvPr>
@@ -8584,7 +8584,7 @@
             <p:cNvPr id="13" name="직사각형 12">
               <a:extLst>
                 <a:ext uri="{FF2B5EF4-FFF2-40B4-BE49-F238E27FC236}">
-                  <a16:creationId xmlns:a16="http://schemas.microsoft.com/office/drawing/2014/main" xmlns="" id="{68521151-D021-46CC-8275-6664F43070EE}"/>
+                  <a16:creationId xmlns:a16="http://schemas.microsoft.com/office/drawing/2014/main" id="{68521151-D021-46CC-8275-6664F43070EE}"/>
                 </a:ext>
               </a:extLst>
             </p:cNvPr>
@@ -8637,7 +8637,7 @@
           <p:cNvPr id="17" name="그룹 16">
             <a:extLst>
               <a:ext uri="{FF2B5EF4-FFF2-40B4-BE49-F238E27FC236}">
-                <a16:creationId xmlns:a16="http://schemas.microsoft.com/office/drawing/2014/main" xmlns="" id="{E9F85922-6624-4552-B74D-313B5EBC76E8}"/>
+                <a16:creationId xmlns:a16="http://schemas.microsoft.com/office/drawing/2014/main" id="{E9F85922-6624-4552-B74D-313B5EBC76E8}"/>
               </a:ext>
             </a:extLst>
           </p:cNvPr>
@@ -8657,7 +8657,7 @@
             <p:cNvPr id="18" name="직선 연결선 17">
               <a:extLst>
                 <a:ext uri="{FF2B5EF4-FFF2-40B4-BE49-F238E27FC236}">
-                  <a16:creationId xmlns:a16="http://schemas.microsoft.com/office/drawing/2014/main" xmlns="" id="{44C62081-53FD-49B5-871C-BD36BC08B660}"/>
+                  <a16:creationId xmlns:a16="http://schemas.microsoft.com/office/drawing/2014/main" id="{44C62081-53FD-49B5-871C-BD36BC08B660}"/>
                 </a:ext>
               </a:extLst>
             </p:cNvPr>
@@ -8703,7 +8703,7 @@
             <p:cNvPr id="19" name="직선 연결선 18">
               <a:extLst>
                 <a:ext uri="{FF2B5EF4-FFF2-40B4-BE49-F238E27FC236}">
-                  <a16:creationId xmlns:a16="http://schemas.microsoft.com/office/drawing/2014/main" xmlns="" id="{B2AE8171-4F46-4967-ABFE-EE6EBED89D08}"/>
+                  <a16:creationId xmlns:a16="http://schemas.microsoft.com/office/drawing/2014/main" id="{B2AE8171-4F46-4967-ABFE-EE6EBED89D08}"/>
                 </a:ext>
               </a:extLst>
             </p:cNvPr>
@@ -8749,7 +8749,7 @@
             <p:cNvPr id="21" name="직선 연결선 20">
               <a:extLst>
                 <a:ext uri="{FF2B5EF4-FFF2-40B4-BE49-F238E27FC236}">
-                  <a16:creationId xmlns:a16="http://schemas.microsoft.com/office/drawing/2014/main" xmlns="" id="{779A5EB8-D580-4576-8362-4B8791101485}"/>
+                  <a16:creationId xmlns:a16="http://schemas.microsoft.com/office/drawing/2014/main" id="{779A5EB8-D580-4576-8362-4B8791101485}"/>
                 </a:ext>
               </a:extLst>
             </p:cNvPr>
@@ -8803,7 +8803,7 @@
   </p:clrMapOvr>
   <p:extLst>
     <p:ext uri="{DCECCB84-F9BA-43D5-87BE-67443E8EF086}">
-      <p15:sldGuideLst xmlns:p15="http://schemas.microsoft.com/office/powerpoint/2012/main" xmlns="">
+      <p15:sldGuideLst xmlns:p15="http://schemas.microsoft.com/office/powerpoint/2012/main">
         <p15:guide id="1" orient="horz" pos="2160">
           <p15:clr>
             <a:srgbClr val="FBAE40"/>
@@ -8853,7 +8853,7 @@
           <p:cNvPr id="8" name="사각형: 둥근 모서리 7">
             <a:extLst>
               <a:ext uri="{FF2B5EF4-FFF2-40B4-BE49-F238E27FC236}">
-                <a16:creationId xmlns:a16="http://schemas.microsoft.com/office/drawing/2014/main" xmlns="" id="{64794831-35E7-462D-82DC-A272C88E694E}"/>
+                <a16:creationId xmlns:a16="http://schemas.microsoft.com/office/drawing/2014/main" id="{64794831-35E7-462D-82DC-A272C88E694E}"/>
               </a:ext>
             </a:extLst>
           </p:cNvPr>
@@ -9035,7 +9035,7 @@
           <p:cNvPr id="25" name="텍스트 개체 틀 6">
             <a:extLst>
               <a:ext uri="{FF2B5EF4-FFF2-40B4-BE49-F238E27FC236}">
-                <a16:creationId xmlns:a16="http://schemas.microsoft.com/office/drawing/2014/main" xmlns="" id="{84CB924F-6795-4189-980F-73588D6FE941}"/>
+                <a16:creationId xmlns:a16="http://schemas.microsoft.com/office/drawing/2014/main" id="{84CB924F-6795-4189-980F-73588D6FE941}"/>
               </a:ext>
             </a:extLst>
           </p:cNvPr>
@@ -9124,7 +9124,7 @@
           <p:cNvPr id="7" name="텍스트 개체 틀 6">
             <a:extLst>
               <a:ext uri="{FF2B5EF4-FFF2-40B4-BE49-F238E27FC236}">
-                <a16:creationId xmlns:a16="http://schemas.microsoft.com/office/drawing/2014/main" xmlns="" id="{CAF04049-DFAB-44BC-92DC-952DCCA26128}"/>
+                <a16:creationId xmlns:a16="http://schemas.microsoft.com/office/drawing/2014/main" id="{CAF04049-DFAB-44BC-92DC-952DCCA26128}"/>
               </a:ext>
             </a:extLst>
           </p:cNvPr>
@@ -9230,7 +9230,7 @@
           <p:cNvPr id="10" name="그룹 9">
             <a:extLst>
               <a:ext uri="{FF2B5EF4-FFF2-40B4-BE49-F238E27FC236}">
-                <a16:creationId xmlns:a16="http://schemas.microsoft.com/office/drawing/2014/main" xmlns="" id="{35704156-36AA-49BD-BF83-121D73FD05CC}"/>
+                <a16:creationId xmlns:a16="http://schemas.microsoft.com/office/drawing/2014/main" id="{35704156-36AA-49BD-BF83-121D73FD05CC}"/>
               </a:ext>
             </a:extLst>
           </p:cNvPr>
@@ -9250,7 +9250,7 @@
             <p:cNvPr id="12" name="그룹 11">
               <a:extLst>
                 <a:ext uri="{FF2B5EF4-FFF2-40B4-BE49-F238E27FC236}">
-                  <a16:creationId xmlns:a16="http://schemas.microsoft.com/office/drawing/2014/main" xmlns="" id="{D499E869-5189-43BC-A3DE-9D80DA1D00EB}"/>
+                  <a16:creationId xmlns:a16="http://schemas.microsoft.com/office/drawing/2014/main" id="{D499E869-5189-43BC-A3DE-9D80DA1D00EB}"/>
                 </a:ext>
               </a:extLst>
             </p:cNvPr>
@@ -9270,7 +9270,7 @@
               <p:cNvPr id="14" name="직선 연결선 13">
                 <a:extLst>
                   <a:ext uri="{FF2B5EF4-FFF2-40B4-BE49-F238E27FC236}">
-                    <a16:creationId xmlns:a16="http://schemas.microsoft.com/office/drawing/2014/main" xmlns="" id="{72C22959-5C3E-469D-9DA0-A6197BA91556}"/>
+                    <a16:creationId xmlns:a16="http://schemas.microsoft.com/office/drawing/2014/main" id="{72C22959-5C3E-469D-9DA0-A6197BA91556}"/>
                   </a:ext>
                 </a:extLst>
               </p:cNvPr>
@@ -9314,7 +9314,7 @@
               <p:cNvPr id="15" name="직선 연결선 14">
                 <a:extLst>
                   <a:ext uri="{FF2B5EF4-FFF2-40B4-BE49-F238E27FC236}">
-                    <a16:creationId xmlns:a16="http://schemas.microsoft.com/office/drawing/2014/main" xmlns="" id="{4085D603-DCCA-4A54-BF4A-4903B752CC2F}"/>
+                    <a16:creationId xmlns:a16="http://schemas.microsoft.com/office/drawing/2014/main" id="{4085D603-DCCA-4A54-BF4A-4903B752CC2F}"/>
                   </a:ext>
                 </a:extLst>
               </p:cNvPr>
@@ -9360,7 +9360,7 @@
               <p:cNvPr id="16" name="직선 연결선 15">
                 <a:extLst>
                   <a:ext uri="{FF2B5EF4-FFF2-40B4-BE49-F238E27FC236}">
-                    <a16:creationId xmlns:a16="http://schemas.microsoft.com/office/drawing/2014/main" xmlns="" id="{3E1DA604-38D7-40E2-B993-BF3D38DA365F}"/>
+                    <a16:creationId xmlns:a16="http://schemas.microsoft.com/office/drawing/2014/main" id="{3E1DA604-38D7-40E2-B993-BF3D38DA365F}"/>
                   </a:ext>
                 </a:extLst>
               </p:cNvPr>
@@ -9407,7 +9407,7 @@
             <p:cNvPr id="13" name="직사각형 12">
               <a:extLst>
                 <a:ext uri="{FF2B5EF4-FFF2-40B4-BE49-F238E27FC236}">
-                  <a16:creationId xmlns:a16="http://schemas.microsoft.com/office/drawing/2014/main" xmlns="" id="{68521151-D021-46CC-8275-6664F43070EE}"/>
+                  <a16:creationId xmlns:a16="http://schemas.microsoft.com/office/drawing/2014/main" id="{68521151-D021-46CC-8275-6664F43070EE}"/>
                 </a:ext>
               </a:extLst>
             </p:cNvPr>
@@ -9460,7 +9460,7 @@
           <p:cNvPr id="17" name="그룹 16">
             <a:extLst>
               <a:ext uri="{FF2B5EF4-FFF2-40B4-BE49-F238E27FC236}">
-                <a16:creationId xmlns:a16="http://schemas.microsoft.com/office/drawing/2014/main" xmlns="" id="{E9F85922-6624-4552-B74D-313B5EBC76E8}"/>
+                <a16:creationId xmlns:a16="http://schemas.microsoft.com/office/drawing/2014/main" id="{E9F85922-6624-4552-B74D-313B5EBC76E8}"/>
               </a:ext>
             </a:extLst>
           </p:cNvPr>
@@ -9480,7 +9480,7 @@
             <p:cNvPr id="18" name="직선 연결선 17">
               <a:extLst>
                 <a:ext uri="{FF2B5EF4-FFF2-40B4-BE49-F238E27FC236}">
-                  <a16:creationId xmlns:a16="http://schemas.microsoft.com/office/drawing/2014/main" xmlns="" id="{44C62081-53FD-49B5-871C-BD36BC08B660}"/>
+                  <a16:creationId xmlns:a16="http://schemas.microsoft.com/office/drawing/2014/main" id="{44C62081-53FD-49B5-871C-BD36BC08B660}"/>
                 </a:ext>
               </a:extLst>
             </p:cNvPr>
@@ -9526,7 +9526,7 @@
             <p:cNvPr id="19" name="직선 연결선 18">
               <a:extLst>
                 <a:ext uri="{FF2B5EF4-FFF2-40B4-BE49-F238E27FC236}">
-                  <a16:creationId xmlns:a16="http://schemas.microsoft.com/office/drawing/2014/main" xmlns="" id="{B2AE8171-4F46-4967-ABFE-EE6EBED89D08}"/>
+                  <a16:creationId xmlns:a16="http://schemas.microsoft.com/office/drawing/2014/main" id="{B2AE8171-4F46-4967-ABFE-EE6EBED89D08}"/>
                 </a:ext>
               </a:extLst>
             </p:cNvPr>
@@ -9572,7 +9572,7 @@
             <p:cNvPr id="21" name="직선 연결선 20">
               <a:extLst>
                 <a:ext uri="{FF2B5EF4-FFF2-40B4-BE49-F238E27FC236}">
-                  <a16:creationId xmlns:a16="http://schemas.microsoft.com/office/drawing/2014/main" xmlns="" id="{779A5EB8-D580-4576-8362-4B8791101485}"/>
+                  <a16:creationId xmlns:a16="http://schemas.microsoft.com/office/drawing/2014/main" id="{779A5EB8-D580-4576-8362-4B8791101485}"/>
                 </a:ext>
               </a:extLst>
             </p:cNvPr>
@@ -9626,7 +9626,7 @@
   </p:clrMapOvr>
   <p:extLst>
     <p:ext uri="{DCECCB84-F9BA-43D5-87BE-67443E8EF086}">
-      <p15:sldGuideLst xmlns:p15="http://schemas.microsoft.com/office/powerpoint/2012/main" xmlns="">
+      <p15:sldGuideLst xmlns:p15="http://schemas.microsoft.com/office/powerpoint/2012/main">
         <p15:guide id="1" orient="horz" pos="2160">
           <p15:clr>
             <a:srgbClr val="FBAE40"/>
@@ -9826,7 +9826,7 @@
             <a:fld id="{79F33ED0-BB53-40D6-86C9-526C8F33B5AF}" type="datetimeFigureOut">
               <a:rPr lang="ko-KR" altLang="en-US" smtClean="0"/>
               <a:pPr/>
-              <a:t>2023-12-28</a:t>
+              <a:t>2023-12-29</a:t>
             </a:fld>
             <a:endParaRPr lang="ko-KR" altLang="en-US"/>
           </a:p>
@@ -9942,7 +9942,7 @@
           <p:cNvPr id="7" name="그룹 6">
             <a:extLst>
               <a:ext uri="{FF2B5EF4-FFF2-40B4-BE49-F238E27FC236}">
-                <a16:creationId xmlns:a16="http://schemas.microsoft.com/office/drawing/2014/main" xmlns="" id="{B5CAD73D-6841-4F8A-A8DA-BCBBBF5FAA76}"/>
+                <a16:creationId xmlns:a16="http://schemas.microsoft.com/office/drawing/2014/main" id="{B5CAD73D-6841-4F8A-A8DA-BCBBBF5FAA76}"/>
               </a:ext>
             </a:extLst>
           </p:cNvPr>
@@ -9962,7 +9962,7 @@
             <p:cNvPr id="8" name="타원 7">
               <a:extLst>
                 <a:ext uri="{FF2B5EF4-FFF2-40B4-BE49-F238E27FC236}">
-                  <a16:creationId xmlns:a16="http://schemas.microsoft.com/office/drawing/2014/main" xmlns="" id="{1DFB0E20-C8CE-4430-96C3-36027DABB21B}"/>
+                  <a16:creationId xmlns:a16="http://schemas.microsoft.com/office/drawing/2014/main" id="{1DFB0E20-C8CE-4430-96C3-36027DABB21B}"/>
                 </a:ext>
               </a:extLst>
             </p:cNvPr>
@@ -10014,7 +10014,7 @@
             <p:cNvPr id="9" name="타원 8">
               <a:extLst>
                 <a:ext uri="{FF2B5EF4-FFF2-40B4-BE49-F238E27FC236}">
-                  <a16:creationId xmlns:a16="http://schemas.microsoft.com/office/drawing/2014/main" xmlns="" id="{21DD0F50-D095-49F0-A56C-1E01943D2C2C}"/>
+                  <a16:creationId xmlns:a16="http://schemas.microsoft.com/office/drawing/2014/main" id="{21DD0F50-D095-49F0-A56C-1E01943D2C2C}"/>
                 </a:ext>
               </a:extLst>
             </p:cNvPr>
@@ -10070,7 +10070,7 @@
             <p:cNvPr id="10" name="타원 9">
               <a:extLst>
                 <a:ext uri="{FF2B5EF4-FFF2-40B4-BE49-F238E27FC236}">
-                  <a16:creationId xmlns:a16="http://schemas.microsoft.com/office/drawing/2014/main" xmlns="" id="{F6AE4052-9AC0-4371-909E-F440521CAA49}"/>
+                  <a16:creationId xmlns:a16="http://schemas.microsoft.com/office/drawing/2014/main" id="{F6AE4052-9AC0-4371-909E-F440521CAA49}"/>
                 </a:ext>
               </a:extLst>
             </p:cNvPr>
@@ -10122,7 +10122,7 @@
             <p:cNvPr id="11" name="타원 10">
               <a:extLst>
                 <a:ext uri="{FF2B5EF4-FFF2-40B4-BE49-F238E27FC236}">
-                  <a16:creationId xmlns:a16="http://schemas.microsoft.com/office/drawing/2014/main" xmlns="" id="{CF1FF72C-B890-45E7-B9AE-CDCC3839DF46}"/>
+                  <a16:creationId xmlns:a16="http://schemas.microsoft.com/office/drawing/2014/main" id="{CF1FF72C-B890-45E7-B9AE-CDCC3839DF46}"/>
                 </a:ext>
               </a:extLst>
             </p:cNvPr>
@@ -10174,7 +10174,7 @@
             <p:cNvPr id="12" name="타원 11">
               <a:extLst>
                 <a:ext uri="{FF2B5EF4-FFF2-40B4-BE49-F238E27FC236}">
-                  <a16:creationId xmlns:a16="http://schemas.microsoft.com/office/drawing/2014/main" xmlns="" id="{9C7945F0-1E2E-454E-8C1C-D482BB131301}"/>
+                  <a16:creationId xmlns:a16="http://schemas.microsoft.com/office/drawing/2014/main" id="{9C7945F0-1E2E-454E-8C1C-D482BB131301}"/>
                 </a:ext>
               </a:extLst>
             </p:cNvPr>
@@ -10226,7 +10226,7 @@
             <p:cNvPr id="13" name="타원 12">
               <a:extLst>
                 <a:ext uri="{FF2B5EF4-FFF2-40B4-BE49-F238E27FC236}">
-                  <a16:creationId xmlns:a16="http://schemas.microsoft.com/office/drawing/2014/main" xmlns="" id="{A7A546ED-04CD-4197-B38D-0559847299C6}"/>
+                  <a16:creationId xmlns:a16="http://schemas.microsoft.com/office/drawing/2014/main" id="{A7A546ED-04CD-4197-B38D-0559847299C6}"/>
                 </a:ext>
               </a:extLst>
             </p:cNvPr>
@@ -10278,7 +10278,7 @@
             <p:cNvPr id="14" name="타원 13">
               <a:extLst>
                 <a:ext uri="{FF2B5EF4-FFF2-40B4-BE49-F238E27FC236}">
-                  <a16:creationId xmlns:a16="http://schemas.microsoft.com/office/drawing/2014/main" xmlns="" id="{ABE9A753-4825-44EA-AD76-F87F72314385}"/>
+                  <a16:creationId xmlns:a16="http://schemas.microsoft.com/office/drawing/2014/main" id="{ABE9A753-4825-44EA-AD76-F87F72314385}"/>
                 </a:ext>
               </a:extLst>
             </p:cNvPr>
@@ -10708,7 +10708,7 @@
           <p:cNvPr id="2" name="제목 1">
             <a:extLst>
               <a:ext uri="{FF2B5EF4-FFF2-40B4-BE49-F238E27FC236}">
-                <a16:creationId xmlns:a16="http://schemas.microsoft.com/office/drawing/2014/main" xmlns="" id="{D6558D88-1DBC-458D-AFE6-D6A4ED6FCA79}"/>
+                <a16:creationId xmlns:a16="http://schemas.microsoft.com/office/drawing/2014/main" id="{D6558D88-1DBC-458D-AFE6-D6A4ED6FCA79}"/>
               </a:ext>
             </a:extLst>
           </p:cNvPr>
@@ -10846,7 +10846,7 @@
           <p:cNvPr id="11" name="텍스트 개체 틀 10">
             <a:extLst>
               <a:ext uri="{FF2B5EF4-FFF2-40B4-BE49-F238E27FC236}">
-                <a16:creationId xmlns:a16="http://schemas.microsoft.com/office/drawing/2014/main" xmlns="" id="{6D3B08B9-2B63-4E3C-9511-DC51FDE2506E}"/>
+                <a16:creationId xmlns:a16="http://schemas.microsoft.com/office/drawing/2014/main" id="{6D3B08B9-2B63-4E3C-9511-DC51FDE2506E}"/>
               </a:ext>
             </a:extLst>
           </p:cNvPr>
@@ -10962,7 +10962,7 @@
           <p:cNvPr id="8" name="텍스트 개체 틀 7">
             <a:extLst>
               <a:ext uri="{FF2B5EF4-FFF2-40B4-BE49-F238E27FC236}">
-                <a16:creationId xmlns:a16="http://schemas.microsoft.com/office/drawing/2014/main" xmlns="" id="{F941FAD0-2E99-4CAC-B16F-30C5DE050E43}"/>
+                <a16:creationId xmlns:a16="http://schemas.microsoft.com/office/drawing/2014/main" id="{F941FAD0-2E99-4CAC-B16F-30C5DE050E43}"/>
               </a:ext>
             </a:extLst>
           </p:cNvPr>
@@ -10997,7 +10997,7 @@
           <p:cNvPr id="9" name="텍스트 개체 틀 8">
             <a:extLst>
               <a:ext uri="{FF2B5EF4-FFF2-40B4-BE49-F238E27FC236}">
-                <a16:creationId xmlns:a16="http://schemas.microsoft.com/office/drawing/2014/main" xmlns="" id="{A07C0B61-375E-4330-850F-740158BE3674}"/>
+                <a16:creationId xmlns:a16="http://schemas.microsoft.com/office/drawing/2014/main" id="{A07C0B61-375E-4330-850F-740158BE3674}"/>
               </a:ext>
             </a:extLst>
           </p:cNvPr>
@@ -11030,7 +11030,7 @@
           <p:cNvPr id="7" name="텍스트 개체 틀 6">
             <a:extLst>
               <a:ext uri="{FF2B5EF4-FFF2-40B4-BE49-F238E27FC236}">
-                <a16:creationId xmlns:a16="http://schemas.microsoft.com/office/drawing/2014/main" xmlns="" id="{8E0EDBB3-D4FF-4E7B-A8D3-67AF82A4FCE9}"/>
+                <a16:creationId xmlns:a16="http://schemas.microsoft.com/office/drawing/2014/main" id="{8E0EDBB3-D4FF-4E7B-A8D3-67AF82A4FCE9}"/>
               </a:ext>
             </a:extLst>
           </p:cNvPr>
@@ -11108,19 +11108,7 @@
                 <a:latin typeface="HY견고딕" pitchFamily="18" charset="-127"/>
                 <a:ea typeface="HY견고딕" pitchFamily="18" charset="-127"/>
               </a:rPr>
-              <a:t>를 시작버튼으로 지정하여 </a:t>
-            </a:r>
-            <a:r>
-              <a:rPr lang="ko-KR" altLang="en-US" sz="1400" dirty="0" smtClean="0">
-                <a:solidFill>
-                  <a:schemeClr val="bg1">
-                    <a:lumMod val="95000"/>
-                  </a:schemeClr>
-                </a:solidFill>
-                <a:latin typeface="HY견고딕" pitchFamily="18" charset="-127"/>
-                <a:ea typeface="HY견고딕" pitchFamily="18" charset="-127"/>
-              </a:rPr>
-              <a:t>제작</a:t>
+              <a:t>를 시작버튼으로 지정하여 제작</a:t>
             </a:r>
             <a:endParaRPr lang="en-US" altLang="ko-KR" sz="1400" dirty="0" smtClean="0">
               <a:solidFill>
@@ -11330,19 +11318,7 @@
                 <a:latin typeface="HY견고딕" pitchFamily="18" charset="-127"/>
                 <a:ea typeface="HY견고딕" pitchFamily="18" charset="-127"/>
               </a:rPr>
-              <a:t> 메뉴가 </a:t>
-            </a:r>
-            <a:r>
-              <a:rPr lang="ko-KR" altLang="en-US" sz="1400" dirty="0" smtClean="0">
-                <a:solidFill>
-                  <a:schemeClr val="bg1">
-                    <a:lumMod val="95000"/>
-                  </a:schemeClr>
-                </a:solidFill>
-                <a:latin typeface="HY견고딕" pitchFamily="18" charset="-127"/>
-                <a:ea typeface="HY견고딕" pitchFamily="18" charset="-127"/>
-              </a:rPr>
-              <a:t>표시됨</a:t>
+              <a:t> 메뉴가 표시됨</a:t>
             </a:r>
             <a:endParaRPr lang="en-US" altLang="ko-KR" sz="1400" dirty="0">
               <a:solidFill>
@@ -11549,7 +11525,7 @@
           <p:cNvPr id="8" name="텍스트 개체 틀 7">
             <a:extLst>
               <a:ext uri="{FF2B5EF4-FFF2-40B4-BE49-F238E27FC236}">
-                <a16:creationId xmlns:a16="http://schemas.microsoft.com/office/drawing/2014/main" xmlns="" id="{F941FAD0-2E99-4CAC-B16F-30C5DE050E43}"/>
+                <a16:creationId xmlns:a16="http://schemas.microsoft.com/office/drawing/2014/main" id="{F941FAD0-2E99-4CAC-B16F-30C5DE050E43}"/>
               </a:ext>
             </a:extLst>
           </p:cNvPr>
@@ -11584,7 +11560,7 @@
           <p:cNvPr id="9" name="텍스트 개체 틀 8">
             <a:extLst>
               <a:ext uri="{FF2B5EF4-FFF2-40B4-BE49-F238E27FC236}">
-                <a16:creationId xmlns:a16="http://schemas.microsoft.com/office/drawing/2014/main" xmlns="" id="{A07C0B61-375E-4330-850F-740158BE3674}"/>
+                <a16:creationId xmlns:a16="http://schemas.microsoft.com/office/drawing/2014/main" id="{A07C0B61-375E-4330-850F-740158BE3674}"/>
               </a:ext>
             </a:extLst>
           </p:cNvPr>
@@ -11617,7 +11593,7 @@
           <p:cNvPr id="7" name="텍스트 개체 틀 6">
             <a:extLst>
               <a:ext uri="{FF2B5EF4-FFF2-40B4-BE49-F238E27FC236}">
-                <a16:creationId xmlns:a16="http://schemas.microsoft.com/office/drawing/2014/main" xmlns="" id="{8E0EDBB3-D4FF-4E7B-A8D3-67AF82A4FCE9}"/>
+                <a16:creationId xmlns:a16="http://schemas.microsoft.com/office/drawing/2014/main" id="{8E0EDBB3-D4FF-4E7B-A8D3-67AF82A4FCE9}"/>
               </a:ext>
             </a:extLst>
           </p:cNvPr>
@@ -11883,19 +11859,7 @@
                 <a:latin typeface="HY견고딕" pitchFamily="18" charset="-127"/>
                 <a:ea typeface="HY견고딕" pitchFamily="18" charset="-127"/>
               </a:rPr>
-              <a:t>작업표시줄에 </a:t>
-            </a:r>
-            <a:r>
-              <a:rPr lang="ko-KR" altLang="en-US" sz="1400" dirty="0" smtClean="0">
-                <a:solidFill>
-                  <a:schemeClr val="bg1">
-                    <a:lumMod val="95000"/>
-                  </a:schemeClr>
-                </a:solidFill>
-                <a:latin typeface="HY견고딕" pitchFamily="18" charset="-127"/>
-                <a:ea typeface="HY견고딕" pitchFamily="18" charset="-127"/>
-              </a:rPr>
-              <a:t>해당하는 </a:t>
+              <a:t>작업표시줄에 해당하는 </a:t>
             </a:r>
             <a:r>
               <a:rPr lang="en-US" altLang="ko-KR" sz="1400" dirty="0" smtClean="0">
@@ -11969,31 +11933,7 @@
                 <a:latin typeface="HY견고딕" pitchFamily="18" charset="-127"/>
                 <a:ea typeface="HY견고딕" pitchFamily="18" charset="-127"/>
               </a:rPr>
-              <a:t>실행중인 </a:t>
-            </a:r>
-            <a:r>
-              <a:rPr lang="ko-KR" altLang="en-US" sz="1400" dirty="0" smtClean="0">
-                <a:solidFill>
-                  <a:schemeClr val="bg1">
-                    <a:lumMod val="95000"/>
-                  </a:schemeClr>
-                </a:solidFill>
-                <a:latin typeface="HY견고딕" pitchFamily="18" charset="-127"/>
-                <a:ea typeface="HY견고딕" pitchFamily="18" charset="-127"/>
-              </a:rPr>
-              <a:t>프로그램이 </a:t>
-            </a:r>
-            <a:r>
-              <a:rPr lang="ko-KR" altLang="en-US" sz="1400" dirty="0" smtClean="0">
-                <a:solidFill>
-                  <a:schemeClr val="bg1">
-                    <a:lumMod val="95000"/>
-                  </a:schemeClr>
-                </a:solidFill>
-                <a:latin typeface="HY견고딕" pitchFamily="18" charset="-127"/>
-                <a:ea typeface="HY견고딕" pitchFamily="18" charset="-127"/>
-              </a:rPr>
-              <a:t>함께 표시됨</a:t>
+              <a:t>실행중인 프로그램이 함께 표시됨</a:t>
             </a:r>
             <a:endParaRPr lang="ko-KR" altLang="en-US" sz="1400" dirty="0">
               <a:solidFill>
@@ -12119,7 +12059,7 @@
           <p:cNvPr id="8" name="텍스트 개체 틀 7">
             <a:extLst>
               <a:ext uri="{FF2B5EF4-FFF2-40B4-BE49-F238E27FC236}">
-                <a16:creationId xmlns:a16="http://schemas.microsoft.com/office/drawing/2014/main" xmlns="" id="{F941FAD0-2E99-4CAC-B16F-30C5DE050E43}"/>
+                <a16:creationId xmlns:a16="http://schemas.microsoft.com/office/drawing/2014/main" id="{F941FAD0-2E99-4CAC-B16F-30C5DE050E43}"/>
               </a:ext>
             </a:extLst>
           </p:cNvPr>
@@ -12154,7 +12094,7 @@
           <p:cNvPr id="9" name="텍스트 개체 틀 8">
             <a:extLst>
               <a:ext uri="{FF2B5EF4-FFF2-40B4-BE49-F238E27FC236}">
-                <a16:creationId xmlns:a16="http://schemas.microsoft.com/office/drawing/2014/main" xmlns="" id="{A07C0B61-375E-4330-850F-740158BE3674}"/>
+                <a16:creationId xmlns:a16="http://schemas.microsoft.com/office/drawing/2014/main" id="{A07C0B61-375E-4330-850F-740158BE3674}"/>
               </a:ext>
             </a:extLst>
           </p:cNvPr>
@@ -12187,7 +12127,7 @@
           <p:cNvPr id="7" name="텍스트 개체 틀 6">
             <a:extLst>
               <a:ext uri="{FF2B5EF4-FFF2-40B4-BE49-F238E27FC236}">
-                <a16:creationId xmlns:a16="http://schemas.microsoft.com/office/drawing/2014/main" xmlns="" id="{8E0EDBB3-D4FF-4E7B-A8D3-67AF82A4FCE9}"/>
+                <a16:creationId xmlns:a16="http://schemas.microsoft.com/office/drawing/2014/main" id="{8E0EDBB3-D4FF-4E7B-A8D3-67AF82A4FCE9}"/>
               </a:ext>
             </a:extLst>
           </p:cNvPr>
@@ -12265,19 +12205,7 @@
                 <a:latin typeface="HY견고딕" pitchFamily="18" charset="-127"/>
                 <a:ea typeface="HY견고딕" pitchFamily="18" charset="-127"/>
               </a:rPr>
-              <a:t>작업표시줄로 </a:t>
-            </a:r>
-            <a:r>
-              <a:rPr lang="ko-KR" altLang="en-US" sz="1400" dirty="0" smtClean="0">
-                <a:solidFill>
-                  <a:schemeClr val="bg1">
-                    <a:lumMod val="95000"/>
-                  </a:schemeClr>
-                </a:solidFill>
-                <a:latin typeface="HY견고딕" pitchFamily="18" charset="-127"/>
-                <a:ea typeface="HY견고딕" pitchFamily="18" charset="-127"/>
-              </a:rPr>
-              <a:t>숨기기 </a:t>
+              <a:t>작업표시줄로 숨기기 </a:t>
             </a:r>
             <a:r>
               <a:rPr lang="en-US" altLang="ko-KR" sz="1400" dirty="0" smtClean="0">
@@ -12477,19 +12405,7 @@
                 <a:latin typeface="HY견고딕" pitchFamily="18" charset="-127"/>
                 <a:ea typeface="HY견고딕" pitchFamily="18" charset="-127"/>
               </a:rPr>
-              <a:t>일부 </a:t>
-            </a:r>
-            <a:r>
-              <a:rPr lang="ko-KR" altLang="en-US" sz="1400" dirty="0" smtClean="0">
-                <a:solidFill>
-                  <a:schemeClr val="bg1">
-                    <a:lumMod val="95000"/>
-                  </a:schemeClr>
-                </a:solidFill>
-                <a:latin typeface="HY견고딕" pitchFamily="18" charset="-127"/>
-                <a:ea typeface="HY견고딕" pitchFamily="18" charset="-127"/>
-              </a:rPr>
-              <a:t>앱은 동작하지 않도록 설정함</a:t>
+              <a:t>일부 앱은 동작하지 않도록 설정함</a:t>
             </a:r>
             <a:endParaRPr lang="en-US" altLang="ko-KR" sz="1400" dirty="0" smtClean="0">
               <a:solidFill>
@@ -12604,43 +12520,7 @@
                 <a:latin typeface="HY견고딕" pitchFamily="18" charset="-127"/>
                 <a:ea typeface="HY견고딕" pitchFamily="18" charset="-127"/>
               </a:rPr>
-              <a:t> 다시 </a:t>
-            </a:r>
-            <a:r>
-              <a:rPr lang="ko-KR" altLang="en-US" sz="1400" dirty="0" smtClean="0">
-                <a:solidFill>
-                  <a:schemeClr val="bg1">
-                    <a:lumMod val="95000"/>
-                  </a:schemeClr>
-                </a:solidFill>
-                <a:latin typeface="HY견고딕" pitchFamily="18" charset="-127"/>
-                <a:ea typeface="HY견고딕" pitchFamily="18" charset="-127"/>
-              </a:rPr>
-              <a:t>해당 화면이 </a:t>
-            </a:r>
-            <a:r>
-              <a:rPr lang="ko-KR" altLang="en-US" sz="1400" dirty="0" smtClean="0">
-                <a:solidFill>
-                  <a:schemeClr val="bg1">
-                    <a:lumMod val="95000"/>
-                  </a:schemeClr>
-                </a:solidFill>
-                <a:latin typeface="HY견고딕" pitchFamily="18" charset="-127"/>
-                <a:ea typeface="HY견고딕" pitchFamily="18" charset="-127"/>
-              </a:rPr>
-              <a:t>나타나도록 </a:t>
-            </a:r>
-            <a:r>
-              <a:rPr lang="ko-KR" altLang="en-US" sz="1400" dirty="0" smtClean="0">
-                <a:solidFill>
-                  <a:schemeClr val="bg1">
-                    <a:lumMod val="95000"/>
-                  </a:schemeClr>
-                </a:solidFill>
-                <a:latin typeface="HY견고딕" pitchFamily="18" charset="-127"/>
-                <a:ea typeface="HY견고딕" pitchFamily="18" charset="-127"/>
-              </a:rPr>
-              <a:t>구성</a:t>
+              <a:t> 다시 해당 화면이 나타나도록 구성</a:t>
             </a:r>
             <a:endParaRPr lang="ko-KR" altLang="en-US" sz="1400" dirty="0">
               <a:solidFill>
@@ -12799,7 +12679,7 @@
           <p:cNvPr id="8" name="텍스트 개체 틀 7">
             <a:extLst>
               <a:ext uri="{FF2B5EF4-FFF2-40B4-BE49-F238E27FC236}">
-                <a16:creationId xmlns:a16="http://schemas.microsoft.com/office/drawing/2014/main" xmlns="" id="{F941FAD0-2E99-4CAC-B16F-30C5DE050E43}"/>
+                <a16:creationId xmlns:a16="http://schemas.microsoft.com/office/drawing/2014/main" id="{F941FAD0-2E99-4CAC-B16F-30C5DE050E43}"/>
               </a:ext>
             </a:extLst>
           </p:cNvPr>
@@ -12834,7 +12714,7 @@
           <p:cNvPr id="9" name="텍스트 개체 틀 8">
             <a:extLst>
               <a:ext uri="{FF2B5EF4-FFF2-40B4-BE49-F238E27FC236}">
-                <a16:creationId xmlns:a16="http://schemas.microsoft.com/office/drawing/2014/main" xmlns="" id="{A07C0B61-375E-4330-850F-740158BE3674}"/>
+                <a16:creationId xmlns:a16="http://schemas.microsoft.com/office/drawing/2014/main" id="{A07C0B61-375E-4330-850F-740158BE3674}"/>
               </a:ext>
             </a:extLst>
           </p:cNvPr>
@@ -12867,7 +12747,7 @@
           <p:cNvPr id="7" name="텍스트 개체 틀 6">
             <a:extLst>
               <a:ext uri="{FF2B5EF4-FFF2-40B4-BE49-F238E27FC236}">
-                <a16:creationId xmlns:a16="http://schemas.microsoft.com/office/drawing/2014/main" xmlns="" id="{8E0EDBB3-D4FF-4E7B-A8D3-67AF82A4FCE9}"/>
+                <a16:creationId xmlns:a16="http://schemas.microsoft.com/office/drawing/2014/main" id="{8E0EDBB3-D4FF-4E7B-A8D3-67AF82A4FCE9}"/>
               </a:ext>
             </a:extLst>
           </p:cNvPr>
@@ -13155,7 +13035,7 @@
           <p:cNvPr id="8" name="텍스트 개체 틀 7">
             <a:extLst>
               <a:ext uri="{FF2B5EF4-FFF2-40B4-BE49-F238E27FC236}">
-                <a16:creationId xmlns:a16="http://schemas.microsoft.com/office/drawing/2014/main" xmlns="" id="{F941FAD0-2E99-4CAC-B16F-30C5DE050E43}"/>
+                <a16:creationId xmlns:a16="http://schemas.microsoft.com/office/drawing/2014/main" id="{F941FAD0-2E99-4CAC-B16F-30C5DE050E43}"/>
               </a:ext>
             </a:extLst>
           </p:cNvPr>
@@ -13190,7 +13070,7 @@
           <p:cNvPr id="9" name="텍스트 개체 틀 8">
             <a:extLst>
               <a:ext uri="{FF2B5EF4-FFF2-40B4-BE49-F238E27FC236}">
-                <a16:creationId xmlns:a16="http://schemas.microsoft.com/office/drawing/2014/main" xmlns="" id="{A07C0B61-375E-4330-850F-740158BE3674}"/>
+                <a16:creationId xmlns:a16="http://schemas.microsoft.com/office/drawing/2014/main" id="{A07C0B61-375E-4330-850F-740158BE3674}"/>
               </a:ext>
             </a:extLst>
           </p:cNvPr>
@@ -13223,7 +13103,7 @@
           <p:cNvPr id="7" name="텍스트 개체 틀 6">
             <a:extLst>
               <a:ext uri="{FF2B5EF4-FFF2-40B4-BE49-F238E27FC236}">
-                <a16:creationId xmlns:a16="http://schemas.microsoft.com/office/drawing/2014/main" xmlns="" id="{8E0EDBB3-D4FF-4E7B-A8D3-67AF82A4FCE9}"/>
+                <a16:creationId xmlns:a16="http://schemas.microsoft.com/office/drawing/2014/main" id="{8E0EDBB3-D4FF-4E7B-A8D3-67AF82A4FCE9}"/>
               </a:ext>
             </a:extLst>
           </p:cNvPr>
@@ -13528,6 +13408,9 @@
           <a:prstGeom prst="rect">
             <a:avLst/>
           </a:prstGeom>
+          <a:solidFill>
+            <a:srgbClr val="09757D"/>
+          </a:solidFill>
         </p:spPr>
         <p:style>
           <a:lnRef idx="2">
@@ -13596,7 +13479,7 @@
           <p:cNvPr id="8" name="텍스트 개체 틀 7">
             <a:extLst>
               <a:ext uri="{FF2B5EF4-FFF2-40B4-BE49-F238E27FC236}">
-                <a16:creationId xmlns:a16="http://schemas.microsoft.com/office/drawing/2014/main" xmlns="" id="{F941FAD0-2E99-4CAC-B16F-30C5DE050E43}"/>
+                <a16:creationId xmlns:a16="http://schemas.microsoft.com/office/drawing/2014/main" id="{F941FAD0-2E99-4CAC-B16F-30C5DE050E43}"/>
               </a:ext>
             </a:extLst>
           </p:cNvPr>
@@ -13631,7 +13514,7 @@
           <p:cNvPr id="9" name="텍스트 개체 틀 8">
             <a:extLst>
               <a:ext uri="{FF2B5EF4-FFF2-40B4-BE49-F238E27FC236}">
-                <a16:creationId xmlns:a16="http://schemas.microsoft.com/office/drawing/2014/main" xmlns="" id="{A07C0B61-375E-4330-850F-740158BE3674}"/>
+                <a16:creationId xmlns:a16="http://schemas.microsoft.com/office/drawing/2014/main" id="{A07C0B61-375E-4330-850F-740158BE3674}"/>
               </a:ext>
             </a:extLst>
           </p:cNvPr>
@@ -13664,7 +13547,7 @@
           <p:cNvPr id="7" name="텍스트 개체 틀 6">
             <a:extLst>
               <a:ext uri="{FF2B5EF4-FFF2-40B4-BE49-F238E27FC236}">
-                <a16:creationId xmlns:a16="http://schemas.microsoft.com/office/drawing/2014/main" xmlns="" id="{8E0EDBB3-D4FF-4E7B-A8D3-67AF82A4FCE9}"/>
+                <a16:creationId xmlns:a16="http://schemas.microsoft.com/office/drawing/2014/main" id="{8E0EDBB3-D4FF-4E7B-A8D3-67AF82A4FCE9}"/>
               </a:ext>
             </a:extLst>
           </p:cNvPr>
@@ -13742,19 +13625,7 @@
                 <a:latin typeface="HY견고딕" pitchFamily="18" charset="-127"/>
                 <a:ea typeface="HY견고딕" pitchFamily="18" charset="-127"/>
               </a:rPr>
-              <a:t>드래그 </a:t>
-            </a:r>
-            <a:r>
-              <a:rPr lang="ko-KR" altLang="en-US" sz="1400" dirty="0" smtClean="0">
-                <a:solidFill>
-                  <a:schemeClr val="bg1">
-                    <a:lumMod val="95000"/>
-                  </a:schemeClr>
-                </a:solidFill>
-                <a:latin typeface="HY견고딕" pitchFamily="18" charset="-127"/>
-                <a:ea typeface="HY견고딕" pitchFamily="18" charset="-127"/>
-              </a:rPr>
-              <a:t>앤 </a:t>
+              <a:t>드래그 앤 </a:t>
             </a:r>
             <a:r>
               <a:rPr lang="ko-KR" altLang="en-US" sz="1400" dirty="0" err="1" smtClean="0">
@@ -13848,31 +13719,7 @@
                 <a:latin typeface="HY견고딕" pitchFamily="18" charset="-127"/>
                 <a:ea typeface="HY견고딕" pitchFamily="18" charset="-127"/>
               </a:rPr>
-              <a:t> </a:t>
-            </a:r>
-            <a:r>
-              <a:rPr lang="ko-KR" altLang="en-US" sz="1400" dirty="0" smtClean="0">
-                <a:solidFill>
-                  <a:schemeClr val="bg1">
-                    <a:lumMod val="95000"/>
-                  </a:schemeClr>
-                </a:solidFill>
-                <a:latin typeface="HY견고딕" pitchFamily="18" charset="-127"/>
-                <a:ea typeface="HY견고딕" pitchFamily="18" charset="-127"/>
-              </a:rPr>
-              <a:t>파일 </a:t>
-            </a:r>
-            <a:r>
-              <a:rPr lang="ko-KR" altLang="en-US" sz="1400" dirty="0" smtClean="0">
-                <a:solidFill>
-                  <a:schemeClr val="bg1">
-                    <a:lumMod val="95000"/>
-                  </a:schemeClr>
-                </a:solidFill>
-                <a:latin typeface="HY견고딕" pitchFamily="18" charset="-127"/>
-                <a:ea typeface="HY견고딕" pitchFamily="18" charset="-127"/>
-              </a:rPr>
-              <a:t>삭제</a:t>
+              <a:t> 파일 삭제</a:t>
             </a:r>
             <a:endParaRPr lang="en-US" altLang="ko-KR" sz="1400" dirty="0" smtClean="0">
               <a:solidFill>
@@ -14012,6 +13859,49 @@
           </a:prstGeom>
         </p:spPr>
       </p:pic>
+      <p:sp>
+        <p:nvSpPr>
+          <p:cNvPr id="11" name="직사각형 10"/>
+          <p:cNvSpPr/>
+          <p:nvPr/>
+        </p:nvSpPr>
+        <p:spPr>
+          <a:xfrm>
+            <a:off x="1470851" y="1763072"/>
+            <a:ext cx="1726251" cy="213284"/>
+          </a:xfrm>
+          <a:prstGeom prst="rect">
+            <a:avLst/>
+          </a:prstGeom>
+          <a:solidFill>
+            <a:srgbClr val="09757D"/>
+          </a:solidFill>
+        </p:spPr>
+        <p:style>
+          <a:lnRef idx="2">
+            <a:schemeClr val="accent1">
+              <a:shade val="50000"/>
+            </a:schemeClr>
+          </a:lnRef>
+          <a:fillRef idx="1">
+            <a:schemeClr val="accent1"/>
+          </a:fillRef>
+          <a:effectRef idx="0">
+            <a:schemeClr val="accent1"/>
+          </a:effectRef>
+          <a:fontRef idx="minor">
+            <a:schemeClr val="lt1"/>
+          </a:fontRef>
+        </p:style>
+        <p:txBody>
+          <a:bodyPr rtlCol="0" anchor="ctr"/>
+          <a:lstStyle/>
+          <a:p>
+            <a:pPr algn="ctr"/>
+            <a:endParaRPr lang="ko-KR" altLang="en-US"/>
+          </a:p>
+        </p:txBody>
+      </p:sp>
     </p:spTree>
     <p:extLst>
       <p:ext uri="{BB962C8B-B14F-4D97-AF65-F5344CB8AC3E}">
@@ -14054,7 +13944,7 @@
           <p:cNvPr id="8" name="텍스트 개체 틀 7">
             <a:extLst>
               <a:ext uri="{FF2B5EF4-FFF2-40B4-BE49-F238E27FC236}">
-                <a16:creationId xmlns:a16="http://schemas.microsoft.com/office/drawing/2014/main" xmlns="" id="{F941FAD0-2E99-4CAC-B16F-30C5DE050E43}"/>
+                <a16:creationId xmlns:a16="http://schemas.microsoft.com/office/drawing/2014/main" id="{F941FAD0-2E99-4CAC-B16F-30C5DE050E43}"/>
               </a:ext>
             </a:extLst>
           </p:cNvPr>
@@ -14089,7 +13979,7 @@
           <p:cNvPr id="9" name="텍스트 개체 틀 8">
             <a:extLst>
               <a:ext uri="{FF2B5EF4-FFF2-40B4-BE49-F238E27FC236}">
-                <a16:creationId xmlns:a16="http://schemas.microsoft.com/office/drawing/2014/main" xmlns="" id="{A07C0B61-375E-4330-850F-740158BE3674}"/>
+                <a16:creationId xmlns:a16="http://schemas.microsoft.com/office/drawing/2014/main" id="{A07C0B61-375E-4330-850F-740158BE3674}"/>
               </a:ext>
             </a:extLst>
           </p:cNvPr>
@@ -14122,7 +14012,7 @@
           <p:cNvPr id="7" name="텍스트 개체 틀 6">
             <a:extLst>
               <a:ext uri="{FF2B5EF4-FFF2-40B4-BE49-F238E27FC236}">
-                <a16:creationId xmlns:a16="http://schemas.microsoft.com/office/drawing/2014/main" xmlns="" id="{8E0EDBB3-D4FF-4E7B-A8D3-67AF82A4FCE9}"/>
+                <a16:creationId xmlns:a16="http://schemas.microsoft.com/office/drawing/2014/main" id="{8E0EDBB3-D4FF-4E7B-A8D3-67AF82A4FCE9}"/>
               </a:ext>
             </a:extLst>
           </p:cNvPr>
@@ -14234,19 +14124,7 @@
                 <a:latin typeface="HY견고딕" pitchFamily="18" charset="-127"/>
                 <a:ea typeface="HY견고딕" pitchFamily="18" charset="-127"/>
               </a:rPr>
-              <a:t>- </a:t>
-            </a:r>
-            <a:r>
-              <a:rPr lang="en-US" altLang="ko-KR" sz="1400" dirty="0" smtClean="0">
-                <a:solidFill>
-                  <a:schemeClr val="bg1">
-                    <a:lumMod val="95000"/>
-                  </a:schemeClr>
-                </a:solidFill>
-                <a:latin typeface="HY견고딕" pitchFamily="18" charset="-127"/>
-                <a:ea typeface="HY견고딕" pitchFamily="18" charset="-127"/>
-              </a:rPr>
-              <a:t>Canvas </a:t>
+              <a:t>- Canvas </a:t>
             </a:r>
             <a:r>
               <a:rPr lang="ko-KR" altLang="en-US" sz="1400" dirty="0" smtClean="0">
@@ -14316,19 +14194,7 @@
                 <a:latin typeface="HY견고딕" pitchFamily="18" charset="-127"/>
                 <a:ea typeface="HY견고딕" pitchFamily="18" charset="-127"/>
               </a:rPr>
-              <a:t> </a:t>
-            </a:r>
-            <a:r>
-              <a:rPr lang="ko-KR" altLang="en-US" sz="1400" dirty="0" smtClean="0">
-                <a:solidFill>
-                  <a:schemeClr val="bg1">
-                    <a:lumMod val="95000"/>
-                  </a:schemeClr>
-                </a:solidFill>
-                <a:latin typeface="HY견고딕" pitchFamily="18" charset="-127"/>
-                <a:ea typeface="HY견고딕" pitchFamily="18" charset="-127"/>
-              </a:rPr>
-              <a:t>기능 구현 </a:t>
+              <a:t> 기능 구현 </a:t>
             </a:r>
             <a:endParaRPr lang="en-US" altLang="ko-KR" sz="1400" dirty="0" smtClean="0">
               <a:solidFill>
@@ -14402,6 +14268,49 @@
           </a:prstGeom>
         </p:spPr>
       </p:pic>
+      <p:sp>
+        <p:nvSpPr>
+          <p:cNvPr id="11" name="직사각형 10"/>
+          <p:cNvSpPr/>
+          <p:nvPr/>
+        </p:nvSpPr>
+        <p:spPr>
+          <a:xfrm>
+            <a:off x="5124042" y="1744310"/>
+            <a:ext cx="1726251" cy="213284"/>
+          </a:xfrm>
+          <a:prstGeom prst="rect">
+            <a:avLst/>
+          </a:prstGeom>
+          <a:solidFill>
+            <a:srgbClr val="09757D"/>
+          </a:solidFill>
+        </p:spPr>
+        <p:style>
+          <a:lnRef idx="2">
+            <a:schemeClr val="accent1">
+              <a:shade val="50000"/>
+            </a:schemeClr>
+          </a:lnRef>
+          <a:fillRef idx="1">
+            <a:schemeClr val="accent1"/>
+          </a:fillRef>
+          <a:effectRef idx="0">
+            <a:schemeClr val="accent1"/>
+          </a:effectRef>
+          <a:fontRef idx="minor">
+            <a:schemeClr val="lt1"/>
+          </a:fontRef>
+        </p:style>
+        <p:txBody>
+          <a:bodyPr rtlCol="0" anchor="ctr"/>
+          <a:lstStyle/>
+          <a:p>
+            <a:pPr algn="ctr"/>
+            <a:endParaRPr lang="ko-KR" altLang="en-US"/>
+          </a:p>
+        </p:txBody>
+      </p:sp>
     </p:spTree>
     <p:extLst>
       <p:ext uri="{BB962C8B-B14F-4D97-AF65-F5344CB8AC3E}">
@@ -14444,7 +14353,7 @@
           <p:cNvPr id="8" name="텍스트 개체 틀 7">
             <a:extLst>
               <a:ext uri="{FF2B5EF4-FFF2-40B4-BE49-F238E27FC236}">
-                <a16:creationId xmlns:a16="http://schemas.microsoft.com/office/drawing/2014/main" xmlns="" id="{F941FAD0-2E99-4CAC-B16F-30C5DE050E43}"/>
+                <a16:creationId xmlns:a16="http://schemas.microsoft.com/office/drawing/2014/main" id="{F941FAD0-2E99-4CAC-B16F-30C5DE050E43}"/>
               </a:ext>
             </a:extLst>
           </p:cNvPr>
@@ -14479,7 +14388,7 @@
           <p:cNvPr id="9" name="텍스트 개체 틀 8">
             <a:extLst>
               <a:ext uri="{FF2B5EF4-FFF2-40B4-BE49-F238E27FC236}">
-                <a16:creationId xmlns:a16="http://schemas.microsoft.com/office/drawing/2014/main" xmlns="" id="{A07C0B61-375E-4330-850F-740158BE3674}"/>
+                <a16:creationId xmlns:a16="http://schemas.microsoft.com/office/drawing/2014/main" id="{A07C0B61-375E-4330-850F-740158BE3674}"/>
               </a:ext>
             </a:extLst>
           </p:cNvPr>
@@ -14512,7 +14421,7 @@
           <p:cNvPr id="7" name="텍스트 개체 틀 6">
             <a:extLst>
               <a:ext uri="{FF2B5EF4-FFF2-40B4-BE49-F238E27FC236}">
-                <a16:creationId xmlns:a16="http://schemas.microsoft.com/office/drawing/2014/main" xmlns="" id="{8E0EDBB3-D4FF-4E7B-A8D3-67AF82A4FCE9}"/>
+                <a16:creationId xmlns:a16="http://schemas.microsoft.com/office/drawing/2014/main" id="{8E0EDBB3-D4FF-4E7B-A8D3-67AF82A4FCE9}"/>
               </a:ext>
             </a:extLst>
           </p:cNvPr>
@@ -14656,6 +14565,52 @@
           </a:prstGeom>
         </p:spPr>
       </p:pic>
+      <p:sp>
+        <p:nvSpPr>
+          <p:cNvPr id="11" name="직사각형 10"/>
+          <p:cNvSpPr/>
+          <p:nvPr/>
+        </p:nvSpPr>
+        <p:spPr>
+          <a:xfrm>
+            <a:off x="4480588" y="1817430"/>
+            <a:ext cx="1726251" cy="195822"/>
+          </a:xfrm>
+          <a:prstGeom prst="rect">
+            <a:avLst/>
+          </a:prstGeom>
+          <a:solidFill>
+            <a:srgbClr val="0000FF"/>
+          </a:solidFill>
+          <a:ln>
+            <a:noFill/>
+          </a:ln>
+        </p:spPr>
+        <p:style>
+          <a:lnRef idx="2">
+            <a:schemeClr val="accent1">
+              <a:shade val="50000"/>
+            </a:schemeClr>
+          </a:lnRef>
+          <a:fillRef idx="1">
+            <a:schemeClr val="accent1"/>
+          </a:fillRef>
+          <a:effectRef idx="0">
+            <a:schemeClr val="accent1"/>
+          </a:effectRef>
+          <a:fontRef idx="minor">
+            <a:schemeClr val="lt1"/>
+          </a:fontRef>
+        </p:style>
+        <p:txBody>
+          <a:bodyPr rtlCol="0" anchor="ctr"/>
+          <a:lstStyle/>
+          <a:p>
+            <a:pPr algn="ctr"/>
+            <a:endParaRPr lang="ko-KR" altLang="en-US"/>
+          </a:p>
+        </p:txBody>
+      </p:sp>
     </p:spTree>
     <p:extLst>
       <p:ext uri="{BB962C8B-B14F-4D97-AF65-F5344CB8AC3E}">
@@ -14698,7 +14653,7 @@
           <p:cNvPr id="8" name="텍스트 개체 틀 7">
             <a:extLst>
               <a:ext uri="{FF2B5EF4-FFF2-40B4-BE49-F238E27FC236}">
-                <a16:creationId xmlns:a16="http://schemas.microsoft.com/office/drawing/2014/main" xmlns="" id="{F941FAD0-2E99-4CAC-B16F-30C5DE050E43}"/>
+                <a16:creationId xmlns:a16="http://schemas.microsoft.com/office/drawing/2014/main" id="{F941FAD0-2E99-4CAC-B16F-30C5DE050E43}"/>
               </a:ext>
             </a:extLst>
           </p:cNvPr>
@@ -14733,7 +14688,7 @@
           <p:cNvPr id="9" name="텍스트 개체 틀 8">
             <a:extLst>
               <a:ext uri="{FF2B5EF4-FFF2-40B4-BE49-F238E27FC236}">
-                <a16:creationId xmlns:a16="http://schemas.microsoft.com/office/drawing/2014/main" xmlns="" id="{A07C0B61-375E-4330-850F-740158BE3674}"/>
+                <a16:creationId xmlns:a16="http://schemas.microsoft.com/office/drawing/2014/main" id="{A07C0B61-375E-4330-850F-740158BE3674}"/>
               </a:ext>
             </a:extLst>
           </p:cNvPr>
@@ -14766,7 +14721,7 @@
           <p:cNvPr id="7" name="텍스트 개체 틀 6">
             <a:extLst>
               <a:ext uri="{FF2B5EF4-FFF2-40B4-BE49-F238E27FC236}">
-                <a16:creationId xmlns:a16="http://schemas.microsoft.com/office/drawing/2014/main" xmlns="" id="{8E0EDBB3-D4FF-4E7B-A8D3-67AF82A4FCE9}"/>
+                <a16:creationId xmlns:a16="http://schemas.microsoft.com/office/drawing/2014/main" id="{8E0EDBB3-D4FF-4E7B-A8D3-67AF82A4FCE9}"/>
               </a:ext>
             </a:extLst>
           </p:cNvPr>
@@ -14950,15 +14905,6 @@
               </a:rPr>
               <a:t>   </a:t>
             </a:r>
-            <a:endParaRPr lang="en-US" altLang="ko-KR" sz="1600" dirty="0" smtClean="0">
-              <a:solidFill>
-                <a:schemeClr val="bg1">
-                  <a:lumMod val="95000"/>
-                </a:schemeClr>
-              </a:solidFill>
-              <a:latin typeface="HY견고딕" pitchFamily="18" charset="-127"/>
-              <a:ea typeface="HY견고딕" pitchFamily="18" charset="-127"/>
-            </a:endParaRPr>
           </a:p>
         </p:txBody>
       </p:sp>
@@ -15004,7 +14950,7 @@
           <p:cNvPr id="8" name="텍스트 개체 틀 7">
             <a:extLst>
               <a:ext uri="{FF2B5EF4-FFF2-40B4-BE49-F238E27FC236}">
-                <a16:creationId xmlns:a16="http://schemas.microsoft.com/office/drawing/2014/main" xmlns="" id="{F941FAD0-2E99-4CAC-B16F-30C5DE050E43}"/>
+                <a16:creationId xmlns:a16="http://schemas.microsoft.com/office/drawing/2014/main" id="{F941FAD0-2E99-4CAC-B16F-30C5DE050E43}"/>
               </a:ext>
             </a:extLst>
           </p:cNvPr>
@@ -15039,7 +14985,7 @@
           <p:cNvPr id="9" name="텍스트 개체 틀 8">
             <a:extLst>
               <a:ext uri="{FF2B5EF4-FFF2-40B4-BE49-F238E27FC236}">
-                <a16:creationId xmlns:a16="http://schemas.microsoft.com/office/drawing/2014/main" xmlns="" id="{A07C0B61-375E-4330-850F-740158BE3674}"/>
+                <a16:creationId xmlns:a16="http://schemas.microsoft.com/office/drawing/2014/main" id="{A07C0B61-375E-4330-850F-740158BE3674}"/>
               </a:ext>
             </a:extLst>
           </p:cNvPr>
@@ -15072,7 +15018,7 @@
           <p:cNvPr id="7" name="텍스트 개체 틀 6">
             <a:extLst>
               <a:ext uri="{FF2B5EF4-FFF2-40B4-BE49-F238E27FC236}">
-                <a16:creationId xmlns:a16="http://schemas.microsoft.com/office/drawing/2014/main" xmlns="" id="{8E0EDBB3-D4FF-4E7B-A8D3-67AF82A4FCE9}"/>
+                <a16:creationId xmlns:a16="http://schemas.microsoft.com/office/drawing/2014/main" id="{8E0EDBB3-D4FF-4E7B-A8D3-67AF82A4FCE9}"/>
               </a:ext>
             </a:extLst>
           </p:cNvPr>
@@ -15328,31 +15274,7 @@
                 <a:latin typeface="HY견고딕" pitchFamily="18" charset="-127"/>
                 <a:ea typeface="HY견고딕" pitchFamily="18" charset="-127"/>
               </a:rPr>
-              <a:t>등등 </a:t>
-            </a:r>
-            <a:r>
-              <a:rPr lang="ko-KR" altLang="en-US" sz="1400" dirty="0" smtClean="0">
-                <a:solidFill>
-                  <a:schemeClr val="bg1">
-                    <a:lumMod val="95000"/>
-                  </a:schemeClr>
-                </a:solidFill>
-                <a:latin typeface="HY견고딕" pitchFamily="18" charset="-127"/>
-                <a:ea typeface="HY견고딕" pitchFamily="18" charset="-127"/>
-              </a:rPr>
-              <a:t>입력 </a:t>
-            </a:r>
-            <a:r>
-              <a:rPr lang="ko-KR" altLang="en-US" sz="1400" dirty="0" smtClean="0">
-                <a:solidFill>
-                  <a:schemeClr val="bg1">
-                    <a:lumMod val="95000"/>
-                  </a:schemeClr>
-                </a:solidFill>
-                <a:latin typeface="HY견고딕" pitchFamily="18" charset="-127"/>
-                <a:ea typeface="HY견고딕" pitchFamily="18" charset="-127"/>
-              </a:rPr>
-              <a:t>가능함</a:t>
+              <a:t>등등 입력 가능함</a:t>
             </a:r>
             <a:endParaRPr lang="en-US" altLang="ko-KR" sz="1400" dirty="0" smtClean="0">
               <a:solidFill>
@@ -15366,36 +15288,6 @@
           </a:p>
         </p:txBody>
       </p:sp>
-      <p:pic>
-        <p:nvPicPr>
-          <p:cNvPr id="2" name="그림 1"/>
-          <p:cNvPicPr>
-            <a:picLocks noChangeAspect="1"/>
-          </p:cNvPicPr>
-          <p:nvPr/>
-        </p:nvPicPr>
-        <p:blipFill>
-          <a:blip r:embed="rId2">
-            <a:extLst>
-              <a:ext uri="{28A0092B-C50C-407E-A947-70E740481C1C}">
-                <a14:useLocalDpi xmlns:a14="http://schemas.microsoft.com/office/drawing/2010/main" val="0"/>
-              </a:ext>
-            </a:extLst>
-          </a:blip>
-          <a:stretch>
-            <a:fillRect/>
-          </a:stretch>
-        </p:blipFill>
-        <p:spPr>
-          <a:xfrm>
-            <a:off x="3917245" y="1986843"/>
-            <a:ext cx="4960463" cy="3636955"/>
-          </a:xfrm>
-          <a:prstGeom prst="rect">
-            <a:avLst/>
-          </a:prstGeom>
-        </p:spPr>
-      </p:pic>
     </p:spTree>
     <p:extLst>
       <p:ext uri="{BB962C8B-B14F-4D97-AF65-F5344CB8AC3E}">
@@ -15505,7 +15397,7 @@
           <p:cNvPr id="39" name="텍스트 개체 틀 38">
             <a:extLst>
               <a:ext uri="{FF2B5EF4-FFF2-40B4-BE49-F238E27FC236}">
-                <a16:creationId xmlns:a16="http://schemas.microsoft.com/office/drawing/2014/main" xmlns="" id="{C6CE00CC-B0D1-485B-BCB4-1DF3C37F08C8}"/>
+                <a16:creationId xmlns:a16="http://schemas.microsoft.com/office/drawing/2014/main" id="{C6CE00CC-B0D1-485B-BCB4-1DF3C37F08C8}"/>
               </a:ext>
             </a:extLst>
           </p:cNvPr>
@@ -15570,7 +15462,7 @@
           <p:cNvPr id="5" name="텍스트 개체 틀 4">
             <a:extLst>
               <a:ext uri="{FF2B5EF4-FFF2-40B4-BE49-F238E27FC236}">
-                <a16:creationId xmlns:a16="http://schemas.microsoft.com/office/drawing/2014/main" xmlns="" id="{B95EAB89-9F08-4839-9D43-75DA02405856}"/>
+                <a16:creationId xmlns:a16="http://schemas.microsoft.com/office/drawing/2014/main" id="{B95EAB89-9F08-4839-9D43-75DA02405856}"/>
               </a:ext>
             </a:extLst>
           </p:cNvPr>
@@ -15609,7 +15501,7 @@
           <p:cNvPr id="10" name="텍스트 개체 틀 9">
             <a:extLst>
               <a:ext uri="{FF2B5EF4-FFF2-40B4-BE49-F238E27FC236}">
-                <a16:creationId xmlns:a16="http://schemas.microsoft.com/office/drawing/2014/main" xmlns="" id="{99454B0E-5931-44B3-85F9-0BFAB1F5FE98}"/>
+                <a16:creationId xmlns:a16="http://schemas.microsoft.com/office/drawing/2014/main" id="{99454B0E-5931-44B3-85F9-0BFAB1F5FE98}"/>
               </a:ext>
             </a:extLst>
           </p:cNvPr>
@@ -15650,7 +15542,7 @@
           <p:cNvPr id="11" name="텍스트 개체 틀 10">
             <a:extLst>
               <a:ext uri="{FF2B5EF4-FFF2-40B4-BE49-F238E27FC236}">
-                <a16:creationId xmlns:a16="http://schemas.microsoft.com/office/drawing/2014/main" xmlns="" id="{E3803625-4AEB-4470-B2F0-8DA614C5F499}"/>
+                <a16:creationId xmlns:a16="http://schemas.microsoft.com/office/drawing/2014/main" id="{E3803625-4AEB-4470-B2F0-8DA614C5F499}"/>
               </a:ext>
             </a:extLst>
           </p:cNvPr>
@@ -15704,7 +15596,7 @@
           <p:cNvPr id="12" name="텍스트 개체 틀 11">
             <a:extLst>
               <a:ext uri="{FF2B5EF4-FFF2-40B4-BE49-F238E27FC236}">
-                <a16:creationId xmlns:a16="http://schemas.microsoft.com/office/drawing/2014/main" xmlns="" id="{8EA289A6-BFAA-47B6-8728-F115665F6A68}"/>
+                <a16:creationId xmlns:a16="http://schemas.microsoft.com/office/drawing/2014/main" id="{8EA289A6-BFAA-47B6-8728-F115665F6A68}"/>
               </a:ext>
             </a:extLst>
           </p:cNvPr>
@@ -15745,7 +15637,7 @@
           <p:cNvPr id="13" name="텍스트 개체 틀 12">
             <a:extLst>
               <a:ext uri="{FF2B5EF4-FFF2-40B4-BE49-F238E27FC236}">
-                <a16:creationId xmlns:a16="http://schemas.microsoft.com/office/drawing/2014/main" xmlns="" id="{BDC90A57-856A-4E00-BB0A-DD49A033FB98}"/>
+                <a16:creationId xmlns:a16="http://schemas.microsoft.com/office/drawing/2014/main" id="{BDC90A57-856A-4E00-BB0A-DD49A033FB98}"/>
               </a:ext>
             </a:extLst>
           </p:cNvPr>
@@ -15799,7 +15691,7 @@
           <p:cNvPr id="14" name="텍스트 개체 틀 13">
             <a:extLst>
               <a:ext uri="{FF2B5EF4-FFF2-40B4-BE49-F238E27FC236}">
-                <a16:creationId xmlns:a16="http://schemas.microsoft.com/office/drawing/2014/main" xmlns="" id="{D2B8F9DD-16E6-497C-A24C-1BF8EFE15894}"/>
+                <a16:creationId xmlns:a16="http://schemas.microsoft.com/office/drawing/2014/main" id="{D2B8F9DD-16E6-497C-A24C-1BF8EFE15894}"/>
               </a:ext>
             </a:extLst>
           </p:cNvPr>
@@ -15840,7 +15732,7 @@
           <p:cNvPr id="26" name="텍스트 개체 틀 25">
             <a:extLst>
               <a:ext uri="{FF2B5EF4-FFF2-40B4-BE49-F238E27FC236}">
-                <a16:creationId xmlns:a16="http://schemas.microsoft.com/office/drawing/2014/main" xmlns="" id="{5AB51106-CFC3-40DB-AF7A-469E481BA527}"/>
+                <a16:creationId xmlns:a16="http://schemas.microsoft.com/office/drawing/2014/main" id="{5AB51106-CFC3-40DB-AF7A-469E481BA527}"/>
               </a:ext>
             </a:extLst>
           </p:cNvPr>
@@ -15889,7 +15781,7 @@
           <p:cNvPr id="15" name="직선 연결선 14">
             <a:extLst>
               <a:ext uri="{FF2B5EF4-FFF2-40B4-BE49-F238E27FC236}">
-                <a16:creationId xmlns:a16="http://schemas.microsoft.com/office/drawing/2014/main" xmlns="" id="{3D46AC39-B6AD-4EF6-8C79-B7FCC12DBA0E}"/>
+                <a16:creationId xmlns:a16="http://schemas.microsoft.com/office/drawing/2014/main" id="{3D46AC39-B6AD-4EF6-8C79-B7FCC12DBA0E}"/>
               </a:ext>
             </a:extLst>
           </p:cNvPr>
@@ -15969,7 +15861,7 @@
           <p:cNvPr id="8" name="텍스트 개체 틀 7">
             <a:extLst>
               <a:ext uri="{FF2B5EF4-FFF2-40B4-BE49-F238E27FC236}">
-                <a16:creationId xmlns:a16="http://schemas.microsoft.com/office/drawing/2014/main" xmlns="" id="{F941FAD0-2E99-4CAC-B16F-30C5DE050E43}"/>
+                <a16:creationId xmlns:a16="http://schemas.microsoft.com/office/drawing/2014/main" id="{F941FAD0-2E99-4CAC-B16F-30C5DE050E43}"/>
               </a:ext>
             </a:extLst>
           </p:cNvPr>
@@ -16004,7 +15896,7 @@
           <p:cNvPr id="9" name="텍스트 개체 틀 8">
             <a:extLst>
               <a:ext uri="{FF2B5EF4-FFF2-40B4-BE49-F238E27FC236}">
-                <a16:creationId xmlns:a16="http://schemas.microsoft.com/office/drawing/2014/main" xmlns="" id="{A07C0B61-375E-4330-850F-740158BE3674}"/>
+                <a16:creationId xmlns:a16="http://schemas.microsoft.com/office/drawing/2014/main" id="{A07C0B61-375E-4330-850F-740158BE3674}"/>
               </a:ext>
             </a:extLst>
           </p:cNvPr>
@@ -16037,7 +15929,7 @@
           <p:cNvPr id="7" name="텍스트 개체 틀 6">
             <a:extLst>
               <a:ext uri="{FF2B5EF4-FFF2-40B4-BE49-F238E27FC236}">
-                <a16:creationId xmlns:a16="http://schemas.microsoft.com/office/drawing/2014/main" xmlns="" id="{8E0EDBB3-D4FF-4E7B-A8D3-67AF82A4FCE9}"/>
+                <a16:creationId xmlns:a16="http://schemas.microsoft.com/office/drawing/2014/main" id="{8E0EDBB3-D4FF-4E7B-A8D3-67AF82A4FCE9}"/>
               </a:ext>
             </a:extLst>
           </p:cNvPr>
@@ -16401,7 +16293,7 @@
           <p:cNvPr id="8" name="텍스트 개체 틀 7">
             <a:extLst>
               <a:ext uri="{FF2B5EF4-FFF2-40B4-BE49-F238E27FC236}">
-                <a16:creationId xmlns:a16="http://schemas.microsoft.com/office/drawing/2014/main" xmlns="" id="{F941FAD0-2E99-4CAC-B16F-30C5DE050E43}"/>
+                <a16:creationId xmlns:a16="http://schemas.microsoft.com/office/drawing/2014/main" id="{F941FAD0-2E99-4CAC-B16F-30C5DE050E43}"/>
               </a:ext>
             </a:extLst>
           </p:cNvPr>
@@ -16436,7 +16328,7 @@
           <p:cNvPr id="9" name="텍스트 개체 틀 8">
             <a:extLst>
               <a:ext uri="{FF2B5EF4-FFF2-40B4-BE49-F238E27FC236}">
-                <a16:creationId xmlns:a16="http://schemas.microsoft.com/office/drawing/2014/main" xmlns="" id="{A07C0B61-375E-4330-850F-740158BE3674}"/>
+                <a16:creationId xmlns:a16="http://schemas.microsoft.com/office/drawing/2014/main" id="{A07C0B61-375E-4330-850F-740158BE3674}"/>
               </a:ext>
             </a:extLst>
           </p:cNvPr>
@@ -16469,7 +16361,7 @@
           <p:cNvPr id="7" name="텍스트 개체 틀 6">
             <a:extLst>
               <a:ext uri="{FF2B5EF4-FFF2-40B4-BE49-F238E27FC236}">
-                <a16:creationId xmlns:a16="http://schemas.microsoft.com/office/drawing/2014/main" xmlns="" id="{8E0EDBB3-D4FF-4E7B-A8D3-67AF82A4FCE9}"/>
+                <a16:creationId xmlns:a16="http://schemas.microsoft.com/office/drawing/2014/main" id="{8E0EDBB3-D4FF-4E7B-A8D3-67AF82A4FCE9}"/>
               </a:ext>
             </a:extLst>
           </p:cNvPr>
@@ -16711,19 +16603,7 @@
                 <a:latin typeface="HY견고딕" pitchFamily="18" charset="-127"/>
                 <a:ea typeface="HY견고딕" pitchFamily="18" charset="-127"/>
               </a:rPr>
-              <a:t> </a:t>
-            </a:r>
-            <a:r>
-              <a:rPr lang="ko-KR" altLang="en-US" sz="1400" dirty="0" smtClean="0">
-                <a:solidFill>
-                  <a:schemeClr val="bg1">
-                    <a:lumMod val="95000"/>
-                  </a:schemeClr>
-                </a:solidFill>
-                <a:latin typeface="HY견고딕" pitchFamily="18" charset="-127"/>
-                <a:ea typeface="HY견고딕" pitchFamily="18" charset="-127"/>
-              </a:rPr>
-              <a:t>기획</a:t>
+              <a:t> 기획</a:t>
             </a:r>
             <a:endParaRPr lang="en-US" altLang="ko-KR" sz="1400" dirty="0" smtClean="0">
               <a:solidFill>
@@ -16897,7 +16777,7 @@
           <p:cNvPr id="8" name="텍스트 개체 틀 7">
             <a:extLst>
               <a:ext uri="{FF2B5EF4-FFF2-40B4-BE49-F238E27FC236}">
-                <a16:creationId xmlns:a16="http://schemas.microsoft.com/office/drawing/2014/main" xmlns="" id="{F941FAD0-2E99-4CAC-B16F-30C5DE050E43}"/>
+                <a16:creationId xmlns:a16="http://schemas.microsoft.com/office/drawing/2014/main" id="{F941FAD0-2E99-4CAC-B16F-30C5DE050E43}"/>
               </a:ext>
             </a:extLst>
           </p:cNvPr>
@@ -16932,7 +16812,7 @@
           <p:cNvPr id="9" name="텍스트 개체 틀 8">
             <a:extLst>
               <a:ext uri="{FF2B5EF4-FFF2-40B4-BE49-F238E27FC236}">
-                <a16:creationId xmlns:a16="http://schemas.microsoft.com/office/drawing/2014/main" xmlns="" id="{A07C0B61-375E-4330-850F-740158BE3674}"/>
+                <a16:creationId xmlns:a16="http://schemas.microsoft.com/office/drawing/2014/main" id="{A07C0B61-375E-4330-850F-740158BE3674}"/>
               </a:ext>
             </a:extLst>
           </p:cNvPr>
@@ -16965,7 +16845,7 @@
           <p:cNvPr id="7" name="텍스트 개체 틀 6">
             <a:extLst>
               <a:ext uri="{FF2B5EF4-FFF2-40B4-BE49-F238E27FC236}">
-                <a16:creationId xmlns:a16="http://schemas.microsoft.com/office/drawing/2014/main" xmlns="" id="{8E0EDBB3-D4FF-4E7B-A8D3-67AF82A4FCE9}"/>
+                <a16:creationId xmlns:a16="http://schemas.microsoft.com/office/drawing/2014/main" id="{8E0EDBB3-D4FF-4E7B-A8D3-67AF82A4FCE9}"/>
               </a:ext>
             </a:extLst>
           </p:cNvPr>
@@ -17307,7 +17187,7 @@
           <p:cNvPr id="8" name="텍스트 개체 틀 7">
             <a:extLst>
               <a:ext uri="{FF2B5EF4-FFF2-40B4-BE49-F238E27FC236}">
-                <a16:creationId xmlns:a16="http://schemas.microsoft.com/office/drawing/2014/main" xmlns="" id="{F941FAD0-2E99-4CAC-B16F-30C5DE050E43}"/>
+                <a16:creationId xmlns:a16="http://schemas.microsoft.com/office/drawing/2014/main" id="{F941FAD0-2E99-4CAC-B16F-30C5DE050E43}"/>
               </a:ext>
             </a:extLst>
           </p:cNvPr>
@@ -17342,7 +17222,7 @@
           <p:cNvPr id="9" name="텍스트 개체 틀 8">
             <a:extLst>
               <a:ext uri="{FF2B5EF4-FFF2-40B4-BE49-F238E27FC236}">
-                <a16:creationId xmlns:a16="http://schemas.microsoft.com/office/drawing/2014/main" xmlns="" id="{A07C0B61-375E-4330-850F-740158BE3674}"/>
+                <a16:creationId xmlns:a16="http://schemas.microsoft.com/office/drawing/2014/main" id="{A07C0B61-375E-4330-850F-740158BE3674}"/>
               </a:ext>
             </a:extLst>
           </p:cNvPr>
@@ -17375,7 +17255,7 @@
           <p:cNvPr id="7" name="텍스트 개체 틀 6">
             <a:extLst>
               <a:ext uri="{FF2B5EF4-FFF2-40B4-BE49-F238E27FC236}">
-                <a16:creationId xmlns:a16="http://schemas.microsoft.com/office/drawing/2014/main" xmlns="" id="{8E0EDBB3-D4FF-4E7B-A8D3-67AF82A4FCE9}"/>
+                <a16:creationId xmlns:a16="http://schemas.microsoft.com/office/drawing/2014/main" id="{8E0EDBB3-D4FF-4E7B-A8D3-67AF82A4FCE9}"/>
               </a:ext>
             </a:extLst>
           </p:cNvPr>
@@ -17551,7 +17431,7 @@
           <p:cNvPr id="9" name="텍스트 개체 틀 8">
             <a:extLst>
               <a:ext uri="{FF2B5EF4-FFF2-40B4-BE49-F238E27FC236}">
-                <a16:creationId xmlns:a16="http://schemas.microsoft.com/office/drawing/2014/main" xmlns="" id="{A07C0B61-375E-4330-850F-740158BE3674}"/>
+                <a16:creationId xmlns:a16="http://schemas.microsoft.com/office/drawing/2014/main" id="{A07C0B61-375E-4330-850F-740158BE3674}"/>
               </a:ext>
             </a:extLst>
           </p:cNvPr>
@@ -17589,7 +17469,7 @@
           <p:cNvPr id="7" name="텍스트 개체 틀 6">
             <a:extLst>
               <a:ext uri="{FF2B5EF4-FFF2-40B4-BE49-F238E27FC236}">
-                <a16:creationId xmlns:a16="http://schemas.microsoft.com/office/drawing/2014/main" xmlns="" id="{8E0EDBB3-D4FF-4E7B-A8D3-67AF82A4FCE9}"/>
+                <a16:creationId xmlns:a16="http://schemas.microsoft.com/office/drawing/2014/main" id="{8E0EDBB3-D4FF-4E7B-A8D3-67AF82A4FCE9}"/>
               </a:ext>
             </a:extLst>
           </p:cNvPr>
@@ -17789,7 +17669,7 @@
         <p:spPr>
           <a:xfrm>
             <a:off x="5921021" y="4146529"/>
-            <a:ext cx="2918961" cy="923330"/>
+            <a:ext cx="3302001" cy="1384995"/>
           </a:xfrm>
           <a:prstGeom prst="rect">
             <a:avLst/>
@@ -17803,32 +17683,25 @@
           <a:lstStyle/>
           <a:p>
             <a:r>
-              <a:rPr lang="ko-KR" altLang="en-US" dirty="0" err="1" smtClean="0"/>
-              <a:t>기본폰트</a:t>
+              <a:rPr lang="en-US" altLang="ko-KR" dirty="0" err="1" smtClean="0"/>
+              <a:t>os</a:t>
             </a:r>
             <a:r>
               <a:rPr lang="ko-KR" altLang="en-US" dirty="0" smtClean="0"/>
-              <a:t> </a:t>
+              <a:t>기본 폰트</a:t>
             </a:r>
             <a:r>
               <a:rPr lang="en-US" altLang="ko-KR" dirty="0" smtClean="0"/>
-              <a:t>, </a:t>
-            </a:r>
-            <a:r>
-              <a:rPr lang="ko-KR" altLang="en-US" dirty="0" err="1" smtClean="0"/>
-              <a:t>사용이유</a:t>
+              <a:t>,</a:t>
             </a:r>
             <a:r>
               <a:rPr lang="ko-KR" altLang="en-US" dirty="0" smtClean="0"/>
-              <a:t> </a:t>
+              <a:t>굴림체 </a:t>
             </a:r>
             <a:r>
               <a:rPr lang="en-US" altLang="ko-KR" dirty="0" smtClean="0"/>
-              <a:t>:  </a:t>
-            </a:r>
-          </a:p>
-          <a:p>
-            <a:endParaRPr lang="en-US" altLang="ko-KR" dirty="0"/>
+              <a:t>:</a:t>
+            </a:r>
           </a:p>
           <a:p>
             <a:r>
@@ -17839,7 +17712,47 @@
               <a:rPr lang="ko-KR" altLang="en-US" dirty="0" smtClean="0"/>
               <a:t> 향상</a:t>
             </a:r>
-            <a:endParaRPr lang="ko-KR" altLang="en-US" dirty="0"/>
+            <a:r>
+              <a:rPr lang="en-US" altLang="ko-KR" dirty="0" smtClean="0"/>
+              <a:t>,</a:t>
+            </a:r>
+            <a:r>
+              <a:rPr lang="en-US" altLang="ko-KR" dirty="0" smtClean="0"/>
+              <a:t>  </a:t>
+            </a:r>
+            <a:endParaRPr lang="en-US" altLang="ko-KR" dirty="0"/>
+          </a:p>
+          <a:p>
+            <a:r>
+              <a:rPr lang="en-US" altLang="ko-KR" sz="1600" dirty="0" smtClean="0"/>
+              <a:t>Windows95</a:t>
+            </a:r>
+            <a:r>
+              <a:rPr lang="ko-KR" altLang="en-US" sz="1600" dirty="0" smtClean="0"/>
+              <a:t>에 기본 </a:t>
+            </a:r>
+            <a:endParaRPr lang="en-US" altLang="ko-KR" sz="1600" dirty="0" smtClean="0"/>
+          </a:p>
+          <a:p>
+            <a:r>
+              <a:rPr lang="ko-KR" altLang="en-US" sz="1600" dirty="0" err="1" smtClean="0"/>
+              <a:t>한글폰트로</a:t>
+            </a:r>
+            <a:r>
+              <a:rPr lang="ko-KR" altLang="en-US" sz="1600" dirty="0" smtClean="0"/>
+              <a:t> 굴림체가</a:t>
+            </a:r>
+            <a:endParaRPr lang="en-US" altLang="ko-KR" sz="1600" dirty="0" smtClean="0"/>
+          </a:p>
+          <a:p>
+            <a:r>
+              <a:rPr lang="ko-KR" altLang="en-US" sz="1600" dirty="0" smtClean="0"/>
+              <a:t>사용되었음</a:t>
+            </a:r>
+            <a:r>
+              <a:rPr lang="en-US" altLang="ko-KR" sz="1600" dirty="0" smtClean="0"/>
+              <a:t>.</a:t>
+            </a:r>
           </a:p>
         </p:txBody>
       </p:sp>
@@ -17885,7 +17798,7 @@
           <p:cNvPr id="16" name="텍스트 개체 틀 15">
             <a:extLst>
               <a:ext uri="{FF2B5EF4-FFF2-40B4-BE49-F238E27FC236}">
-                <a16:creationId xmlns:a16="http://schemas.microsoft.com/office/drawing/2014/main" xmlns="" id="{6DD2F5DC-9C10-4C58-885F-6C759DD7726F}"/>
+                <a16:creationId xmlns:a16="http://schemas.microsoft.com/office/drawing/2014/main" id="{6DD2F5DC-9C10-4C58-885F-6C759DD7726F}"/>
               </a:ext>
             </a:extLst>
           </p:cNvPr>
@@ -17920,7 +17833,7 @@
           <p:cNvPr id="17" name="텍스트 개체 틀 16">
             <a:extLst>
               <a:ext uri="{FF2B5EF4-FFF2-40B4-BE49-F238E27FC236}">
-                <a16:creationId xmlns:a16="http://schemas.microsoft.com/office/drawing/2014/main" xmlns="" id="{13A46F48-40E6-4F4F-8C6A-BE07849CB011}"/>
+                <a16:creationId xmlns:a16="http://schemas.microsoft.com/office/drawing/2014/main" id="{13A46F48-40E6-4F4F-8C6A-BE07849CB011}"/>
               </a:ext>
             </a:extLst>
           </p:cNvPr>
@@ -17964,7 +17877,7 @@
           <p:cNvPr id="15" name="텍스트 개체 틀 14">
             <a:extLst>
               <a:ext uri="{FF2B5EF4-FFF2-40B4-BE49-F238E27FC236}">
-                <a16:creationId xmlns:a16="http://schemas.microsoft.com/office/drawing/2014/main" xmlns="" id="{4A79C4DE-2AA8-4A77-B245-4272D10F447B}"/>
+                <a16:creationId xmlns:a16="http://schemas.microsoft.com/office/drawing/2014/main" id="{4A79C4DE-2AA8-4A77-B245-4272D10F447B}"/>
               </a:ext>
             </a:extLst>
           </p:cNvPr>
@@ -18034,7 +17947,7 @@
           <p:cNvPr id="8" name="텍스트 개체 틀 7">
             <a:extLst>
               <a:ext uri="{FF2B5EF4-FFF2-40B4-BE49-F238E27FC236}">
-                <a16:creationId xmlns:a16="http://schemas.microsoft.com/office/drawing/2014/main" xmlns="" id="{F941FAD0-2E99-4CAC-B16F-30C5DE050E43}"/>
+                <a16:creationId xmlns:a16="http://schemas.microsoft.com/office/drawing/2014/main" id="{F941FAD0-2E99-4CAC-B16F-30C5DE050E43}"/>
               </a:ext>
             </a:extLst>
           </p:cNvPr>
@@ -18069,7 +17982,7 @@
           <p:cNvPr id="9" name="텍스트 개체 틀 8">
             <a:extLst>
               <a:ext uri="{FF2B5EF4-FFF2-40B4-BE49-F238E27FC236}">
-                <a16:creationId xmlns:a16="http://schemas.microsoft.com/office/drawing/2014/main" xmlns="" id="{A07C0B61-375E-4330-850F-740158BE3674}"/>
+                <a16:creationId xmlns:a16="http://schemas.microsoft.com/office/drawing/2014/main" id="{A07C0B61-375E-4330-850F-740158BE3674}"/>
               </a:ext>
             </a:extLst>
           </p:cNvPr>
@@ -18102,7 +18015,7 @@
           <p:cNvPr id="7" name="텍스트 개체 틀 6">
             <a:extLst>
               <a:ext uri="{FF2B5EF4-FFF2-40B4-BE49-F238E27FC236}">
-                <a16:creationId xmlns:a16="http://schemas.microsoft.com/office/drawing/2014/main" xmlns="" id="{8E0EDBB3-D4FF-4E7B-A8D3-67AF82A4FCE9}"/>
+                <a16:creationId xmlns:a16="http://schemas.microsoft.com/office/drawing/2014/main" id="{8E0EDBB3-D4FF-4E7B-A8D3-67AF82A4FCE9}"/>
               </a:ext>
             </a:extLst>
           </p:cNvPr>
@@ -18141,7 +18054,7 @@
           <p:cNvPr id="19" name="텍스트 개체 틀 18">
             <a:extLst>
               <a:ext uri="{FF2B5EF4-FFF2-40B4-BE49-F238E27FC236}">
-                <a16:creationId xmlns:a16="http://schemas.microsoft.com/office/drawing/2014/main" xmlns="" id="{F47C67DE-4C45-465C-8321-3BDE5360C203}"/>
+                <a16:creationId xmlns:a16="http://schemas.microsoft.com/office/drawing/2014/main" id="{F47C67DE-4C45-465C-8321-3BDE5360C203}"/>
               </a:ext>
             </a:extLst>
           </p:cNvPr>
@@ -18415,7 +18328,7 @@
           <p:cNvPr id="20" name="직선 연결선 19">
             <a:extLst>
               <a:ext uri="{FF2B5EF4-FFF2-40B4-BE49-F238E27FC236}">
-                <a16:creationId xmlns:a16="http://schemas.microsoft.com/office/drawing/2014/main" xmlns="" id="{0CCE5372-E9D3-4F6A-8168-91DB4E98C99A}"/>
+                <a16:creationId xmlns:a16="http://schemas.microsoft.com/office/drawing/2014/main" id="{0CCE5372-E9D3-4F6A-8168-91DB4E98C99A}"/>
               </a:ext>
             </a:extLst>
           </p:cNvPr>
@@ -18859,7 +18772,7 @@
           <p:cNvPr id="8" name="텍스트 개체 틀 7">
             <a:extLst>
               <a:ext uri="{FF2B5EF4-FFF2-40B4-BE49-F238E27FC236}">
-                <a16:creationId xmlns:a16="http://schemas.microsoft.com/office/drawing/2014/main" xmlns="" id="{F941FAD0-2E99-4CAC-B16F-30C5DE050E43}"/>
+                <a16:creationId xmlns:a16="http://schemas.microsoft.com/office/drawing/2014/main" id="{F941FAD0-2E99-4CAC-B16F-30C5DE050E43}"/>
               </a:ext>
             </a:extLst>
           </p:cNvPr>
@@ -18894,7 +18807,7 @@
           <p:cNvPr id="9" name="텍스트 개체 틀 8">
             <a:extLst>
               <a:ext uri="{FF2B5EF4-FFF2-40B4-BE49-F238E27FC236}">
-                <a16:creationId xmlns:a16="http://schemas.microsoft.com/office/drawing/2014/main" xmlns="" id="{A07C0B61-375E-4330-850F-740158BE3674}"/>
+                <a16:creationId xmlns:a16="http://schemas.microsoft.com/office/drawing/2014/main" id="{A07C0B61-375E-4330-850F-740158BE3674}"/>
               </a:ext>
             </a:extLst>
           </p:cNvPr>
@@ -18927,7 +18840,7 @@
           <p:cNvPr id="7" name="텍스트 개체 틀 6">
             <a:extLst>
               <a:ext uri="{FF2B5EF4-FFF2-40B4-BE49-F238E27FC236}">
-                <a16:creationId xmlns:a16="http://schemas.microsoft.com/office/drawing/2014/main" xmlns="" id="{8E0EDBB3-D4FF-4E7B-A8D3-67AF82A4FCE9}"/>
+                <a16:creationId xmlns:a16="http://schemas.microsoft.com/office/drawing/2014/main" id="{8E0EDBB3-D4FF-4E7B-A8D3-67AF82A4FCE9}"/>
               </a:ext>
             </a:extLst>
           </p:cNvPr>
@@ -18966,7 +18879,7 @@
           <p:cNvPr id="30" name="텍스트 개체 틀 18">
             <a:extLst>
               <a:ext uri="{FF2B5EF4-FFF2-40B4-BE49-F238E27FC236}">
-                <a16:creationId xmlns:a16="http://schemas.microsoft.com/office/drawing/2014/main" xmlns="" id="{35B0EFBA-2784-4F27-8843-E4086A89CE34}"/>
+                <a16:creationId xmlns:a16="http://schemas.microsoft.com/office/drawing/2014/main" id="{35B0EFBA-2784-4F27-8843-E4086A89CE34}"/>
               </a:ext>
             </a:extLst>
           </p:cNvPr>
@@ -19226,7 +19139,7 @@
           <p:cNvPr id="32" name="원형: 비어 있음 31">
             <a:extLst>
               <a:ext uri="{FF2B5EF4-FFF2-40B4-BE49-F238E27FC236}">
-                <a16:creationId xmlns:a16="http://schemas.microsoft.com/office/drawing/2014/main" xmlns="" id="{678B5649-1C08-494B-8F95-E3CDD47E5A77}"/>
+                <a16:creationId xmlns:a16="http://schemas.microsoft.com/office/drawing/2014/main" id="{678B5649-1C08-494B-8F95-E3CDD47E5A77}"/>
               </a:ext>
             </a:extLst>
           </p:cNvPr>
@@ -19356,7 +19269,7 @@
           <p:cNvPr id="34" name="텍스트 개체 틀 18">
             <a:extLst>
               <a:ext uri="{FF2B5EF4-FFF2-40B4-BE49-F238E27FC236}">
-                <a16:creationId xmlns:a16="http://schemas.microsoft.com/office/drawing/2014/main" xmlns="" id="{35B0EFBA-2784-4F27-8843-E4086A89CE34}"/>
+                <a16:creationId xmlns:a16="http://schemas.microsoft.com/office/drawing/2014/main" id="{35B0EFBA-2784-4F27-8843-E4086A89CE34}"/>
               </a:ext>
             </a:extLst>
           </p:cNvPr>
@@ -19656,7 +19569,7 @@
           <p:cNvPr id="35" name="텍스트 개체 틀 18">
             <a:extLst>
               <a:ext uri="{FF2B5EF4-FFF2-40B4-BE49-F238E27FC236}">
-                <a16:creationId xmlns:a16="http://schemas.microsoft.com/office/drawing/2014/main" xmlns="" id="{35B0EFBA-2784-4F27-8843-E4086A89CE34}"/>
+                <a16:creationId xmlns:a16="http://schemas.microsoft.com/office/drawing/2014/main" id="{35B0EFBA-2784-4F27-8843-E4086A89CE34}"/>
               </a:ext>
             </a:extLst>
           </p:cNvPr>
@@ -19970,7 +19883,7 @@
           <p:cNvPr id="38" name="텍스트 개체 틀 18">
             <a:extLst>
               <a:ext uri="{FF2B5EF4-FFF2-40B4-BE49-F238E27FC236}">
-                <a16:creationId xmlns:a16="http://schemas.microsoft.com/office/drawing/2014/main" xmlns="" id="{35B0EFBA-2784-4F27-8843-E4086A89CE34}"/>
+                <a16:creationId xmlns:a16="http://schemas.microsoft.com/office/drawing/2014/main" id="{35B0EFBA-2784-4F27-8843-E4086A89CE34}"/>
               </a:ext>
             </a:extLst>
           </p:cNvPr>
@@ -20279,7 +20192,7 @@
           <p:cNvPr id="41" name="텍스트 개체 틀 18">
             <a:extLst>
               <a:ext uri="{FF2B5EF4-FFF2-40B4-BE49-F238E27FC236}">
-                <a16:creationId xmlns:a16="http://schemas.microsoft.com/office/drawing/2014/main" xmlns="" id="{35B0EFBA-2784-4F27-8843-E4086A89CE34}"/>
+                <a16:creationId xmlns:a16="http://schemas.microsoft.com/office/drawing/2014/main" id="{35B0EFBA-2784-4F27-8843-E4086A89CE34}"/>
               </a:ext>
             </a:extLst>
           </p:cNvPr>
@@ -20595,7 +20508,7 @@
           <p:cNvPr id="44" name="텍스트 개체 틀 18">
             <a:extLst>
               <a:ext uri="{FF2B5EF4-FFF2-40B4-BE49-F238E27FC236}">
-                <a16:creationId xmlns:a16="http://schemas.microsoft.com/office/drawing/2014/main" xmlns="" id="{35B0EFBA-2784-4F27-8843-E4086A89CE34}"/>
+                <a16:creationId xmlns:a16="http://schemas.microsoft.com/office/drawing/2014/main" id="{35B0EFBA-2784-4F27-8843-E4086A89CE34}"/>
               </a:ext>
             </a:extLst>
           </p:cNvPr>
@@ -20902,7 +20815,7 @@
           <p:cNvPr id="50" name="텍스트 개체 틀 18">
             <a:extLst>
               <a:ext uri="{FF2B5EF4-FFF2-40B4-BE49-F238E27FC236}">
-                <a16:creationId xmlns:a16="http://schemas.microsoft.com/office/drawing/2014/main" xmlns="" id="{35B0EFBA-2784-4F27-8843-E4086A89CE34}"/>
+                <a16:creationId xmlns:a16="http://schemas.microsoft.com/office/drawing/2014/main" id="{35B0EFBA-2784-4F27-8843-E4086A89CE34}"/>
               </a:ext>
             </a:extLst>
           </p:cNvPr>
@@ -21212,7 +21125,7 @@
           <p:cNvPr id="16" name="텍스트 개체 틀 15">
             <a:extLst>
               <a:ext uri="{FF2B5EF4-FFF2-40B4-BE49-F238E27FC236}">
-                <a16:creationId xmlns:a16="http://schemas.microsoft.com/office/drawing/2014/main" xmlns="" id="{6DD2F5DC-9C10-4C58-885F-6C759DD7726F}"/>
+                <a16:creationId xmlns:a16="http://schemas.microsoft.com/office/drawing/2014/main" id="{6DD2F5DC-9C10-4C58-885F-6C759DD7726F}"/>
               </a:ext>
             </a:extLst>
           </p:cNvPr>
@@ -21265,7 +21178,7 @@
           <p:cNvPr id="17" name="텍스트 개체 틀 16">
             <a:extLst>
               <a:ext uri="{FF2B5EF4-FFF2-40B4-BE49-F238E27FC236}">
-                <a16:creationId xmlns:a16="http://schemas.microsoft.com/office/drawing/2014/main" xmlns="" id="{13A46F48-40E6-4F4F-8C6A-BE07849CB011}"/>
+                <a16:creationId xmlns:a16="http://schemas.microsoft.com/office/drawing/2014/main" id="{13A46F48-40E6-4F4F-8C6A-BE07849CB011}"/>
               </a:ext>
             </a:extLst>
           </p:cNvPr>
@@ -21308,7 +21221,7 @@
           <p:cNvPr id="15" name="텍스트 개체 틀 14">
             <a:extLst>
               <a:ext uri="{FF2B5EF4-FFF2-40B4-BE49-F238E27FC236}">
-                <a16:creationId xmlns:a16="http://schemas.microsoft.com/office/drawing/2014/main" xmlns="" id="{4A79C4DE-2AA8-4A77-B245-4272D10F447B}"/>
+                <a16:creationId xmlns:a16="http://schemas.microsoft.com/office/drawing/2014/main" id="{4A79C4DE-2AA8-4A77-B245-4272D10F447B}"/>
               </a:ext>
             </a:extLst>
           </p:cNvPr>
@@ -21378,7 +21291,7 @@
           <p:cNvPr id="8" name="텍스트 개체 틀 7">
             <a:extLst>
               <a:ext uri="{FF2B5EF4-FFF2-40B4-BE49-F238E27FC236}">
-                <a16:creationId xmlns:a16="http://schemas.microsoft.com/office/drawing/2014/main" xmlns="" id="{F941FAD0-2E99-4CAC-B16F-30C5DE050E43}"/>
+                <a16:creationId xmlns:a16="http://schemas.microsoft.com/office/drawing/2014/main" id="{F941FAD0-2E99-4CAC-B16F-30C5DE050E43}"/>
               </a:ext>
             </a:extLst>
           </p:cNvPr>
@@ -21413,7 +21326,7 @@
           <p:cNvPr id="9" name="텍스트 개체 틀 8">
             <a:extLst>
               <a:ext uri="{FF2B5EF4-FFF2-40B4-BE49-F238E27FC236}">
-                <a16:creationId xmlns:a16="http://schemas.microsoft.com/office/drawing/2014/main" xmlns="" id="{A07C0B61-375E-4330-850F-740158BE3674}"/>
+                <a16:creationId xmlns:a16="http://schemas.microsoft.com/office/drawing/2014/main" id="{A07C0B61-375E-4330-850F-740158BE3674}"/>
               </a:ext>
             </a:extLst>
           </p:cNvPr>
@@ -21446,7 +21359,7 @@
           <p:cNvPr id="7" name="텍스트 개체 틀 6">
             <a:extLst>
               <a:ext uri="{FF2B5EF4-FFF2-40B4-BE49-F238E27FC236}">
-                <a16:creationId xmlns:a16="http://schemas.microsoft.com/office/drawing/2014/main" xmlns="" id="{8E0EDBB3-D4FF-4E7B-A8D3-67AF82A4FCE9}"/>
+                <a16:creationId xmlns:a16="http://schemas.microsoft.com/office/drawing/2014/main" id="{8E0EDBB3-D4FF-4E7B-A8D3-67AF82A4FCE9}"/>
               </a:ext>
             </a:extLst>
           </p:cNvPr>
@@ -21485,7 +21398,7 @@
           <p:cNvPr id="19" name="텍스트 개체 틀 18">
             <a:extLst>
               <a:ext uri="{FF2B5EF4-FFF2-40B4-BE49-F238E27FC236}">
-                <a16:creationId xmlns:a16="http://schemas.microsoft.com/office/drawing/2014/main" xmlns="" id="{F47C67DE-4C45-465C-8321-3BDE5360C203}"/>
+                <a16:creationId xmlns:a16="http://schemas.microsoft.com/office/drawing/2014/main" id="{F47C67DE-4C45-465C-8321-3BDE5360C203}"/>
               </a:ext>
             </a:extLst>
           </p:cNvPr>
@@ -21796,7 +21709,7 @@
           <p:cNvPr id="20" name="직선 연결선 19">
             <a:extLst>
               <a:ext uri="{FF2B5EF4-FFF2-40B4-BE49-F238E27FC236}">
-                <a16:creationId xmlns:a16="http://schemas.microsoft.com/office/drawing/2014/main" xmlns="" id="{0CCE5372-E9D3-4F6A-8168-91DB4E98C99A}"/>
+                <a16:creationId xmlns:a16="http://schemas.microsoft.com/office/drawing/2014/main" id="{0CCE5372-E9D3-4F6A-8168-91DB4E98C99A}"/>
               </a:ext>
             </a:extLst>
           </p:cNvPr>
@@ -22556,7 +22469,7 @@
           <p:cNvPr id="8" name="텍스트 개체 틀 7">
             <a:extLst>
               <a:ext uri="{FF2B5EF4-FFF2-40B4-BE49-F238E27FC236}">
-                <a16:creationId xmlns:a16="http://schemas.microsoft.com/office/drawing/2014/main" xmlns="" id="{F941FAD0-2E99-4CAC-B16F-30C5DE050E43}"/>
+                <a16:creationId xmlns:a16="http://schemas.microsoft.com/office/drawing/2014/main" id="{F941FAD0-2E99-4CAC-B16F-30C5DE050E43}"/>
               </a:ext>
             </a:extLst>
           </p:cNvPr>
@@ -22591,7 +22504,7 @@
           <p:cNvPr id="9" name="텍스트 개체 틀 8">
             <a:extLst>
               <a:ext uri="{FF2B5EF4-FFF2-40B4-BE49-F238E27FC236}">
-                <a16:creationId xmlns:a16="http://schemas.microsoft.com/office/drawing/2014/main" xmlns="" id="{A07C0B61-375E-4330-850F-740158BE3674}"/>
+                <a16:creationId xmlns:a16="http://schemas.microsoft.com/office/drawing/2014/main" id="{A07C0B61-375E-4330-850F-740158BE3674}"/>
               </a:ext>
             </a:extLst>
           </p:cNvPr>
@@ -22624,7 +22537,7 @@
           <p:cNvPr id="7" name="텍스트 개체 틀 6">
             <a:extLst>
               <a:ext uri="{FF2B5EF4-FFF2-40B4-BE49-F238E27FC236}">
-                <a16:creationId xmlns:a16="http://schemas.microsoft.com/office/drawing/2014/main" xmlns="" id="{8E0EDBB3-D4FF-4E7B-A8D3-67AF82A4FCE9}"/>
+                <a16:creationId xmlns:a16="http://schemas.microsoft.com/office/drawing/2014/main" id="{8E0EDBB3-D4FF-4E7B-A8D3-67AF82A4FCE9}"/>
               </a:ext>
             </a:extLst>
           </p:cNvPr>
@@ -22702,19 +22615,7 @@
                 <a:latin typeface="HY견고딕" pitchFamily="18" charset="-127"/>
                 <a:ea typeface="HY견고딕" pitchFamily="18" charset="-127"/>
               </a:rPr>
-              <a:t>윈도우 </a:t>
-            </a:r>
-            <a:r>
-              <a:rPr lang="ko-KR" altLang="en-US" sz="1400" dirty="0" smtClean="0">
-                <a:solidFill>
-                  <a:schemeClr val="bg1">
-                    <a:lumMod val="95000"/>
-                  </a:schemeClr>
-                </a:solidFill>
-                <a:latin typeface="HY견고딕" pitchFamily="18" charset="-127"/>
-                <a:ea typeface="HY견고딕" pitchFamily="18" charset="-127"/>
-              </a:rPr>
-              <a:t>부팅화면을 사이트 </a:t>
+              <a:t>윈도우 부팅화면을 사이트 </a:t>
             </a:r>
             <a:r>
               <a:rPr lang="ko-KR" altLang="en-US" sz="1400" dirty="0" err="1" smtClean="0">
@@ -22854,31 +22755,7 @@
                 <a:latin typeface="HY견고딕" pitchFamily="18" charset="-127"/>
                 <a:ea typeface="HY견고딕" pitchFamily="18" charset="-127"/>
               </a:rPr>
-              <a:t>  부팅화면에서 </a:t>
-            </a:r>
-            <a:r>
-              <a:rPr lang="ko-KR" altLang="en-US" sz="1400" dirty="0" smtClean="0">
-                <a:solidFill>
-                  <a:schemeClr val="bg1">
-                    <a:lumMod val="95000"/>
-                  </a:schemeClr>
-                </a:solidFill>
-                <a:latin typeface="HY견고딕" pitchFamily="18" charset="-127"/>
-                <a:ea typeface="HY견고딕" pitchFamily="18" charset="-127"/>
-              </a:rPr>
-              <a:t>로그인 </a:t>
-            </a:r>
-            <a:r>
-              <a:rPr lang="ko-KR" altLang="en-US" sz="1400" dirty="0" smtClean="0">
-                <a:solidFill>
-                  <a:schemeClr val="bg1">
-                    <a:lumMod val="95000"/>
-                  </a:schemeClr>
-                </a:solidFill>
-                <a:latin typeface="HY견고딕" pitchFamily="18" charset="-127"/>
-                <a:ea typeface="HY견고딕" pitchFamily="18" charset="-127"/>
-              </a:rPr>
-              <a:t>기능을 도입 예정</a:t>
+              <a:t>  부팅화면에서 로그인 기능을 도입 예정</a:t>
             </a:r>
             <a:endParaRPr lang="ko-KR" altLang="en-US" sz="1400" dirty="0">
               <a:solidFill>
@@ -23019,19 +22896,7 @@
                 <a:latin typeface="HY견고딕" pitchFamily="18" charset="-127"/>
                 <a:ea typeface="HY견고딕" pitchFamily="18" charset="-127"/>
               </a:rPr>
-              <a:t>윈도우 </a:t>
-            </a:r>
-            <a:r>
-              <a:rPr lang="ko-KR" altLang="en-US" sz="1400" dirty="0" smtClean="0">
-                <a:solidFill>
-                  <a:schemeClr val="bg1">
-                    <a:lumMod val="95000"/>
-                  </a:schemeClr>
-                </a:solidFill>
-                <a:latin typeface="HY견고딕" pitchFamily="18" charset="-127"/>
-                <a:ea typeface="HY견고딕" pitchFamily="18" charset="-127"/>
-              </a:rPr>
-              <a:t>화면</a:t>
+              <a:t>윈도우 화면</a:t>
             </a:r>
             <a:endParaRPr lang="en-US" altLang="ko-KR" sz="1400" dirty="0">
               <a:solidFill>
@@ -23077,19 +22942,7 @@
                 <a:latin typeface="HY견고딕" pitchFamily="18" charset="-127"/>
                 <a:ea typeface="HY견고딕" pitchFamily="18" charset="-127"/>
               </a:rPr>
-              <a:t>기본적인 </a:t>
-            </a:r>
-            <a:r>
-              <a:rPr lang="ko-KR" altLang="en-US" sz="1400" dirty="0" smtClean="0">
-                <a:solidFill>
-                  <a:schemeClr val="bg1">
-                    <a:lumMod val="95000"/>
-                  </a:schemeClr>
-                </a:solidFill>
-                <a:latin typeface="HY견고딕" pitchFamily="18" charset="-127"/>
-                <a:ea typeface="HY견고딕" pitchFamily="18" charset="-127"/>
-              </a:rPr>
-              <a:t>앱들을 화면에 표시함</a:t>
+              <a:t>기본적인 앱들을 화면에 표시함</a:t>
             </a:r>
             <a:endParaRPr lang="en-US" altLang="ko-KR" sz="1400" dirty="0" smtClean="0">
               <a:solidFill>
@@ -23329,7 +23182,7 @@
   <a:extraClrSchemeLst/>
   <a:extLst>
     <a:ext uri="{05A4C25C-085E-4340-85A3-A5531E510DB2}">
-      <thm15:themeFamily xmlns:thm15="http://schemas.microsoft.com/office/thememl/2012/main" xmlns="" name="Office Theme" id="{62F939B6-93AF-4DB8-9C6B-D6C7DFDC589F}" vid="{4A3C46E8-61CC-4603-A589-7422A47A8E4A}"/>
+      <thm15:themeFamily xmlns:thm15="http://schemas.microsoft.com/office/thememl/2012/main" name="Office Theme" id="{62F939B6-93AF-4DB8-9C6B-D6C7DFDC589F}" vid="{4A3C46E8-61CC-4603-A589-7422A47A8E4A}"/>
     </a:ext>
   </a:extLst>
 </a:theme>
@@ -23590,7 +23443,7 @@
   <a:extraClrSchemeLst/>
   <a:extLst>
     <a:ext uri="{05A4C25C-085E-4340-85A3-A5531E510DB2}">
-      <thm15:themeFamily xmlns:thm15="http://schemas.microsoft.com/office/thememl/2012/main" xmlns="" name="Office Theme" id="{62F939B6-93AF-4DB8-9C6B-D6C7DFDC589F}" vid="{4A3C46E8-61CC-4603-A589-7422A47A8E4A}"/>
+      <thm15:themeFamily xmlns:thm15="http://schemas.microsoft.com/office/thememl/2012/main" name="Office Theme" id="{62F939B6-93AF-4DB8-9C6B-D6C7DFDC589F}" vid="{4A3C46E8-61CC-4603-A589-7422A47A8E4A}"/>
     </a:ext>
   </a:extLst>
 </a:theme>
@@ -23851,7 +23704,7 @@
   <a:extraClrSchemeLst/>
   <a:extLst>
     <a:ext uri="{05A4C25C-085E-4340-85A3-A5531E510DB2}">
-      <thm15:themeFamily xmlns:thm15="http://schemas.microsoft.com/office/thememl/2012/main" xmlns="" name="Office Theme" id="{62F939B6-93AF-4DB8-9C6B-D6C7DFDC589F}" vid="{4A3C46E8-61CC-4603-A589-7422A47A8E4A}"/>
+      <thm15:themeFamily xmlns:thm15="http://schemas.microsoft.com/office/thememl/2012/main" name="Office Theme" id="{62F939B6-93AF-4DB8-9C6B-D6C7DFDC589F}" vid="{4A3C46E8-61CC-4603-A589-7422A47A8E4A}"/>
     </a:ext>
   </a:extLst>
 </a:theme>
